--- a/youtube simulation/Current Status of YouTube Simulation - 1-9-24.pptx
+++ b/youtube simulation/Current Status of YouTube Simulation - 1-9-24.pptx
@@ -23,6 +23,9 @@
     <p:sldId id="270" r:id="rId17"/>
     <p:sldId id="272" r:id="rId18"/>
     <p:sldId id="273" r:id="rId19"/>
+    <p:sldId id="276" r:id="rId20"/>
+    <p:sldId id="275" r:id="rId21"/>
+    <p:sldId id="274" r:id="rId22"/>
   </p:sldIdLst>
   <p:sldSz cx="12192000" cy="6858000"/>
   <p:notesSz cx="6858000" cy="9144000"/>
@@ -121,6 +124,11 @@
       </a:defRPr>
     </a:lvl9pPr>
   </p:defaultTextStyle>
+  <p:extLst>
+    <p:ext uri="{EFAFB233-063F-42B5-8137-9DF3F51BA10A}">
+      <p15:sldGuideLst xmlns:p15="http://schemas.microsoft.com/office/powerpoint/2012/main"/>
+    </p:ext>
+  </p:extLst>
 </p:presentation>
 </file>
 
@@ -324,7 +332,7 @@
           <a:p>
             <a:fld id="{C62310E3-9A57-4749-BE71-4D6AEC267A5D}" type="datetimeFigureOut">
               <a:rPr lang="en-US" smtClean="0"/>
-              <a:t>1/8/2024</a:t>
+              <a:t>1/9/2024</a:t>
             </a:fld>
             <a:endParaRPr lang="en-US"/>
           </a:p>
@@ -514,7 +522,7 @@
           <a:p>
             <a:fld id="{C62310E3-9A57-4749-BE71-4D6AEC267A5D}" type="datetimeFigureOut">
               <a:rPr lang="en-US" smtClean="0"/>
-              <a:t>1/8/2024</a:t>
+              <a:t>1/9/2024</a:t>
             </a:fld>
             <a:endParaRPr lang="en-US"/>
           </a:p>
@@ -694,7 +702,7 @@
           <a:p>
             <a:fld id="{C62310E3-9A57-4749-BE71-4D6AEC267A5D}" type="datetimeFigureOut">
               <a:rPr lang="en-US" smtClean="0"/>
-              <a:t>1/8/2024</a:t>
+              <a:t>1/9/2024</a:t>
             </a:fld>
             <a:endParaRPr lang="en-US"/>
           </a:p>
@@ -863,7 +871,7 @@
           <a:p>
             <a:fld id="{C62310E3-9A57-4749-BE71-4D6AEC267A5D}" type="datetimeFigureOut">
               <a:rPr lang="en-US" smtClean="0"/>
-              <a:t>1/8/2024</a:t>
+              <a:t>1/9/2024</a:t>
             </a:fld>
             <a:endParaRPr lang="en-US"/>
           </a:p>
@@ -1119,7 +1127,7 @@
           <a:p>
             <a:fld id="{C62310E3-9A57-4749-BE71-4D6AEC267A5D}" type="datetimeFigureOut">
               <a:rPr lang="en-US" smtClean="0"/>
-              <a:t>1/8/2024</a:t>
+              <a:t>1/9/2024</a:t>
             </a:fld>
             <a:endParaRPr lang="en-US"/>
           </a:p>
@@ -1407,7 +1415,7 @@
           <a:p>
             <a:fld id="{C62310E3-9A57-4749-BE71-4D6AEC267A5D}" type="datetimeFigureOut">
               <a:rPr lang="en-US" smtClean="0"/>
-              <a:t>1/8/2024</a:t>
+              <a:t>1/9/2024</a:t>
             </a:fld>
             <a:endParaRPr lang="en-US"/>
           </a:p>
@@ -1845,7 +1853,7 @@
           <a:p>
             <a:fld id="{C62310E3-9A57-4749-BE71-4D6AEC267A5D}" type="datetimeFigureOut">
               <a:rPr lang="en-US" smtClean="0"/>
-              <a:t>1/8/2024</a:t>
+              <a:t>1/9/2024</a:t>
             </a:fld>
             <a:endParaRPr lang="en-US"/>
           </a:p>
@@ -1963,7 +1971,7 @@
           <a:p>
             <a:fld id="{C62310E3-9A57-4749-BE71-4D6AEC267A5D}" type="datetimeFigureOut">
               <a:rPr lang="en-US" smtClean="0"/>
-              <a:t>1/8/2024</a:t>
+              <a:t>1/9/2024</a:t>
             </a:fld>
             <a:endParaRPr lang="en-US"/>
           </a:p>
@@ -2058,7 +2066,7 @@
           <a:p>
             <a:fld id="{C62310E3-9A57-4749-BE71-4D6AEC267A5D}" type="datetimeFigureOut">
               <a:rPr lang="en-US" smtClean="0"/>
-              <a:t>1/8/2024</a:t>
+              <a:t>1/9/2024</a:t>
             </a:fld>
             <a:endParaRPr lang="en-US"/>
           </a:p>
@@ -2414,7 +2422,7 @@
           <a:p>
             <a:fld id="{C62310E3-9A57-4749-BE71-4D6AEC267A5D}" type="datetimeFigureOut">
               <a:rPr lang="en-US" smtClean="0"/>
-              <a:t>1/8/2024</a:t>
+              <a:t>1/9/2024</a:t>
             </a:fld>
             <a:endParaRPr lang="en-US"/>
           </a:p>
@@ -2730,7 +2738,7 @@
           <a:p>
             <a:fld id="{C62310E3-9A57-4749-BE71-4D6AEC267A5D}" type="datetimeFigureOut">
               <a:rPr lang="en-US" smtClean="0"/>
-              <a:t>1/8/2024</a:t>
+              <a:t>1/9/2024</a:t>
             </a:fld>
             <a:endParaRPr lang="en-US"/>
           </a:p>
@@ -2963,7 +2971,7 @@
           <a:p>
             <a:fld id="{C62310E3-9A57-4749-BE71-4D6AEC267A5D}" type="datetimeFigureOut">
               <a:rPr lang="en-US" smtClean="0"/>
-              <a:t>1/8/2024</a:t>
+              <a:t>1/9/2024</a:t>
             </a:fld>
             <a:endParaRPr lang="en-US"/>
           </a:p>
@@ -4875,54 +4883,466 @@
             <p:ph type="title"/>
           </p:nvPr>
         </p:nvSpPr>
-        <p:spPr/>
-        <p:txBody>
-          <a:bodyPr/>
+        <p:spPr>
+          <a:xfrm>
+            <a:off x="47625" y="-342823"/>
+            <a:ext cx="5089641" cy="1456728"/>
+          </a:xfrm>
+        </p:spPr>
+        <p:txBody>
+          <a:bodyPr>
+            <a:normAutofit/>
+          </a:bodyPr>
           <a:lstStyle/>
           <a:p>
             <a:r>
-              <a:rPr lang="en-US" dirty="0"/>
-              <a:t>To-Do for Next Time</a:t>
-            </a:r>
-          </a:p>
-        </p:txBody>
-      </p:sp>
-      <p:sp>
-        <p:nvSpPr>
-          <p:cNvPr id="3" name="Content Placeholder 2">
+              <a:rPr lang="en-US" sz="3000" dirty="0"/>
+              <a:t>Middle Agents Minutes Watched</a:t>
+            </a:r>
+          </a:p>
+        </p:txBody>
+      </p:sp>
+      <p:pic>
+        <p:nvPicPr>
+          <p:cNvPr id="7" name="Picture 6">
             <a:extLst>
               <a:ext uri="{FF2B5EF4-FFF2-40B4-BE49-F238E27FC236}">
-                <a16:creationId xmlns:a16="http://schemas.microsoft.com/office/drawing/2014/main" id="{EF964FDC-94BF-64B2-FE50-EDA9C5711D48}"/>
+                <a16:creationId xmlns:a16="http://schemas.microsoft.com/office/drawing/2014/main" id="{A577CFC0-49E9-C2F5-CEFA-6A4D104CF585}"/>
               </a:ext>
             </a:extLst>
           </p:cNvPr>
-          <p:cNvSpPr>
-            <a:spLocks noGrp="1"/>
-          </p:cNvSpPr>
-          <p:nvPr>
-            <p:ph idx="1"/>
-          </p:nvPr>
-        </p:nvSpPr>
-        <p:spPr/>
-        <p:txBody>
-          <a:bodyPr/>
-          <a:lstStyle/>
-          <a:p>
-            <a:pPr>
-              <a:buFont typeface="Wingdings" panose="05000000000000000000" pitchFamily="2" charset="2"/>
-              <a:buChar char="q"/>
-            </a:pPr>
-            <a:r>
-              <a:rPr lang="en-US" dirty="0"/>
-              <a:t> Repeat the same process you just did for the three other graphs, and compile the results in the same way.</a:t>
-            </a:r>
-          </a:p>
-        </p:txBody>
-      </p:sp>
+          <p:cNvPicPr>
+            <a:picLocks noChangeAspect="1"/>
+          </p:cNvPicPr>
+          <p:nvPr/>
+        </p:nvPicPr>
+        <p:blipFill>
+          <a:blip r:embed="rId2"/>
+          <a:stretch>
+            <a:fillRect/>
+          </a:stretch>
+        </p:blipFill>
+        <p:spPr>
+          <a:xfrm>
+            <a:off x="180629" y="684155"/>
+            <a:ext cx="6000750" cy="3095625"/>
+          </a:xfrm>
+          <a:prstGeom prst="rect">
+            <a:avLst/>
+          </a:prstGeom>
+        </p:spPr>
+      </p:pic>
+      <p:pic>
+        <p:nvPicPr>
+          <p:cNvPr id="9" name="Picture 8">
+            <a:extLst>
+              <a:ext uri="{FF2B5EF4-FFF2-40B4-BE49-F238E27FC236}">
+                <a16:creationId xmlns:a16="http://schemas.microsoft.com/office/drawing/2014/main" id="{FBA39978-308E-50A4-2ADA-A174250B34A2}"/>
+              </a:ext>
+            </a:extLst>
+          </p:cNvPr>
+          <p:cNvPicPr>
+            <a:picLocks noChangeAspect="1"/>
+          </p:cNvPicPr>
+          <p:nvPr/>
+        </p:nvPicPr>
+        <p:blipFill>
+          <a:blip r:embed="rId3"/>
+          <a:stretch>
+            <a:fillRect/>
+          </a:stretch>
+        </p:blipFill>
+        <p:spPr>
+          <a:xfrm>
+            <a:off x="6532245" y="188423"/>
+            <a:ext cx="5242510" cy="3779866"/>
+          </a:xfrm>
+          <a:prstGeom prst="rect">
+            <a:avLst/>
+          </a:prstGeom>
+        </p:spPr>
+      </p:pic>
+      <p:pic>
+        <p:nvPicPr>
+          <p:cNvPr id="11" name="Picture 10">
+            <a:extLst>
+              <a:ext uri="{FF2B5EF4-FFF2-40B4-BE49-F238E27FC236}">
+                <a16:creationId xmlns:a16="http://schemas.microsoft.com/office/drawing/2014/main" id="{725C5CCE-574D-14B8-688C-70217B1DE13A}"/>
+              </a:ext>
+            </a:extLst>
+          </p:cNvPr>
+          <p:cNvPicPr>
+            <a:picLocks noChangeAspect="1"/>
+          </p:cNvPicPr>
+          <p:nvPr/>
+        </p:nvPicPr>
+        <p:blipFill>
+          <a:blip r:embed="rId4"/>
+          <a:stretch>
+            <a:fillRect/>
+          </a:stretch>
+        </p:blipFill>
+        <p:spPr>
+          <a:xfrm>
+            <a:off x="376842" y="3761516"/>
+            <a:ext cx="5746865" cy="3096484"/>
+          </a:xfrm>
+          <a:prstGeom prst="rect">
+            <a:avLst/>
+          </a:prstGeom>
+        </p:spPr>
+      </p:pic>
+      <p:pic>
+        <p:nvPicPr>
+          <p:cNvPr id="13" name="Picture 12">
+            <a:extLst>
+              <a:ext uri="{FF2B5EF4-FFF2-40B4-BE49-F238E27FC236}">
+                <a16:creationId xmlns:a16="http://schemas.microsoft.com/office/drawing/2014/main" id="{CFCDAFD4-B4F3-0B21-4764-F82023FDE895}"/>
+              </a:ext>
+            </a:extLst>
+          </p:cNvPr>
+          <p:cNvPicPr>
+            <a:picLocks noChangeAspect="1"/>
+          </p:cNvPicPr>
+          <p:nvPr/>
+        </p:nvPicPr>
+        <p:blipFill>
+          <a:blip r:embed="rId5"/>
+          <a:stretch>
+            <a:fillRect/>
+          </a:stretch>
+        </p:blipFill>
+        <p:spPr>
+          <a:xfrm>
+            <a:off x="7313616" y="3893564"/>
+            <a:ext cx="3679767" cy="2964436"/>
+          </a:xfrm>
+          <a:prstGeom prst="rect">
+            <a:avLst/>
+          </a:prstGeom>
+        </p:spPr>
+      </p:pic>
     </p:spTree>
     <p:extLst>
       <p:ext uri="{BB962C8B-B14F-4D97-AF65-F5344CB8AC3E}">
         <p14:creationId xmlns:p14="http://schemas.microsoft.com/office/powerpoint/2010/main" val="2141913206"/>
+      </p:ext>
+    </p:extLst>
+  </p:cSld>
+  <p:clrMapOvr>
+    <a:masterClrMapping/>
+  </p:clrMapOvr>
+</p:sld>
+</file>
+
+<file path=ppt/slides/slide19.xml><?xml version="1.0" encoding="utf-8"?>
+<p:sld xmlns:a="http://schemas.openxmlformats.org/drawingml/2006/main" xmlns:r="http://schemas.openxmlformats.org/officeDocument/2006/relationships" xmlns:p="http://schemas.openxmlformats.org/presentationml/2006/main">
+  <p:cSld>
+    <p:spTree>
+      <p:nvGrpSpPr>
+        <p:cNvPr id="1" name=""/>
+        <p:cNvGrpSpPr/>
+        <p:nvPr/>
+      </p:nvGrpSpPr>
+      <p:grpSpPr>
+        <a:xfrm>
+          <a:off x="0" y="0"/>
+          <a:ext cx="0" cy="0"/>
+          <a:chOff x="0" y="0"/>
+          <a:chExt cx="0" cy="0"/>
+        </a:xfrm>
+      </p:grpSpPr>
+      <p:sp>
+        <p:nvSpPr>
+          <p:cNvPr id="2" name="Title 1">
+            <a:extLst>
+              <a:ext uri="{FF2B5EF4-FFF2-40B4-BE49-F238E27FC236}">
+                <a16:creationId xmlns:a16="http://schemas.microsoft.com/office/drawing/2014/main" id="{7E60568B-C018-38F5-FA4B-6674C2EDB067}"/>
+              </a:ext>
+            </a:extLst>
+          </p:cNvPr>
+          <p:cNvSpPr>
+            <a:spLocks noGrp="1"/>
+          </p:cNvSpPr>
+          <p:nvPr>
+            <p:ph type="title"/>
+          </p:nvPr>
+        </p:nvSpPr>
+        <p:spPr>
+          <a:xfrm>
+            <a:off x="335800" y="166711"/>
+            <a:ext cx="10772775" cy="1658198"/>
+          </a:xfrm>
+        </p:spPr>
+        <p:txBody>
+          <a:bodyPr/>
+          <a:lstStyle/>
+          <a:p>
+            <a:r>
+              <a:rPr lang="en-US" dirty="0"/>
+              <a:t>Minutes Watched Cont’d.</a:t>
+            </a:r>
+          </a:p>
+        </p:txBody>
+      </p:sp>
+      <p:sp>
+        <p:nvSpPr>
+          <p:cNvPr id="3" name="Content Placeholder 2">
+            <a:extLst>
+              <a:ext uri="{FF2B5EF4-FFF2-40B4-BE49-F238E27FC236}">
+                <a16:creationId xmlns:a16="http://schemas.microsoft.com/office/drawing/2014/main" id="{F9A665A9-716D-7792-D43E-4ED163B076F3}"/>
+              </a:ext>
+            </a:extLst>
+          </p:cNvPr>
+          <p:cNvSpPr>
+            <a:spLocks noGrp="1"/>
+          </p:cNvSpPr>
+          <p:nvPr>
+            <p:ph idx="1"/>
+          </p:nvPr>
+        </p:nvSpPr>
+        <p:spPr>
+          <a:xfrm>
+            <a:off x="676657" y="2011680"/>
+            <a:ext cx="6450122" cy="3766185"/>
+          </a:xfrm>
+        </p:spPr>
+        <p:txBody>
+          <a:bodyPr/>
+          <a:lstStyle/>
+          <a:p>
+            <a:pPr>
+              <a:buFont typeface="Arial" panose="020B0604020202020204" pitchFamily="34" charset="0"/>
+              <a:buChar char="•"/>
+            </a:pPr>
+            <a:r>
+              <a:rPr lang="en-US" b="1" dirty="0"/>
+              <a:t> No system:</a:t>
+            </a:r>
+            <a:r>
+              <a:rPr lang="en-US" dirty="0"/>
+              <a:t> 78.072 minutes</a:t>
+            </a:r>
+          </a:p>
+          <a:p>
+            <a:pPr>
+              <a:buFont typeface="Arial" panose="020B0604020202020204" pitchFamily="34" charset="0"/>
+              <a:buChar char="•"/>
+            </a:pPr>
+            <a:r>
+              <a:rPr lang="en-US" b="1" dirty="0"/>
+              <a:t> Filtered list system:</a:t>
+            </a:r>
+            <a:r>
+              <a:rPr lang="en-US" dirty="0"/>
+              <a:t> 61.018 minutes</a:t>
+            </a:r>
+          </a:p>
+          <a:p>
+            <a:pPr>
+              <a:buFont typeface="Arial" panose="020B0604020202020204" pitchFamily="34" charset="0"/>
+              <a:buChar char="•"/>
+            </a:pPr>
+            <a:r>
+              <a:rPr lang="en-US" b="1" dirty="0"/>
+              <a:t> Filtered list w/ random clicking:</a:t>
+            </a:r>
+            <a:r>
+              <a:rPr lang="en-US" dirty="0"/>
+              <a:t> 67.709 minutes</a:t>
+            </a:r>
+          </a:p>
+          <a:p>
+            <a:pPr>
+              <a:buFont typeface="Arial" panose="020B0604020202020204" pitchFamily="34" charset="0"/>
+              <a:buChar char="•"/>
+            </a:pPr>
+            <a:r>
+              <a:rPr lang="en-US" b="1" dirty="0"/>
+              <a:t> Scoring system:</a:t>
+            </a:r>
+            <a:r>
+              <a:rPr lang="en-US" dirty="0"/>
+              <a:t> 61.818 minutes</a:t>
+            </a:r>
+          </a:p>
+          <a:p>
+            <a:pPr>
+              <a:buFont typeface="Arial" panose="020B0604020202020204" pitchFamily="34" charset="0"/>
+              <a:buChar char="•"/>
+            </a:pPr>
+            <a:endParaRPr lang="en-US" dirty="0"/>
+          </a:p>
+          <a:p>
+            <a:pPr marL="0" indent="0">
+              <a:buNone/>
+            </a:pPr>
+            <a:r>
+              <a:rPr lang="en-US" dirty="0"/>
+              <a:t>This is the same as what we saw overall; the rec systems are making middle users watch for less time.</a:t>
+            </a:r>
+          </a:p>
+        </p:txBody>
+      </p:sp>
+      <p:pic>
+        <p:nvPicPr>
+          <p:cNvPr id="5" name="Picture 4">
+            <a:extLst>
+              <a:ext uri="{FF2B5EF4-FFF2-40B4-BE49-F238E27FC236}">
+                <a16:creationId xmlns:a16="http://schemas.microsoft.com/office/drawing/2014/main" id="{698DC659-E40E-684D-6D8A-F1DCA85A5623}"/>
+              </a:ext>
+            </a:extLst>
+          </p:cNvPr>
+          <p:cNvPicPr>
+            <a:picLocks noChangeAspect="1"/>
+          </p:cNvPicPr>
+          <p:nvPr/>
+        </p:nvPicPr>
+        <p:blipFill>
+          <a:blip r:embed="rId2"/>
+          <a:stretch>
+            <a:fillRect/>
+          </a:stretch>
+        </p:blipFill>
+        <p:spPr>
+          <a:xfrm>
+            <a:off x="7202859" y="3546764"/>
+            <a:ext cx="4432443" cy="3047305"/>
+          </a:xfrm>
+          <a:prstGeom prst="rect">
+            <a:avLst/>
+          </a:prstGeom>
+        </p:spPr>
+      </p:pic>
+      <p:pic>
+        <p:nvPicPr>
+          <p:cNvPr id="6" name="Picture 5">
+            <a:extLst>
+              <a:ext uri="{FF2B5EF4-FFF2-40B4-BE49-F238E27FC236}">
+                <a16:creationId xmlns:a16="http://schemas.microsoft.com/office/drawing/2014/main" id="{482B6E1F-AC1E-285F-64BD-DD3A216A48D1}"/>
+              </a:ext>
+            </a:extLst>
+          </p:cNvPr>
+          <p:cNvPicPr>
+            <a:picLocks noChangeAspect="1"/>
+          </p:cNvPicPr>
+          <p:nvPr/>
+        </p:nvPicPr>
+        <p:blipFill>
+          <a:blip r:embed="rId3"/>
+          <a:stretch>
+            <a:fillRect/>
+          </a:stretch>
+        </p:blipFill>
+        <p:spPr>
+          <a:xfrm>
+            <a:off x="7367905" y="109791"/>
+            <a:ext cx="4166872" cy="3128709"/>
+          </a:xfrm>
+          <a:prstGeom prst="rect">
+            <a:avLst/>
+          </a:prstGeom>
+        </p:spPr>
+      </p:pic>
+      <p:sp>
+        <p:nvSpPr>
+          <p:cNvPr id="7" name="Rectangle 6">
+            <a:extLst>
+              <a:ext uri="{FF2B5EF4-FFF2-40B4-BE49-F238E27FC236}">
+                <a16:creationId xmlns:a16="http://schemas.microsoft.com/office/drawing/2014/main" id="{C0637CA5-31E8-C02F-4450-ECD41F1716BB}"/>
+              </a:ext>
+            </a:extLst>
+          </p:cNvPr>
+          <p:cNvSpPr/>
+          <p:nvPr/>
+        </p:nvSpPr>
+        <p:spPr>
+          <a:xfrm>
+            <a:off x="9105021" y="371302"/>
+            <a:ext cx="698455" cy="2625303"/>
+          </a:xfrm>
+          <a:prstGeom prst="rect">
+            <a:avLst/>
+          </a:prstGeom>
+          <a:solidFill>
+            <a:schemeClr val="accent1">
+              <a:alpha val="34000"/>
+            </a:schemeClr>
+          </a:solidFill>
+          <a:ln>
+            <a:noFill/>
+          </a:ln>
+        </p:spPr>
+        <p:style>
+          <a:lnRef idx="2">
+            <a:schemeClr val="accent1">
+              <a:shade val="15000"/>
+            </a:schemeClr>
+          </a:lnRef>
+          <a:fillRef idx="1">
+            <a:schemeClr val="accent1"/>
+          </a:fillRef>
+          <a:effectRef idx="0">
+            <a:schemeClr val="accent1"/>
+          </a:effectRef>
+          <a:fontRef idx="minor">
+            <a:schemeClr val="lt1"/>
+          </a:fontRef>
+        </p:style>
+        <p:txBody>
+          <a:bodyPr rtlCol="0" anchor="ctr"/>
+          <a:lstStyle/>
+          <a:p>
+            <a:pPr algn="ctr"/>
+            <a:endParaRPr lang="en-US"/>
+          </a:p>
+        </p:txBody>
+      </p:sp>
+      <p:cxnSp>
+        <p:nvCxnSpPr>
+          <p:cNvPr id="8" name="Straight Arrow Connector 7">
+            <a:extLst>
+              <a:ext uri="{FF2B5EF4-FFF2-40B4-BE49-F238E27FC236}">
+                <a16:creationId xmlns:a16="http://schemas.microsoft.com/office/drawing/2014/main" id="{DC0E28B8-2654-3685-D81B-6E2F4A49B548}"/>
+              </a:ext>
+            </a:extLst>
+          </p:cNvPr>
+          <p:cNvCxnSpPr>
+            <a:cxnSpLocks/>
+          </p:cNvCxnSpPr>
+          <p:nvPr/>
+        </p:nvCxnSpPr>
+        <p:spPr>
+          <a:xfrm>
+            <a:off x="9448801" y="2923868"/>
+            <a:ext cx="0" cy="622896"/>
+          </a:xfrm>
+          <a:prstGeom prst="straightConnector1">
+            <a:avLst/>
+          </a:prstGeom>
+          <a:ln w="76200">
+            <a:tailEnd type="triangle"/>
+          </a:ln>
+        </p:spPr>
+        <p:style>
+          <a:lnRef idx="1">
+            <a:schemeClr val="accent1"/>
+          </a:lnRef>
+          <a:fillRef idx="0">
+            <a:schemeClr val="accent1"/>
+          </a:fillRef>
+          <a:effectRef idx="0">
+            <a:schemeClr val="accent1"/>
+          </a:effectRef>
+          <a:fontRef idx="minor">
+            <a:schemeClr val="tx1"/>
+          </a:fontRef>
+        </p:style>
+      </p:cxnSp>
+    </p:spTree>
+    <p:extLst>
+      <p:ext uri="{BB962C8B-B14F-4D97-AF65-F5344CB8AC3E}">
+        <p14:creationId xmlns:p14="http://schemas.microsoft.com/office/powerpoint/2010/main" val="2950012566"/>
       </p:ext>
     </p:extLst>
   </p:cSld>
@@ -5115,6 +5535,508 @@
     <p:extLst>
       <p:ext uri="{BB962C8B-B14F-4D97-AF65-F5344CB8AC3E}">
         <p14:creationId xmlns:p14="http://schemas.microsoft.com/office/powerpoint/2010/main" val="2371359571"/>
+      </p:ext>
+    </p:extLst>
+  </p:cSld>
+  <p:clrMapOvr>
+    <a:masterClrMapping/>
+  </p:clrMapOvr>
+</p:sld>
+</file>
+
+<file path=ppt/slides/slide20.xml><?xml version="1.0" encoding="utf-8"?>
+<p:sld xmlns:a="http://schemas.openxmlformats.org/drawingml/2006/main" xmlns:r="http://schemas.openxmlformats.org/officeDocument/2006/relationships" xmlns:p="http://schemas.openxmlformats.org/presentationml/2006/main">
+  <p:cSld>
+    <p:spTree>
+      <p:nvGrpSpPr>
+        <p:cNvPr id="1" name=""/>
+        <p:cNvGrpSpPr/>
+        <p:nvPr/>
+      </p:nvGrpSpPr>
+      <p:grpSpPr>
+        <a:xfrm>
+          <a:off x="0" y="0"/>
+          <a:ext cx="0" cy="0"/>
+          <a:chOff x="0" y="0"/>
+          <a:chExt cx="0" cy="0"/>
+        </a:xfrm>
+      </p:grpSpPr>
+      <p:sp>
+        <p:nvSpPr>
+          <p:cNvPr id="2" name="Title 1">
+            <a:extLst>
+              <a:ext uri="{FF2B5EF4-FFF2-40B4-BE49-F238E27FC236}">
+                <a16:creationId xmlns:a16="http://schemas.microsoft.com/office/drawing/2014/main" id="{5D48C288-8B94-680E-5789-ED7251F28094}"/>
+              </a:ext>
+            </a:extLst>
+          </p:cNvPr>
+          <p:cNvSpPr>
+            <a:spLocks noGrp="1"/>
+          </p:cNvSpPr>
+          <p:nvPr>
+            <p:ph type="title"/>
+          </p:nvPr>
+        </p:nvSpPr>
+        <p:spPr>
+          <a:xfrm>
+            <a:off x="47625" y="-342823"/>
+            <a:ext cx="5887662" cy="1456728"/>
+          </a:xfrm>
+        </p:spPr>
+        <p:txBody>
+          <a:bodyPr>
+            <a:normAutofit/>
+          </a:bodyPr>
+          <a:lstStyle/>
+          <a:p>
+            <a:r>
+              <a:rPr lang="en-US" sz="3000" dirty="0"/>
+              <a:t>Middle Agents # of Videos Watched</a:t>
+            </a:r>
+          </a:p>
+        </p:txBody>
+      </p:sp>
+      <p:pic>
+        <p:nvPicPr>
+          <p:cNvPr id="4" name="Picture 3">
+            <a:extLst>
+              <a:ext uri="{FF2B5EF4-FFF2-40B4-BE49-F238E27FC236}">
+                <a16:creationId xmlns:a16="http://schemas.microsoft.com/office/drawing/2014/main" id="{220C6514-C17E-40C8-E42F-C37BDE30422B}"/>
+              </a:ext>
+            </a:extLst>
+          </p:cNvPr>
+          <p:cNvPicPr>
+            <a:picLocks noChangeAspect="1"/>
+          </p:cNvPicPr>
+          <p:nvPr/>
+        </p:nvPicPr>
+        <p:blipFill>
+          <a:blip r:embed="rId2"/>
+          <a:stretch>
+            <a:fillRect/>
+          </a:stretch>
+        </p:blipFill>
+        <p:spPr>
+          <a:xfrm>
+            <a:off x="951980" y="659363"/>
+            <a:ext cx="4190827" cy="3151502"/>
+          </a:xfrm>
+          <a:prstGeom prst="rect">
+            <a:avLst/>
+          </a:prstGeom>
+        </p:spPr>
+      </p:pic>
+      <p:pic>
+        <p:nvPicPr>
+          <p:cNvPr id="6" name="Picture 5">
+            <a:extLst>
+              <a:ext uri="{FF2B5EF4-FFF2-40B4-BE49-F238E27FC236}">
+                <a16:creationId xmlns:a16="http://schemas.microsoft.com/office/drawing/2014/main" id="{0FBBE857-BB38-2B12-1E73-7E64DF56F86B}"/>
+              </a:ext>
+            </a:extLst>
+          </p:cNvPr>
+          <p:cNvPicPr>
+            <a:picLocks noChangeAspect="1"/>
+          </p:cNvPicPr>
+          <p:nvPr/>
+        </p:nvPicPr>
+        <p:blipFill>
+          <a:blip r:embed="rId3"/>
+          <a:stretch>
+            <a:fillRect/>
+          </a:stretch>
+        </p:blipFill>
+        <p:spPr>
+          <a:xfrm>
+            <a:off x="6347093" y="238298"/>
+            <a:ext cx="5397232" cy="3503728"/>
+          </a:xfrm>
+          <a:prstGeom prst="rect">
+            <a:avLst/>
+          </a:prstGeom>
+        </p:spPr>
+      </p:pic>
+      <p:pic>
+        <p:nvPicPr>
+          <p:cNvPr id="10" name="Picture 9">
+            <a:extLst>
+              <a:ext uri="{FF2B5EF4-FFF2-40B4-BE49-F238E27FC236}">
+                <a16:creationId xmlns:a16="http://schemas.microsoft.com/office/drawing/2014/main" id="{294386EC-044D-7331-AAF7-545DC05B7DFA}"/>
+              </a:ext>
+            </a:extLst>
+          </p:cNvPr>
+          <p:cNvPicPr>
+            <a:picLocks noChangeAspect="1"/>
+          </p:cNvPicPr>
+          <p:nvPr/>
+        </p:nvPicPr>
+        <p:blipFill>
+          <a:blip r:embed="rId4"/>
+          <a:stretch>
+            <a:fillRect/>
+          </a:stretch>
+        </p:blipFill>
+        <p:spPr>
+          <a:xfrm>
+            <a:off x="1267432" y="4064307"/>
+            <a:ext cx="3669538" cy="2673927"/>
+          </a:xfrm>
+          <a:prstGeom prst="rect">
+            <a:avLst/>
+          </a:prstGeom>
+        </p:spPr>
+      </p:pic>
+      <p:pic>
+        <p:nvPicPr>
+          <p:cNvPr id="16" name="Picture 15">
+            <a:extLst>
+              <a:ext uri="{FF2B5EF4-FFF2-40B4-BE49-F238E27FC236}">
+                <a16:creationId xmlns:a16="http://schemas.microsoft.com/office/drawing/2014/main" id="{BAC2E5BD-11FF-0320-731E-4B341023C04E}"/>
+              </a:ext>
+            </a:extLst>
+          </p:cNvPr>
+          <p:cNvPicPr>
+            <a:picLocks noChangeAspect="1"/>
+          </p:cNvPicPr>
+          <p:nvPr/>
+        </p:nvPicPr>
+        <p:blipFill>
+          <a:blip r:embed="rId5"/>
+          <a:stretch>
+            <a:fillRect/>
+          </a:stretch>
+        </p:blipFill>
+        <p:spPr>
+          <a:xfrm>
+            <a:off x="7149801" y="3877099"/>
+            <a:ext cx="3791816" cy="2793344"/>
+          </a:xfrm>
+          <a:prstGeom prst="rect">
+            <a:avLst/>
+          </a:prstGeom>
+        </p:spPr>
+      </p:pic>
+    </p:spTree>
+    <p:extLst>
+      <p:ext uri="{BB962C8B-B14F-4D97-AF65-F5344CB8AC3E}">
+        <p14:creationId xmlns:p14="http://schemas.microsoft.com/office/powerpoint/2010/main" val="820779219"/>
+      </p:ext>
+    </p:extLst>
+  </p:cSld>
+  <p:clrMapOvr>
+    <a:masterClrMapping/>
+  </p:clrMapOvr>
+</p:sld>
+</file>
+
+<file path=ppt/slides/slide21.xml><?xml version="1.0" encoding="utf-8"?>
+<p:sld xmlns:a="http://schemas.openxmlformats.org/drawingml/2006/main" xmlns:r="http://schemas.openxmlformats.org/officeDocument/2006/relationships" xmlns:p="http://schemas.openxmlformats.org/presentationml/2006/main">
+  <p:cSld>
+    <p:spTree>
+      <p:nvGrpSpPr>
+        <p:cNvPr id="1" name=""/>
+        <p:cNvGrpSpPr/>
+        <p:nvPr/>
+      </p:nvGrpSpPr>
+      <p:grpSpPr>
+        <a:xfrm>
+          <a:off x="0" y="0"/>
+          <a:ext cx="0" cy="0"/>
+          <a:chOff x="0" y="0"/>
+          <a:chExt cx="0" cy="0"/>
+        </a:xfrm>
+      </p:grpSpPr>
+      <p:pic>
+        <p:nvPicPr>
+          <p:cNvPr id="13" name="Picture 12">
+            <a:extLst>
+              <a:ext uri="{FF2B5EF4-FFF2-40B4-BE49-F238E27FC236}">
+                <a16:creationId xmlns:a16="http://schemas.microsoft.com/office/drawing/2014/main" id="{EC245E3F-39B8-6632-2FAB-D5061C105ED7}"/>
+              </a:ext>
+            </a:extLst>
+          </p:cNvPr>
+          <p:cNvPicPr>
+            <a:picLocks noChangeAspect="1"/>
+          </p:cNvPicPr>
+          <p:nvPr/>
+        </p:nvPicPr>
+        <p:blipFill>
+          <a:blip r:embed="rId2"/>
+          <a:stretch>
+            <a:fillRect/>
+          </a:stretch>
+        </p:blipFill>
+        <p:spPr>
+          <a:xfrm>
+            <a:off x="7405111" y="62381"/>
+            <a:ext cx="3944534" cy="3172935"/>
+          </a:xfrm>
+          <a:prstGeom prst="rect">
+            <a:avLst/>
+          </a:prstGeom>
+        </p:spPr>
+      </p:pic>
+      <p:sp>
+        <p:nvSpPr>
+          <p:cNvPr id="2" name="Title 1">
+            <a:extLst>
+              <a:ext uri="{FF2B5EF4-FFF2-40B4-BE49-F238E27FC236}">
+                <a16:creationId xmlns:a16="http://schemas.microsoft.com/office/drawing/2014/main" id="{7E60568B-C018-38F5-FA4B-6674C2EDB067}"/>
+              </a:ext>
+            </a:extLst>
+          </p:cNvPr>
+          <p:cNvSpPr>
+            <a:spLocks noGrp="1"/>
+          </p:cNvSpPr>
+          <p:nvPr>
+            <p:ph type="title"/>
+          </p:nvPr>
+        </p:nvSpPr>
+        <p:spPr>
+          <a:xfrm>
+            <a:off x="335800" y="166711"/>
+            <a:ext cx="10772775" cy="1658198"/>
+          </a:xfrm>
+        </p:spPr>
+        <p:txBody>
+          <a:bodyPr/>
+          <a:lstStyle/>
+          <a:p>
+            <a:r>
+              <a:rPr lang="en-US" dirty="0"/>
+              <a:t>Videos Watched Cont’d.</a:t>
+            </a:r>
+          </a:p>
+        </p:txBody>
+      </p:sp>
+      <p:sp>
+        <p:nvSpPr>
+          <p:cNvPr id="3" name="Content Placeholder 2">
+            <a:extLst>
+              <a:ext uri="{FF2B5EF4-FFF2-40B4-BE49-F238E27FC236}">
+                <a16:creationId xmlns:a16="http://schemas.microsoft.com/office/drawing/2014/main" id="{F9A665A9-716D-7792-D43E-4ED163B076F3}"/>
+              </a:ext>
+            </a:extLst>
+          </p:cNvPr>
+          <p:cNvSpPr>
+            <a:spLocks noGrp="1"/>
+          </p:cNvSpPr>
+          <p:nvPr>
+            <p:ph idx="1"/>
+          </p:nvPr>
+        </p:nvSpPr>
+        <p:spPr>
+          <a:xfrm>
+            <a:off x="676657" y="2011680"/>
+            <a:ext cx="6450122" cy="3766185"/>
+          </a:xfrm>
+        </p:spPr>
+        <p:txBody>
+          <a:bodyPr/>
+          <a:lstStyle/>
+          <a:p>
+            <a:pPr>
+              <a:buFont typeface="Arial" panose="020B0604020202020204" pitchFamily="34" charset="0"/>
+              <a:buChar char="•"/>
+            </a:pPr>
+            <a:r>
+              <a:rPr lang="en-US" b="1" dirty="0"/>
+              <a:t> No system:</a:t>
+            </a:r>
+            <a:r>
+              <a:rPr lang="en-US" dirty="0"/>
+              <a:t> 1.98 videos</a:t>
+            </a:r>
+          </a:p>
+          <a:p>
+            <a:pPr>
+              <a:buFont typeface="Arial" panose="020B0604020202020204" pitchFamily="34" charset="0"/>
+              <a:buChar char="•"/>
+            </a:pPr>
+            <a:r>
+              <a:rPr lang="en-US" b="1" dirty="0"/>
+              <a:t> Filtered list system:</a:t>
+            </a:r>
+            <a:r>
+              <a:rPr lang="en-US" dirty="0"/>
+              <a:t> 5.16 videos</a:t>
+            </a:r>
+          </a:p>
+          <a:p>
+            <a:pPr>
+              <a:buFont typeface="Arial" panose="020B0604020202020204" pitchFamily="34" charset="0"/>
+              <a:buChar char="•"/>
+            </a:pPr>
+            <a:r>
+              <a:rPr lang="en-US" b="1" dirty="0"/>
+              <a:t> Filtered list w/ random clicking:</a:t>
+            </a:r>
+            <a:r>
+              <a:rPr lang="en-US" dirty="0"/>
+              <a:t> 5.49 videos</a:t>
+            </a:r>
+          </a:p>
+          <a:p>
+            <a:pPr>
+              <a:buFont typeface="Arial" panose="020B0604020202020204" pitchFamily="34" charset="0"/>
+              <a:buChar char="•"/>
+            </a:pPr>
+            <a:r>
+              <a:rPr lang="en-US" b="1" dirty="0"/>
+              <a:t> Scoring system:</a:t>
+            </a:r>
+            <a:r>
+              <a:rPr lang="en-US" dirty="0"/>
+              <a:t> 5.00 videos</a:t>
+            </a:r>
+          </a:p>
+          <a:p>
+            <a:pPr>
+              <a:buFont typeface="Arial" panose="020B0604020202020204" pitchFamily="34" charset="0"/>
+              <a:buChar char="•"/>
+            </a:pPr>
+            <a:endParaRPr lang="en-US" dirty="0"/>
+          </a:p>
+          <a:p>
+            <a:pPr marL="0" indent="0">
+              <a:buNone/>
+            </a:pPr>
+            <a:r>
+              <a:rPr lang="en-US" dirty="0"/>
+              <a:t>This also mirrors what we saw before; all the rec systems make users watch a higher quantity of videos, despite the videos being shorter.</a:t>
+            </a:r>
+          </a:p>
+        </p:txBody>
+      </p:sp>
+      <p:sp>
+        <p:nvSpPr>
+          <p:cNvPr id="7" name="Rectangle 6">
+            <a:extLst>
+              <a:ext uri="{FF2B5EF4-FFF2-40B4-BE49-F238E27FC236}">
+                <a16:creationId xmlns:a16="http://schemas.microsoft.com/office/drawing/2014/main" id="{C0637CA5-31E8-C02F-4450-ECD41F1716BB}"/>
+              </a:ext>
+            </a:extLst>
+          </p:cNvPr>
+          <p:cNvSpPr/>
+          <p:nvPr/>
+        </p:nvSpPr>
+        <p:spPr>
+          <a:xfrm>
+            <a:off x="9171523" y="343593"/>
+            <a:ext cx="698455" cy="2664095"/>
+          </a:xfrm>
+          <a:prstGeom prst="rect">
+            <a:avLst/>
+          </a:prstGeom>
+          <a:solidFill>
+            <a:schemeClr val="accent1">
+              <a:alpha val="34000"/>
+            </a:schemeClr>
+          </a:solidFill>
+          <a:ln>
+            <a:noFill/>
+          </a:ln>
+        </p:spPr>
+        <p:style>
+          <a:lnRef idx="2">
+            <a:schemeClr val="accent1">
+              <a:shade val="15000"/>
+            </a:schemeClr>
+          </a:lnRef>
+          <a:fillRef idx="1">
+            <a:schemeClr val="accent1"/>
+          </a:fillRef>
+          <a:effectRef idx="0">
+            <a:schemeClr val="accent1"/>
+          </a:effectRef>
+          <a:fontRef idx="minor">
+            <a:schemeClr val="lt1"/>
+          </a:fontRef>
+        </p:style>
+        <p:txBody>
+          <a:bodyPr rtlCol="0" anchor="ctr"/>
+          <a:lstStyle/>
+          <a:p>
+            <a:pPr algn="ctr"/>
+            <a:endParaRPr lang="en-US"/>
+          </a:p>
+        </p:txBody>
+      </p:sp>
+      <p:pic>
+        <p:nvPicPr>
+          <p:cNvPr id="12" name="Picture 11">
+            <a:extLst>
+              <a:ext uri="{FF2B5EF4-FFF2-40B4-BE49-F238E27FC236}">
+                <a16:creationId xmlns:a16="http://schemas.microsoft.com/office/drawing/2014/main" id="{E9F7B822-5395-C84A-077A-B0D034989187}"/>
+              </a:ext>
+            </a:extLst>
+          </p:cNvPr>
+          <p:cNvPicPr>
+            <a:picLocks noChangeAspect="1"/>
+          </p:cNvPicPr>
+          <p:nvPr/>
+        </p:nvPicPr>
+        <p:blipFill>
+          <a:blip r:embed="rId3"/>
+          <a:stretch>
+            <a:fillRect/>
+          </a:stretch>
+        </p:blipFill>
+        <p:spPr>
+          <a:xfrm>
+            <a:off x="7365364" y="3406211"/>
+            <a:ext cx="4166873" cy="3433379"/>
+          </a:xfrm>
+          <a:prstGeom prst="rect">
+            <a:avLst/>
+          </a:prstGeom>
+        </p:spPr>
+      </p:pic>
+      <p:cxnSp>
+        <p:nvCxnSpPr>
+          <p:cNvPr id="8" name="Straight Arrow Connector 7">
+            <a:extLst>
+              <a:ext uri="{FF2B5EF4-FFF2-40B4-BE49-F238E27FC236}">
+                <a16:creationId xmlns:a16="http://schemas.microsoft.com/office/drawing/2014/main" id="{DC0E28B8-2654-3685-D81B-6E2F4A49B548}"/>
+              </a:ext>
+            </a:extLst>
+          </p:cNvPr>
+          <p:cNvCxnSpPr>
+            <a:cxnSpLocks/>
+          </p:cNvCxnSpPr>
+          <p:nvPr/>
+        </p:nvCxnSpPr>
+        <p:spPr>
+          <a:xfrm>
+            <a:off x="9476510" y="2916319"/>
+            <a:ext cx="0" cy="622896"/>
+          </a:xfrm>
+          <a:prstGeom prst="straightConnector1">
+            <a:avLst/>
+          </a:prstGeom>
+          <a:ln w="76200">
+            <a:tailEnd type="triangle"/>
+          </a:ln>
+        </p:spPr>
+        <p:style>
+          <a:lnRef idx="1">
+            <a:schemeClr val="accent1"/>
+          </a:lnRef>
+          <a:fillRef idx="0">
+            <a:schemeClr val="accent1"/>
+          </a:fillRef>
+          <a:effectRef idx="0">
+            <a:schemeClr val="accent1"/>
+          </a:effectRef>
+          <a:fontRef idx="minor">
+            <a:schemeClr val="tx1"/>
+          </a:fontRef>
+        </p:style>
+      </p:cxnSp>
+    </p:spTree>
+    <p:extLst>
+      <p:ext uri="{BB962C8B-B14F-4D97-AF65-F5344CB8AC3E}">
+        <p14:creationId xmlns:p14="http://schemas.microsoft.com/office/powerpoint/2010/main" val="2842097164"/>
       </p:ext>
     </p:extLst>
   </p:cSld>

--- a/youtube simulation/Current Status of YouTube Simulation - 1-9-24.pptx
+++ b/youtube simulation/Current Status of YouTube Simulation - 1-9-24.pptx
@@ -6224,6 +6224,67 @@
           </a:prstGeom>
         </p:spPr>
       </p:pic>
+      <p:sp>
+        <p:nvSpPr>
+          <p:cNvPr id="3" name="TextBox 2">
+            <a:extLst>
+              <a:ext uri="{FF2B5EF4-FFF2-40B4-BE49-F238E27FC236}">
+                <a16:creationId xmlns:a16="http://schemas.microsoft.com/office/drawing/2014/main" id="{4DB91A74-EA52-217F-67B8-68BE53EF99A1}"/>
+              </a:ext>
+            </a:extLst>
+          </p:cNvPr>
+          <p:cNvSpPr txBox="1"/>
+          <p:nvPr/>
+        </p:nvSpPr>
+        <p:spPr>
+          <a:xfrm>
+            <a:off x="146695" y="1152698"/>
+            <a:ext cx="2438400" cy="5078313"/>
+          </a:xfrm>
+          <a:prstGeom prst="rect">
+            <a:avLst/>
+          </a:prstGeom>
+          <a:noFill/>
+        </p:spPr>
+        <p:txBody>
+          <a:bodyPr wrap="square" rtlCol="0">
+            <a:spAutoFit/>
+          </a:bodyPr>
+          <a:lstStyle/>
+          <a:p>
+            <a:r>
+              <a:rPr lang="en-US" dirty="0"/>
+              <a:t>Make y axis extremeness of videos watched</a:t>
+            </a:r>
+          </a:p>
+          <a:p>
+            <a:r>
+              <a:rPr lang="en-US" dirty="0"/>
+              <a:t>Make x axis the longest video threshold, or </a:t>
+            </a:r>
+            <a:r>
+              <a:rPr lang="en-US" dirty="0" err="1"/>
+              <a:t>yt</a:t>
+            </a:r>
+            <a:r>
+              <a:rPr lang="en-US" dirty="0"/>
+              <a:t> time threshold, or pop threshold</a:t>
+            </a:r>
+          </a:p>
+          <a:p>
+            <a:r>
+              <a:rPr lang="en-US" dirty="0"/>
+              <a:t>- &gt; each of the other parameters, one graph at a time</a:t>
+            </a:r>
+          </a:p>
+          <a:p>
+            <a:r>
+              <a:rPr lang="en-US" dirty="0"/>
+              <a:t>If you’re switching to generate random, non-archetype agents, sort the agents by extremeness on x-axis and see what their watched extremeness is on y-axis. Etc. </a:t>
+            </a:r>
+          </a:p>
+        </p:txBody>
+      </p:sp>
     </p:spTree>
     <p:extLst>
       <p:ext uri="{BB962C8B-B14F-4D97-AF65-F5344CB8AC3E}">
@@ -6642,11 +6703,13 @@
         <p:spPr>
           <a:xfrm>
             <a:off x="657224" y="2208723"/>
-            <a:ext cx="9104654" cy="3767328"/>
-          </a:xfrm>
-        </p:spPr>
-        <p:txBody>
-          <a:bodyPr/>
+            <a:ext cx="10986136" cy="4219786"/>
+          </a:xfrm>
+        </p:spPr>
+        <p:txBody>
+          <a:bodyPr>
+            <a:normAutofit lnSpcReduction="10000"/>
+          </a:bodyPr>
           <a:lstStyle/>
           <a:p>
             <a:pPr>
@@ -6679,13 +6742,23 @@
             </a:r>
           </a:p>
           <a:p>
+            <a:pPr lvl="1">
+              <a:buFont typeface="Arial" panose="020B0604020202020204" pitchFamily="34" charset="0"/>
+              <a:buChar char="•"/>
+            </a:pPr>
+            <a:r>
+              <a:rPr lang="en-US" dirty="0"/>
+              <a:t>E.g. how do the results of the scoring system change depending on how the parameters change?</a:t>
+            </a:r>
+          </a:p>
+          <a:p>
             <a:pPr>
               <a:buFont typeface="Arial" panose="020B0604020202020204" pitchFamily="34" charset="0"/>
               <a:buChar char="•"/>
             </a:pPr>
             <a:r>
               <a:rPr lang="en-US" dirty="0"/>
-              <a:t>Try making the agents a lot more random</a:t>
+              <a:t> Try making the agents a lot more random</a:t>
             </a:r>
           </a:p>
           <a:p>
@@ -6696,6 +6769,23 @@
             <a:r>
               <a:rPr lang="en-US" dirty="0"/>
               <a:t>e.g. Generate however many agents, but instead of following a distribution for their viewing preferences and habits, all of their attributes are completely random. Disregard the archetypes entirely.</a:t>
+            </a:r>
+          </a:p>
+          <a:p>
+            <a:pPr lvl="1">
+              <a:buFont typeface="Arial" panose="020B0604020202020204" pitchFamily="34" charset="0"/>
+              <a:buChar char="•"/>
+            </a:pPr>
+            <a:endParaRPr lang="en-US" dirty="0"/>
+          </a:p>
+          <a:p>
+            <a:pPr lvl="1">
+              <a:buFont typeface="Arial" panose="020B0604020202020204" pitchFamily="34" charset="0"/>
+              <a:buChar char="•"/>
+            </a:pPr>
+            <a:r>
+              <a:rPr lang="en-US" dirty="0"/>
+              <a:t>What would a normal person want to know from this work? What questions are we missing here?</a:t>
             </a:r>
           </a:p>
         </p:txBody>

--- a/youtube simulation/Current Status of YouTube Simulation - 1-9-24.pptx
+++ b/youtube simulation/Current Status of YouTube Simulation - 1-9-24.pptx
@@ -26,6 +26,14 @@
     <p:sldId id="276" r:id="rId20"/>
     <p:sldId id="275" r:id="rId21"/>
     <p:sldId id="274" r:id="rId22"/>
+    <p:sldId id="277" r:id="rId23"/>
+    <p:sldId id="278" r:id="rId24"/>
+    <p:sldId id="281" r:id="rId25"/>
+    <p:sldId id="279" r:id="rId26"/>
+    <p:sldId id="280" r:id="rId27"/>
+    <p:sldId id="282" r:id="rId28"/>
+    <p:sldId id="283" r:id="rId29"/>
+    <p:sldId id="284" r:id="rId30"/>
   </p:sldIdLst>
   <p:sldSz cx="12192000" cy="6858000"/>
   <p:notesSz cx="6858000" cy="9144000"/>
@@ -332,7 +340,7 @@
           <a:p>
             <a:fld id="{C62310E3-9A57-4749-BE71-4D6AEC267A5D}" type="datetimeFigureOut">
               <a:rPr lang="en-US" smtClean="0"/>
-              <a:t>1/9/2024</a:t>
+              <a:t>1/23/2024</a:t>
             </a:fld>
             <a:endParaRPr lang="en-US"/>
           </a:p>
@@ -522,7 +530,7 @@
           <a:p>
             <a:fld id="{C62310E3-9A57-4749-BE71-4D6AEC267A5D}" type="datetimeFigureOut">
               <a:rPr lang="en-US" smtClean="0"/>
-              <a:t>1/9/2024</a:t>
+              <a:t>1/23/2024</a:t>
             </a:fld>
             <a:endParaRPr lang="en-US"/>
           </a:p>
@@ -702,7 +710,7 @@
           <a:p>
             <a:fld id="{C62310E3-9A57-4749-BE71-4D6AEC267A5D}" type="datetimeFigureOut">
               <a:rPr lang="en-US" smtClean="0"/>
-              <a:t>1/9/2024</a:t>
+              <a:t>1/23/2024</a:t>
             </a:fld>
             <a:endParaRPr lang="en-US"/>
           </a:p>
@@ -871,7 +879,7 @@
           <a:p>
             <a:fld id="{C62310E3-9A57-4749-BE71-4D6AEC267A5D}" type="datetimeFigureOut">
               <a:rPr lang="en-US" smtClean="0"/>
-              <a:t>1/9/2024</a:t>
+              <a:t>1/23/2024</a:t>
             </a:fld>
             <a:endParaRPr lang="en-US"/>
           </a:p>
@@ -1127,7 +1135,7 @@
           <a:p>
             <a:fld id="{C62310E3-9A57-4749-BE71-4D6AEC267A5D}" type="datetimeFigureOut">
               <a:rPr lang="en-US" smtClean="0"/>
-              <a:t>1/9/2024</a:t>
+              <a:t>1/23/2024</a:t>
             </a:fld>
             <a:endParaRPr lang="en-US"/>
           </a:p>
@@ -1415,7 +1423,7 @@
           <a:p>
             <a:fld id="{C62310E3-9A57-4749-BE71-4D6AEC267A5D}" type="datetimeFigureOut">
               <a:rPr lang="en-US" smtClean="0"/>
-              <a:t>1/9/2024</a:t>
+              <a:t>1/23/2024</a:t>
             </a:fld>
             <a:endParaRPr lang="en-US"/>
           </a:p>
@@ -1853,7 +1861,7 @@
           <a:p>
             <a:fld id="{C62310E3-9A57-4749-BE71-4D6AEC267A5D}" type="datetimeFigureOut">
               <a:rPr lang="en-US" smtClean="0"/>
-              <a:t>1/9/2024</a:t>
+              <a:t>1/23/2024</a:t>
             </a:fld>
             <a:endParaRPr lang="en-US"/>
           </a:p>
@@ -1971,7 +1979,7 @@
           <a:p>
             <a:fld id="{C62310E3-9A57-4749-BE71-4D6AEC267A5D}" type="datetimeFigureOut">
               <a:rPr lang="en-US" smtClean="0"/>
-              <a:t>1/9/2024</a:t>
+              <a:t>1/23/2024</a:t>
             </a:fld>
             <a:endParaRPr lang="en-US"/>
           </a:p>
@@ -2066,7 +2074,7 @@
           <a:p>
             <a:fld id="{C62310E3-9A57-4749-BE71-4D6AEC267A5D}" type="datetimeFigureOut">
               <a:rPr lang="en-US" smtClean="0"/>
-              <a:t>1/9/2024</a:t>
+              <a:t>1/23/2024</a:t>
             </a:fld>
             <a:endParaRPr lang="en-US"/>
           </a:p>
@@ -2422,7 +2430,7 @@
           <a:p>
             <a:fld id="{C62310E3-9A57-4749-BE71-4D6AEC267A5D}" type="datetimeFigureOut">
               <a:rPr lang="en-US" smtClean="0"/>
-              <a:t>1/9/2024</a:t>
+              <a:t>1/23/2024</a:t>
             </a:fld>
             <a:endParaRPr lang="en-US"/>
           </a:p>
@@ -2738,7 +2746,7 @@
           <a:p>
             <a:fld id="{C62310E3-9A57-4749-BE71-4D6AEC267A5D}" type="datetimeFigureOut">
               <a:rPr lang="en-US" smtClean="0"/>
-              <a:t>1/9/2024</a:t>
+              <a:t>1/23/2024</a:t>
             </a:fld>
             <a:endParaRPr lang="en-US"/>
           </a:p>
@@ -2971,7 +2979,7 @@
           <a:p>
             <a:fld id="{C62310E3-9A57-4749-BE71-4D6AEC267A5D}" type="datetimeFigureOut">
               <a:rPr lang="en-US" smtClean="0"/>
-              <a:t>1/9/2024</a:t>
+              <a:t>1/23/2024</a:t>
             </a:fld>
             <a:endParaRPr lang="en-US"/>
           </a:p>
@@ -6046,6 +6054,9001 @@
 </p:sld>
 </file>
 
+<file path=ppt/slides/slide22.xml><?xml version="1.0" encoding="utf-8"?>
+<p:sld xmlns:a="http://schemas.openxmlformats.org/drawingml/2006/main" xmlns:r="http://schemas.openxmlformats.org/officeDocument/2006/relationships" xmlns:p="http://schemas.openxmlformats.org/presentationml/2006/main">
+  <p:cSld>
+    <p:spTree>
+      <p:nvGrpSpPr>
+        <p:cNvPr id="1" name=""/>
+        <p:cNvGrpSpPr/>
+        <p:nvPr/>
+      </p:nvGrpSpPr>
+      <p:grpSpPr>
+        <a:xfrm>
+          <a:off x="0" y="0"/>
+          <a:ext cx="0" cy="0"/>
+          <a:chOff x="0" y="0"/>
+          <a:chExt cx="0" cy="0"/>
+        </a:xfrm>
+      </p:grpSpPr>
+      <p:sp>
+        <p:nvSpPr>
+          <p:cNvPr id="2" name="Title 1">
+            <a:extLst>
+              <a:ext uri="{FF2B5EF4-FFF2-40B4-BE49-F238E27FC236}">
+                <a16:creationId xmlns:a16="http://schemas.microsoft.com/office/drawing/2014/main" id="{483D359F-D9DF-4843-57E1-07D692A09AF5}"/>
+              </a:ext>
+            </a:extLst>
+          </p:cNvPr>
+          <p:cNvSpPr>
+            <a:spLocks noGrp="1"/>
+          </p:cNvSpPr>
+          <p:nvPr>
+            <p:ph type="ctrTitle"/>
+          </p:nvPr>
+        </p:nvSpPr>
+        <p:spPr/>
+        <p:txBody>
+          <a:bodyPr/>
+          <a:lstStyle/>
+          <a:p>
+            <a:r>
+              <a:rPr lang="en-US" dirty="0"/>
+              <a:t>Meeting 1/24/24</a:t>
+            </a:r>
+          </a:p>
+        </p:txBody>
+      </p:sp>
+      <p:sp>
+        <p:nvSpPr>
+          <p:cNvPr id="3" name="Subtitle 2">
+            <a:extLst>
+              <a:ext uri="{FF2B5EF4-FFF2-40B4-BE49-F238E27FC236}">
+                <a16:creationId xmlns:a16="http://schemas.microsoft.com/office/drawing/2014/main" id="{D1B62F88-CCE2-4E62-515D-78BE42EA986A}"/>
+              </a:ext>
+            </a:extLst>
+          </p:cNvPr>
+          <p:cNvSpPr>
+            <a:spLocks noGrp="1"/>
+          </p:cNvSpPr>
+          <p:nvPr>
+            <p:ph type="subTitle" idx="1"/>
+          </p:nvPr>
+        </p:nvSpPr>
+        <p:spPr/>
+        <p:txBody>
+          <a:bodyPr/>
+          <a:lstStyle/>
+          <a:p>
+            <a:endParaRPr lang="en-US"/>
+          </a:p>
+        </p:txBody>
+      </p:sp>
+    </p:spTree>
+    <p:extLst>
+      <p:ext uri="{BB962C8B-B14F-4D97-AF65-F5344CB8AC3E}">
+        <p14:creationId xmlns:p14="http://schemas.microsoft.com/office/powerpoint/2010/main" val="3188311484"/>
+      </p:ext>
+    </p:extLst>
+  </p:cSld>
+  <p:clrMapOvr>
+    <a:masterClrMapping/>
+  </p:clrMapOvr>
+</p:sld>
+</file>
+
+<file path=ppt/slides/slide23.xml><?xml version="1.0" encoding="utf-8"?>
+<p:sld xmlns:a="http://schemas.openxmlformats.org/drawingml/2006/main" xmlns:r="http://schemas.openxmlformats.org/officeDocument/2006/relationships" xmlns:p="http://schemas.openxmlformats.org/presentationml/2006/main">
+  <p:cSld>
+    <p:spTree>
+      <p:nvGrpSpPr>
+        <p:cNvPr id="1" name=""/>
+        <p:cNvGrpSpPr/>
+        <p:nvPr/>
+      </p:nvGrpSpPr>
+      <p:grpSpPr>
+        <a:xfrm>
+          <a:off x="0" y="0"/>
+          <a:ext cx="0" cy="0"/>
+          <a:chOff x="0" y="0"/>
+          <a:chExt cx="0" cy="0"/>
+        </a:xfrm>
+      </p:grpSpPr>
+      <p:sp>
+        <p:nvSpPr>
+          <p:cNvPr id="2" name="Title 1">
+            <a:extLst>
+              <a:ext uri="{FF2B5EF4-FFF2-40B4-BE49-F238E27FC236}">
+                <a16:creationId xmlns:a16="http://schemas.microsoft.com/office/drawing/2014/main" id="{8E998870-EAC0-A311-AA8A-F0F045849AE6}"/>
+              </a:ext>
+            </a:extLst>
+          </p:cNvPr>
+          <p:cNvSpPr>
+            <a:spLocks noGrp="1"/>
+          </p:cNvSpPr>
+          <p:nvPr>
+            <p:ph type="title"/>
+          </p:nvPr>
+        </p:nvSpPr>
+        <p:spPr/>
+        <p:txBody>
+          <a:bodyPr/>
+          <a:lstStyle/>
+          <a:p>
+            <a:r>
+              <a:rPr lang="en-US" dirty="0"/>
+              <a:t>What did I do?</a:t>
+            </a:r>
+          </a:p>
+        </p:txBody>
+      </p:sp>
+      <p:sp>
+        <p:nvSpPr>
+          <p:cNvPr id="3" name="Content Placeholder 2">
+            <a:extLst>
+              <a:ext uri="{FF2B5EF4-FFF2-40B4-BE49-F238E27FC236}">
+                <a16:creationId xmlns:a16="http://schemas.microsoft.com/office/drawing/2014/main" id="{167FEF20-E204-8936-A018-290C2A95EAF1}"/>
+              </a:ext>
+            </a:extLst>
+          </p:cNvPr>
+          <p:cNvSpPr>
+            <a:spLocks noGrp="1"/>
+          </p:cNvSpPr>
+          <p:nvPr>
+            <p:ph sz="half" idx="1"/>
+          </p:nvPr>
+        </p:nvSpPr>
+        <p:spPr/>
+        <p:txBody>
+          <a:bodyPr/>
+          <a:lstStyle/>
+          <a:p>
+            <a:pPr>
+              <a:buFont typeface="Arial" panose="020B0604020202020204" pitchFamily="34" charset="0"/>
+              <a:buChar char="•"/>
+            </a:pPr>
+            <a:r>
+              <a:rPr lang="en-US" dirty="0"/>
+              <a:t> Generate all agents to have completely random attributes</a:t>
+            </a:r>
+          </a:p>
+          <a:p>
+            <a:pPr>
+              <a:buFont typeface="Arial" panose="020B0604020202020204" pitchFamily="34" charset="0"/>
+              <a:buChar char="•"/>
+            </a:pPr>
+            <a:r>
+              <a:rPr lang="en-US" dirty="0"/>
+              <a:t> Run the same graphs as before (plus one more, just sorted by agent extremeness) with random agents for the </a:t>
+            </a:r>
+            <a:r>
+              <a:rPr lang="en-US" b="1" dirty="0"/>
+              <a:t>normal</a:t>
+            </a:r>
+            <a:r>
+              <a:rPr lang="en-US" dirty="0"/>
+              <a:t> and </a:t>
+            </a:r>
+            <a:r>
+              <a:rPr lang="en-US" b="1" dirty="0"/>
+              <a:t>scoring</a:t>
+            </a:r>
+            <a:r>
+              <a:rPr lang="en-US" dirty="0"/>
+              <a:t> systems.</a:t>
+            </a:r>
+          </a:p>
+          <a:p>
+            <a:pPr lvl="1">
+              <a:buFont typeface="Arial" panose="020B0604020202020204" pitchFamily="34" charset="0"/>
+              <a:buChar char="•"/>
+            </a:pPr>
+            <a:r>
+              <a:rPr lang="en-US" dirty="0"/>
+              <a:t>Unlike before, agent # doesn’t correlate in any way to the agent’s extremeness, so having the x-axis be individual agent # doesn’t tell us anything about trends.</a:t>
+            </a:r>
+          </a:p>
+        </p:txBody>
+      </p:sp>
+      <p:pic>
+        <p:nvPicPr>
+          <p:cNvPr id="6" name="Picture 5">
+            <a:extLst>
+              <a:ext uri="{FF2B5EF4-FFF2-40B4-BE49-F238E27FC236}">
+                <a16:creationId xmlns:a16="http://schemas.microsoft.com/office/drawing/2014/main" id="{C64B1047-CC9F-2A90-9643-9EAC03B31724}"/>
+              </a:ext>
+            </a:extLst>
+          </p:cNvPr>
+          <p:cNvPicPr>
+            <a:picLocks noChangeAspect="1"/>
+          </p:cNvPicPr>
+          <p:nvPr/>
+        </p:nvPicPr>
+        <p:blipFill>
+          <a:blip r:embed="rId2"/>
+          <a:stretch>
+            <a:fillRect/>
+          </a:stretch>
+        </p:blipFill>
+        <p:spPr>
+          <a:xfrm>
+            <a:off x="7245651" y="855497"/>
+            <a:ext cx="3302225" cy="5147006"/>
+          </a:xfrm>
+          <a:prstGeom prst="rect">
+            <a:avLst/>
+          </a:prstGeom>
+        </p:spPr>
+      </p:pic>
+    </p:spTree>
+    <p:extLst>
+      <p:ext uri="{BB962C8B-B14F-4D97-AF65-F5344CB8AC3E}">
+        <p14:creationId xmlns:p14="http://schemas.microsoft.com/office/powerpoint/2010/main" val="4187936157"/>
+      </p:ext>
+    </p:extLst>
+  </p:cSld>
+  <p:clrMapOvr>
+    <a:masterClrMapping/>
+  </p:clrMapOvr>
+</p:sld>
+</file>
+
+<file path=ppt/slides/slide24.xml><?xml version="1.0" encoding="utf-8"?>
+<p:sld xmlns:a="http://schemas.openxmlformats.org/drawingml/2006/main" xmlns:r="http://schemas.openxmlformats.org/officeDocument/2006/relationships" xmlns:p="http://schemas.openxmlformats.org/presentationml/2006/main">
+  <p:cSld>
+    <p:spTree>
+      <p:nvGrpSpPr>
+        <p:cNvPr id="1" name=""/>
+        <p:cNvGrpSpPr/>
+        <p:nvPr/>
+      </p:nvGrpSpPr>
+      <p:grpSpPr>
+        <a:xfrm>
+          <a:off x="0" y="0"/>
+          <a:ext cx="0" cy="0"/>
+          <a:chOff x="0" y="0"/>
+          <a:chExt cx="0" cy="0"/>
+        </a:xfrm>
+      </p:grpSpPr>
+      <p:pic>
+        <p:nvPicPr>
+          <p:cNvPr id="3" name="Picture 2">
+            <a:extLst>
+              <a:ext uri="{FF2B5EF4-FFF2-40B4-BE49-F238E27FC236}">
+                <a16:creationId xmlns:a16="http://schemas.microsoft.com/office/drawing/2014/main" id="{40BE0DF0-D777-AADA-A73A-CA851247548E}"/>
+              </a:ext>
+            </a:extLst>
+          </p:cNvPr>
+          <p:cNvPicPr>
+            <a:picLocks noChangeAspect="1"/>
+          </p:cNvPicPr>
+          <p:nvPr/>
+        </p:nvPicPr>
+        <p:blipFill>
+          <a:blip r:embed="rId2"/>
+          <a:stretch>
+            <a:fillRect/>
+          </a:stretch>
+        </p:blipFill>
+        <p:spPr>
+          <a:xfrm>
+            <a:off x="87186" y="147199"/>
+            <a:ext cx="5803121" cy="4209054"/>
+          </a:xfrm>
+          <a:prstGeom prst="rect">
+            <a:avLst/>
+          </a:prstGeom>
+        </p:spPr>
+      </p:pic>
+      <p:pic>
+        <p:nvPicPr>
+          <p:cNvPr id="5" name="Picture 4">
+            <a:extLst>
+              <a:ext uri="{FF2B5EF4-FFF2-40B4-BE49-F238E27FC236}">
+                <a16:creationId xmlns:a16="http://schemas.microsoft.com/office/drawing/2014/main" id="{9FF4E7F1-FF57-15C0-D530-1BA70B30D97A}"/>
+              </a:ext>
+            </a:extLst>
+          </p:cNvPr>
+          <p:cNvPicPr>
+            <a:picLocks noChangeAspect="1"/>
+          </p:cNvPicPr>
+          <p:nvPr/>
+        </p:nvPicPr>
+        <p:blipFill>
+          <a:blip r:embed="rId3"/>
+          <a:stretch>
+            <a:fillRect/>
+          </a:stretch>
+        </p:blipFill>
+        <p:spPr>
+          <a:xfrm>
+            <a:off x="5890307" y="147199"/>
+            <a:ext cx="6587195" cy="4062968"/>
+          </a:xfrm>
+          <a:prstGeom prst="rect">
+            <a:avLst/>
+          </a:prstGeom>
+        </p:spPr>
+      </p:pic>
+    </p:spTree>
+    <p:extLst>
+      <p:ext uri="{BB962C8B-B14F-4D97-AF65-F5344CB8AC3E}">
+        <p14:creationId xmlns:p14="http://schemas.microsoft.com/office/powerpoint/2010/main" val="3800116706"/>
+      </p:ext>
+    </p:extLst>
+  </p:cSld>
+  <p:clrMapOvr>
+    <a:masterClrMapping/>
+  </p:clrMapOvr>
+</p:sld>
+</file>
+
+<file path=ppt/slides/slide25.xml><?xml version="1.0" encoding="utf-8"?>
+<p:sld xmlns:a="http://schemas.openxmlformats.org/drawingml/2006/main" xmlns:r="http://schemas.openxmlformats.org/officeDocument/2006/relationships" xmlns:p="http://schemas.openxmlformats.org/presentationml/2006/main">
+  <p:cSld>
+    <p:spTree>
+      <p:nvGrpSpPr>
+        <p:cNvPr id="1" name=""/>
+        <p:cNvGrpSpPr/>
+        <p:nvPr/>
+      </p:nvGrpSpPr>
+      <p:grpSpPr>
+        <a:xfrm>
+          <a:off x="0" y="0"/>
+          <a:ext cx="0" cy="0"/>
+          <a:chOff x="0" y="0"/>
+          <a:chExt cx="0" cy="0"/>
+        </a:xfrm>
+      </p:grpSpPr>
+      <p:pic>
+        <p:nvPicPr>
+          <p:cNvPr id="4" name="Picture 3">
+            <a:extLst>
+              <a:ext uri="{FF2B5EF4-FFF2-40B4-BE49-F238E27FC236}">
+                <a16:creationId xmlns:a16="http://schemas.microsoft.com/office/drawing/2014/main" id="{806D4723-652D-F76F-63FB-0150F6A2F16D}"/>
+              </a:ext>
+            </a:extLst>
+          </p:cNvPr>
+          <p:cNvPicPr>
+            <a:picLocks noChangeAspect="1"/>
+          </p:cNvPicPr>
+          <p:nvPr/>
+        </p:nvPicPr>
+        <p:blipFill>
+          <a:blip r:embed="rId2"/>
+          <a:stretch>
+            <a:fillRect/>
+          </a:stretch>
+        </p:blipFill>
+        <p:spPr>
+          <a:xfrm>
+            <a:off x="0" y="1733432"/>
+            <a:ext cx="6004339" cy="3387802"/>
+          </a:xfrm>
+          <a:prstGeom prst="rect">
+            <a:avLst/>
+          </a:prstGeom>
+        </p:spPr>
+      </p:pic>
+      <p:pic>
+        <p:nvPicPr>
+          <p:cNvPr id="6" name="Picture 5">
+            <a:extLst>
+              <a:ext uri="{FF2B5EF4-FFF2-40B4-BE49-F238E27FC236}">
+                <a16:creationId xmlns:a16="http://schemas.microsoft.com/office/drawing/2014/main" id="{BFD57AB6-C611-6D9F-E7B5-1014600D3A0B}"/>
+              </a:ext>
+            </a:extLst>
+          </p:cNvPr>
+          <p:cNvPicPr>
+            <a:picLocks noChangeAspect="1"/>
+          </p:cNvPicPr>
+          <p:nvPr/>
+        </p:nvPicPr>
+        <p:blipFill>
+          <a:blip r:embed="rId3"/>
+          <a:stretch>
+            <a:fillRect/>
+          </a:stretch>
+        </p:blipFill>
+        <p:spPr>
+          <a:xfrm>
+            <a:off x="5134403" y="1733431"/>
+            <a:ext cx="7057597" cy="3381315"/>
+          </a:xfrm>
+          <a:prstGeom prst="rect">
+            <a:avLst/>
+          </a:prstGeom>
+        </p:spPr>
+      </p:pic>
+      <p:sp>
+        <p:nvSpPr>
+          <p:cNvPr id="7" name="TextBox 6">
+            <a:extLst>
+              <a:ext uri="{FF2B5EF4-FFF2-40B4-BE49-F238E27FC236}">
+                <a16:creationId xmlns:a16="http://schemas.microsoft.com/office/drawing/2014/main" id="{F585DDB7-F791-F2FC-1B92-E90832C2DBE8}"/>
+              </a:ext>
+            </a:extLst>
+          </p:cNvPr>
+          <p:cNvSpPr txBox="1"/>
+          <p:nvPr/>
+        </p:nvSpPr>
+        <p:spPr>
+          <a:xfrm>
+            <a:off x="6569094" y="5503229"/>
+            <a:ext cx="2305439" cy="369332"/>
+          </a:xfrm>
+          <a:prstGeom prst="rect">
+            <a:avLst/>
+          </a:prstGeom>
+          <a:noFill/>
+        </p:spPr>
+        <p:txBody>
+          <a:bodyPr wrap="none" rtlCol="0">
+            <a:spAutoFit/>
+          </a:bodyPr>
+          <a:lstStyle/>
+          <a:p>
+            <a:r>
+              <a:rPr lang="en-US" i="1" dirty="0"/>
+              <a:t>Look at that trend line!</a:t>
+            </a:r>
+          </a:p>
+        </p:txBody>
+      </p:sp>
+    </p:spTree>
+    <p:extLst>
+      <p:ext uri="{BB962C8B-B14F-4D97-AF65-F5344CB8AC3E}">
+        <p14:creationId xmlns:p14="http://schemas.microsoft.com/office/powerpoint/2010/main" val="1638892856"/>
+      </p:ext>
+    </p:extLst>
+  </p:cSld>
+  <p:clrMapOvr>
+    <a:masterClrMapping/>
+  </p:clrMapOvr>
+</p:sld>
+</file>
+
+<file path=ppt/slides/slide26.xml><?xml version="1.0" encoding="utf-8"?>
+<p:sld xmlns:a="http://schemas.openxmlformats.org/drawingml/2006/main" xmlns:r="http://schemas.openxmlformats.org/officeDocument/2006/relationships" xmlns:p="http://schemas.openxmlformats.org/presentationml/2006/main">
+  <p:cSld>
+    <p:spTree>
+      <p:nvGrpSpPr>
+        <p:cNvPr id="1" name=""/>
+        <p:cNvGrpSpPr/>
+        <p:nvPr/>
+      </p:nvGrpSpPr>
+      <p:grpSpPr>
+        <a:xfrm>
+          <a:off x="0" y="0"/>
+          <a:ext cx="0" cy="0"/>
+          <a:chOff x="0" y="0"/>
+          <a:chExt cx="0" cy="0"/>
+        </a:xfrm>
+      </p:grpSpPr>
+      <p:pic>
+        <p:nvPicPr>
+          <p:cNvPr id="3" name="Picture 2">
+            <a:extLst>
+              <a:ext uri="{FF2B5EF4-FFF2-40B4-BE49-F238E27FC236}">
+                <a16:creationId xmlns:a16="http://schemas.microsoft.com/office/drawing/2014/main" id="{3498ACB1-9D3F-9508-45B4-350D93B16BA2}"/>
+              </a:ext>
+            </a:extLst>
+          </p:cNvPr>
+          <p:cNvPicPr>
+            <a:picLocks noChangeAspect="1"/>
+          </p:cNvPicPr>
+          <p:nvPr/>
+        </p:nvPicPr>
+        <p:blipFill>
+          <a:blip r:embed="rId2"/>
+          <a:stretch>
+            <a:fillRect/>
+          </a:stretch>
+        </p:blipFill>
+        <p:spPr>
+          <a:xfrm>
+            <a:off x="104775" y="136681"/>
+            <a:ext cx="5991225" cy="3790950"/>
+          </a:xfrm>
+          <a:prstGeom prst="rect">
+            <a:avLst/>
+          </a:prstGeom>
+        </p:spPr>
+      </p:pic>
+      <p:pic>
+        <p:nvPicPr>
+          <p:cNvPr id="5" name="Picture 4">
+            <a:extLst>
+              <a:ext uri="{FF2B5EF4-FFF2-40B4-BE49-F238E27FC236}">
+                <a16:creationId xmlns:a16="http://schemas.microsoft.com/office/drawing/2014/main" id="{6664745A-1628-C74B-B0D9-3EF6AE966107}"/>
+              </a:ext>
+            </a:extLst>
+          </p:cNvPr>
+          <p:cNvPicPr>
+            <a:picLocks noChangeAspect="1"/>
+          </p:cNvPicPr>
+          <p:nvPr/>
+        </p:nvPicPr>
+        <p:blipFill>
+          <a:blip r:embed="rId3"/>
+          <a:stretch>
+            <a:fillRect/>
+          </a:stretch>
+        </p:blipFill>
+        <p:spPr>
+          <a:xfrm>
+            <a:off x="6045540" y="2601318"/>
+            <a:ext cx="5991225" cy="4191000"/>
+          </a:xfrm>
+          <a:prstGeom prst="rect">
+            <a:avLst/>
+          </a:prstGeom>
+        </p:spPr>
+      </p:pic>
+      <p:pic>
+        <p:nvPicPr>
+          <p:cNvPr id="9" name="Picture 8">
+            <a:extLst>
+              <a:ext uri="{FF2B5EF4-FFF2-40B4-BE49-F238E27FC236}">
+                <a16:creationId xmlns:a16="http://schemas.microsoft.com/office/drawing/2014/main" id="{BB7737F6-8781-0E99-A287-C4B3EE507480}"/>
+              </a:ext>
+            </a:extLst>
+          </p:cNvPr>
+          <p:cNvPicPr>
+            <a:picLocks noChangeAspect="1"/>
+          </p:cNvPicPr>
+          <p:nvPr/>
+        </p:nvPicPr>
+        <p:blipFill>
+          <a:blip r:embed="rId4"/>
+          <a:stretch>
+            <a:fillRect/>
+          </a:stretch>
+        </p:blipFill>
+        <p:spPr>
+          <a:xfrm>
+            <a:off x="1282837" y="4099862"/>
+            <a:ext cx="3356481" cy="2520225"/>
+          </a:xfrm>
+          <a:prstGeom prst="rect">
+            <a:avLst/>
+          </a:prstGeom>
+        </p:spPr>
+      </p:pic>
+      <p:sp>
+        <p:nvSpPr>
+          <p:cNvPr id="10" name="TextBox 9">
+            <a:extLst>
+              <a:ext uri="{FF2B5EF4-FFF2-40B4-BE49-F238E27FC236}">
+                <a16:creationId xmlns:a16="http://schemas.microsoft.com/office/drawing/2014/main" id="{385E3C6A-5553-C3E4-0643-E314D7749160}"/>
+              </a:ext>
+            </a:extLst>
+          </p:cNvPr>
+          <p:cNvSpPr txBox="1"/>
+          <p:nvPr/>
+        </p:nvSpPr>
+        <p:spPr>
+          <a:xfrm>
+            <a:off x="5043225" y="136681"/>
+            <a:ext cx="1645322" cy="369332"/>
+          </a:xfrm>
+          <a:prstGeom prst="rect">
+            <a:avLst/>
+          </a:prstGeom>
+          <a:noFill/>
+        </p:spPr>
+        <p:txBody>
+          <a:bodyPr wrap="none" rtlCol="0">
+            <a:spAutoFit/>
+          </a:bodyPr>
+          <a:lstStyle/>
+          <a:p>
+            <a:r>
+              <a:rPr lang="en-US" dirty="0"/>
+              <a:t>By Extremeness</a:t>
+            </a:r>
+          </a:p>
+        </p:txBody>
+      </p:sp>
+    </p:spTree>
+    <p:extLst>
+      <p:ext uri="{BB962C8B-B14F-4D97-AF65-F5344CB8AC3E}">
+        <p14:creationId xmlns:p14="http://schemas.microsoft.com/office/powerpoint/2010/main" val="3141983334"/>
+      </p:ext>
+    </p:extLst>
+  </p:cSld>
+  <p:clrMapOvr>
+    <a:masterClrMapping/>
+  </p:clrMapOvr>
+</p:sld>
+</file>
+
+<file path=ppt/slides/slide27.xml><?xml version="1.0" encoding="utf-8"?>
+<p:sld xmlns:a="http://schemas.openxmlformats.org/drawingml/2006/main" xmlns:r="http://schemas.openxmlformats.org/officeDocument/2006/relationships" xmlns:p="http://schemas.openxmlformats.org/presentationml/2006/main">
+  <p:cSld>
+    <p:spTree>
+      <p:nvGrpSpPr>
+        <p:cNvPr id="1" name=""/>
+        <p:cNvGrpSpPr/>
+        <p:nvPr/>
+      </p:nvGrpSpPr>
+      <p:grpSpPr>
+        <a:xfrm>
+          <a:off x="0" y="0"/>
+          <a:ext cx="0" cy="0"/>
+          <a:chOff x="0" y="0"/>
+          <a:chExt cx="0" cy="0"/>
+        </a:xfrm>
+      </p:grpSpPr>
+      <p:pic>
+        <p:nvPicPr>
+          <p:cNvPr id="3" name="Picture 2">
+            <a:extLst>
+              <a:ext uri="{FF2B5EF4-FFF2-40B4-BE49-F238E27FC236}">
+                <a16:creationId xmlns:a16="http://schemas.microsoft.com/office/drawing/2014/main" id="{358AF0B3-28E6-7638-3489-05C744E7DB44}"/>
+              </a:ext>
+            </a:extLst>
+          </p:cNvPr>
+          <p:cNvPicPr>
+            <a:picLocks noChangeAspect="1"/>
+          </p:cNvPicPr>
+          <p:nvPr/>
+        </p:nvPicPr>
+        <p:blipFill>
+          <a:blip r:embed="rId2"/>
+          <a:stretch>
+            <a:fillRect/>
+          </a:stretch>
+        </p:blipFill>
+        <p:spPr>
+          <a:xfrm>
+            <a:off x="95250" y="51831"/>
+            <a:ext cx="6000750" cy="4476750"/>
+          </a:xfrm>
+          <a:prstGeom prst="rect">
+            <a:avLst/>
+          </a:prstGeom>
+        </p:spPr>
+      </p:pic>
+      <p:pic>
+        <p:nvPicPr>
+          <p:cNvPr id="5" name="Picture 4">
+            <a:extLst>
+              <a:ext uri="{FF2B5EF4-FFF2-40B4-BE49-F238E27FC236}">
+                <a16:creationId xmlns:a16="http://schemas.microsoft.com/office/drawing/2014/main" id="{D8FA7AED-F219-8A89-D67C-D7D1FFFEE391}"/>
+              </a:ext>
+            </a:extLst>
+          </p:cNvPr>
+          <p:cNvPicPr>
+            <a:picLocks noChangeAspect="1"/>
+          </p:cNvPicPr>
+          <p:nvPr/>
+        </p:nvPicPr>
+        <p:blipFill>
+          <a:blip r:embed="rId3"/>
+          <a:stretch>
+            <a:fillRect/>
+          </a:stretch>
+        </p:blipFill>
+        <p:spPr>
+          <a:xfrm>
+            <a:off x="6191250" y="2245271"/>
+            <a:ext cx="6000750" cy="4476750"/>
+          </a:xfrm>
+          <a:prstGeom prst="rect">
+            <a:avLst/>
+          </a:prstGeom>
+        </p:spPr>
+      </p:pic>
+      <p:sp>
+        <p:nvSpPr>
+          <p:cNvPr id="6" name="TextBox 5">
+            <a:extLst>
+              <a:ext uri="{FF2B5EF4-FFF2-40B4-BE49-F238E27FC236}">
+                <a16:creationId xmlns:a16="http://schemas.microsoft.com/office/drawing/2014/main" id="{39DF2AA2-7278-EB1C-1D09-581D3A9ACAE6}"/>
+              </a:ext>
+            </a:extLst>
+          </p:cNvPr>
+          <p:cNvSpPr txBox="1"/>
+          <p:nvPr/>
+        </p:nvSpPr>
+        <p:spPr>
+          <a:xfrm>
+            <a:off x="6412020" y="1099524"/>
+            <a:ext cx="5396643" cy="923330"/>
+          </a:xfrm>
+          <a:prstGeom prst="rect">
+            <a:avLst/>
+          </a:prstGeom>
+          <a:noFill/>
+        </p:spPr>
+        <p:txBody>
+          <a:bodyPr wrap="square" rtlCol="0">
+            <a:spAutoFit/>
+          </a:bodyPr>
+          <a:lstStyle/>
+          <a:p>
+            <a:r>
+              <a:rPr lang="en-US" i="1" dirty="0"/>
+              <a:t>(same averages/values as the previous slide, just sorted by agent and not extremeness. which is why it looks more random.)</a:t>
+            </a:r>
+          </a:p>
+        </p:txBody>
+      </p:sp>
+    </p:spTree>
+    <p:extLst>
+      <p:ext uri="{BB962C8B-B14F-4D97-AF65-F5344CB8AC3E}">
+        <p14:creationId xmlns:p14="http://schemas.microsoft.com/office/powerpoint/2010/main" val="432690574"/>
+      </p:ext>
+    </p:extLst>
+  </p:cSld>
+  <p:clrMapOvr>
+    <a:masterClrMapping/>
+  </p:clrMapOvr>
+</p:sld>
+</file>
+
+<file path=ppt/slides/slide28.xml><?xml version="1.0" encoding="utf-8"?>
+<p:sld xmlns:a="http://schemas.openxmlformats.org/drawingml/2006/main" xmlns:r="http://schemas.openxmlformats.org/officeDocument/2006/relationships" xmlns:p="http://schemas.openxmlformats.org/presentationml/2006/main">
+  <p:cSld>
+    <p:spTree>
+      <p:nvGrpSpPr>
+        <p:cNvPr id="1" name=""/>
+        <p:cNvGrpSpPr/>
+        <p:nvPr/>
+      </p:nvGrpSpPr>
+      <p:grpSpPr>
+        <a:xfrm>
+          <a:off x="0" y="0"/>
+          <a:ext cx="0" cy="0"/>
+          <a:chOff x="0" y="0"/>
+          <a:chExt cx="0" cy="0"/>
+        </a:xfrm>
+      </p:grpSpPr>
+      <p:pic>
+        <p:nvPicPr>
+          <p:cNvPr id="3" name="Picture 2">
+            <a:extLst>
+              <a:ext uri="{FF2B5EF4-FFF2-40B4-BE49-F238E27FC236}">
+                <a16:creationId xmlns:a16="http://schemas.microsoft.com/office/drawing/2014/main" id="{B48DDBA3-BFB1-AD1E-84F7-23640B67AE04}"/>
+              </a:ext>
+            </a:extLst>
+          </p:cNvPr>
+          <p:cNvPicPr>
+            <a:picLocks noChangeAspect="1"/>
+          </p:cNvPicPr>
+          <p:nvPr/>
+        </p:nvPicPr>
+        <p:blipFill>
+          <a:blip r:embed="rId2"/>
+          <a:stretch>
+            <a:fillRect/>
+          </a:stretch>
+        </p:blipFill>
+        <p:spPr>
+          <a:xfrm>
+            <a:off x="95250" y="0"/>
+            <a:ext cx="6000750" cy="4476750"/>
+          </a:xfrm>
+          <a:prstGeom prst="rect">
+            <a:avLst/>
+          </a:prstGeom>
+        </p:spPr>
+      </p:pic>
+      <p:pic>
+        <p:nvPicPr>
+          <p:cNvPr id="5" name="Picture 4">
+            <a:extLst>
+              <a:ext uri="{FF2B5EF4-FFF2-40B4-BE49-F238E27FC236}">
+                <a16:creationId xmlns:a16="http://schemas.microsoft.com/office/drawing/2014/main" id="{C8C3AEF2-38B7-5E96-8608-010930C7600E}"/>
+              </a:ext>
+            </a:extLst>
+          </p:cNvPr>
+          <p:cNvPicPr>
+            <a:picLocks noChangeAspect="1"/>
+          </p:cNvPicPr>
+          <p:nvPr/>
+        </p:nvPicPr>
+        <p:blipFill>
+          <a:blip r:embed="rId3"/>
+          <a:stretch>
+            <a:fillRect/>
+          </a:stretch>
+        </p:blipFill>
+        <p:spPr>
+          <a:xfrm>
+            <a:off x="6191250" y="2381250"/>
+            <a:ext cx="6000750" cy="4476750"/>
+          </a:xfrm>
+          <a:prstGeom prst="rect">
+            <a:avLst/>
+          </a:prstGeom>
+        </p:spPr>
+      </p:pic>
+    </p:spTree>
+    <p:extLst>
+      <p:ext uri="{BB962C8B-B14F-4D97-AF65-F5344CB8AC3E}">
+        <p14:creationId xmlns:p14="http://schemas.microsoft.com/office/powerpoint/2010/main" val="2979268451"/>
+      </p:ext>
+    </p:extLst>
+  </p:cSld>
+  <p:clrMapOvr>
+    <a:masterClrMapping/>
+  </p:clrMapOvr>
+</p:sld>
+</file>
+
+<file path=ppt/slides/slide29.xml><?xml version="1.0" encoding="utf-8"?>
+<p:sld xmlns:a="http://schemas.openxmlformats.org/drawingml/2006/main" xmlns:r="http://schemas.openxmlformats.org/officeDocument/2006/relationships" xmlns:p="http://schemas.openxmlformats.org/presentationml/2006/main">
+  <p:cSld>
+    <p:spTree>
+      <p:nvGrpSpPr>
+        <p:cNvPr id="1" name=""/>
+        <p:cNvGrpSpPr/>
+        <p:nvPr/>
+      </p:nvGrpSpPr>
+      <p:grpSpPr>
+        <a:xfrm>
+          <a:off x="0" y="0"/>
+          <a:ext cx="0" cy="0"/>
+          <a:chOff x="0" y="0"/>
+          <a:chExt cx="0" cy="0"/>
+        </a:xfrm>
+      </p:grpSpPr>
+      <p:sp>
+        <p:nvSpPr>
+          <p:cNvPr id="2" name="Title 1">
+            <a:extLst>
+              <a:ext uri="{FF2B5EF4-FFF2-40B4-BE49-F238E27FC236}">
+                <a16:creationId xmlns:a16="http://schemas.microsoft.com/office/drawing/2014/main" id="{65A35C18-D37F-5E37-4E62-E0368ADB0133}"/>
+              </a:ext>
+            </a:extLst>
+          </p:cNvPr>
+          <p:cNvSpPr>
+            <a:spLocks noGrp="1"/>
+          </p:cNvSpPr>
+          <p:nvPr>
+            <p:ph type="title"/>
+          </p:nvPr>
+        </p:nvSpPr>
+        <p:spPr>
+          <a:xfrm>
+            <a:off x="662782" y="184890"/>
+            <a:ext cx="10772775" cy="1658198"/>
+          </a:xfrm>
+        </p:spPr>
+        <p:txBody>
+          <a:bodyPr/>
+          <a:lstStyle/>
+          <a:p>
+            <a:r>
+              <a:rPr lang="en-US" dirty="0"/>
+              <a:t>Comparing across archetypes and scoring/non-scoring</a:t>
+            </a:r>
+          </a:p>
+        </p:txBody>
+      </p:sp>
+      <p:grpSp>
+        <p:nvGrpSpPr>
+          <p:cNvPr id="5" name="Group 3">
+            <a:extLst>
+              <a:ext uri="{FF2B5EF4-FFF2-40B4-BE49-F238E27FC236}">
+                <a16:creationId xmlns:a16="http://schemas.microsoft.com/office/drawing/2014/main" id="{C4DE5F73-8D08-FC10-5149-074F14FE3DB9}"/>
+              </a:ext>
+            </a:extLst>
+          </p:cNvPr>
+          <p:cNvGrpSpPr>
+            <a:grpSpLocks noChangeAspect="1"/>
+          </p:cNvGrpSpPr>
+          <p:nvPr/>
+        </p:nvGrpSpPr>
+        <p:grpSpPr bwMode="auto">
+          <a:xfrm>
+            <a:off x="519113" y="1847850"/>
+            <a:ext cx="11153775" cy="2024063"/>
+            <a:chOff x="327" y="1164"/>
+            <a:chExt cx="7026" cy="1275"/>
+          </a:xfrm>
+        </p:grpSpPr>
+        <p:sp>
+          <p:nvSpPr>
+            <p:cNvPr id="6" name="AutoShape 2">
+              <a:extLst>
+                <a:ext uri="{FF2B5EF4-FFF2-40B4-BE49-F238E27FC236}">
+                  <a16:creationId xmlns:a16="http://schemas.microsoft.com/office/drawing/2014/main" id="{48B76E3D-D01B-8C61-1AE8-6DF5BB4A43B5}"/>
+                </a:ext>
+              </a:extLst>
+            </p:cNvPr>
+            <p:cNvSpPr>
+              <a:spLocks noChangeAspect="1" noChangeArrowheads="1" noTextEdit="1"/>
+            </p:cNvSpPr>
+            <p:nvPr/>
+          </p:nvSpPr>
+          <p:spPr bwMode="auto">
+            <a:xfrm>
+              <a:off x="327" y="1164"/>
+              <a:ext cx="7026" cy="1275"/>
+            </a:xfrm>
+            <a:prstGeom prst="rect">
+              <a:avLst/>
+            </a:prstGeom>
+            <a:noFill/>
+            <a:ln>
+              <a:noFill/>
+            </a:ln>
+            <a:extLst>
+              <a:ext uri="{909E8E84-426E-40DD-AFC4-6F175D3DCCD1}">
+                <a14:hiddenFill xmlns:a14="http://schemas.microsoft.com/office/drawing/2010/main">
+                  <a:solidFill>
+                    <a:srgbClr val="FFFFFF"/>
+                  </a:solidFill>
+                </a14:hiddenFill>
+              </a:ext>
+              <a:ext uri="{91240B29-F687-4F45-9708-019B960494DF}">
+                <a14:hiddenLine xmlns:a14="http://schemas.microsoft.com/office/drawing/2010/main" w="9525">
+                  <a:solidFill>
+                    <a:srgbClr val="000000"/>
+                  </a:solidFill>
+                  <a:miter lim="800000"/>
+                  <a:headEnd/>
+                  <a:tailEnd/>
+                </a14:hiddenLine>
+              </a:ext>
+            </a:extLst>
+          </p:spPr>
+          <p:txBody>
+            <a:bodyPr vert="horz" wrap="square" lIns="91440" tIns="45720" rIns="91440" bIns="45720" numCol="1" anchor="t" anchorCtr="0" compatLnSpc="1">
+              <a:prstTxWarp prst="textNoShape">
+                <a:avLst/>
+              </a:prstTxWarp>
+            </a:bodyPr>
+            <a:lstStyle/>
+            <a:p>
+              <a:endParaRPr lang="en-US"/>
+            </a:p>
+          </p:txBody>
+        </p:sp>
+        <p:sp>
+          <p:nvSpPr>
+            <p:cNvPr id="7" name="Rectangle 4">
+              <a:extLst>
+                <a:ext uri="{FF2B5EF4-FFF2-40B4-BE49-F238E27FC236}">
+                  <a16:creationId xmlns:a16="http://schemas.microsoft.com/office/drawing/2014/main" id="{3F9E3613-8B0E-9E17-6C10-F70702E93042}"/>
+                </a:ext>
+              </a:extLst>
+            </p:cNvPr>
+            <p:cNvSpPr>
+              <a:spLocks noChangeArrowheads="1"/>
+            </p:cNvSpPr>
+            <p:nvPr/>
+          </p:nvSpPr>
+          <p:spPr bwMode="auto">
+            <a:xfrm>
+              <a:off x="3730" y="1164"/>
+              <a:ext cx="1815" cy="260"/>
+            </a:xfrm>
+            <a:prstGeom prst="rect">
+              <a:avLst/>
+            </a:prstGeom>
+            <a:solidFill>
+              <a:srgbClr val="DAE9F8"/>
+            </a:solidFill>
+            <a:ln>
+              <a:noFill/>
+            </a:ln>
+            <a:extLst>
+              <a:ext uri="{91240B29-F687-4F45-9708-019B960494DF}">
+                <a14:hiddenLine xmlns:a14="http://schemas.microsoft.com/office/drawing/2010/main" w="9525">
+                  <a:solidFill>
+                    <a:srgbClr val="000000"/>
+                  </a:solidFill>
+                  <a:miter lim="800000"/>
+                  <a:headEnd/>
+                  <a:tailEnd/>
+                </a14:hiddenLine>
+              </a:ext>
+            </a:extLst>
+          </p:spPr>
+          <p:txBody>
+            <a:bodyPr vert="horz" wrap="square" lIns="91440" tIns="45720" rIns="91440" bIns="45720" numCol="1" anchor="t" anchorCtr="0" compatLnSpc="1">
+              <a:prstTxWarp prst="textNoShape">
+                <a:avLst/>
+              </a:prstTxWarp>
+            </a:bodyPr>
+            <a:lstStyle/>
+            <a:p>
+              <a:endParaRPr lang="en-US"/>
+            </a:p>
+          </p:txBody>
+        </p:sp>
+        <p:sp>
+          <p:nvSpPr>
+            <p:cNvPr id="8" name="Rectangle 5">
+              <a:extLst>
+                <a:ext uri="{FF2B5EF4-FFF2-40B4-BE49-F238E27FC236}">
+                  <a16:creationId xmlns:a16="http://schemas.microsoft.com/office/drawing/2014/main" id="{41B673D6-7AA0-ABB9-59AD-07403D08EACF}"/>
+                </a:ext>
+              </a:extLst>
+            </p:cNvPr>
+            <p:cNvSpPr>
+              <a:spLocks noChangeArrowheads="1"/>
+            </p:cNvSpPr>
+            <p:nvPr/>
+          </p:nvSpPr>
+          <p:spPr bwMode="auto">
+            <a:xfrm>
+              <a:off x="5538" y="1164"/>
+              <a:ext cx="1815" cy="260"/>
+            </a:xfrm>
+            <a:prstGeom prst="rect">
+              <a:avLst/>
+            </a:prstGeom>
+            <a:solidFill>
+              <a:srgbClr val="DAF2D0"/>
+            </a:solidFill>
+            <a:ln>
+              <a:noFill/>
+            </a:ln>
+            <a:extLst>
+              <a:ext uri="{91240B29-F687-4F45-9708-019B960494DF}">
+                <a14:hiddenLine xmlns:a14="http://schemas.microsoft.com/office/drawing/2010/main" w="9525">
+                  <a:solidFill>
+                    <a:srgbClr val="000000"/>
+                  </a:solidFill>
+                  <a:miter lim="800000"/>
+                  <a:headEnd/>
+                  <a:tailEnd/>
+                </a14:hiddenLine>
+              </a:ext>
+            </a:extLst>
+          </p:spPr>
+          <p:txBody>
+            <a:bodyPr vert="horz" wrap="square" lIns="91440" tIns="45720" rIns="91440" bIns="45720" numCol="1" anchor="t" anchorCtr="0" compatLnSpc="1">
+              <a:prstTxWarp prst="textNoShape">
+                <a:avLst/>
+              </a:prstTxWarp>
+            </a:bodyPr>
+            <a:lstStyle/>
+            <a:p>
+              <a:endParaRPr lang="en-US"/>
+            </a:p>
+          </p:txBody>
+        </p:sp>
+        <p:sp>
+          <p:nvSpPr>
+            <p:cNvPr id="9" name="Rectangle 6">
+              <a:extLst>
+                <a:ext uri="{FF2B5EF4-FFF2-40B4-BE49-F238E27FC236}">
+                  <a16:creationId xmlns:a16="http://schemas.microsoft.com/office/drawing/2014/main" id="{C2B869BA-5A70-B6B1-5BB7-D3EF6D845B8B}"/>
+                </a:ext>
+              </a:extLst>
+            </p:cNvPr>
+            <p:cNvSpPr>
+              <a:spLocks noChangeArrowheads="1"/>
+            </p:cNvSpPr>
+            <p:nvPr/>
+          </p:nvSpPr>
+          <p:spPr bwMode="auto">
+            <a:xfrm>
+              <a:off x="3730" y="1671"/>
+              <a:ext cx="1815" cy="768"/>
+            </a:xfrm>
+            <a:prstGeom prst="rect">
+              <a:avLst/>
+            </a:prstGeom>
+            <a:solidFill>
+              <a:srgbClr val="DAE9F8"/>
+            </a:solidFill>
+            <a:ln>
+              <a:noFill/>
+            </a:ln>
+            <a:extLst>
+              <a:ext uri="{91240B29-F687-4F45-9708-019B960494DF}">
+                <a14:hiddenLine xmlns:a14="http://schemas.microsoft.com/office/drawing/2010/main" w="9525">
+                  <a:solidFill>
+                    <a:srgbClr val="000000"/>
+                  </a:solidFill>
+                  <a:miter lim="800000"/>
+                  <a:headEnd/>
+                  <a:tailEnd/>
+                </a14:hiddenLine>
+              </a:ext>
+            </a:extLst>
+          </p:spPr>
+          <p:txBody>
+            <a:bodyPr vert="horz" wrap="square" lIns="91440" tIns="45720" rIns="91440" bIns="45720" numCol="1" anchor="t" anchorCtr="0" compatLnSpc="1">
+              <a:prstTxWarp prst="textNoShape">
+                <a:avLst/>
+              </a:prstTxWarp>
+            </a:bodyPr>
+            <a:lstStyle/>
+            <a:p>
+              <a:endParaRPr lang="en-US"/>
+            </a:p>
+          </p:txBody>
+        </p:sp>
+        <p:sp>
+          <p:nvSpPr>
+            <p:cNvPr id="10" name="Rectangle 7">
+              <a:extLst>
+                <a:ext uri="{FF2B5EF4-FFF2-40B4-BE49-F238E27FC236}">
+                  <a16:creationId xmlns:a16="http://schemas.microsoft.com/office/drawing/2014/main" id="{4ED28D8A-D70A-9FC5-8E99-028158427BE3}"/>
+                </a:ext>
+              </a:extLst>
+            </p:cNvPr>
+            <p:cNvSpPr>
+              <a:spLocks noChangeArrowheads="1"/>
+            </p:cNvSpPr>
+            <p:nvPr/>
+          </p:nvSpPr>
+          <p:spPr bwMode="auto">
+            <a:xfrm>
+              <a:off x="5538" y="1671"/>
+              <a:ext cx="1815" cy="768"/>
+            </a:xfrm>
+            <a:prstGeom prst="rect">
+              <a:avLst/>
+            </a:prstGeom>
+            <a:solidFill>
+              <a:srgbClr val="DAF2D0"/>
+            </a:solidFill>
+            <a:ln>
+              <a:noFill/>
+            </a:ln>
+            <a:extLst>
+              <a:ext uri="{91240B29-F687-4F45-9708-019B960494DF}">
+                <a14:hiddenLine xmlns:a14="http://schemas.microsoft.com/office/drawing/2010/main" w="9525">
+                  <a:solidFill>
+                    <a:srgbClr val="000000"/>
+                  </a:solidFill>
+                  <a:miter lim="800000"/>
+                  <a:headEnd/>
+                  <a:tailEnd/>
+                </a14:hiddenLine>
+              </a:ext>
+            </a:extLst>
+          </p:spPr>
+          <p:txBody>
+            <a:bodyPr vert="horz" wrap="square" lIns="91440" tIns="45720" rIns="91440" bIns="45720" numCol="1" anchor="t" anchorCtr="0" compatLnSpc="1">
+              <a:prstTxWarp prst="textNoShape">
+                <a:avLst/>
+              </a:prstTxWarp>
+            </a:bodyPr>
+            <a:lstStyle/>
+            <a:p>
+              <a:endParaRPr lang="en-US"/>
+            </a:p>
+          </p:txBody>
+        </p:sp>
+        <p:sp>
+          <p:nvSpPr>
+            <p:cNvPr id="11" name="Rectangle 8">
+              <a:extLst>
+                <a:ext uri="{FF2B5EF4-FFF2-40B4-BE49-F238E27FC236}">
+                  <a16:creationId xmlns:a16="http://schemas.microsoft.com/office/drawing/2014/main" id="{9A94F6E5-F2A0-0E18-1951-0A38BF7E140A}"/>
+                </a:ext>
+              </a:extLst>
+            </p:cNvPr>
+            <p:cNvSpPr>
+              <a:spLocks noChangeArrowheads="1"/>
+            </p:cNvSpPr>
+            <p:nvPr/>
+          </p:nvSpPr>
+          <p:spPr bwMode="auto">
+            <a:xfrm>
+              <a:off x="360" y="1431"/>
+              <a:ext cx="1722" cy="300"/>
+            </a:xfrm>
+            <a:prstGeom prst="rect">
+              <a:avLst/>
+            </a:prstGeom>
+            <a:noFill/>
+            <a:ln>
+              <a:noFill/>
+            </a:ln>
+            <a:extLst>
+              <a:ext uri="{909E8E84-426E-40DD-AFC4-6F175D3DCCD1}">
+                <a14:hiddenFill xmlns:a14="http://schemas.microsoft.com/office/drawing/2010/main">
+                  <a:solidFill>
+                    <a:srgbClr val="FFFFFF"/>
+                  </a:solidFill>
+                </a14:hiddenFill>
+              </a:ext>
+              <a:ext uri="{91240B29-F687-4F45-9708-019B960494DF}">
+                <a14:hiddenLine xmlns:a14="http://schemas.microsoft.com/office/drawing/2010/main" w="9525">
+                  <a:solidFill>
+                    <a:srgbClr val="000000"/>
+                  </a:solidFill>
+                  <a:miter lim="800000"/>
+                  <a:headEnd/>
+                  <a:tailEnd/>
+                </a14:hiddenLine>
+              </a:ext>
+            </a:extLst>
+          </p:spPr>
+          <p:txBody>
+            <a:bodyPr vert="horz" wrap="none" lIns="0" tIns="0" rIns="0" bIns="0" numCol="1" anchor="t" anchorCtr="0" compatLnSpc="1">
+              <a:prstTxWarp prst="textNoShape">
+                <a:avLst/>
+              </a:prstTxWarp>
+              <a:spAutoFit/>
+            </a:bodyPr>
+            <a:lstStyle>
+              <a:lvl1pPr eaLnBrk="0" fontAlgn="base" hangingPunct="0">
+                <a:spcBef>
+                  <a:spcPct val="0"/>
+                </a:spcBef>
+                <a:spcAft>
+                  <a:spcPct val="0"/>
+                </a:spcAft>
+                <a:defRPr>
+                  <a:solidFill>
+                    <a:schemeClr val="tx1"/>
+                  </a:solidFill>
+                  <a:latin typeface="Arial" panose="020B0604020202020204" pitchFamily="34" charset="0"/>
+                </a:defRPr>
+              </a:lvl1pPr>
+              <a:lvl2pPr eaLnBrk="0" fontAlgn="base" hangingPunct="0">
+                <a:spcBef>
+                  <a:spcPct val="0"/>
+                </a:spcBef>
+                <a:spcAft>
+                  <a:spcPct val="0"/>
+                </a:spcAft>
+                <a:defRPr>
+                  <a:solidFill>
+                    <a:schemeClr val="tx1"/>
+                  </a:solidFill>
+                  <a:latin typeface="Arial" panose="020B0604020202020204" pitchFamily="34" charset="0"/>
+                </a:defRPr>
+              </a:lvl2pPr>
+              <a:lvl3pPr eaLnBrk="0" fontAlgn="base" hangingPunct="0">
+                <a:spcBef>
+                  <a:spcPct val="0"/>
+                </a:spcBef>
+                <a:spcAft>
+                  <a:spcPct val="0"/>
+                </a:spcAft>
+                <a:defRPr>
+                  <a:solidFill>
+                    <a:schemeClr val="tx1"/>
+                  </a:solidFill>
+                  <a:latin typeface="Arial" panose="020B0604020202020204" pitchFamily="34" charset="0"/>
+                </a:defRPr>
+              </a:lvl3pPr>
+              <a:lvl4pPr eaLnBrk="0" fontAlgn="base" hangingPunct="0">
+                <a:spcBef>
+                  <a:spcPct val="0"/>
+                </a:spcBef>
+                <a:spcAft>
+                  <a:spcPct val="0"/>
+                </a:spcAft>
+                <a:defRPr>
+                  <a:solidFill>
+                    <a:schemeClr val="tx1"/>
+                  </a:solidFill>
+                  <a:latin typeface="Arial" panose="020B0604020202020204" pitchFamily="34" charset="0"/>
+                </a:defRPr>
+              </a:lvl4pPr>
+              <a:lvl5pPr eaLnBrk="0" fontAlgn="base" hangingPunct="0">
+                <a:spcBef>
+                  <a:spcPct val="0"/>
+                </a:spcBef>
+                <a:spcAft>
+                  <a:spcPct val="0"/>
+                </a:spcAft>
+                <a:defRPr>
+                  <a:solidFill>
+                    <a:schemeClr val="tx1"/>
+                  </a:solidFill>
+                  <a:latin typeface="Arial" panose="020B0604020202020204" pitchFamily="34" charset="0"/>
+                </a:defRPr>
+              </a:lvl5pPr>
+              <a:lvl6pPr eaLnBrk="0" fontAlgn="base" hangingPunct="0">
+                <a:spcBef>
+                  <a:spcPct val="0"/>
+                </a:spcBef>
+                <a:spcAft>
+                  <a:spcPct val="0"/>
+                </a:spcAft>
+                <a:defRPr>
+                  <a:solidFill>
+                    <a:schemeClr val="tx1"/>
+                  </a:solidFill>
+                  <a:latin typeface="Arial" panose="020B0604020202020204" pitchFamily="34" charset="0"/>
+                </a:defRPr>
+              </a:lvl6pPr>
+              <a:lvl7pPr eaLnBrk="0" fontAlgn="base" hangingPunct="0">
+                <a:spcBef>
+                  <a:spcPct val="0"/>
+                </a:spcBef>
+                <a:spcAft>
+                  <a:spcPct val="0"/>
+                </a:spcAft>
+                <a:defRPr>
+                  <a:solidFill>
+                    <a:schemeClr val="tx1"/>
+                  </a:solidFill>
+                  <a:latin typeface="Arial" panose="020B0604020202020204" pitchFamily="34" charset="0"/>
+                </a:defRPr>
+              </a:lvl7pPr>
+              <a:lvl8pPr eaLnBrk="0" fontAlgn="base" hangingPunct="0">
+                <a:spcBef>
+                  <a:spcPct val="0"/>
+                </a:spcBef>
+                <a:spcAft>
+                  <a:spcPct val="0"/>
+                </a:spcAft>
+                <a:defRPr>
+                  <a:solidFill>
+                    <a:schemeClr val="tx1"/>
+                  </a:solidFill>
+                  <a:latin typeface="Arial" panose="020B0604020202020204" pitchFamily="34" charset="0"/>
+                </a:defRPr>
+              </a:lvl8pPr>
+              <a:lvl9pPr eaLnBrk="0" fontAlgn="base" hangingPunct="0">
+                <a:spcBef>
+                  <a:spcPct val="0"/>
+                </a:spcBef>
+                <a:spcAft>
+                  <a:spcPct val="0"/>
+                </a:spcAft>
+                <a:defRPr>
+                  <a:solidFill>
+                    <a:schemeClr val="tx1"/>
+                  </a:solidFill>
+                  <a:latin typeface="Arial" panose="020B0604020202020204" pitchFamily="34" charset="0"/>
+                </a:defRPr>
+              </a:lvl9pPr>
+            </a:lstStyle>
+            <a:p>
+              <a:pPr marL="0" marR="0" lvl="0" indent="0" algn="l" defTabSz="914400" rtl="0" eaLnBrk="0" fontAlgn="base" latinLnBrk="0" hangingPunct="0">
+                <a:lnSpc>
+                  <a:spcPct val="100000"/>
+                </a:lnSpc>
+                <a:spcBef>
+                  <a:spcPct val="0"/>
+                </a:spcBef>
+                <a:spcAft>
+                  <a:spcPct val="0"/>
+                </a:spcAft>
+                <a:buClrTx/>
+                <a:buSzTx/>
+                <a:buFontTx/>
+                <a:buNone/>
+                <a:tabLst/>
+              </a:pPr>
+              <a:r>
+                <a:rPr kumimoji="0" lang="en-US" altLang="en-US" sz="2400" b="1" i="0" u="none" strike="noStrike" cap="none" normalizeH="0" baseline="0">
+                  <a:ln>
+                    <a:noFill/>
+                  </a:ln>
+                  <a:solidFill>
+                    <a:srgbClr val="000000"/>
+                  </a:solidFill>
+                  <a:effectLst/>
+                  <a:latin typeface="Calibri" panose="020F0502020204030204" pitchFamily="34" charset="0"/>
+                </a:rPr>
+                <a:t>Variable (Averages)</a:t>
+              </a:r>
+              <a:endParaRPr kumimoji="0" lang="en-US" altLang="en-US" sz="1800" b="0" i="0" u="none" strike="noStrike" cap="none" normalizeH="0" baseline="0">
+                <a:ln>
+                  <a:noFill/>
+                </a:ln>
+                <a:solidFill>
+                  <a:schemeClr val="tx1"/>
+                </a:solidFill>
+                <a:effectLst/>
+                <a:latin typeface="Arial" panose="020B0604020202020204" pitchFamily="34" charset="0"/>
+              </a:endParaRPr>
+            </a:p>
+          </p:txBody>
+        </p:sp>
+        <p:sp>
+          <p:nvSpPr>
+            <p:cNvPr id="12" name="Rectangle 9">
+              <a:extLst>
+                <a:ext uri="{FF2B5EF4-FFF2-40B4-BE49-F238E27FC236}">
+                  <a16:creationId xmlns:a16="http://schemas.microsoft.com/office/drawing/2014/main" id="{CBCDB9C4-5D62-D3C7-3F04-B9C0B6CA1C12}"/>
+                </a:ext>
+              </a:extLst>
+            </p:cNvPr>
+            <p:cNvSpPr>
+              <a:spLocks noChangeArrowheads="1"/>
+            </p:cNvSpPr>
+            <p:nvPr/>
+          </p:nvSpPr>
+          <p:spPr bwMode="auto">
+            <a:xfrm>
+              <a:off x="3890" y="1431"/>
+              <a:ext cx="725" cy="300"/>
+            </a:xfrm>
+            <a:prstGeom prst="rect">
+              <a:avLst/>
+            </a:prstGeom>
+            <a:noFill/>
+            <a:ln>
+              <a:noFill/>
+            </a:ln>
+            <a:extLst>
+              <a:ext uri="{909E8E84-426E-40DD-AFC4-6F175D3DCCD1}">
+                <a14:hiddenFill xmlns:a14="http://schemas.microsoft.com/office/drawing/2010/main">
+                  <a:solidFill>
+                    <a:srgbClr val="FFFFFF"/>
+                  </a:solidFill>
+                </a14:hiddenFill>
+              </a:ext>
+              <a:ext uri="{91240B29-F687-4F45-9708-019B960494DF}">
+                <a14:hiddenLine xmlns:a14="http://schemas.microsoft.com/office/drawing/2010/main" w="9525">
+                  <a:solidFill>
+                    <a:srgbClr val="000000"/>
+                  </a:solidFill>
+                  <a:miter lim="800000"/>
+                  <a:headEnd/>
+                  <a:tailEnd/>
+                </a14:hiddenLine>
+              </a:ext>
+            </a:extLst>
+          </p:spPr>
+          <p:txBody>
+            <a:bodyPr vert="horz" wrap="none" lIns="0" tIns="0" rIns="0" bIns="0" numCol="1" anchor="t" anchorCtr="0" compatLnSpc="1">
+              <a:prstTxWarp prst="textNoShape">
+                <a:avLst/>
+              </a:prstTxWarp>
+              <a:spAutoFit/>
+            </a:bodyPr>
+            <a:lstStyle>
+              <a:lvl1pPr eaLnBrk="0" fontAlgn="base" hangingPunct="0">
+                <a:spcBef>
+                  <a:spcPct val="0"/>
+                </a:spcBef>
+                <a:spcAft>
+                  <a:spcPct val="0"/>
+                </a:spcAft>
+                <a:defRPr>
+                  <a:solidFill>
+                    <a:schemeClr val="tx1"/>
+                  </a:solidFill>
+                  <a:latin typeface="Arial" panose="020B0604020202020204" pitchFamily="34" charset="0"/>
+                </a:defRPr>
+              </a:lvl1pPr>
+              <a:lvl2pPr eaLnBrk="0" fontAlgn="base" hangingPunct="0">
+                <a:spcBef>
+                  <a:spcPct val="0"/>
+                </a:spcBef>
+                <a:spcAft>
+                  <a:spcPct val="0"/>
+                </a:spcAft>
+                <a:defRPr>
+                  <a:solidFill>
+                    <a:schemeClr val="tx1"/>
+                  </a:solidFill>
+                  <a:latin typeface="Arial" panose="020B0604020202020204" pitchFamily="34" charset="0"/>
+                </a:defRPr>
+              </a:lvl2pPr>
+              <a:lvl3pPr eaLnBrk="0" fontAlgn="base" hangingPunct="0">
+                <a:spcBef>
+                  <a:spcPct val="0"/>
+                </a:spcBef>
+                <a:spcAft>
+                  <a:spcPct val="0"/>
+                </a:spcAft>
+                <a:defRPr>
+                  <a:solidFill>
+                    <a:schemeClr val="tx1"/>
+                  </a:solidFill>
+                  <a:latin typeface="Arial" panose="020B0604020202020204" pitchFamily="34" charset="0"/>
+                </a:defRPr>
+              </a:lvl3pPr>
+              <a:lvl4pPr eaLnBrk="0" fontAlgn="base" hangingPunct="0">
+                <a:spcBef>
+                  <a:spcPct val="0"/>
+                </a:spcBef>
+                <a:spcAft>
+                  <a:spcPct val="0"/>
+                </a:spcAft>
+                <a:defRPr>
+                  <a:solidFill>
+                    <a:schemeClr val="tx1"/>
+                  </a:solidFill>
+                  <a:latin typeface="Arial" panose="020B0604020202020204" pitchFamily="34" charset="0"/>
+                </a:defRPr>
+              </a:lvl4pPr>
+              <a:lvl5pPr eaLnBrk="0" fontAlgn="base" hangingPunct="0">
+                <a:spcBef>
+                  <a:spcPct val="0"/>
+                </a:spcBef>
+                <a:spcAft>
+                  <a:spcPct val="0"/>
+                </a:spcAft>
+                <a:defRPr>
+                  <a:solidFill>
+                    <a:schemeClr val="tx1"/>
+                  </a:solidFill>
+                  <a:latin typeface="Arial" panose="020B0604020202020204" pitchFamily="34" charset="0"/>
+                </a:defRPr>
+              </a:lvl5pPr>
+              <a:lvl6pPr eaLnBrk="0" fontAlgn="base" hangingPunct="0">
+                <a:spcBef>
+                  <a:spcPct val="0"/>
+                </a:spcBef>
+                <a:spcAft>
+                  <a:spcPct val="0"/>
+                </a:spcAft>
+                <a:defRPr>
+                  <a:solidFill>
+                    <a:schemeClr val="tx1"/>
+                  </a:solidFill>
+                  <a:latin typeface="Arial" panose="020B0604020202020204" pitchFamily="34" charset="0"/>
+                </a:defRPr>
+              </a:lvl6pPr>
+              <a:lvl7pPr eaLnBrk="0" fontAlgn="base" hangingPunct="0">
+                <a:spcBef>
+                  <a:spcPct val="0"/>
+                </a:spcBef>
+                <a:spcAft>
+                  <a:spcPct val="0"/>
+                </a:spcAft>
+                <a:defRPr>
+                  <a:solidFill>
+                    <a:schemeClr val="tx1"/>
+                  </a:solidFill>
+                  <a:latin typeface="Arial" panose="020B0604020202020204" pitchFamily="34" charset="0"/>
+                </a:defRPr>
+              </a:lvl7pPr>
+              <a:lvl8pPr eaLnBrk="0" fontAlgn="base" hangingPunct="0">
+                <a:spcBef>
+                  <a:spcPct val="0"/>
+                </a:spcBef>
+                <a:spcAft>
+                  <a:spcPct val="0"/>
+                </a:spcAft>
+                <a:defRPr>
+                  <a:solidFill>
+                    <a:schemeClr val="tx1"/>
+                  </a:solidFill>
+                  <a:latin typeface="Arial" panose="020B0604020202020204" pitchFamily="34" charset="0"/>
+                </a:defRPr>
+              </a:lvl8pPr>
+              <a:lvl9pPr eaLnBrk="0" fontAlgn="base" hangingPunct="0">
+                <a:spcBef>
+                  <a:spcPct val="0"/>
+                </a:spcBef>
+                <a:spcAft>
+                  <a:spcPct val="0"/>
+                </a:spcAft>
+                <a:defRPr>
+                  <a:solidFill>
+                    <a:schemeClr val="tx1"/>
+                  </a:solidFill>
+                  <a:latin typeface="Arial" panose="020B0604020202020204" pitchFamily="34" charset="0"/>
+                </a:defRPr>
+              </a:lvl9pPr>
+            </a:lstStyle>
+            <a:p>
+              <a:pPr marL="0" marR="0" lvl="0" indent="0" algn="l" defTabSz="914400" rtl="0" eaLnBrk="0" fontAlgn="base" latinLnBrk="0" hangingPunct="0">
+                <a:lnSpc>
+                  <a:spcPct val="100000"/>
+                </a:lnSpc>
+                <a:spcBef>
+                  <a:spcPct val="0"/>
+                </a:spcBef>
+                <a:spcAft>
+                  <a:spcPct val="0"/>
+                </a:spcAft>
+                <a:buClrTx/>
+                <a:buSzTx/>
+                <a:buFontTx/>
+                <a:buNone/>
+                <a:tabLst/>
+              </a:pPr>
+              <a:r>
+                <a:rPr kumimoji="0" lang="en-US" altLang="en-US" sz="2400" b="1" i="0" u="none" strike="noStrike" cap="none" normalizeH="0" baseline="0">
+                  <a:ln>
+                    <a:noFill/>
+                  </a:ln>
+                  <a:solidFill>
+                    <a:srgbClr val="000000"/>
+                  </a:solidFill>
+                  <a:effectLst/>
+                  <a:latin typeface="Calibri" panose="020F0502020204030204" pitchFamily="34" charset="0"/>
+                </a:rPr>
+                <a:t>Normal</a:t>
+              </a:r>
+              <a:endParaRPr kumimoji="0" lang="en-US" altLang="en-US" sz="1800" b="0" i="0" u="none" strike="noStrike" cap="none" normalizeH="0" baseline="0">
+                <a:ln>
+                  <a:noFill/>
+                </a:ln>
+                <a:solidFill>
+                  <a:schemeClr val="tx1"/>
+                </a:solidFill>
+                <a:effectLst/>
+                <a:latin typeface="Arial" panose="020B0604020202020204" pitchFamily="34" charset="0"/>
+              </a:endParaRPr>
+            </a:p>
+          </p:txBody>
+        </p:sp>
+        <p:sp>
+          <p:nvSpPr>
+            <p:cNvPr id="13" name="Rectangle 10">
+              <a:extLst>
+                <a:ext uri="{FF2B5EF4-FFF2-40B4-BE49-F238E27FC236}">
+                  <a16:creationId xmlns:a16="http://schemas.microsoft.com/office/drawing/2014/main" id="{FC7C032C-51F2-C5C4-2821-AA5A6CBC9CD6}"/>
+                </a:ext>
+              </a:extLst>
+            </p:cNvPr>
+            <p:cNvSpPr>
+              <a:spLocks noChangeArrowheads="1"/>
+            </p:cNvSpPr>
+            <p:nvPr/>
+          </p:nvSpPr>
+          <p:spPr bwMode="auto">
+            <a:xfrm>
+              <a:off x="4794" y="1431"/>
+              <a:ext cx="711" cy="300"/>
+            </a:xfrm>
+            <a:prstGeom prst="rect">
+              <a:avLst/>
+            </a:prstGeom>
+            <a:noFill/>
+            <a:ln>
+              <a:noFill/>
+            </a:ln>
+            <a:extLst>
+              <a:ext uri="{909E8E84-426E-40DD-AFC4-6F175D3DCCD1}">
+                <a14:hiddenFill xmlns:a14="http://schemas.microsoft.com/office/drawing/2010/main">
+                  <a:solidFill>
+                    <a:srgbClr val="FFFFFF"/>
+                  </a:solidFill>
+                </a14:hiddenFill>
+              </a:ext>
+              <a:ext uri="{91240B29-F687-4F45-9708-019B960494DF}">
+                <a14:hiddenLine xmlns:a14="http://schemas.microsoft.com/office/drawing/2010/main" w="9525">
+                  <a:solidFill>
+                    <a:srgbClr val="000000"/>
+                  </a:solidFill>
+                  <a:miter lim="800000"/>
+                  <a:headEnd/>
+                  <a:tailEnd/>
+                </a14:hiddenLine>
+              </a:ext>
+            </a:extLst>
+          </p:spPr>
+          <p:txBody>
+            <a:bodyPr vert="horz" wrap="none" lIns="0" tIns="0" rIns="0" bIns="0" numCol="1" anchor="t" anchorCtr="0" compatLnSpc="1">
+              <a:prstTxWarp prst="textNoShape">
+                <a:avLst/>
+              </a:prstTxWarp>
+              <a:spAutoFit/>
+            </a:bodyPr>
+            <a:lstStyle>
+              <a:lvl1pPr eaLnBrk="0" fontAlgn="base" hangingPunct="0">
+                <a:spcBef>
+                  <a:spcPct val="0"/>
+                </a:spcBef>
+                <a:spcAft>
+                  <a:spcPct val="0"/>
+                </a:spcAft>
+                <a:defRPr>
+                  <a:solidFill>
+                    <a:schemeClr val="tx1"/>
+                  </a:solidFill>
+                  <a:latin typeface="Arial" panose="020B0604020202020204" pitchFamily="34" charset="0"/>
+                </a:defRPr>
+              </a:lvl1pPr>
+              <a:lvl2pPr eaLnBrk="0" fontAlgn="base" hangingPunct="0">
+                <a:spcBef>
+                  <a:spcPct val="0"/>
+                </a:spcBef>
+                <a:spcAft>
+                  <a:spcPct val="0"/>
+                </a:spcAft>
+                <a:defRPr>
+                  <a:solidFill>
+                    <a:schemeClr val="tx1"/>
+                  </a:solidFill>
+                  <a:latin typeface="Arial" panose="020B0604020202020204" pitchFamily="34" charset="0"/>
+                </a:defRPr>
+              </a:lvl2pPr>
+              <a:lvl3pPr eaLnBrk="0" fontAlgn="base" hangingPunct="0">
+                <a:spcBef>
+                  <a:spcPct val="0"/>
+                </a:spcBef>
+                <a:spcAft>
+                  <a:spcPct val="0"/>
+                </a:spcAft>
+                <a:defRPr>
+                  <a:solidFill>
+                    <a:schemeClr val="tx1"/>
+                  </a:solidFill>
+                  <a:latin typeface="Arial" panose="020B0604020202020204" pitchFamily="34" charset="0"/>
+                </a:defRPr>
+              </a:lvl3pPr>
+              <a:lvl4pPr eaLnBrk="0" fontAlgn="base" hangingPunct="0">
+                <a:spcBef>
+                  <a:spcPct val="0"/>
+                </a:spcBef>
+                <a:spcAft>
+                  <a:spcPct val="0"/>
+                </a:spcAft>
+                <a:defRPr>
+                  <a:solidFill>
+                    <a:schemeClr val="tx1"/>
+                  </a:solidFill>
+                  <a:latin typeface="Arial" panose="020B0604020202020204" pitchFamily="34" charset="0"/>
+                </a:defRPr>
+              </a:lvl4pPr>
+              <a:lvl5pPr eaLnBrk="0" fontAlgn="base" hangingPunct="0">
+                <a:spcBef>
+                  <a:spcPct val="0"/>
+                </a:spcBef>
+                <a:spcAft>
+                  <a:spcPct val="0"/>
+                </a:spcAft>
+                <a:defRPr>
+                  <a:solidFill>
+                    <a:schemeClr val="tx1"/>
+                  </a:solidFill>
+                  <a:latin typeface="Arial" panose="020B0604020202020204" pitchFamily="34" charset="0"/>
+                </a:defRPr>
+              </a:lvl5pPr>
+              <a:lvl6pPr eaLnBrk="0" fontAlgn="base" hangingPunct="0">
+                <a:spcBef>
+                  <a:spcPct val="0"/>
+                </a:spcBef>
+                <a:spcAft>
+                  <a:spcPct val="0"/>
+                </a:spcAft>
+                <a:defRPr>
+                  <a:solidFill>
+                    <a:schemeClr val="tx1"/>
+                  </a:solidFill>
+                  <a:latin typeface="Arial" panose="020B0604020202020204" pitchFamily="34" charset="0"/>
+                </a:defRPr>
+              </a:lvl6pPr>
+              <a:lvl7pPr eaLnBrk="0" fontAlgn="base" hangingPunct="0">
+                <a:spcBef>
+                  <a:spcPct val="0"/>
+                </a:spcBef>
+                <a:spcAft>
+                  <a:spcPct val="0"/>
+                </a:spcAft>
+                <a:defRPr>
+                  <a:solidFill>
+                    <a:schemeClr val="tx1"/>
+                  </a:solidFill>
+                  <a:latin typeface="Arial" panose="020B0604020202020204" pitchFamily="34" charset="0"/>
+                </a:defRPr>
+              </a:lvl7pPr>
+              <a:lvl8pPr eaLnBrk="0" fontAlgn="base" hangingPunct="0">
+                <a:spcBef>
+                  <a:spcPct val="0"/>
+                </a:spcBef>
+                <a:spcAft>
+                  <a:spcPct val="0"/>
+                </a:spcAft>
+                <a:defRPr>
+                  <a:solidFill>
+                    <a:schemeClr val="tx1"/>
+                  </a:solidFill>
+                  <a:latin typeface="Arial" panose="020B0604020202020204" pitchFamily="34" charset="0"/>
+                </a:defRPr>
+              </a:lvl8pPr>
+              <a:lvl9pPr eaLnBrk="0" fontAlgn="base" hangingPunct="0">
+                <a:spcBef>
+                  <a:spcPct val="0"/>
+                </a:spcBef>
+                <a:spcAft>
+                  <a:spcPct val="0"/>
+                </a:spcAft>
+                <a:defRPr>
+                  <a:solidFill>
+                    <a:schemeClr val="tx1"/>
+                  </a:solidFill>
+                  <a:latin typeface="Arial" panose="020B0604020202020204" pitchFamily="34" charset="0"/>
+                </a:defRPr>
+              </a:lvl9pPr>
+            </a:lstStyle>
+            <a:p>
+              <a:pPr marL="0" marR="0" lvl="0" indent="0" algn="l" defTabSz="914400" rtl="0" eaLnBrk="0" fontAlgn="base" latinLnBrk="0" hangingPunct="0">
+                <a:lnSpc>
+                  <a:spcPct val="100000"/>
+                </a:lnSpc>
+                <a:spcBef>
+                  <a:spcPct val="0"/>
+                </a:spcBef>
+                <a:spcAft>
+                  <a:spcPct val="0"/>
+                </a:spcAft>
+                <a:buClrTx/>
+                <a:buSzTx/>
+                <a:buFontTx/>
+                <a:buNone/>
+                <a:tabLst/>
+              </a:pPr>
+              <a:r>
+                <a:rPr kumimoji="0" lang="en-US" altLang="en-US" sz="2400" b="1" i="0" u="none" strike="noStrike" cap="none" normalizeH="0" baseline="0">
+                  <a:ln>
+                    <a:noFill/>
+                  </a:ln>
+                  <a:solidFill>
+                    <a:srgbClr val="000000"/>
+                  </a:solidFill>
+                  <a:effectLst/>
+                  <a:latin typeface="Calibri" panose="020F0502020204030204" pitchFamily="34" charset="0"/>
+                </a:rPr>
+                <a:t>Scoring</a:t>
+              </a:r>
+              <a:endParaRPr kumimoji="0" lang="en-US" altLang="en-US" sz="1800" b="0" i="0" u="none" strike="noStrike" cap="none" normalizeH="0" baseline="0">
+                <a:ln>
+                  <a:noFill/>
+                </a:ln>
+                <a:solidFill>
+                  <a:schemeClr val="tx1"/>
+                </a:solidFill>
+                <a:effectLst/>
+                <a:latin typeface="Arial" panose="020B0604020202020204" pitchFamily="34" charset="0"/>
+              </a:endParaRPr>
+            </a:p>
+          </p:txBody>
+        </p:sp>
+        <p:sp>
+          <p:nvSpPr>
+            <p:cNvPr id="14" name="Rectangle 11">
+              <a:extLst>
+                <a:ext uri="{FF2B5EF4-FFF2-40B4-BE49-F238E27FC236}">
+                  <a16:creationId xmlns:a16="http://schemas.microsoft.com/office/drawing/2014/main" id="{B4CCA556-B54E-943C-7E1D-13D17BB4A107}"/>
+                </a:ext>
+              </a:extLst>
+            </p:cNvPr>
+            <p:cNvSpPr>
+              <a:spLocks noChangeArrowheads="1"/>
+            </p:cNvSpPr>
+            <p:nvPr/>
+          </p:nvSpPr>
+          <p:spPr bwMode="auto">
+            <a:xfrm>
+              <a:off x="5698" y="1431"/>
+              <a:ext cx="725" cy="300"/>
+            </a:xfrm>
+            <a:prstGeom prst="rect">
+              <a:avLst/>
+            </a:prstGeom>
+            <a:noFill/>
+            <a:ln>
+              <a:noFill/>
+            </a:ln>
+            <a:extLst>
+              <a:ext uri="{909E8E84-426E-40DD-AFC4-6F175D3DCCD1}">
+                <a14:hiddenFill xmlns:a14="http://schemas.microsoft.com/office/drawing/2010/main">
+                  <a:solidFill>
+                    <a:srgbClr val="FFFFFF"/>
+                  </a:solidFill>
+                </a14:hiddenFill>
+              </a:ext>
+              <a:ext uri="{91240B29-F687-4F45-9708-019B960494DF}">
+                <a14:hiddenLine xmlns:a14="http://schemas.microsoft.com/office/drawing/2010/main" w="9525">
+                  <a:solidFill>
+                    <a:srgbClr val="000000"/>
+                  </a:solidFill>
+                  <a:miter lim="800000"/>
+                  <a:headEnd/>
+                  <a:tailEnd/>
+                </a14:hiddenLine>
+              </a:ext>
+            </a:extLst>
+          </p:spPr>
+          <p:txBody>
+            <a:bodyPr vert="horz" wrap="none" lIns="0" tIns="0" rIns="0" bIns="0" numCol="1" anchor="t" anchorCtr="0" compatLnSpc="1">
+              <a:prstTxWarp prst="textNoShape">
+                <a:avLst/>
+              </a:prstTxWarp>
+              <a:spAutoFit/>
+            </a:bodyPr>
+            <a:lstStyle>
+              <a:lvl1pPr eaLnBrk="0" fontAlgn="base" hangingPunct="0">
+                <a:spcBef>
+                  <a:spcPct val="0"/>
+                </a:spcBef>
+                <a:spcAft>
+                  <a:spcPct val="0"/>
+                </a:spcAft>
+                <a:defRPr>
+                  <a:solidFill>
+                    <a:schemeClr val="tx1"/>
+                  </a:solidFill>
+                  <a:latin typeface="Arial" panose="020B0604020202020204" pitchFamily="34" charset="0"/>
+                </a:defRPr>
+              </a:lvl1pPr>
+              <a:lvl2pPr eaLnBrk="0" fontAlgn="base" hangingPunct="0">
+                <a:spcBef>
+                  <a:spcPct val="0"/>
+                </a:spcBef>
+                <a:spcAft>
+                  <a:spcPct val="0"/>
+                </a:spcAft>
+                <a:defRPr>
+                  <a:solidFill>
+                    <a:schemeClr val="tx1"/>
+                  </a:solidFill>
+                  <a:latin typeface="Arial" panose="020B0604020202020204" pitchFamily="34" charset="0"/>
+                </a:defRPr>
+              </a:lvl2pPr>
+              <a:lvl3pPr eaLnBrk="0" fontAlgn="base" hangingPunct="0">
+                <a:spcBef>
+                  <a:spcPct val="0"/>
+                </a:spcBef>
+                <a:spcAft>
+                  <a:spcPct val="0"/>
+                </a:spcAft>
+                <a:defRPr>
+                  <a:solidFill>
+                    <a:schemeClr val="tx1"/>
+                  </a:solidFill>
+                  <a:latin typeface="Arial" panose="020B0604020202020204" pitchFamily="34" charset="0"/>
+                </a:defRPr>
+              </a:lvl3pPr>
+              <a:lvl4pPr eaLnBrk="0" fontAlgn="base" hangingPunct="0">
+                <a:spcBef>
+                  <a:spcPct val="0"/>
+                </a:spcBef>
+                <a:spcAft>
+                  <a:spcPct val="0"/>
+                </a:spcAft>
+                <a:defRPr>
+                  <a:solidFill>
+                    <a:schemeClr val="tx1"/>
+                  </a:solidFill>
+                  <a:latin typeface="Arial" panose="020B0604020202020204" pitchFamily="34" charset="0"/>
+                </a:defRPr>
+              </a:lvl4pPr>
+              <a:lvl5pPr eaLnBrk="0" fontAlgn="base" hangingPunct="0">
+                <a:spcBef>
+                  <a:spcPct val="0"/>
+                </a:spcBef>
+                <a:spcAft>
+                  <a:spcPct val="0"/>
+                </a:spcAft>
+                <a:defRPr>
+                  <a:solidFill>
+                    <a:schemeClr val="tx1"/>
+                  </a:solidFill>
+                  <a:latin typeface="Arial" panose="020B0604020202020204" pitchFamily="34" charset="0"/>
+                </a:defRPr>
+              </a:lvl5pPr>
+              <a:lvl6pPr eaLnBrk="0" fontAlgn="base" hangingPunct="0">
+                <a:spcBef>
+                  <a:spcPct val="0"/>
+                </a:spcBef>
+                <a:spcAft>
+                  <a:spcPct val="0"/>
+                </a:spcAft>
+                <a:defRPr>
+                  <a:solidFill>
+                    <a:schemeClr val="tx1"/>
+                  </a:solidFill>
+                  <a:latin typeface="Arial" panose="020B0604020202020204" pitchFamily="34" charset="0"/>
+                </a:defRPr>
+              </a:lvl6pPr>
+              <a:lvl7pPr eaLnBrk="0" fontAlgn="base" hangingPunct="0">
+                <a:spcBef>
+                  <a:spcPct val="0"/>
+                </a:spcBef>
+                <a:spcAft>
+                  <a:spcPct val="0"/>
+                </a:spcAft>
+                <a:defRPr>
+                  <a:solidFill>
+                    <a:schemeClr val="tx1"/>
+                  </a:solidFill>
+                  <a:latin typeface="Arial" panose="020B0604020202020204" pitchFamily="34" charset="0"/>
+                </a:defRPr>
+              </a:lvl7pPr>
+              <a:lvl8pPr eaLnBrk="0" fontAlgn="base" hangingPunct="0">
+                <a:spcBef>
+                  <a:spcPct val="0"/>
+                </a:spcBef>
+                <a:spcAft>
+                  <a:spcPct val="0"/>
+                </a:spcAft>
+                <a:defRPr>
+                  <a:solidFill>
+                    <a:schemeClr val="tx1"/>
+                  </a:solidFill>
+                  <a:latin typeface="Arial" panose="020B0604020202020204" pitchFamily="34" charset="0"/>
+                </a:defRPr>
+              </a:lvl8pPr>
+              <a:lvl9pPr eaLnBrk="0" fontAlgn="base" hangingPunct="0">
+                <a:spcBef>
+                  <a:spcPct val="0"/>
+                </a:spcBef>
+                <a:spcAft>
+                  <a:spcPct val="0"/>
+                </a:spcAft>
+                <a:defRPr>
+                  <a:solidFill>
+                    <a:schemeClr val="tx1"/>
+                  </a:solidFill>
+                  <a:latin typeface="Arial" panose="020B0604020202020204" pitchFamily="34" charset="0"/>
+                </a:defRPr>
+              </a:lvl9pPr>
+            </a:lstStyle>
+            <a:p>
+              <a:pPr marL="0" marR="0" lvl="0" indent="0" algn="l" defTabSz="914400" rtl="0" eaLnBrk="0" fontAlgn="base" latinLnBrk="0" hangingPunct="0">
+                <a:lnSpc>
+                  <a:spcPct val="100000"/>
+                </a:lnSpc>
+                <a:spcBef>
+                  <a:spcPct val="0"/>
+                </a:spcBef>
+                <a:spcAft>
+                  <a:spcPct val="0"/>
+                </a:spcAft>
+                <a:buClrTx/>
+                <a:buSzTx/>
+                <a:buFontTx/>
+                <a:buNone/>
+                <a:tabLst/>
+              </a:pPr>
+              <a:r>
+                <a:rPr kumimoji="0" lang="en-US" altLang="en-US" sz="2400" b="1" i="0" u="none" strike="noStrike" cap="none" normalizeH="0" baseline="0">
+                  <a:ln>
+                    <a:noFill/>
+                  </a:ln>
+                  <a:solidFill>
+                    <a:srgbClr val="000000"/>
+                  </a:solidFill>
+                  <a:effectLst/>
+                  <a:latin typeface="Calibri" panose="020F0502020204030204" pitchFamily="34" charset="0"/>
+                </a:rPr>
+                <a:t>Normal</a:t>
+              </a:r>
+              <a:endParaRPr kumimoji="0" lang="en-US" altLang="en-US" sz="1800" b="0" i="0" u="none" strike="noStrike" cap="none" normalizeH="0" baseline="0">
+                <a:ln>
+                  <a:noFill/>
+                </a:ln>
+                <a:solidFill>
+                  <a:schemeClr val="tx1"/>
+                </a:solidFill>
+                <a:effectLst/>
+                <a:latin typeface="Arial" panose="020B0604020202020204" pitchFamily="34" charset="0"/>
+              </a:endParaRPr>
+            </a:p>
+          </p:txBody>
+        </p:sp>
+        <p:sp>
+          <p:nvSpPr>
+            <p:cNvPr id="15" name="Rectangle 12">
+              <a:extLst>
+                <a:ext uri="{FF2B5EF4-FFF2-40B4-BE49-F238E27FC236}">
+                  <a16:creationId xmlns:a16="http://schemas.microsoft.com/office/drawing/2014/main" id="{32668F95-1422-FF6A-4C36-731EECE45890}"/>
+                </a:ext>
+              </a:extLst>
+            </p:cNvPr>
+            <p:cNvSpPr>
+              <a:spLocks noChangeArrowheads="1"/>
+            </p:cNvSpPr>
+            <p:nvPr/>
+          </p:nvSpPr>
+          <p:spPr bwMode="auto">
+            <a:xfrm>
+              <a:off x="6602" y="1431"/>
+              <a:ext cx="711" cy="300"/>
+            </a:xfrm>
+            <a:prstGeom prst="rect">
+              <a:avLst/>
+            </a:prstGeom>
+            <a:noFill/>
+            <a:ln>
+              <a:noFill/>
+            </a:ln>
+            <a:extLst>
+              <a:ext uri="{909E8E84-426E-40DD-AFC4-6F175D3DCCD1}">
+                <a14:hiddenFill xmlns:a14="http://schemas.microsoft.com/office/drawing/2010/main">
+                  <a:solidFill>
+                    <a:srgbClr val="FFFFFF"/>
+                  </a:solidFill>
+                </a14:hiddenFill>
+              </a:ext>
+              <a:ext uri="{91240B29-F687-4F45-9708-019B960494DF}">
+                <a14:hiddenLine xmlns:a14="http://schemas.microsoft.com/office/drawing/2010/main" w="9525">
+                  <a:solidFill>
+                    <a:srgbClr val="000000"/>
+                  </a:solidFill>
+                  <a:miter lim="800000"/>
+                  <a:headEnd/>
+                  <a:tailEnd/>
+                </a14:hiddenLine>
+              </a:ext>
+            </a:extLst>
+          </p:spPr>
+          <p:txBody>
+            <a:bodyPr vert="horz" wrap="none" lIns="0" tIns="0" rIns="0" bIns="0" numCol="1" anchor="t" anchorCtr="0" compatLnSpc="1">
+              <a:prstTxWarp prst="textNoShape">
+                <a:avLst/>
+              </a:prstTxWarp>
+              <a:spAutoFit/>
+            </a:bodyPr>
+            <a:lstStyle>
+              <a:lvl1pPr eaLnBrk="0" fontAlgn="base" hangingPunct="0">
+                <a:spcBef>
+                  <a:spcPct val="0"/>
+                </a:spcBef>
+                <a:spcAft>
+                  <a:spcPct val="0"/>
+                </a:spcAft>
+                <a:defRPr>
+                  <a:solidFill>
+                    <a:schemeClr val="tx1"/>
+                  </a:solidFill>
+                  <a:latin typeface="Arial" panose="020B0604020202020204" pitchFamily="34" charset="0"/>
+                </a:defRPr>
+              </a:lvl1pPr>
+              <a:lvl2pPr eaLnBrk="0" fontAlgn="base" hangingPunct="0">
+                <a:spcBef>
+                  <a:spcPct val="0"/>
+                </a:spcBef>
+                <a:spcAft>
+                  <a:spcPct val="0"/>
+                </a:spcAft>
+                <a:defRPr>
+                  <a:solidFill>
+                    <a:schemeClr val="tx1"/>
+                  </a:solidFill>
+                  <a:latin typeface="Arial" panose="020B0604020202020204" pitchFamily="34" charset="0"/>
+                </a:defRPr>
+              </a:lvl2pPr>
+              <a:lvl3pPr eaLnBrk="0" fontAlgn="base" hangingPunct="0">
+                <a:spcBef>
+                  <a:spcPct val="0"/>
+                </a:spcBef>
+                <a:spcAft>
+                  <a:spcPct val="0"/>
+                </a:spcAft>
+                <a:defRPr>
+                  <a:solidFill>
+                    <a:schemeClr val="tx1"/>
+                  </a:solidFill>
+                  <a:latin typeface="Arial" panose="020B0604020202020204" pitchFamily="34" charset="0"/>
+                </a:defRPr>
+              </a:lvl3pPr>
+              <a:lvl4pPr eaLnBrk="0" fontAlgn="base" hangingPunct="0">
+                <a:spcBef>
+                  <a:spcPct val="0"/>
+                </a:spcBef>
+                <a:spcAft>
+                  <a:spcPct val="0"/>
+                </a:spcAft>
+                <a:defRPr>
+                  <a:solidFill>
+                    <a:schemeClr val="tx1"/>
+                  </a:solidFill>
+                  <a:latin typeface="Arial" panose="020B0604020202020204" pitchFamily="34" charset="0"/>
+                </a:defRPr>
+              </a:lvl4pPr>
+              <a:lvl5pPr eaLnBrk="0" fontAlgn="base" hangingPunct="0">
+                <a:spcBef>
+                  <a:spcPct val="0"/>
+                </a:spcBef>
+                <a:spcAft>
+                  <a:spcPct val="0"/>
+                </a:spcAft>
+                <a:defRPr>
+                  <a:solidFill>
+                    <a:schemeClr val="tx1"/>
+                  </a:solidFill>
+                  <a:latin typeface="Arial" panose="020B0604020202020204" pitchFamily="34" charset="0"/>
+                </a:defRPr>
+              </a:lvl5pPr>
+              <a:lvl6pPr eaLnBrk="0" fontAlgn="base" hangingPunct="0">
+                <a:spcBef>
+                  <a:spcPct val="0"/>
+                </a:spcBef>
+                <a:spcAft>
+                  <a:spcPct val="0"/>
+                </a:spcAft>
+                <a:defRPr>
+                  <a:solidFill>
+                    <a:schemeClr val="tx1"/>
+                  </a:solidFill>
+                  <a:latin typeface="Arial" panose="020B0604020202020204" pitchFamily="34" charset="0"/>
+                </a:defRPr>
+              </a:lvl6pPr>
+              <a:lvl7pPr eaLnBrk="0" fontAlgn="base" hangingPunct="0">
+                <a:spcBef>
+                  <a:spcPct val="0"/>
+                </a:spcBef>
+                <a:spcAft>
+                  <a:spcPct val="0"/>
+                </a:spcAft>
+                <a:defRPr>
+                  <a:solidFill>
+                    <a:schemeClr val="tx1"/>
+                  </a:solidFill>
+                  <a:latin typeface="Arial" panose="020B0604020202020204" pitchFamily="34" charset="0"/>
+                </a:defRPr>
+              </a:lvl7pPr>
+              <a:lvl8pPr eaLnBrk="0" fontAlgn="base" hangingPunct="0">
+                <a:spcBef>
+                  <a:spcPct val="0"/>
+                </a:spcBef>
+                <a:spcAft>
+                  <a:spcPct val="0"/>
+                </a:spcAft>
+                <a:defRPr>
+                  <a:solidFill>
+                    <a:schemeClr val="tx1"/>
+                  </a:solidFill>
+                  <a:latin typeface="Arial" panose="020B0604020202020204" pitchFamily="34" charset="0"/>
+                </a:defRPr>
+              </a:lvl8pPr>
+              <a:lvl9pPr eaLnBrk="0" fontAlgn="base" hangingPunct="0">
+                <a:spcBef>
+                  <a:spcPct val="0"/>
+                </a:spcBef>
+                <a:spcAft>
+                  <a:spcPct val="0"/>
+                </a:spcAft>
+                <a:defRPr>
+                  <a:solidFill>
+                    <a:schemeClr val="tx1"/>
+                  </a:solidFill>
+                  <a:latin typeface="Arial" panose="020B0604020202020204" pitchFamily="34" charset="0"/>
+                </a:defRPr>
+              </a:lvl9pPr>
+            </a:lstStyle>
+            <a:p>
+              <a:pPr marL="0" marR="0" lvl="0" indent="0" algn="l" defTabSz="914400" rtl="0" eaLnBrk="0" fontAlgn="base" latinLnBrk="0" hangingPunct="0">
+                <a:lnSpc>
+                  <a:spcPct val="100000"/>
+                </a:lnSpc>
+                <a:spcBef>
+                  <a:spcPct val="0"/>
+                </a:spcBef>
+                <a:spcAft>
+                  <a:spcPct val="0"/>
+                </a:spcAft>
+                <a:buClrTx/>
+                <a:buSzTx/>
+                <a:buFontTx/>
+                <a:buNone/>
+                <a:tabLst/>
+              </a:pPr>
+              <a:r>
+                <a:rPr kumimoji="0" lang="en-US" altLang="en-US" sz="2400" b="1" i="0" u="none" strike="noStrike" cap="none" normalizeH="0" baseline="0">
+                  <a:ln>
+                    <a:noFill/>
+                  </a:ln>
+                  <a:solidFill>
+                    <a:srgbClr val="000000"/>
+                  </a:solidFill>
+                  <a:effectLst/>
+                  <a:latin typeface="Calibri" panose="020F0502020204030204" pitchFamily="34" charset="0"/>
+                </a:rPr>
+                <a:t>Scoring</a:t>
+              </a:r>
+              <a:endParaRPr kumimoji="0" lang="en-US" altLang="en-US" sz="1800" b="0" i="0" u="none" strike="noStrike" cap="none" normalizeH="0" baseline="0">
+                <a:ln>
+                  <a:noFill/>
+                </a:ln>
+                <a:solidFill>
+                  <a:schemeClr val="tx1"/>
+                </a:solidFill>
+                <a:effectLst/>
+                <a:latin typeface="Arial" panose="020B0604020202020204" pitchFamily="34" charset="0"/>
+              </a:endParaRPr>
+            </a:p>
+          </p:txBody>
+        </p:sp>
+        <p:sp>
+          <p:nvSpPr>
+            <p:cNvPr id="16" name="Rectangle 13">
+              <a:extLst>
+                <a:ext uri="{FF2B5EF4-FFF2-40B4-BE49-F238E27FC236}">
+                  <a16:creationId xmlns:a16="http://schemas.microsoft.com/office/drawing/2014/main" id="{2C7F4EBE-CB94-8568-F28F-AEEBBAB4856B}"/>
+                </a:ext>
+              </a:extLst>
+            </p:cNvPr>
+            <p:cNvSpPr>
+              <a:spLocks noChangeArrowheads="1"/>
+            </p:cNvSpPr>
+            <p:nvPr/>
+          </p:nvSpPr>
+          <p:spPr bwMode="auto">
+            <a:xfrm>
+              <a:off x="360" y="1685"/>
+              <a:ext cx="2466" cy="300"/>
+            </a:xfrm>
+            <a:prstGeom prst="rect">
+              <a:avLst/>
+            </a:prstGeom>
+            <a:noFill/>
+            <a:ln>
+              <a:noFill/>
+            </a:ln>
+            <a:extLst>
+              <a:ext uri="{909E8E84-426E-40DD-AFC4-6F175D3DCCD1}">
+                <a14:hiddenFill xmlns:a14="http://schemas.microsoft.com/office/drawing/2010/main">
+                  <a:solidFill>
+                    <a:srgbClr val="FFFFFF"/>
+                  </a:solidFill>
+                </a14:hiddenFill>
+              </a:ext>
+              <a:ext uri="{91240B29-F687-4F45-9708-019B960494DF}">
+                <a14:hiddenLine xmlns:a14="http://schemas.microsoft.com/office/drawing/2010/main" w="9525">
+                  <a:solidFill>
+                    <a:srgbClr val="000000"/>
+                  </a:solidFill>
+                  <a:miter lim="800000"/>
+                  <a:headEnd/>
+                  <a:tailEnd/>
+                </a14:hiddenLine>
+              </a:ext>
+            </a:extLst>
+          </p:spPr>
+          <p:txBody>
+            <a:bodyPr vert="horz" wrap="none" lIns="0" tIns="0" rIns="0" bIns="0" numCol="1" anchor="t" anchorCtr="0" compatLnSpc="1">
+              <a:prstTxWarp prst="textNoShape">
+                <a:avLst/>
+              </a:prstTxWarp>
+              <a:spAutoFit/>
+            </a:bodyPr>
+            <a:lstStyle>
+              <a:lvl1pPr eaLnBrk="0" fontAlgn="base" hangingPunct="0">
+                <a:spcBef>
+                  <a:spcPct val="0"/>
+                </a:spcBef>
+                <a:spcAft>
+                  <a:spcPct val="0"/>
+                </a:spcAft>
+                <a:defRPr>
+                  <a:solidFill>
+                    <a:schemeClr val="tx1"/>
+                  </a:solidFill>
+                  <a:latin typeface="Arial" panose="020B0604020202020204" pitchFamily="34" charset="0"/>
+                </a:defRPr>
+              </a:lvl1pPr>
+              <a:lvl2pPr eaLnBrk="0" fontAlgn="base" hangingPunct="0">
+                <a:spcBef>
+                  <a:spcPct val="0"/>
+                </a:spcBef>
+                <a:spcAft>
+                  <a:spcPct val="0"/>
+                </a:spcAft>
+                <a:defRPr>
+                  <a:solidFill>
+                    <a:schemeClr val="tx1"/>
+                  </a:solidFill>
+                  <a:latin typeface="Arial" panose="020B0604020202020204" pitchFamily="34" charset="0"/>
+                </a:defRPr>
+              </a:lvl2pPr>
+              <a:lvl3pPr eaLnBrk="0" fontAlgn="base" hangingPunct="0">
+                <a:spcBef>
+                  <a:spcPct val="0"/>
+                </a:spcBef>
+                <a:spcAft>
+                  <a:spcPct val="0"/>
+                </a:spcAft>
+                <a:defRPr>
+                  <a:solidFill>
+                    <a:schemeClr val="tx1"/>
+                  </a:solidFill>
+                  <a:latin typeface="Arial" panose="020B0604020202020204" pitchFamily="34" charset="0"/>
+                </a:defRPr>
+              </a:lvl3pPr>
+              <a:lvl4pPr eaLnBrk="0" fontAlgn="base" hangingPunct="0">
+                <a:spcBef>
+                  <a:spcPct val="0"/>
+                </a:spcBef>
+                <a:spcAft>
+                  <a:spcPct val="0"/>
+                </a:spcAft>
+                <a:defRPr>
+                  <a:solidFill>
+                    <a:schemeClr val="tx1"/>
+                  </a:solidFill>
+                  <a:latin typeface="Arial" panose="020B0604020202020204" pitchFamily="34" charset="0"/>
+                </a:defRPr>
+              </a:lvl4pPr>
+              <a:lvl5pPr eaLnBrk="0" fontAlgn="base" hangingPunct="0">
+                <a:spcBef>
+                  <a:spcPct val="0"/>
+                </a:spcBef>
+                <a:spcAft>
+                  <a:spcPct val="0"/>
+                </a:spcAft>
+                <a:defRPr>
+                  <a:solidFill>
+                    <a:schemeClr val="tx1"/>
+                  </a:solidFill>
+                  <a:latin typeface="Arial" panose="020B0604020202020204" pitchFamily="34" charset="0"/>
+                </a:defRPr>
+              </a:lvl5pPr>
+              <a:lvl6pPr eaLnBrk="0" fontAlgn="base" hangingPunct="0">
+                <a:spcBef>
+                  <a:spcPct val="0"/>
+                </a:spcBef>
+                <a:spcAft>
+                  <a:spcPct val="0"/>
+                </a:spcAft>
+                <a:defRPr>
+                  <a:solidFill>
+                    <a:schemeClr val="tx1"/>
+                  </a:solidFill>
+                  <a:latin typeface="Arial" panose="020B0604020202020204" pitchFamily="34" charset="0"/>
+                </a:defRPr>
+              </a:lvl6pPr>
+              <a:lvl7pPr eaLnBrk="0" fontAlgn="base" hangingPunct="0">
+                <a:spcBef>
+                  <a:spcPct val="0"/>
+                </a:spcBef>
+                <a:spcAft>
+                  <a:spcPct val="0"/>
+                </a:spcAft>
+                <a:defRPr>
+                  <a:solidFill>
+                    <a:schemeClr val="tx1"/>
+                  </a:solidFill>
+                  <a:latin typeface="Arial" panose="020B0604020202020204" pitchFamily="34" charset="0"/>
+                </a:defRPr>
+              </a:lvl7pPr>
+              <a:lvl8pPr eaLnBrk="0" fontAlgn="base" hangingPunct="0">
+                <a:spcBef>
+                  <a:spcPct val="0"/>
+                </a:spcBef>
+                <a:spcAft>
+                  <a:spcPct val="0"/>
+                </a:spcAft>
+                <a:defRPr>
+                  <a:solidFill>
+                    <a:schemeClr val="tx1"/>
+                  </a:solidFill>
+                  <a:latin typeface="Arial" panose="020B0604020202020204" pitchFamily="34" charset="0"/>
+                </a:defRPr>
+              </a:lvl8pPr>
+              <a:lvl9pPr eaLnBrk="0" fontAlgn="base" hangingPunct="0">
+                <a:spcBef>
+                  <a:spcPct val="0"/>
+                </a:spcBef>
+                <a:spcAft>
+                  <a:spcPct val="0"/>
+                </a:spcAft>
+                <a:defRPr>
+                  <a:solidFill>
+                    <a:schemeClr val="tx1"/>
+                  </a:solidFill>
+                  <a:latin typeface="Arial" panose="020B0604020202020204" pitchFamily="34" charset="0"/>
+                </a:defRPr>
+              </a:lvl9pPr>
+            </a:lstStyle>
+            <a:p>
+              <a:pPr marL="0" marR="0" lvl="0" indent="0" algn="l" defTabSz="914400" rtl="0" eaLnBrk="0" fontAlgn="base" latinLnBrk="0" hangingPunct="0">
+                <a:lnSpc>
+                  <a:spcPct val="100000"/>
+                </a:lnSpc>
+                <a:spcBef>
+                  <a:spcPct val="0"/>
+                </a:spcBef>
+                <a:spcAft>
+                  <a:spcPct val="0"/>
+                </a:spcAft>
+                <a:buClrTx/>
+                <a:buSzTx/>
+                <a:buFontTx/>
+                <a:buNone/>
+                <a:tabLst/>
+              </a:pPr>
+              <a:r>
+                <a:rPr kumimoji="0" lang="en-US" altLang="en-US" sz="2400" b="0" i="0" u="none" strike="noStrike" cap="none" normalizeH="0" baseline="0">
+                  <a:ln>
+                    <a:noFill/>
+                  </a:ln>
+                  <a:solidFill>
+                    <a:srgbClr val="000000"/>
+                  </a:solidFill>
+                  <a:effectLst/>
+                  <a:latin typeface="Calibri" panose="020F0502020204030204" pitchFamily="34" charset="0"/>
+                </a:rPr>
+                <a:t>Minutes watched (per agent)</a:t>
+              </a:r>
+              <a:endParaRPr kumimoji="0" lang="en-US" altLang="en-US" sz="1800" b="0" i="0" u="none" strike="noStrike" cap="none" normalizeH="0" baseline="0">
+                <a:ln>
+                  <a:noFill/>
+                </a:ln>
+                <a:solidFill>
+                  <a:schemeClr val="tx1"/>
+                </a:solidFill>
+                <a:effectLst/>
+                <a:latin typeface="Arial" panose="020B0604020202020204" pitchFamily="34" charset="0"/>
+              </a:endParaRPr>
+            </a:p>
+          </p:txBody>
+        </p:sp>
+        <p:sp>
+          <p:nvSpPr>
+            <p:cNvPr id="17" name="Rectangle 14">
+              <a:extLst>
+                <a:ext uri="{FF2B5EF4-FFF2-40B4-BE49-F238E27FC236}">
+                  <a16:creationId xmlns:a16="http://schemas.microsoft.com/office/drawing/2014/main" id="{3483DF2D-F4E9-8B62-FEDF-B08F335ECA3B}"/>
+                </a:ext>
+              </a:extLst>
+            </p:cNvPr>
+            <p:cNvSpPr>
+              <a:spLocks noChangeArrowheads="1"/>
+            </p:cNvSpPr>
+            <p:nvPr/>
+          </p:nvSpPr>
+          <p:spPr bwMode="auto">
+            <a:xfrm>
+              <a:off x="4162" y="1685"/>
+              <a:ext cx="558" cy="300"/>
+            </a:xfrm>
+            <a:prstGeom prst="rect">
+              <a:avLst/>
+            </a:prstGeom>
+            <a:noFill/>
+            <a:ln>
+              <a:noFill/>
+            </a:ln>
+            <a:extLst>
+              <a:ext uri="{909E8E84-426E-40DD-AFC4-6F175D3DCCD1}">
+                <a14:hiddenFill xmlns:a14="http://schemas.microsoft.com/office/drawing/2010/main">
+                  <a:solidFill>
+                    <a:srgbClr val="FFFFFF"/>
+                  </a:solidFill>
+                </a14:hiddenFill>
+              </a:ext>
+              <a:ext uri="{91240B29-F687-4F45-9708-019B960494DF}">
+                <a14:hiddenLine xmlns:a14="http://schemas.microsoft.com/office/drawing/2010/main" w="9525">
+                  <a:solidFill>
+                    <a:srgbClr val="000000"/>
+                  </a:solidFill>
+                  <a:miter lim="800000"/>
+                  <a:headEnd/>
+                  <a:tailEnd/>
+                </a14:hiddenLine>
+              </a:ext>
+            </a:extLst>
+          </p:spPr>
+          <p:txBody>
+            <a:bodyPr vert="horz" wrap="none" lIns="0" tIns="0" rIns="0" bIns="0" numCol="1" anchor="t" anchorCtr="0" compatLnSpc="1">
+              <a:prstTxWarp prst="textNoShape">
+                <a:avLst/>
+              </a:prstTxWarp>
+              <a:spAutoFit/>
+            </a:bodyPr>
+            <a:lstStyle>
+              <a:lvl1pPr eaLnBrk="0" fontAlgn="base" hangingPunct="0">
+                <a:spcBef>
+                  <a:spcPct val="0"/>
+                </a:spcBef>
+                <a:spcAft>
+                  <a:spcPct val="0"/>
+                </a:spcAft>
+                <a:defRPr>
+                  <a:solidFill>
+                    <a:schemeClr val="tx1"/>
+                  </a:solidFill>
+                  <a:latin typeface="Arial" panose="020B0604020202020204" pitchFamily="34" charset="0"/>
+                </a:defRPr>
+              </a:lvl1pPr>
+              <a:lvl2pPr eaLnBrk="0" fontAlgn="base" hangingPunct="0">
+                <a:spcBef>
+                  <a:spcPct val="0"/>
+                </a:spcBef>
+                <a:spcAft>
+                  <a:spcPct val="0"/>
+                </a:spcAft>
+                <a:defRPr>
+                  <a:solidFill>
+                    <a:schemeClr val="tx1"/>
+                  </a:solidFill>
+                  <a:latin typeface="Arial" panose="020B0604020202020204" pitchFamily="34" charset="0"/>
+                </a:defRPr>
+              </a:lvl2pPr>
+              <a:lvl3pPr eaLnBrk="0" fontAlgn="base" hangingPunct="0">
+                <a:spcBef>
+                  <a:spcPct val="0"/>
+                </a:spcBef>
+                <a:spcAft>
+                  <a:spcPct val="0"/>
+                </a:spcAft>
+                <a:defRPr>
+                  <a:solidFill>
+                    <a:schemeClr val="tx1"/>
+                  </a:solidFill>
+                  <a:latin typeface="Arial" panose="020B0604020202020204" pitchFamily="34" charset="0"/>
+                </a:defRPr>
+              </a:lvl3pPr>
+              <a:lvl4pPr eaLnBrk="0" fontAlgn="base" hangingPunct="0">
+                <a:spcBef>
+                  <a:spcPct val="0"/>
+                </a:spcBef>
+                <a:spcAft>
+                  <a:spcPct val="0"/>
+                </a:spcAft>
+                <a:defRPr>
+                  <a:solidFill>
+                    <a:schemeClr val="tx1"/>
+                  </a:solidFill>
+                  <a:latin typeface="Arial" panose="020B0604020202020204" pitchFamily="34" charset="0"/>
+                </a:defRPr>
+              </a:lvl4pPr>
+              <a:lvl5pPr eaLnBrk="0" fontAlgn="base" hangingPunct="0">
+                <a:spcBef>
+                  <a:spcPct val="0"/>
+                </a:spcBef>
+                <a:spcAft>
+                  <a:spcPct val="0"/>
+                </a:spcAft>
+                <a:defRPr>
+                  <a:solidFill>
+                    <a:schemeClr val="tx1"/>
+                  </a:solidFill>
+                  <a:latin typeface="Arial" panose="020B0604020202020204" pitchFamily="34" charset="0"/>
+                </a:defRPr>
+              </a:lvl5pPr>
+              <a:lvl6pPr eaLnBrk="0" fontAlgn="base" hangingPunct="0">
+                <a:spcBef>
+                  <a:spcPct val="0"/>
+                </a:spcBef>
+                <a:spcAft>
+                  <a:spcPct val="0"/>
+                </a:spcAft>
+                <a:defRPr>
+                  <a:solidFill>
+                    <a:schemeClr val="tx1"/>
+                  </a:solidFill>
+                  <a:latin typeface="Arial" panose="020B0604020202020204" pitchFamily="34" charset="0"/>
+                </a:defRPr>
+              </a:lvl6pPr>
+              <a:lvl7pPr eaLnBrk="0" fontAlgn="base" hangingPunct="0">
+                <a:spcBef>
+                  <a:spcPct val="0"/>
+                </a:spcBef>
+                <a:spcAft>
+                  <a:spcPct val="0"/>
+                </a:spcAft>
+                <a:defRPr>
+                  <a:solidFill>
+                    <a:schemeClr val="tx1"/>
+                  </a:solidFill>
+                  <a:latin typeface="Arial" panose="020B0604020202020204" pitchFamily="34" charset="0"/>
+                </a:defRPr>
+              </a:lvl7pPr>
+              <a:lvl8pPr eaLnBrk="0" fontAlgn="base" hangingPunct="0">
+                <a:spcBef>
+                  <a:spcPct val="0"/>
+                </a:spcBef>
+                <a:spcAft>
+                  <a:spcPct val="0"/>
+                </a:spcAft>
+                <a:defRPr>
+                  <a:solidFill>
+                    <a:schemeClr val="tx1"/>
+                  </a:solidFill>
+                  <a:latin typeface="Arial" panose="020B0604020202020204" pitchFamily="34" charset="0"/>
+                </a:defRPr>
+              </a:lvl8pPr>
+              <a:lvl9pPr eaLnBrk="0" fontAlgn="base" hangingPunct="0">
+                <a:spcBef>
+                  <a:spcPct val="0"/>
+                </a:spcBef>
+                <a:spcAft>
+                  <a:spcPct val="0"/>
+                </a:spcAft>
+                <a:defRPr>
+                  <a:solidFill>
+                    <a:schemeClr val="tx1"/>
+                  </a:solidFill>
+                  <a:latin typeface="Arial" panose="020B0604020202020204" pitchFamily="34" charset="0"/>
+                </a:defRPr>
+              </a:lvl9pPr>
+            </a:lstStyle>
+            <a:p>
+              <a:pPr marL="0" marR="0" lvl="0" indent="0" algn="l" defTabSz="914400" rtl="0" eaLnBrk="0" fontAlgn="base" latinLnBrk="0" hangingPunct="0">
+                <a:lnSpc>
+                  <a:spcPct val="100000"/>
+                </a:lnSpc>
+                <a:spcBef>
+                  <a:spcPct val="0"/>
+                </a:spcBef>
+                <a:spcAft>
+                  <a:spcPct val="0"/>
+                </a:spcAft>
+                <a:buClrTx/>
+                <a:buSzTx/>
+                <a:buFontTx/>
+                <a:buNone/>
+                <a:tabLst/>
+              </a:pPr>
+              <a:r>
+                <a:rPr kumimoji="0" lang="en-US" altLang="en-US" sz="2400" b="0" i="0" u="none" strike="noStrike" cap="none" normalizeH="0" baseline="0">
+                  <a:ln>
+                    <a:noFill/>
+                  </a:ln>
+                  <a:solidFill>
+                    <a:srgbClr val="000000"/>
+                  </a:solidFill>
+                  <a:effectLst/>
+                  <a:latin typeface="Calibri" panose="020F0502020204030204" pitchFamily="34" charset="0"/>
+                </a:rPr>
+                <a:t>92.12</a:t>
+              </a:r>
+              <a:endParaRPr kumimoji="0" lang="en-US" altLang="en-US" sz="1800" b="0" i="0" u="none" strike="noStrike" cap="none" normalizeH="0" baseline="0">
+                <a:ln>
+                  <a:noFill/>
+                </a:ln>
+                <a:solidFill>
+                  <a:schemeClr val="tx1"/>
+                </a:solidFill>
+                <a:effectLst/>
+                <a:latin typeface="Arial" panose="020B0604020202020204" pitchFamily="34" charset="0"/>
+              </a:endParaRPr>
+            </a:p>
+          </p:txBody>
+        </p:sp>
+        <p:sp>
+          <p:nvSpPr>
+            <p:cNvPr id="18" name="Rectangle 15">
+              <a:extLst>
+                <a:ext uri="{FF2B5EF4-FFF2-40B4-BE49-F238E27FC236}">
+                  <a16:creationId xmlns:a16="http://schemas.microsoft.com/office/drawing/2014/main" id="{E1BE6EC5-F171-F051-EB91-784F0FE36565}"/>
+                </a:ext>
+              </a:extLst>
+            </p:cNvPr>
+            <p:cNvSpPr>
+              <a:spLocks noChangeArrowheads="1"/>
+            </p:cNvSpPr>
+            <p:nvPr/>
+          </p:nvSpPr>
+          <p:spPr bwMode="auto">
+            <a:xfrm>
+              <a:off x="5066" y="1685"/>
+              <a:ext cx="558" cy="300"/>
+            </a:xfrm>
+            <a:prstGeom prst="rect">
+              <a:avLst/>
+            </a:prstGeom>
+            <a:noFill/>
+            <a:ln>
+              <a:noFill/>
+            </a:ln>
+            <a:extLst>
+              <a:ext uri="{909E8E84-426E-40DD-AFC4-6F175D3DCCD1}">
+                <a14:hiddenFill xmlns:a14="http://schemas.microsoft.com/office/drawing/2010/main">
+                  <a:solidFill>
+                    <a:srgbClr val="FFFFFF"/>
+                  </a:solidFill>
+                </a14:hiddenFill>
+              </a:ext>
+              <a:ext uri="{91240B29-F687-4F45-9708-019B960494DF}">
+                <a14:hiddenLine xmlns:a14="http://schemas.microsoft.com/office/drawing/2010/main" w="9525">
+                  <a:solidFill>
+                    <a:srgbClr val="000000"/>
+                  </a:solidFill>
+                  <a:miter lim="800000"/>
+                  <a:headEnd/>
+                  <a:tailEnd/>
+                </a14:hiddenLine>
+              </a:ext>
+            </a:extLst>
+          </p:spPr>
+          <p:txBody>
+            <a:bodyPr vert="horz" wrap="none" lIns="0" tIns="0" rIns="0" bIns="0" numCol="1" anchor="t" anchorCtr="0" compatLnSpc="1">
+              <a:prstTxWarp prst="textNoShape">
+                <a:avLst/>
+              </a:prstTxWarp>
+              <a:spAutoFit/>
+            </a:bodyPr>
+            <a:lstStyle>
+              <a:lvl1pPr eaLnBrk="0" fontAlgn="base" hangingPunct="0">
+                <a:spcBef>
+                  <a:spcPct val="0"/>
+                </a:spcBef>
+                <a:spcAft>
+                  <a:spcPct val="0"/>
+                </a:spcAft>
+                <a:defRPr>
+                  <a:solidFill>
+                    <a:schemeClr val="tx1"/>
+                  </a:solidFill>
+                  <a:latin typeface="Arial" panose="020B0604020202020204" pitchFamily="34" charset="0"/>
+                </a:defRPr>
+              </a:lvl1pPr>
+              <a:lvl2pPr eaLnBrk="0" fontAlgn="base" hangingPunct="0">
+                <a:spcBef>
+                  <a:spcPct val="0"/>
+                </a:spcBef>
+                <a:spcAft>
+                  <a:spcPct val="0"/>
+                </a:spcAft>
+                <a:defRPr>
+                  <a:solidFill>
+                    <a:schemeClr val="tx1"/>
+                  </a:solidFill>
+                  <a:latin typeface="Arial" panose="020B0604020202020204" pitchFamily="34" charset="0"/>
+                </a:defRPr>
+              </a:lvl2pPr>
+              <a:lvl3pPr eaLnBrk="0" fontAlgn="base" hangingPunct="0">
+                <a:spcBef>
+                  <a:spcPct val="0"/>
+                </a:spcBef>
+                <a:spcAft>
+                  <a:spcPct val="0"/>
+                </a:spcAft>
+                <a:defRPr>
+                  <a:solidFill>
+                    <a:schemeClr val="tx1"/>
+                  </a:solidFill>
+                  <a:latin typeface="Arial" panose="020B0604020202020204" pitchFamily="34" charset="0"/>
+                </a:defRPr>
+              </a:lvl3pPr>
+              <a:lvl4pPr eaLnBrk="0" fontAlgn="base" hangingPunct="0">
+                <a:spcBef>
+                  <a:spcPct val="0"/>
+                </a:spcBef>
+                <a:spcAft>
+                  <a:spcPct val="0"/>
+                </a:spcAft>
+                <a:defRPr>
+                  <a:solidFill>
+                    <a:schemeClr val="tx1"/>
+                  </a:solidFill>
+                  <a:latin typeface="Arial" panose="020B0604020202020204" pitchFamily="34" charset="0"/>
+                </a:defRPr>
+              </a:lvl4pPr>
+              <a:lvl5pPr eaLnBrk="0" fontAlgn="base" hangingPunct="0">
+                <a:spcBef>
+                  <a:spcPct val="0"/>
+                </a:spcBef>
+                <a:spcAft>
+                  <a:spcPct val="0"/>
+                </a:spcAft>
+                <a:defRPr>
+                  <a:solidFill>
+                    <a:schemeClr val="tx1"/>
+                  </a:solidFill>
+                  <a:latin typeface="Arial" panose="020B0604020202020204" pitchFamily="34" charset="0"/>
+                </a:defRPr>
+              </a:lvl5pPr>
+              <a:lvl6pPr eaLnBrk="0" fontAlgn="base" hangingPunct="0">
+                <a:spcBef>
+                  <a:spcPct val="0"/>
+                </a:spcBef>
+                <a:spcAft>
+                  <a:spcPct val="0"/>
+                </a:spcAft>
+                <a:defRPr>
+                  <a:solidFill>
+                    <a:schemeClr val="tx1"/>
+                  </a:solidFill>
+                  <a:latin typeface="Arial" panose="020B0604020202020204" pitchFamily="34" charset="0"/>
+                </a:defRPr>
+              </a:lvl6pPr>
+              <a:lvl7pPr eaLnBrk="0" fontAlgn="base" hangingPunct="0">
+                <a:spcBef>
+                  <a:spcPct val="0"/>
+                </a:spcBef>
+                <a:spcAft>
+                  <a:spcPct val="0"/>
+                </a:spcAft>
+                <a:defRPr>
+                  <a:solidFill>
+                    <a:schemeClr val="tx1"/>
+                  </a:solidFill>
+                  <a:latin typeface="Arial" panose="020B0604020202020204" pitchFamily="34" charset="0"/>
+                </a:defRPr>
+              </a:lvl7pPr>
+              <a:lvl8pPr eaLnBrk="0" fontAlgn="base" hangingPunct="0">
+                <a:spcBef>
+                  <a:spcPct val="0"/>
+                </a:spcBef>
+                <a:spcAft>
+                  <a:spcPct val="0"/>
+                </a:spcAft>
+                <a:defRPr>
+                  <a:solidFill>
+                    <a:schemeClr val="tx1"/>
+                  </a:solidFill>
+                  <a:latin typeface="Arial" panose="020B0604020202020204" pitchFamily="34" charset="0"/>
+                </a:defRPr>
+              </a:lvl8pPr>
+              <a:lvl9pPr eaLnBrk="0" fontAlgn="base" hangingPunct="0">
+                <a:spcBef>
+                  <a:spcPct val="0"/>
+                </a:spcBef>
+                <a:spcAft>
+                  <a:spcPct val="0"/>
+                </a:spcAft>
+                <a:defRPr>
+                  <a:solidFill>
+                    <a:schemeClr val="tx1"/>
+                  </a:solidFill>
+                  <a:latin typeface="Arial" panose="020B0604020202020204" pitchFamily="34" charset="0"/>
+                </a:defRPr>
+              </a:lvl9pPr>
+            </a:lstStyle>
+            <a:p>
+              <a:pPr marL="0" marR="0" lvl="0" indent="0" algn="l" defTabSz="914400" rtl="0" eaLnBrk="0" fontAlgn="base" latinLnBrk="0" hangingPunct="0">
+                <a:lnSpc>
+                  <a:spcPct val="100000"/>
+                </a:lnSpc>
+                <a:spcBef>
+                  <a:spcPct val="0"/>
+                </a:spcBef>
+                <a:spcAft>
+                  <a:spcPct val="0"/>
+                </a:spcAft>
+                <a:buClrTx/>
+                <a:buSzTx/>
+                <a:buFontTx/>
+                <a:buNone/>
+                <a:tabLst/>
+              </a:pPr>
+              <a:r>
+                <a:rPr kumimoji="0" lang="en-US" altLang="en-US" sz="2400" b="0" i="0" u="none" strike="noStrike" cap="none" normalizeH="0" baseline="0">
+                  <a:ln>
+                    <a:noFill/>
+                  </a:ln>
+                  <a:solidFill>
+                    <a:srgbClr val="000000"/>
+                  </a:solidFill>
+                  <a:effectLst/>
+                  <a:latin typeface="Calibri" panose="020F0502020204030204" pitchFamily="34" charset="0"/>
+                </a:rPr>
+                <a:t>85.13</a:t>
+              </a:r>
+              <a:endParaRPr kumimoji="0" lang="en-US" altLang="en-US" sz="1800" b="0" i="0" u="none" strike="noStrike" cap="none" normalizeH="0" baseline="0">
+                <a:ln>
+                  <a:noFill/>
+                </a:ln>
+                <a:solidFill>
+                  <a:schemeClr val="tx1"/>
+                </a:solidFill>
+                <a:effectLst/>
+                <a:latin typeface="Arial" panose="020B0604020202020204" pitchFamily="34" charset="0"/>
+              </a:endParaRPr>
+            </a:p>
+          </p:txBody>
+        </p:sp>
+        <p:sp>
+          <p:nvSpPr>
+            <p:cNvPr id="19" name="Rectangle 16">
+              <a:extLst>
+                <a:ext uri="{FF2B5EF4-FFF2-40B4-BE49-F238E27FC236}">
+                  <a16:creationId xmlns:a16="http://schemas.microsoft.com/office/drawing/2014/main" id="{580C3F5E-A727-7FEE-185B-F91317D218EC}"/>
+                </a:ext>
+              </a:extLst>
+            </p:cNvPr>
+            <p:cNvSpPr>
+              <a:spLocks noChangeArrowheads="1"/>
+            </p:cNvSpPr>
+            <p:nvPr/>
+          </p:nvSpPr>
+          <p:spPr bwMode="auto">
+            <a:xfrm>
+              <a:off x="5870" y="1685"/>
+              <a:ext cx="658" cy="300"/>
+            </a:xfrm>
+            <a:prstGeom prst="rect">
+              <a:avLst/>
+            </a:prstGeom>
+            <a:noFill/>
+            <a:ln>
+              <a:noFill/>
+            </a:ln>
+            <a:extLst>
+              <a:ext uri="{909E8E84-426E-40DD-AFC4-6F175D3DCCD1}">
+                <a14:hiddenFill xmlns:a14="http://schemas.microsoft.com/office/drawing/2010/main">
+                  <a:solidFill>
+                    <a:srgbClr val="FFFFFF"/>
+                  </a:solidFill>
+                </a14:hiddenFill>
+              </a:ext>
+              <a:ext uri="{91240B29-F687-4F45-9708-019B960494DF}">
+                <a14:hiddenLine xmlns:a14="http://schemas.microsoft.com/office/drawing/2010/main" w="9525">
+                  <a:solidFill>
+                    <a:srgbClr val="000000"/>
+                  </a:solidFill>
+                  <a:miter lim="800000"/>
+                  <a:headEnd/>
+                  <a:tailEnd/>
+                </a14:hiddenLine>
+              </a:ext>
+            </a:extLst>
+          </p:spPr>
+          <p:txBody>
+            <a:bodyPr vert="horz" wrap="none" lIns="0" tIns="0" rIns="0" bIns="0" numCol="1" anchor="t" anchorCtr="0" compatLnSpc="1">
+              <a:prstTxWarp prst="textNoShape">
+                <a:avLst/>
+              </a:prstTxWarp>
+              <a:spAutoFit/>
+            </a:bodyPr>
+            <a:lstStyle>
+              <a:lvl1pPr eaLnBrk="0" fontAlgn="base" hangingPunct="0">
+                <a:spcBef>
+                  <a:spcPct val="0"/>
+                </a:spcBef>
+                <a:spcAft>
+                  <a:spcPct val="0"/>
+                </a:spcAft>
+                <a:defRPr>
+                  <a:solidFill>
+                    <a:schemeClr val="tx1"/>
+                  </a:solidFill>
+                  <a:latin typeface="Arial" panose="020B0604020202020204" pitchFamily="34" charset="0"/>
+                </a:defRPr>
+              </a:lvl1pPr>
+              <a:lvl2pPr eaLnBrk="0" fontAlgn="base" hangingPunct="0">
+                <a:spcBef>
+                  <a:spcPct val="0"/>
+                </a:spcBef>
+                <a:spcAft>
+                  <a:spcPct val="0"/>
+                </a:spcAft>
+                <a:defRPr>
+                  <a:solidFill>
+                    <a:schemeClr val="tx1"/>
+                  </a:solidFill>
+                  <a:latin typeface="Arial" panose="020B0604020202020204" pitchFamily="34" charset="0"/>
+                </a:defRPr>
+              </a:lvl2pPr>
+              <a:lvl3pPr eaLnBrk="0" fontAlgn="base" hangingPunct="0">
+                <a:spcBef>
+                  <a:spcPct val="0"/>
+                </a:spcBef>
+                <a:spcAft>
+                  <a:spcPct val="0"/>
+                </a:spcAft>
+                <a:defRPr>
+                  <a:solidFill>
+                    <a:schemeClr val="tx1"/>
+                  </a:solidFill>
+                  <a:latin typeface="Arial" panose="020B0604020202020204" pitchFamily="34" charset="0"/>
+                </a:defRPr>
+              </a:lvl3pPr>
+              <a:lvl4pPr eaLnBrk="0" fontAlgn="base" hangingPunct="0">
+                <a:spcBef>
+                  <a:spcPct val="0"/>
+                </a:spcBef>
+                <a:spcAft>
+                  <a:spcPct val="0"/>
+                </a:spcAft>
+                <a:defRPr>
+                  <a:solidFill>
+                    <a:schemeClr val="tx1"/>
+                  </a:solidFill>
+                  <a:latin typeface="Arial" panose="020B0604020202020204" pitchFamily="34" charset="0"/>
+                </a:defRPr>
+              </a:lvl4pPr>
+              <a:lvl5pPr eaLnBrk="0" fontAlgn="base" hangingPunct="0">
+                <a:spcBef>
+                  <a:spcPct val="0"/>
+                </a:spcBef>
+                <a:spcAft>
+                  <a:spcPct val="0"/>
+                </a:spcAft>
+                <a:defRPr>
+                  <a:solidFill>
+                    <a:schemeClr val="tx1"/>
+                  </a:solidFill>
+                  <a:latin typeface="Arial" panose="020B0604020202020204" pitchFamily="34" charset="0"/>
+                </a:defRPr>
+              </a:lvl5pPr>
+              <a:lvl6pPr eaLnBrk="0" fontAlgn="base" hangingPunct="0">
+                <a:spcBef>
+                  <a:spcPct val="0"/>
+                </a:spcBef>
+                <a:spcAft>
+                  <a:spcPct val="0"/>
+                </a:spcAft>
+                <a:defRPr>
+                  <a:solidFill>
+                    <a:schemeClr val="tx1"/>
+                  </a:solidFill>
+                  <a:latin typeface="Arial" panose="020B0604020202020204" pitchFamily="34" charset="0"/>
+                </a:defRPr>
+              </a:lvl6pPr>
+              <a:lvl7pPr eaLnBrk="0" fontAlgn="base" hangingPunct="0">
+                <a:spcBef>
+                  <a:spcPct val="0"/>
+                </a:spcBef>
+                <a:spcAft>
+                  <a:spcPct val="0"/>
+                </a:spcAft>
+                <a:defRPr>
+                  <a:solidFill>
+                    <a:schemeClr val="tx1"/>
+                  </a:solidFill>
+                  <a:latin typeface="Arial" panose="020B0604020202020204" pitchFamily="34" charset="0"/>
+                </a:defRPr>
+              </a:lvl7pPr>
+              <a:lvl8pPr eaLnBrk="0" fontAlgn="base" hangingPunct="0">
+                <a:spcBef>
+                  <a:spcPct val="0"/>
+                </a:spcBef>
+                <a:spcAft>
+                  <a:spcPct val="0"/>
+                </a:spcAft>
+                <a:defRPr>
+                  <a:solidFill>
+                    <a:schemeClr val="tx1"/>
+                  </a:solidFill>
+                  <a:latin typeface="Arial" panose="020B0604020202020204" pitchFamily="34" charset="0"/>
+                </a:defRPr>
+              </a:lvl8pPr>
+              <a:lvl9pPr eaLnBrk="0" fontAlgn="base" hangingPunct="0">
+                <a:spcBef>
+                  <a:spcPct val="0"/>
+                </a:spcBef>
+                <a:spcAft>
+                  <a:spcPct val="0"/>
+                </a:spcAft>
+                <a:defRPr>
+                  <a:solidFill>
+                    <a:schemeClr val="tx1"/>
+                  </a:solidFill>
+                  <a:latin typeface="Arial" panose="020B0604020202020204" pitchFamily="34" charset="0"/>
+                </a:defRPr>
+              </a:lvl9pPr>
+            </a:lstStyle>
+            <a:p>
+              <a:pPr marL="0" marR="0" lvl="0" indent="0" algn="l" defTabSz="914400" rtl="0" eaLnBrk="0" fontAlgn="base" latinLnBrk="0" hangingPunct="0">
+                <a:lnSpc>
+                  <a:spcPct val="100000"/>
+                </a:lnSpc>
+                <a:spcBef>
+                  <a:spcPct val="0"/>
+                </a:spcBef>
+                <a:spcAft>
+                  <a:spcPct val="0"/>
+                </a:spcAft>
+                <a:buClrTx/>
+                <a:buSzTx/>
+                <a:buFontTx/>
+                <a:buNone/>
+                <a:tabLst/>
+              </a:pPr>
+              <a:r>
+                <a:rPr kumimoji="0" lang="en-US" altLang="en-US" sz="2400" b="0" i="0" u="none" strike="noStrike" cap="none" normalizeH="0" baseline="0">
+                  <a:ln>
+                    <a:noFill/>
+                  </a:ln>
+                  <a:solidFill>
+                    <a:srgbClr val="000000"/>
+                  </a:solidFill>
+                  <a:effectLst/>
+                  <a:latin typeface="Calibri" panose="020F0502020204030204" pitchFamily="34" charset="0"/>
+                </a:rPr>
+                <a:t>109.23</a:t>
+              </a:r>
+              <a:endParaRPr kumimoji="0" lang="en-US" altLang="en-US" sz="1800" b="0" i="0" u="none" strike="noStrike" cap="none" normalizeH="0" baseline="0">
+                <a:ln>
+                  <a:noFill/>
+                </a:ln>
+                <a:solidFill>
+                  <a:schemeClr val="tx1"/>
+                </a:solidFill>
+                <a:effectLst/>
+                <a:latin typeface="Arial" panose="020B0604020202020204" pitchFamily="34" charset="0"/>
+              </a:endParaRPr>
+            </a:p>
+          </p:txBody>
+        </p:sp>
+        <p:sp>
+          <p:nvSpPr>
+            <p:cNvPr id="20" name="Rectangle 17">
+              <a:extLst>
+                <a:ext uri="{FF2B5EF4-FFF2-40B4-BE49-F238E27FC236}">
+                  <a16:creationId xmlns:a16="http://schemas.microsoft.com/office/drawing/2014/main" id="{D5FEF21F-7C9A-6C92-E96E-421DC912D2C5}"/>
+                </a:ext>
+              </a:extLst>
+            </p:cNvPr>
+            <p:cNvSpPr>
+              <a:spLocks noChangeArrowheads="1"/>
+            </p:cNvSpPr>
+            <p:nvPr/>
+          </p:nvSpPr>
+          <p:spPr bwMode="auto">
+            <a:xfrm>
+              <a:off x="6974" y="1685"/>
+              <a:ext cx="459" cy="300"/>
+            </a:xfrm>
+            <a:prstGeom prst="rect">
+              <a:avLst/>
+            </a:prstGeom>
+            <a:noFill/>
+            <a:ln>
+              <a:noFill/>
+            </a:ln>
+            <a:extLst>
+              <a:ext uri="{909E8E84-426E-40DD-AFC4-6F175D3DCCD1}">
+                <a14:hiddenFill xmlns:a14="http://schemas.microsoft.com/office/drawing/2010/main">
+                  <a:solidFill>
+                    <a:srgbClr val="FFFFFF"/>
+                  </a:solidFill>
+                </a14:hiddenFill>
+              </a:ext>
+              <a:ext uri="{91240B29-F687-4F45-9708-019B960494DF}">
+                <a14:hiddenLine xmlns:a14="http://schemas.microsoft.com/office/drawing/2010/main" w="9525">
+                  <a:solidFill>
+                    <a:srgbClr val="000000"/>
+                  </a:solidFill>
+                  <a:miter lim="800000"/>
+                  <a:headEnd/>
+                  <a:tailEnd/>
+                </a14:hiddenLine>
+              </a:ext>
+            </a:extLst>
+          </p:spPr>
+          <p:txBody>
+            <a:bodyPr vert="horz" wrap="none" lIns="0" tIns="0" rIns="0" bIns="0" numCol="1" anchor="t" anchorCtr="0" compatLnSpc="1">
+              <a:prstTxWarp prst="textNoShape">
+                <a:avLst/>
+              </a:prstTxWarp>
+              <a:spAutoFit/>
+            </a:bodyPr>
+            <a:lstStyle>
+              <a:lvl1pPr eaLnBrk="0" fontAlgn="base" hangingPunct="0">
+                <a:spcBef>
+                  <a:spcPct val="0"/>
+                </a:spcBef>
+                <a:spcAft>
+                  <a:spcPct val="0"/>
+                </a:spcAft>
+                <a:defRPr>
+                  <a:solidFill>
+                    <a:schemeClr val="tx1"/>
+                  </a:solidFill>
+                  <a:latin typeface="Arial" panose="020B0604020202020204" pitchFamily="34" charset="0"/>
+                </a:defRPr>
+              </a:lvl1pPr>
+              <a:lvl2pPr eaLnBrk="0" fontAlgn="base" hangingPunct="0">
+                <a:spcBef>
+                  <a:spcPct val="0"/>
+                </a:spcBef>
+                <a:spcAft>
+                  <a:spcPct val="0"/>
+                </a:spcAft>
+                <a:defRPr>
+                  <a:solidFill>
+                    <a:schemeClr val="tx1"/>
+                  </a:solidFill>
+                  <a:latin typeface="Arial" panose="020B0604020202020204" pitchFamily="34" charset="0"/>
+                </a:defRPr>
+              </a:lvl2pPr>
+              <a:lvl3pPr eaLnBrk="0" fontAlgn="base" hangingPunct="0">
+                <a:spcBef>
+                  <a:spcPct val="0"/>
+                </a:spcBef>
+                <a:spcAft>
+                  <a:spcPct val="0"/>
+                </a:spcAft>
+                <a:defRPr>
+                  <a:solidFill>
+                    <a:schemeClr val="tx1"/>
+                  </a:solidFill>
+                  <a:latin typeface="Arial" panose="020B0604020202020204" pitchFamily="34" charset="0"/>
+                </a:defRPr>
+              </a:lvl3pPr>
+              <a:lvl4pPr eaLnBrk="0" fontAlgn="base" hangingPunct="0">
+                <a:spcBef>
+                  <a:spcPct val="0"/>
+                </a:spcBef>
+                <a:spcAft>
+                  <a:spcPct val="0"/>
+                </a:spcAft>
+                <a:defRPr>
+                  <a:solidFill>
+                    <a:schemeClr val="tx1"/>
+                  </a:solidFill>
+                  <a:latin typeface="Arial" panose="020B0604020202020204" pitchFamily="34" charset="0"/>
+                </a:defRPr>
+              </a:lvl4pPr>
+              <a:lvl5pPr eaLnBrk="0" fontAlgn="base" hangingPunct="0">
+                <a:spcBef>
+                  <a:spcPct val="0"/>
+                </a:spcBef>
+                <a:spcAft>
+                  <a:spcPct val="0"/>
+                </a:spcAft>
+                <a:defRPr>
+                  <a:solidFill>
+                    <a:schemeClr val="tx1"/>
+                  </a:solidFill>
+                  <a:latin typeface="Arial" panose="020B0604020202020204" pitchFamily="34" charset="0"/>
+                </a:defRPr>
+              </a:lvl5pPr>
+              <a:lvl6pPr eaLnBrk="0" fontAlgn="base" hangingPunct="0">
+                <a:spcBef>
+                  <a:spcPct val="0"/>
+                </a:spcBef>
+                <a:spcAft>
+                  <a:spcPct val="0"/>
+                </a:spcAft>
+                <a:defRPr>
+                  <a:solidFill>
+                    <a:schemeClr val="tx1"/>
+                  </a:solidFill>
+                  <a:latin typeface="Arial" panose="020B0604020202020204" pitchFamily="34" charset="0"/>
+                </a:defRPr>
+              </a:lvl6pPr>
+              <a:lvl7pPr eaLnBrk="0" fontAlgn="base" hangingPunct="0">
+                <a:spcBef>
+                  <a:spcPct val="0"/>
+                </a:spcBef>
+                <a:spcAft>
+                  <a:spcPct val="0"/>
+                </a:spcAft>
+                <a:defRPr>
+                  <a:solidFill>
+                    <a:schemeClr val="tx1"/>
+                  </a:solidFill>
+                  <a:latin typeface="Arial" panose="020B0604020202020204" pitchFamily="34" charset="0"/>
+                </a:defRPr>
+              </a:lvl7pPr>
+              <a:lvl8pPr eaLnBrk="0" fontAlgn="base" hangingPunct="0">
+                <a:spcBef>
+                  <a:spcPct val="0"/>
+                </a:spcBef>
+                <a:spcAft>
+                  <a:spcPct val="0"/>
+                </a:spcAft>
+                <a:defRPr>
+                  <a:solidFill>
+                    <a:schemeClr val="tx1"/>
+                  </a:solidFill>
+                  <a:latin typeface="Arial" panose="020B0604020202020204" pitchFamily="34" charset="0"/>
+                </a:defRPr>
+              </a:lvl8pPr>
+              <a:lvl9pPr eaLnBrk="0" fontAlgn="base" hangingPunct="0">
+                <a:spcBef>
+                  <a:spcPct val="0"/>
+                </a:spcBef>
+                <a:spcAft>
+                  <a:spcPct val="0"/>
+                </a:spcAft>
+                <a:defRPr>
+                  <a:solidFill>
+                    <a:schemeClr val="tx1"/>
+                  </a:solidFill>
+                  <a:latin typeface="Arial" panose="020B0604020202020204" pitchFamily="34" charset="0"/>
+                </a:defRPr>
+              </a:lvl9pPr>
+            </a:lstStyle>
+            <a:p>
+              <a:pPr marL="0" marR="0" lvl="0" indent="0" algn="l" defTabSz="914400" rtl="0" eaLnBrk="0" fontAlgn="base" latinLnBrk="0" hangingPunct="0">
+                <a:lnSpc>
+                  <a:spcPct val="100000"/>
+                </a:lnSpc>
+                <a:spcBef>
+                  <a:spcPct val="0"/>
+                </a:spcBef>
+                <a:spcAft>
+                  <a:spcPct val="0"/>
+                </a:spcAft>
+                <a:buClrTx/>
+                <a:buSzTx/>
+                <a:buFontTx/>
+                <a:buNone/>
+                <a:tabLst/>
+              </a:pPr>
+              <a:r>
+                <a:rPr kumimoji="0" lang="en-US" altLang="en-US" sz="2400" b="0" i="0" u="none" strike="noStrike" cap="none" normalizeH="0" baseline="0">
+                  <a:ln>
+                    <a:noFill/>
+                  </a:ln>
+                  <a:solidFill>
+                    <a:srgbClr val="000000"/>
+                  </a:solidFill>
+                  <a:effectLst/>
+                  <a:latin typeface="Calibri" panose="020F0502020204030204" pitchFamily="34" charset="0"/>
+                </a:rPr>
+                <a:t>96.2</a:t>
+              </a:r>
+              <a:endParaRPr kumimoji="0" lang="en-US" altLang="en-US" sz="1800" b="0" i="0" u="none" strike="noStrike" cap="none" normalizeH="0" baseline="0">
+                <a:ln>
+                  <a:noFill/>
+                </a:ln>
+                <a:solidFill>
+                  <a:schemeClr val="tx1"/>
+                </a:solidFill>
+                <a:effectLst/>
+                <a:latin typeface="Arial" panose="020B0604020202020204" pitchFamily="34" charset="0"/>
+              </a:endParaRPr>
+            </a:p>
+          </p:txBody>
+        </p:sp>
+        <p:sp>
+          <p:nvSpPr>
+            <p:cNvPr id="21" name="Rectangle 18">
+              <a:extLst>
+                <a:ext uri="{FF2B5EF4-FFF2-40B4-BE49-F238E27FC236}">
+                  <a16:creationId xmlns:a16="http://schemas.microsoft.com/office/drawing/2014/main" id="{72B71C66-54BE-B088-E1A3-71EF834C3883}"/>
+                </a:ext>
+              </a:extLst>
+            </p:cNvPr>
+            <p:cNvSpPr>
+              <a:spLocks noChangeArrowheads="1"/>
+            </p:cNvSpPr>
+            <p:nvPr/>
+          </p:nvSpPr>
+          <p:spPr bwMode="auto">
+            <a:xfrm>
+              <a:off x="360" y="1938"/>
+              <a:ext cx="2340" cy="300"/>
+            </a:xfrm>
+            <a:prstGeom prst="rect">
+              <a:avLst/>
+            </a:prstGeom>
+            <a:noFill/>
+            <a:ln>
+              <a:noFill/>
+            </a:ln>
+            <a:extLst>
+              <a:ext uri="{909E8E84-426E-40DD-AFC4-6F175D3DCCD1}">
+                <a14:hiddenFill xmlns:a14="http://schemas.microsoft.com/office/drawing/2010/main">
+                  <a:solidFill>
+                    <a:srgbClr val="FFFFFF"/>
+                  </a:solidFill>
+                </a14:hiddenFill>
+              </a:ext>
+              <a:ext uri="{91240B29-F687-4F45-9708-019B960494DF}">
+                <a14:hiddenLine xmlns:a14="http://schemas.microsoft.com/office/drawing/2010/main" w="9525">
+                  <a:solidFill>
+                    <a:srgbClr val="000000"/>
+                  </a:solidFill>
+                  <a:miter lim="800000"/>
+                  <a:headEnd/>
+                  <a:tailEnd/>
+                </a14:hiddenLine>
+              </a:ext>
+            </a:extLst>
+          </p:spPr>
+          <p:txBody>
+            <a:bodyPr vert="horz" wrap="none" lIns="0" tIns="0" rIns="0" bIns="0" numCol="1" anchor="t" anchorCtr="0" compatLnSpc="1">
+              <a:prstTxWarp prst="textNoShape">
+                <a:avLst/>
+              </a:prstTxWarp>
+              <a:spAutoFit/>
+            </a:bodyPr>
+            <a:lstStyle>
+              <a:lvl1pPr eaLnBrk="0" fontAlgn="base" hangingPunct="0">
+                <a:spcBef>
+                  <a:spcPct val="0"/>
+                </a:spcBef>
+                <a:spcAft>
+                  <a:spcPct val="0"/>
+                </a:spcAft>
+                <a:defRPr>
+                  <a:solidFill>
+                    <a:schemeClr val="tx1"/>
+                  </a:solidFill>
+                  <a:latin typeface="Arial" panose="020B0604020202020204" pitchFamily="34" charset="0"/>
+                </a:defRPr>
+              </a:lvl1pPr>
+              <a:lvl2pPr eaLnBrk="0" fontAlgn="base" hangingPunct="0">
+                <a:spcBef>
+                  <a:spcPct val="0"/>
+                </a:spcBef>
+                <a:spcAft>
+                  <a:spcPct val="0"/>
+                </a:spcAft>
+                <a:defRPr>
+                  <a:solidFill>
+                    <a:schemeClr val="tx1"/>
+                  </a:solidFill>
+                  <a:latin typeface="Arial" panose="020B0604020202020204" pitchFamily="34" charset="0"/>
+                </a:defRPr>
+              </a:lvl2pPr>
+              <a:lvl3pPr eaLnBrk="0" fontAlgn="base" hangingPunct="0">
+                <a:spcBef>
+                  <a:spcPct val="0"/>
+                </a:spcBef>
+                <a:spcAft>
+                  <a:spcPct val="0"/>
+                </a:spcAft>
+                <a:defRPr>
+                  <a:solidFill>
+                    <a:schemeClr val="tx1"/>
+                  </a:solidFill>
+                  <a:latin typeface="Arial" panose="020B0604020202020204" pitchFamily="34" charset="0"/>
+                </a:defRPr>
+              </a:lvl3pPr>
+              <a:lvl4pPr eaLnBrk="0" fontAlgn="base" hangingPunct="0">
+                <a:spcBef>
+                  <a:spcPct val="0"/>
+                </a:spcBef>
+                <a:spcAft>
+                  <a:spcPct val="0"/>
+                </a:spcAft>
+                <a:defRPr>
+                  <a:solidFill>
+                    <a:schemeClr val="tx1"/>
+                  </a:solidFill>
+                  <a:latin typeface="Arial" panose="020B0604020202020204" pitchFamily="34" charset="0"/>
+                </a:defRPr>
+              </a:lvl4pPr>
+              <a:lvl5pPr eaLnBrk="0" fontAlgn="base" hangingPunct="0">
+                <a:spcBef>
+                  <a:spcPct val="0"/>
+                </a:spcBef>
+                <a:spcAft>
+                  <a:spcPct val="0"/>
+                </a:spcAft>
+                <a:defRPr>
+                  <a:solidFill>
+                    <a:schemeClr val="tx1"/>
+                  </a:solidFill>
+                  <a:latin typeface="Arial" panose="020B0604020202020204" pitchFamily="34" charset="0"/>
+                </a:defRPr>
+              </a:lvl5pPr>
+              <a:lvl6pPr eaLnBrk="0" fontAlgn="base" hangingPunct="0">
+                <a:spcBef>
+                  <a:spcPct val="0"/>
+                </a:spcBef>
+                <a:spcAft>
+                  <a:spcPct val="0"/>
+                </a:spcAft>
+                <a:defRPr>
+                  <a:solidFill>
+                    <a:schemeClr val="tx1"/>
+                  </a:solidFill>
+                  <a:latin typeface="Arial" panose="020B0604020202020204" pitchFamily="34" charset="0"/>
+                </a:defRPr>
+              </a:lvl6pPr>
+              <a:lvl7pPr eaLnBrk="0" fontAlgn="base" hangingPunct="0">
+                <a:spcBef>
+                  <a:spcPct val="0"/>
+                </a:spcBef>
+                <a:spcAft>
+                  <a:spcPct val="0"/>
+                </a:spcAft>
+                <a:defRPr>
+                  <a:solidFill>
+                    <a:schemeClr val="tx1"/>
+                  </a:solidFill>
+                  <a:latin typeface="Arial" panose="020B0604020202020204" pitchFamily="34" charset="0"/>
+                </a:defRPr>
+              </a:lvl7pPr>
+              <a:lvl8pPr eaLnBrk="0" fontAlgn="base" hangingPunct="0">
+                <a:spcBef>
+                  <a:spcPct val="0"/>
+                </a:spcBef>
+                <a:spcAft>
+                  <a:spcPct val="0"/>
+                </a:spcAft>
+                <a:defRPr>
+                  <a:solidFill>
+                    <a:schemeClr val="tx1"/>
+                  </a:solidFill>
+                  <a:latin typeface="Arial" panose="020B0604020202020204" pitchFamily="34" charset="0"/>
+                </a:defRPr>
+              </a:lvl8pPr>
+              <a:lvl9pPr eaLnBrk="0" fontAlgn="base" hangingPunct="0">
+                <a:spcBef>
+                  <a:spcPct val="0"/>
+                </a:spcBef>
+                <a:spcAft>
+                  <a:spcPct val="0"/>
+                </a:spcAft>
+                <a:defRPr>
+                  <a:solidFill>
+                    <a:schemeClr val="tx1"/>
+                  </a:solidFill>
+                  <a:latin typeface="Arial" panose="020B0604020202020204" pitchFamily="34" charset="0"/>
+                </a:defRPr>
+              </a:lvl9pPr>
+            </a:lstStyle>
+            <a:p>
+              <a:pPr marL="0" marR="0" lvl="0" indent="0" algn="l" defTabSz="914400" rtl="0" eaLnBrk="0" fontAlgn="base" latinLnBrk="0" hangingPunct="0">
+                <a:lnSpc>
+                  <a:spcPct val="100000"/>
+                </a:lnSpc>
+                <a:spcBef>
+                  <a:spcPct val="0"/>
+                </a:spcBef>
+                <a:spcAft>
+                  <a:spcPct val="0"/>
+                </a:spcAft>
+                <a:buClrTx/>
+                <a:buSzTx/>
+                <a:buFontTx/>
+                <a:buNone/>
+                <a:tabLst/>
+              </a:pPr>
+              <a:r>
+                <a:rPr kumimoji="0" lang="en-US" altLang="en-US" sz="2400" b="0" i="0" u="none" strike="noStrike" cap="none" normalizeH="0" baseline="0">
+                  <a:ln>
+                    <a:noFill/>
+                  </a:ln>
+                  <a:solidFill>
+                    <a:srgbClr val="000000"/>
+                  </a:solidFill>
+                  <a:effectLst/>
+                  <a:latin typeface="Calibri" panose="020F0502020204030204" pitchFamily="34" charset="0"/>
+                </a:rPr>
+                <a:t>Videos watched (per agent)</a:t>
+              </a:r>
+              <a:endParaRPr kumimoji="0" lang="en-US" altLang="en-US" sz="1800" b="0" i="0" u="none" strike="noStrike" cap="none" normalizeH="0" baseline="0">
+                <a:ln>
+                  <a:noFill/>
+                </a:ln>
+                <a:solidFill>
+                  <a:schemeClr val="tx1"/>
+                </a:solidFill>
+                <a:effectLst/>
+                <a:latin typeface="Arial" panose="020B0604020202020204" pitchFamily="34" charset="0"/>
+              </a:endParaRPr>
+            </a:p>
+          </p:txBody>
+        </p:sp>
+        <p:sp>
+          <p:nvSpPr>
+            <p:cNvPr id="22" name="Rectangle 19">
+              <a:extLst>
+                <a:ext uri="{FF2B5EF4-FFF2-40B4-BE49-F238E27FC236}">
+                  <a16:creationId xmlns:a16="http://schemas.microsoft.com/office/drawing/2014/main" id="{17BCC02C-43B8-2AF4-6784-2477D233D898}"/>
+                </a:ext>
+              </a:extLst>
+            </p:cNvPr>
+            <p:cNvSpPr>
+              <a:spLocks noChangeArrowheads="1"/>
+            </p:cNvSpPr>
+            <p:nvPr/>
+          </p:nvSpPr>
+          <p:spPr bwMode="auto">
+            <a:xfrm>
+              <a:off x="4262" y="1938"/>
+              <a:ext cx="459" cy="300"/>
+            </a:xfrm>
+            <a:prstGeom prst="rect">
+              <a:avLst/>
+            </a:prstGeom>
+            <a:noFill/>
+            <a:ln>
+              <a:noFill/>
+            </a:ln>
+            <a:extLst>
+              <a:ext uri="{909E8E84-426E-40DD-AFC4-6F175D3DCCD1}">
+                <a14:hiddenFill xmlns:a14="http://schemas.microsoft.com/office/drawing/2010/main">
+                  <a:solidFill>
+                    <a:srgbClr val="FFFFFF"/>
+                  </a:solidFill>
+                </a14:hiddenFill>
+              </a:ext>
+              <a:ext uri="{91240B29-F687-4F45-9708-019B960494DF}">
+                <a14:hiddenLine xmlns:a14="http://schemas.microsoft.com/office/drawing/2010/main" w="9525">
+                  <a:solidFill>
+                    <a:srgbClr val="000000"/>
+                  </a:solidFill>
+                  <a:miter lim="800000"/>
+                  <a:headEnd/>
+                  <a:tailEnd/>
+                </a14:hiddenLine>
+              </a:ext>
+            </a:extLst>
+          </p:spPr>
+          <p:txBody>
+            <a:bodyPr vert="horz" wrap="none" lIns="0" tIns="0" rIns="0" bIns="0" numCol="1" anchor="t" anchorCtr="0" compatLnSpc="1">
+              <a:prstTxWarp prst="textNoShape">
+                <a:avLst/>
+              </a:prstTxWarp>
+              <a:spAutoFit/>
+            </a:bodyPr>
+            <a:lstStyle>
+              <a:lvl1pPr eaLnBrk="0" fontAlgn="base" hangingPunct="0">
+                <a:spcBef>
+                  <a:spcPct val="0"/>
+                </a:spcBef>
+                <a:spcAft>
+                  <a:spcPct val="0"/>
+                </a:spcAft>
+                <a:defRPr>
+                  <a:solidFill>
+                    <a:schemeClr val="tx1"/>
+                  </a:solidFill>
+                  <a:latin typeface="Arial" panose="020B0604020202020204" pitchFamily="34" charset="0"/>
+                </a:defRPr>
+              </a:lvl1pPr>
+              <a:lvl2pPr eaLnBrk="0" fontAlgn="base" hangingPunct="0">
+                <a:spcBef>
+                  <a:spcPct val="0"/>
+                </a:spcBef>
+                <a:spcAft>
+                  <a:spcPct val="0"/>
+                </a:spcAft>
+                <a:defRPr>
+                  <a:solidFill>
+                    <a:schemeClr val="tx1"/>
+                  </a:solidFill>
+                  <a:latin typeface="Arial" panose="020B0604020202020204" pitchFamily="34" charset="0"/>
+                </a:defRPr>
+              </a:lvl2pPr>
+              <a:lvl3pPr eaLnBrk="0" fontAlgn="base" hangingPunct="0">
+                <a:spcBef>
+                  <a:spcPct val="0"/>
+                </a:spcBef>
+                <a:spcAft>
+                  <a:spcPct val="0"/>
+                </a:spcAft>
+                <a:defRPr>
+                  <a:solidFill>
+                    <a:schemeClr val="tx1"/>
+                  </a:solidFill>
+                  <a:latin typeface="Arial" panose="020B0604020202020204" pitchFamily="34" charset="0"/>
+                </a:defRPr>
+              </a:lvl3pPr>
+              <a:lvl4pPr eaLnBrk="0" fontAlgn="base" hangingPunct="0">
+                <a:spcBef>
+                  <a:spcPct val="0"/>
+                </a:spcBef>
+                <a:spcAft>
+                  <a:spcPct val="0"/>
+                </a:spcAft>
+                <a:defRPr>
+                  <a:solidFill>
+                    <a:schemeClr val="tx1"/>
+                  </a:solidFill>
+                  <a:latin typeface="Arial" panose="020B0604020202020204" pitchFamily="34" charset="0"/>
+                </a:defRPr>
+              </a:lvl4pPr>
+              <a:lvl5pPr eaLnBrk="0" fontAlgn="base" hangingPunct="0">
+                <a:spcBef>
+                  <a:spcPct val="0"/>
+                </a:spcBef>
+                <a:spcAft>
+                  <a:spcPct val="0"/>
+                </a:spcAft>
+                <a:defRPr>
+                  <a:solidFill>
+                    <a:schemeClr val="tx1"/>
+                  </a:solidFill>
+                  <a:latin typeface="Arial" panose="020B0604020202020204" pitchFamily="34" charset="0"/>
+                </a:defRPr>
+              </a:lvl5pPr>
+              <a:lvl6pPr eaLnBrk="0" fontAlgn="base" hangingPunct="0">
+                <a:spcBef>
+                  <a:spcPct val="0"/>
+                </a:spcBef>
+                <a:spcAft>
+                  <a:spcPct val="0"/>
+                </a:spcAft>
+                <a:defRPr>
+                  <a:solidFill>
+                    <a:schemeClr val="tx1"/>
+                  </a:solidFill>
+                  <a:latin typeface="Arial" panose="020B0604020202020204" pitchFamily="34" charset="0"/>
+                </a:defRPr>
+              </a:lvl6pPr>
+              <a:lvl7pPr eaLnBrk="0" fontAlgn="base" hangingPunct="0">
+                <a:spcBef>
+                  <a:spcPct val="0"/>
+                </a:spcBef>
+                <a:spcAft>
+                  <a:spcPct val="0"/>
+                </a:spcAft>
+                <a:defRPr>
+                  <a:solidFill>
+                    <a:schemeClr val="tx1"/>
+                  </a:solidFill>
+                  <a:latin typeface="Arial" panose="020B0604020202020204" pitchFamily="34" charset="0"/>
+                </a:defRPr>
+              </a:lvl7pPr>
+              <a:lvl8pPr eaLnBrk="0" fontAlgn="base" hangingPunct="0">
+                <a:spcBef>
+                  <a:spcPct val="0"/>
+                </a:spcBef>
+                <a:spcAft>
+                  <a:spcPct val="0"/>
+                </a:spcAft>
+                <a:defRPr>
+                  <a:solidFill>
+                    <a:schemeClr val="tx1"/>
+                  </a:solidFill>
+                  <a:latin typeface="Arial" panose="020B0604020202020204" pitchFamily="34" charset="0"/>
+                </a:defRPr>
+              </a:lvl8pPr>
+              <a:lvl9pPr eaLnBrk="0" fontAlgn="base" hangingPunct="0">
+                <a:spcBef>
+                  <a:spcPct val="0"/>
+                </a:spcBef>
+                <a:spcAft>
+                  <a:spcPct val="0"/>
+                </a:spcAft>
+                <a:defRPr>
+                  <a:solidFill>
+                    <a:schemeClr val="tx1"/>
+                  </a:solidFill>
+                  <a:latin typeface="Arial" panose="020B0604020202020204" pitchFamily="34" charset="0"/>
+                </a:defRPr>
+              </a:lvl9pPr>
+            </a:lstStyle>
+            <a:p>
+              <a:pPr marL="0" marR="0" lvl="0" indent="0" algn="l" defTabSz="914400" rtl="0" eaLnBrk="0" fontAlgn="base" latinLnBrk="0" hangingPunct="0">
+                <a:lnSpc>
+                  <a:spcPct val="100000"/>
+                </a:lnSpc>
+                <a:spcBef>
+                  <a:spcPct val="0"/>
+                </a:spcBef>
+                <a:spcAft>
+                  <a:spcPct val="0"/>
+                </a:spcAft>
+                <a:buClrTx/>
+                <a:buSzTx/>
+                <a:buFontTx/>
+                <a:buNone/>
+                <a:tabLst/>
+              </a:pPr>
+              <a:r>
+                <a:rPr kumimoji="0" lang="en-US" altLang="en-US" sz="2400" b="0" i="0" u="none" strike="noStrike" cap="none" normalizeH="0" baseline="0">
+                  <a:ln>
+                    <a:noFill/>
+                  </a:ln>
+                  <a:solidFill>
+                    <a:srgbClr val="000000"/>
+                  </a:solidFill>
+                  <a:effectLst/>
+                  <a:latin typeface="Calibri" panose="020F0502020204030204" pitchFamily="34" charset="0"/>
+                </a:rPr>
+                <a:t>2.37</a:t>
+              </a:r>
+              <a:endParaRPr kumimoji="0" lang="en-US" altLang="en-US" sz="1800" b="0" i="0" u="none" strike="noStrike" cap="none" normalizeH="0" baseline="0">
+                <a:ln>
+                  <a:noFill/>
+                </a:ln>
+                <a:solidFill>
+                  <a:schemeClr val="tx1"/>
+                </a:solidFill>
+                <a:effectLst/>
+                <a:latin typeface="Arial" panose="020B0604020202020204" pitchFamily="34" charset="0"/>
+              </a:endParaRPr>
+            </a:p>
+          </p:txBody>
+        </p:sp>
+        <p:sp>
+          <p:nvSpPr>
+            <p:cNvPr id="23" name="Rectangle 20">
+              <a:extLst>
+                <a:ext uri="{FF2B5EF4-FFF2-40B4-BE49-F238E27FC236}">
+                  <a16:creationId xmlns:a16="http://schemas.microsoft.com/office/drawing/2014/main" id="{67E0158D-729F-B7C3-EB77-0A94A6BB484F}"/>
+                </a:ext>
+              </a:extLst>
+            </p:cNvPr>
+            <p:cNvSpPr>
+              <a:spLocks noChangeArrowheads="1"/>
+            </p:cNvSpPr>
+            <p:nvPr/>
+          </p:nvSpPr>
+          <p:spPr bwMode="auto">
+            <a:xfrm>
+              <a:off x="5166" y="1938"/>
+              <a:ext cx="459" cy="300"/>
+            </a:xfrm>
+            <a:prstGeom prst="rect">
+              <a:avLst/>
+            </a:prstGeom>
+            <a:noFill/>
+            <a:ln>
+              <a:noFill/>
+            </a:ln>
+            <a:extLst>
+              <a:ext uri="{909E8E84-426E-40DD-AFC4-6F175D3DCCD1}">
+                <a14:hiddenFill xmlns:a14="http://schemas.microsoft.com/office/drawing/2010/main">
+                  <a:solidFill>
+                    <a:srgbClr val="FFFFFF"/>
+                  </a:solidFill>
+                </a14:hiddenFill>
+              </a:ext>
+              <a:ext uri="{91240B29-F687-4F45-9708-019B960494DF}">
+                <a14:hiddenLine xmlns:a14="http://schemas.microsoft.com/office/drawing/2010/main" w="9525">
+                  <a:solidFill>
+                    <a:srgbClr val="000000"/>
+                  </a:solidFill>
+                  <a:miter lim="800000"/>
+                  <a:headEnd/>
+                  <a:tailEnd/>
+                </a14:hiddenLine>
+              </a:ext>
+            </a:extLst>
+          </p:spPr>
+          <p:txBody>
+            <a:bodyPr vert="horz" wrap="none" lIns="0" tIns="0" rIns="0" bIns="0" numCol="1" anchor="t" anchorCtr="0" compatLnSpc="1">
+              <a:prstTxWarp prst="textNoShape">
+                <a:avLst/>
+              </a:prstTxWarp>
+              <a:spAutoFit/>
+            </a:bodyPr>
+            <a:lstStyle>
+              <a:lvl1pPr eaLnBrk="0" fontAlgn="base" hangingPunct="0">
+                <a:spcBef>
+                  <a:spcPct val="0"/>
+                </a:spcBef>
+                <a:spcAft>
+                  <a:spcPct val="0"/>
+                </a:spcAft>
+                <a:defRPr>
+                  <a:solidFill>
+                    <a:schemeClr val="tx1"/>
+                  </a:solidFill>
+                  <a:latin typeface="Arial" panose="020B0604020202020204" pitchFamily="34" charset="0"/>
+                </a:defRPr>
+              </a:lvl1pPr>
+              <a:lvl2pPr eaLnBrk="0" fontAlgn="base" hangingPunct="0">
+                <a:spcBef>
+                  <a:spcPct val="0"/>
+                </a:spcBef>
+                <a:spcAft>
+                  <a:spcPct val="0"/>
+                </a:spcAft>
+                <a:defRPr>
+                  <a:solidFill>
+                    <a:schemeClr val="tx1"/>
+                  </a:solidFill>
+                  <a:latin typeface="Arial" panose="020B0604020202020204" pitchFamily="34" charset="0"/>
+                </a:defRPr>
+              </a:lvl2pPr>
+              <a:lvl3pPr eaLnBrk="0" fontAlgn="base" hangingPunct="0">
+                <a:spcBef>
+                  <a:spcPct val="0"/>
+                </a:spcBef>
+                <a:spcAft>
+                  <a:spcPct val="0"/>
+                </a:spcAft>
+                <a:defRPr>
+                  <a:solidFill>
+                    <a:schemeClr val="tx1"/>
+                  </a:solidFill>
+                  <a:latin typeface="Arial" panose="020B0604020202020204" pitchFamily="34" charset="0"/>
+                </a:defRPr>
+              </a:lvl3pPr>
+              <a:lvl4pPr eaLnBrk="0" fontAlgn="base" hangingPunct="0">
+                <a:spcBef>
+                  <a:spcPct val="0"/>
+                </a:spcBef>
+                <a:spcAft>
+                  <a:spcPct val="0"/>
+                </a:spcAft>
+                <a:defRPr>
+                  <a:solidFill>
+                    <a:schemeClr val="tx1"/>
+                  </a:solidFill>
+                  <a:latin typeface="Arial" panose="020B0604020202020204" pitchFamily="34" charset="0"/>
+                </a:defRPr>
+              </a:lvl4pPr>
+              <a:lvl5pPr eaLnBrk="0" fontAlgn="base" hangingPunct="0">
+                <a:spcBef>
+                  <a:spcPct val="0"/>
+                </a:spcBef>
+                <a:spcAft>
+                  <a:spcPct val="0"/>
+                </a:spcAft>
+                <a:defRPr>
+                  <a:solidFill>
+                    <a:schemeClr val="tx1"/>
+                  </a:solidFill>
+                  <a:latin typeface="Arial" panose="020B0604020202020204" pitchFamily="34" charset="0"/>
+                </a:defRPr>
+              </a:lvl5pPr>
+              <a:lvl6pPr eaLnBrk="0" fontAlgn="base" hangingPunct="0">
+                <a:spcBef>
+                  <a:spcPct val="0"/>
+                </a:spcBef>
+                <a:spcAft>
+                  <a:spcPct val="0"/>
+                </a:spcAft>
+                <a:defRPr>
+                  <a:solidFill>
+                    <a:schemeClr val="tx1"/>
+                  </a:solidFill>
+                  <a:latin typeface="Arial" panose="020B0604020202020204" pitchFamily="34" charset="0"/>
+                </a:defRPr>
+              </a:lvl6pPr>
+              <a:lvl7pPr eaLnBrk="0" fontAlgn="base" hangingPunct="0">
+                <a:spcBef>
+                  <a:spcPct val="0"/>
+                </a:spcBef>
+                <a:spcAft>
+                  <a:spcPct val="0"/>
+                </a:spcAft>
+                <a:defRPr>
+                  <a:solidFill>
+                    <a:schemeClr val="tx1"/>
+                  </a:solidFill>
+                  <a:latin typeface="Arial" panose="020B0604020202020204" pitchFamily="34" charset="0"/>
+                </a:defRPr>
+              </a:lvl7pPr>
+              <a:lvl8pPr eaLnBrk="0" fontAlgn="base" hangingPunct="0">
+                <a:spcBef>
+                  <a:spcPct val="0"/>
+                </a:spcBef>
+                <a:spcAft>
+                  <a:spcPct val="0"/>
+                </a:spcAft>
+                <a:defRPr>
+                  <a:solidFill>
+                    <a:schemeClr val="tx1"/>
+                  </a:solidFill>
+                  <a:latin typeface="Arial" panose="020B0604020202020204" pitchFamily="34" charset="0"/>
+                </a:defRPr>
+              </a:lvl8pPr>
+              <a:lvl9pPr eaLnBrk="0" fontAlgn="base" hangingPunct="0">
+                <a:spcBef>
+                  <a:spcPct val="0"/>
+                </a:spcBef>
+                <a:spcAft>
+                  <a:spcPct val="0"/>
+                </a:spcAft>
+                <a:defRPr>
+                  <a:solidFill>
+                    <a:schemeClr val="tx1"/>
+                  </a:solidFill>
+                  <a:latin typeface="Arial" panose="020B0604020202020204" pitchFamily="34" charset="0"/>
+                </a:defRPr>
+              </a:lvl9pPr>
+            </a:lstStyle>
+            <a:p>
+              <a:pPr marL="0" marR="0" lvl="0" indent="0" algn="l" defTabSz="914400" rtl="0" eaLnBrk="0" fontAlgn="base" latinLnBrk="0" hangingPunct="0">
+                <a:lnSpc>
+                  <a:spcPct val="100000"/>
+                </a:lnSpc>
+                <a:spcBef>
+                  <a:spcPct val="0"/>
+                </a:spcBef>
+                <a:spcAft>
+                  <a:spcPct val="0"/>
+                </a:spcAft>
+                <a:buClrTx/>
+                <a:buSzTx/>
+                <a:buFontTx/>
+                <a:buNone/>
+                <a:tabLst/>
+              </a:pPr>
+              <a:r>
+                <a:rPr kumimoji="0" lang="en-US" altLang="en-US" sz="2400" b="0" i="0" u="none" strike="noStrike" cap="none" normalizeH="0" baseline="0">
+                  <a:ln>
+                    <a:noFill/>
+                  </a:ln>
+                  <a:solidFill>
+                    <a:srgbClr val="000000"/>
+                  </a:solidFill>
+                  <a:effectLst/>
+                  <a:latin typeface="Calibri" panose="020F0502020204030204" pitchFamily="34" charset="0"/>
+                </a:rPr>
+                <a:t>4.23</a:t>
+              </a:r>
+              <a:endParaRPr kumimoji="0" lang="en-US" altLang="en-US" sz="1800" b="0" i="0" u="none" strike="noStrike" cap="none" normalizeH="0" baseline="0">
+                <a:ln>
+                  <a:noFill/>
+                </a:ln>
+                <a:solidFill>
+                  <a:schemeClr val="tx1"/>
+                </a:solidFill>
+                <a:effectLst/>
+                <a:latin typeface="Arial" panose="020B0604020202020204" pitchFamily="34" charset="0"/>
+              </a:endParaRPr>
+            </a:p>
+          </p:txBody>
+        </p:sp>
+        <p:sp>
+          <p:nvSpPr>
+            <p:cNvPr id="24" name="Rectangle 21">
+              <a:extLst>
+                <a:ext uri="{FF2B5EF4-FFF2-40B4-BE49-F238E27FC236}">
+                  <a16:creationId xmlns:a16="http://schemas.microsoft.com/office/drawing/2014/main" id="{98EC7EB3-1879-8E95-6FFF-1652D0FBF26F}"/>
+                </a:ext>
+              </a:extLst>
+            </p:cNvPr>
+            <p:cNvSpPr>
+              <a:spLocks noChangeArrowheads="1"/>
+            </p:cNvSpPr>
+            <p:nvPr/>
+          </p:nvSpPr>
+          <p:spPr bwMode="auto">
+            <a:xfrm>
+              <a:off x="6070" y="1938"/>
+              <a:ext cx="459" cy="300"/>
+            </a:xfrm>
+            <a:prstGeom prst="rect">
+              <a:avLst/>
+            </a:prstGeom>
+            <a:noFill/>
+            <a:ln>
+              <a:noFill/>
+            </a:ln>
+            <a:extLst>
+              <a:ext uri="{909E8E84-426E-40DD-AFC4-6F175D3DCCD1}">
+                <a14:hiddenFill xmlns:a14="http://schemas.microsoft.com/office/drawing/2010/main">
+                  <a:solidFill>
+                    <a:srgbClr val="FFFFFF"/>
+                  </a:solidFill>
+                </a14:hiddenFill>
+              </a:ext>
+              <a:ext uri="{91240B29-F687-4F45-9708-019B960494DF}">
+                <a14:hiddenLine xmlns:a14="http://schemas.microsoft.com/office/drawing/2010/main" w="9525">
+                  <a:solidFill>
+                    <a:srgbClr val="000000"/>
+                  </a:solidFill>
+                  <a:miter lim="800000"/>
+                  <a:headEnd/>
+                  <a:tailEnd/>
+                </a14:hiddenLine>
+              </a:ext>
+            </a:extLst>
+          </p:spPr>
+          <p:txBody>
+            <a:bodyPr vert="horz" wrap="none" lIns="0" tIns="0" rIns="0" bIns="0" numCol="1" anchor="t" anchorCtr="0" compatLnSpc="1">
+              <a:prstTxWarp prst="textNoShape">
+                <a:avLst/>
+              </a:prstTxWarp>
+              <a:spAutoFit/>
+            </a:bodyPr>
+            <a:lstStyle>
+              <a:lvl1pPr eaLnBrk="0" fontAlgn="base" hangingPunct="0">
+                <a:spcBef>
+                  <a:spcPct val="0"/>
+                </a:spcBef>
+                <a:spcAft>
+                  <a:spcPct val="0"/>
+                </a:spcAft>
+                <a:defRPr>
+                  <a:solidFill>
+                    <a:schemeClr val="tx1"/>
+                  </a:solidFill>
+                  <a:latin typeface="Arial" panose="020B0604020202020204" pitchFamily="34" charset="0"/>
+                </a:defRPr>
+              </a:lvl1pPr>
+              <a:lvl2pPr eaLnBrk="0" fontAlgn="base" hangingPunct="0">
+                <a:spcBef>
+                  <a:spcPct val="0"/>
+                </a:spcBef>
+                <a:spcAft>
+                  <a:spcPct val="0"/>
+                </a:spcAft>
+                <a:defRPr>
+                  <a:solidFill>
+                    <a:schemeClr val="tx1"/>
+                  </a:solidFill>
+                  <a:latin typeface="Arial" panose="020B0604020202020204" pitchFamily="34" charset="0"/>
+                </a:defRPr>
+              </a:lvl2pPr>
+              <a:lvl3pPr eaLnBrk="0" fontAlgn="base" hangingPunct="0">
+                <a:spcBef>
+                  <a:spcPct val="0"/>
+                </a:spcBef>
+                <a:spcAft>
+                  <a:spcPct val="0"/>
+                </a:spcAft>
+                <a:defRPr>
+                  <a:solidFill>
+                    <a:schemeClr val="tx1"/>
+                  </a:solidFill>
+                  <a:latin typeface="Arial" panose="020B0604020202020204" pitchFamily="34" charset="0"/>
+                </a:defRPr>
+              </a:lvl3pPr>
+              <a:lvl4pPr eaLnBrk="0" fontAlgn="base" hangingPunct="0">
+                <a:spcBef>
+                  <a:spcPct val="0"/>
+                </a:spcBef>
+                <a:spcAft>
+                  <a:spcPct val="0"/>
+                </a:spcAft>
+                <a:defRPr>
+                  <a:solidFill>
+                    <a:schemeClr val="tx1"/>
+                  </a:solidFill>
+                  <a:latin typeface="Arial" panose="020B0604020202020204" pitchFamily="34" charset="0"/>
+                </a:defRPr>
+              </a:lvl4pPr>
+              <a:lvl5pPr eaLnBrk="0" fontAlgn="base" hangingPunct="0">
+                <a:spcBef>
+                  <a:spcPct val="0"/>
+                </a:spcBef>
+                <a:spcAft>
+                  <a:spcPct val="0"/>
+                </a:spcAft>
+                <a:defRPr>
+                  <a:solidFill>
+                    <a:schemeClr val="tx1"/>
+                  </a:solidFill>
+                  <a:latin typeface="Arial" panose="020B0604020202020204" pitchFamily="34" charset="0"/>
+                </a:defRPr>
+              </a:lvl5pPr>
+              <a:lvl6pPr eaLnBrk="0" fontAlgn="base" hangingPunct="0">
+                <a:spcBef>
+                  <a:spcPct val="0"/>
+                </a:spcBef>
+                <a:spcAft>
+                  <a:spcPct val="0"/>
+                </a:spcAft>
+                <a:defRPr>
+                  <a:solidFill>
+                    <a:schemeClr val="tx1"/>
+                  </a:solidFill>
+                  <a:latin typeface="Arial" panose="020B0604020202020204" pitchFamily="34" charset="0"/>
+                </a:defRPr>
+              </a:lvl6pPr>
+              <a:lvl7pPr eaLnBrk="0" fontAlgn="base" hangingPunct="0">
+                <a:spcBef>
+                  <a:spcPct val="0"/>
+                </a:spcBef>
+                <a:spcAft>
+                  <a:spcPct val="0"/>
+                </a:spcAft>
+                <a:defRPr>
+                  <a:solidFill>
+                    <a:schemeClr val="tx1"/>
+                  </a:solidFill>
+                  <a:latin typeface="Arial" panose="020B0604020202020204" pitchFamily="34" charset="0"/>
+                </a:defRPr>
+              </a:lvl7pPr>
+              <a:lvl8pPr eaLnBrk="0" fontAlgn="base" hangingPunct="0">
+                <a:spcBef>
+                  <a:spcPct val="0"/>
+                </a:spcBef>
+                <a:spcAft>
+                  <a:spcPct val="0"/>
+                </a:spcAft>
+                <a:defRPr>
+                  <a:solidFill>
+                    <a:schemeClr val="tx1"/>
+                  </a:solidFill>
+                  <a:latin typeface="Arial" panose="020B0604020202020204" pitchFamily="34" charset="0"/>
+                </a:defRPr>
+              </a:lvl8pPr>
+              <a:lvl9pPr eaLnBrk="0" fontAlgn="base" hangingPunct="0">
+                <a:spcBef>
+                  <a:spcPct val="0"/>
+                </a:spcBef>
+                <a:spcAft>
+                  <a:spcPct val="0"/>
+                </a:spcAft>
+                <a:defRPr>
+                  <a:solidFill>
+                    <a:schemeClr val="tx1"/>
+                  </a:solidFill>
+                  <a:latin typeface="Arial" panose="020B0604020202020204" pitchFamily="34" charset="0"/>
+                </a:defRPr>
+              </a:lvl9pPr>
+            </a:lstStyle>
+            <a:p>
+              <a:pPr marL="0" marR="0" lvl="0" indent="0" algn="l" defTabSz="914400" rtl="0" eaLnBrk="0" fontAlgn="base" latinLnBrk="0" hangingPunct="0">
+                <a:lnSpc>
+                  <a:spcPct val="100000"/>
+                </a:lnSpc>
+                <a:spcBef>
+                  <a:spcPct val="0"/>
+                </a:spcBef>
+                <a:spcAft>
+                  <a:spcPct val="0"/>
+                </a:spcAft>
+                <a:buClrTx/>
+                <a:buSzTx/>
+                <a:buFontTx/>
+                <a:buNone/>
+                <a:tabLst/>
+              </a:pPr>
+              <a:r>
+                <a:rPr kumimoji="0" lang="en-US" altLang="en-US" sz="2400" b="0" i="0" u="none" strike="noStrike" cap="none" normalizeH="0" baseline="0">
+                  <a:ln>
+                    <a:noFill/>
+                  </a:ln>
+                  <a:solidFill>
+                    <a:srgbClr val="000000"/>
+                  </a:solidFill>
+                  <a:effectLst/>
+                  <a:latin typeface="Calibri" panose="020F0502020204030204" pitchFamily="34" charset="0"/>
+                </a:rPr>
+                <a:t>2.83</a:t>
+              </a:r>
+              <a:endParaRPr kumimoji="0" lang="en-US" altLang="en-US" sz="1800" b="0" i="0" u="none" strike="noStrike" cap="none" normalizeH="0" baseline="0">
+                <a:ln>
+                  <a:noFill/>
+                </a:ln>
+                <a:solidFill>
+                  <a:schemeClr val="tx1"/>
+                </a:solidFill>
+                <a:effectLst/>
+                <a:latin typeface="Arial" panose="020B0604020202020204" pitchFamily="34" charset="0"/>
+              </a:endParaRPr>
+            </a:p>
+          </p:txBody>
+        </p:sp>
+        <p:sp>
+          <p:nvSpPr>
+            <p:cNvPr id="25" name="Rectangle 22">
+              <a:extLst>
+                <a:ext uri="{FF2B5EF4-FFF2-40B4-BE49-F238E27FC236}">
+                  <a16:creationId xmlns:a16="http://schemas.microsoft.com/office/drawing/2014/main" id="{4FE85845-7CAD-309F-0D93-5EB376151080}"/>
+                </a:ext>
+              </a:extLst>
+            </p:cNvPr>
+            <p:cNvSpPr>
+              <a:spLocks noChangeArrowheads="1"/>
+            </p:cNvSpPr>
+            <p:nvPr/>
+          </p:nvSpPr>
+          <p:spPr bwMode="auto">
+            <a:xfrm>
+              <a:off x="6974" y="1938"/>
+              <a:ext cx="459" cy="300"/>
+            </a:xfrm>
+            <a:prstGeom prst="rect">
+              <a:avLst/>
+            </a:prstGeom>
+            <a:noFill/>
+            <a:ln>
+              <a:noFill/>
+            </a:ln>
+            <a:extLst>
+              <a:ext uri="{909E8E84-426E-40DD-AFC4-6F175D3DCCD1}">
+                <a14:hiddenFill xmlns:a14="http://schemas.microsoft.com/office/drawing/2010/main">
+                  <a:solidFill>
+                    <a:srgbClr val="FFFFFF"/>
+                  </a:solidFill>
+                </a14:hiddenFill>
+              </a:ext>
+              <a:ext uri="{91240B29-F687-4F45-9708-019B960494DF}">
+                <a14:hiddenLine xmlns:a14="http://schemas.microsoft.com/office/drawing/2010/main" w="9525">
+                  <a:solidFill>
+                    <a:srgbClr val="000000"/>
+                  </a:solidFill>
+                  <a:miter lim="800000"/>
+                  <a:headEnd/>
+                  <a:tailEnd/>
+                </a14:hiddenLine>
+              </a:ext>
+            </a:extLst>
+          </p:spPr>
+          <p:txBody>
+            <a:bodyPr vert="horz" wrap="none" lIns="0" tIns="0" rIns="0" bIns="0" numCol="1" anchor="t" anchorCtr="0" compatLnSpc="1">
+              <a:prstTxWarp prst="textNoShape">
+                <a:avLst/>
+              </a:prstTxWarp>
+              <a:spAutoFit/>
+            </a:bodyPr>
+            <a:lstStyle>
+              <a:lvl1pPr eaLnBrk="0" fontAlgn="base" hangingPunct="0">
+                <a:spcBef>
+                  <a:spcPct val="0"/>
+                </a:spcBef>
+                <a:spcAft>
+                  <a:spcPct val="0"/>
+                </a:spcAft>
+                <a:defRPr>
+                  <a:solidFill>
+                    <a:schemeClr val="tx1"/>
+                  </a:solidFill>
+                  <a:latin typeface="Arial" panose="020B0604020202020204" pitchFamily="34" charset="0"/>
+                </a:defRPr>
+              </a:lvl1pPr>
+              <a:lvl2pPr eaLnBrk="0" fontAlgn="base" hangingPunct="0">
+                <a:spcBef>
+                  <a:spcPct val="0"/>
+                </a:spcBef>
+                <a:spcAft>
+                  <a:spcPct val="0"/>
+                </a:spcAft>
+                <a:defRPr>
+                  <a:solidFill>
+                    <a:schemeClr val="tx1"/>
+                  </a:solidFill>
+                  <a:latin typeface="Arial" panose="020B0604020202020204" pitchFamily="34" charset="0"/>
+                </a:defRPr>
+              </a:lvl2pPr>
+              <a:lvl3pPr eaLnBrk="0" fontAlgn="base" hangingPunct="0">
+                <a:spcBef>
+                  <a:spcPct val="0"/>
+                </a:spcBef>
+                <a:spcAft>
+                  <a:spcPct val="0"/>
+                </a:spcAft>
+                <a:defRPr>
+                  <a:solidFill>
+                    <a:schemeClr val="tx1"/>
+                  </a:solidFill>
+                  <a:latin typeface="Arial" panose="020B0604020202020204" pitchFamily="34" charset="0"/>
+                </a:defRPr>
+              </a:lvl3pPr>
+              <a:lvl4pPr eaLnBrk="0" fontAlgn="base" hangingPunct="0">
+                <a:spcBef>
+                  <a:spcPct val="0"/>
+                </a:spcBef>
+                <a:spcAft>
+                  <a:spcPct val="0"/>
+                </a:spcAft>
+                <a:defRPr>
+                  <a:solidFill>
+                    <a:schemeClr val="tx1"/>
+                  </a:solidFill>
+                  <a:latin typeface="Arial" panose="020B0604020202020204" pitchFamily="34" charset="0"/>
+                </a:defRPr>
+              </a:lvl4pPr>
+              <a:lvl5pPr eaLnBrk="0" fontAlgn="base" hangingPunct="0">
+                <a:spcBef>
+                  <a:spcPct val="0"/>
+                </a:spcBef>
+                <a:spcAft>
+                  <a:spcPct val="0"/>
+                </a:spcAft>
+                <a:defRPr>
+                  <a:solidFill>
+                    <a:schemeClr val="tx1"/>
+                  </a:solidFill>
+                  <a:latin typeface="Arial" panose="020B0604020202020204" pitchFamily="34" charset="0"/>
+                </a:defRPr>
+              </a:lvl5pPr>
+              <a:lvl6pPr eaLnBrk="0" fontAlgn="base" hangingPunct="0">
+                <a:spcBef>
+                  <a:spcPct val="0"/>
+                </a:spcBef>
+                <a:spcAft>
+                  <a:spcPct val="0"/>
+                </a:spcAft>
+                <a:defRPr>
+                  <a:solidFill>
+                    <a:schemeClr val="tx1"/>
+                  </a:solidFill>
+                  <a:latin typeface="Arial" panose="020B0604020202020204" pitchFamily="34" charset="0"/>
+                </a:defRPr>
+              </a:lvl6pPr>
+              <a:lvl7pPr eaLnBrk="0" fontAlgn="base" hangingPunct="0">
+                <a:spcBef>
+                  <a:spcPct val="0"/>
+                </a:spcBef>
+                <a:spcAft>
+                  <a:spcPct val="0"/>
+                </a:spcAft>
+                <a:defRPr>
+                  <a:solidFill>
+                    <a:schemeClr val="tx1"/>
+                  </a:solidFill>
+                  <a:latin typeface="Arial" panose="020B0604020202020204" pitchFamily="34" charset="0"/>
+                </a:defRPr>
+              </a:lvl7pPr>
+              <a:lvl8pPr eaLnBrk="0" fontAlgn="base" hangingPunct="0">
+                <a:spcBef>
+                  <a:spcPct val="0"/>
+                </a:spcBef>
+                <a:spcAft>
+                  <a:spcPct val="0"/>
+                </a:spcAft>
+                <a:defRPr>
+                  <a:solidFill>
+                    <a:schemeClr val="tx1"/>
+                  </a:solidFill>
+                  <a:latin typeface="Arial" panose="020B0604020202020204" pitchFamily="34" charset="0"/>
+                </a:defRPr>
+              </a:lvl8pPr>
+              <a:lvl9pPr eaLnBrk="0" fontAlgn="base" hangingPunct="0">
+                <a:spcBef>
+                  <a:spcPct val="0"/>
+                </a:spcBef>
+                <a:spcAft>
+                  <a:spcPct val="0"/>
+                </a:spcAft>
+                <a:defRPr>
+                  <a:solidFill>
+                    <a:schemeClr val="tx1"/>
+                  </a:solidFill>
+                  <a:latin typeface="Arial" panose="020B0604020202020204" pitchFamily="34" charset="0"/>
+                </a:defRPr>
+              </a:lvl9pPr>
+            </a:lstStyle>
+            <a:p>
+              <a:pPr marL="0" marR="0" lvl="0" indent="0" algn="l" defTabSz="914400" rtl="0" eaLnBrk="0" fontAlgn="base" latinLnBrk="0" hangingPunct="0">
+                <a:lnSpc>
+                  <a:spcPct val="100000"/>
+                </a:lnSpc>
+                <a:spcBef>
+                  <a:spcPct val="0"/>
+                </a:spcBef>
+                <a:spcAft>
+                  <a:spcPct val="0"/>
+                </a:spcAft>
+                <a:buClrTx/>
+                <a:buSzTx/>
+                <a:buFontTx/>
+                <a:buNone/>
+                <a:tabLst/>
+              </a:pPr>
+              <a:r>
+                <a:rPr kumimoji="0" lang="en-US" altLang="en-US" sz="2400" b="0" i="0" u="none" strike="noStrike" cap="none" normalizeH="0" baseline="0">
+                  <a:ln>
+                    <a:noFill/>
+                  </a:ln>
+                  <a:solidFill>
+                    <a:srgbClr val="000000"/>
+                  </a:solidFill>
+                  <a:effectLst/>
+                  <a:latin typeface="Calibri" panose="020F0502020204030204" pitchFamily="34" charset="0"/>
+                </a:rPr>
+                <a:t>4.79</a:t>
+              </a:r>
+              <a:endParaRPr kumimoji="0" lang="en-US" altLang="en-US" sz="1800" b="0" i="0" u="none" strike="noStrike" cap="none" normalizeH="0" baseline="0">
+                <a:ln>
+                  <a:noFill/>
+                </a:ln>
+                <a:solidFill>
+                  <a:schemeClr val="tx1"/>
+                </a:solidFill>
+                <a:effectLst/>
+                <a:latin typeface="Arial" panose="020B0604020202020204" pitchFamily="34" charset="0"/>
+              </a:endParaRPr>
+            </a:p>
+          </p:txBody>
+        </p:sp>
+        <p:sp>
+          <p:nvSpPr>
+            <p:cNvPr id="26" name="Rectangle 23">
+              <a:extLst>
+                <a:ext uri="{FF2B5EF4-FFF2-40B4-BE49-F238E27FC236}">
+                  <a16:creationId xmlns:a16="http://schemas.microsoft.com/office/drawing/2014/main" id="{5699EC1D-434D-4AE2-543E-3D3A7FDB45DA}"/>
+                </a:ext>
+              </a:extLst>
+            </p:cNvPr>
+            <p:cNvSpPr>
+              <a:spLocks noChangeArrowheads="1"/>
+            </p:cNvSpPr>
+            <p:nvPr/>
+          </p:nvSpPr>
+          <p:spPr bwMode="auto">
+            <a:xfrm>
+              <a:off x="360" y="2192"/>
+              <a:ext cx="3383" cy="300"/>
+            </a:xfrm>
+            <a:prstGeom prst="rect">
+              <a:avLst/>
+            </a:prstGeom>
+            <a:noFill/>
+            <a:ln>
+              <a:noFill/>
+            </a:ln>
+            <a:extLst>
+              <a:ext uri="{909E8E84-426E-40DD-AFC4-6F175D3DCCD1}">
+                <a14:hiddenFill xmlns:a14="http://schemas.microsoft.com/office/drawing/2010/main">
+                  <a:solidFill>
+                    <a:srgbClr val="FFFFFF"/>
+                  </a:solidFill>
+                </a14:hiddenFill>
+              </a:ext>
+              <a:ext uri="{91240B29-F687-4F45-9708-019B960494DF}">
+                <a14:hiddenLine xmlns:a14="http://schemas.microsoft.com/office/drawing/2010/main" w="9525">
+                  <a:solidFill>
+                    <a:srgbClr val="000000"/>
+                  </a:solidFill>
+                  <a:miter lim="800000"/>
+                  <a:headEnd/>
+                  <a:tailEnd/>
+                </a14:hiddenLine>
+              </a:ext>
+            </a:extLst>
+          </p:spPr>
+          <p:txBody>
+            <a:bodyPr vert="horz" wrap="none" lIns="0" tIns="0" rIns="0" bIns="0" numCol="1" anchor="t" anchorCtr="0" compatLnSpc="1">
+              <a:prstTxWarp prst="textNoShape">
+                <a:avLst/>
+              </a:prstTxWarp>
+              <a:spAutoFit/>
+            </a:bodyPr>
+            <a:lstStyle>
+              <a:lvl1pPr eaLnBrk="0" fontAlgn="base" hangingPunct="0">
+                <a:spcBef>
+                  <a:spcPct val="0"/>
+                </a:spcBef>
+                <a:spcAft>
+                  <a:spcPct val="0"/>
+                </a:spcAft>
+                <a:defRPr>
+                  <a:solidFill>
+                    <a:schemeClr val="tx1"/>
+                  </a:solidFill>
+                  <a:latin typeface="Arial" panose="020B0604020202020204" pitchFamily="34" charset="0"/>
+                </a:defRPr>
+              </a:lvl1pPr>
+              <a:lvl2pPr eaLnBrk="0" fontAlgn="base" hangingPunct="0">
+                <a:spcBef>
+                  <a:spcPct val="0"/>
+                </a:spcBef>
+                <a:spcAft>
+                  <a:spcPct val="0"/>
+                </a:spcAft>
+                <a:defRPr>
+                  <a:solidFill>
+                    <a:schemeClr val="tx1"/>
+                  </a:solidFill>
+                  <a:latin typeface="Arial" panose="020B0604020202020204" pitchFamily="34" charset="0"/>
+                </a:defRPr>
+              </a:lvl2pPr>
+              <a:lvl3pPr eaLnBrk="0" fontAlgn="base" hangingPunct="0">
+                <a:spcBef>
+                  <a:spcPct val="0"/>
+                </a:spcBef>
+                <a:spcAft>
+                  <a:spcPct val="0"/>
+                </a:spcAft>
+                <a:defRPr>
+                  <a:solidFill>
+                    <a:schemeClr val="tx1"/>
+                  </a:solidFill>
+                  <a:latin typeface="Arial" panose="020B0604020202020204" pitchFamily="34" charset="0"/>
+                </a:defRPr>
+              </a:lvl3pPr>
+              <a:lvl4pPr eaLnBrk="0" fontAlgn="base" hangingPunct="0">
+                <a:spcBef>
+                  <a:spcPct val="0"/>
+                </a:spcBef>
+                <a:spcAft>
+                  <a:spcPct val="0"/>
+                </a:spcAft>
+                <a:defRPr>
+                  <a:solidFill>
+                    <a:schemeClr val="tx1"/>
+                  </a:solidFill>
+                  <a:latin typeface="Arial" panose="020B0604020202020204" pitchFamily="34" charset="0"/>
+                </a:defRPr>
+              </a:lvl4pPr>
+              <a:lvl5pPr eaLnBrk="0" fontAlgn="base" hangingPunct="0">
+                <a:spcBef>
+                  <a:spcPct val="0"/>
+                </a:spcBef>
+                <a:spcAft>
+                  <a:spcPct val="0"/>
+                </a:spcAft>
+                <a:defRPr>
+                  <a:solidFill>
+                    <a:schemeClr val="tx1"/>
+                  </a:solidFill>
+                  <a:latin typeface="Arial" panose="020B0604020202020204" pitchFamily="34" charset="0"/>
+                </a:defRPr>
+              </a:lvl5pPr>
+              <a:lvl6pPr eaLnBrk="0" fontAlgn="base" hangingPunct="0">
+                <a:spcBef>
+                  <a:spcPct val="0"/>
+                </a:spcBef>
+                <a:spcAft>
+                  <a:spcPct val="0"/>
+                </a:spcAft>
+                <a:defRPr>
+                  <a:solidFill>
+                    <a:schemeClr val="tx1"/>
+                  </a:solidFill>
+                  <a:latin typeface="Arial" panose="020B0604020202020204" pitchFamily="34" charset="0"/>
+                </a:defRPr>
+              </a:lvl6pPr>
+              <a:lvl7pPr eaLnBrk="0" fontAlgn="base" hangingPunct="0">
+                <a:spcBef>
+                  <a:spcPct val="0"/>
+                </a:spcBef>
+                <a:spcAft>
+                  <a:spcPct val="0"/>
+                </a:spcAft>
+                <a:defRPr>
+                  <a:solidFill>
+                    <a:schemeClr val="tx1"/>
+                  </a:solidFill>
+                  <a:latin typeface="Arial" panose="020B0604020202020204" pitchFamily="34" charset="0"/>
+                </a:defRPr>
+              </a:lvl7pPr>
+              <a:lvl8pPr eaLnBrk="0" fontAlgn="base" hangingPunct="0">
+                <a:spcBef>
+                  <a:spcPct val="0"/>
+                </a:spcBef>
+                <a:spcAft>
+                  <a:spcPct val="0"/>
+                </a:spcAft>
+                <a:defRPr>
+                  <a:solidFill>
+                    <a:schemeClr val="tx1"/>
+                  </a:solidFill>
+                  <a:latin typeface="Arial" panose="020B0604020202020204" pitchFamily="34" charset="0"/>
+                </a:defRPr>
+              </a:lvl8pPr>
+              <a:lvl9pPr eaLnBrk="0" fontAlgn="base" hangingPunct="0">
+                <a:spcBef>
+                  <a:spcPct val="0"/>
+                </a:spcBef>
+                <a:spcAft>
+                  <a:spcPct val="0"/>
+                </a:spcAft>
+                <a:defRPr>
+                  <a:solidFill>
+                    <a:schemeClr val="tx1"/>
+                  </a:solidFill>
+                  <a:latin typeface="Arial" panose="020B0604020202020204" pitchFamily="34" charset="0"/>
+                </a:defRPr>
+              </a:lvl9pPr>
+            </a:lstStyle>
+            <a:p>
+              <a:pPr marL="0" marR="0" lvl="0" indent="0" algn="l" defTabSz="914400" rtl="0" eaLnBrk="0" fontAlgn="base" latinLnBrk="0" hangingPunct="0">
+                <a:lnSpc>
+                  <a:spcPct val="100000"/>
+                </a:lnSpc>
+                <a:spcBef>
+                  <a:spcPct val="0"/>
+                </a:spcBef>
+                <a:spcAft>
+                  <a:spcPct val="0"/>
+                </a:spcAft>
+                <a:buClrTx/>
+                <a:buSzTx/>
+                <a:buFontTx/>
+                <a:buNone/>
+                <a:tabLst/>
+              </a:pPr>
+              <a:r>
+                <a:rPr kumimoji="0" lang="en-US" altLang="en-US" sz="2400" b="0" i="0" u="none" strike="noStrike" cap="none" normalizeH="0" baseline="0" dirty="0">
+                  <a:ln>
+                    <a:noFill/>
+                  </a:ln>
+                  <a:solidFill>
+                    <a:srgbClr val="000000"/>
+                  </a:solidFill>
+                  <a:effectLst/>
+                  <a:latin typeface="Calibri" panose="020F0502020204030204" pitchFamily="34" charset="0"/>
+                </a:rPr>
+                <a:t>Extremeness of videos watched (overall)</a:t>
+              </a:r>
+              <a:endParaRPr kumimoji="0" lang="en-US" altLang="en-US" sz="1800" b="0" i="0" u="none" strike="noStrike" cap="none" normalizeH="0" baseline="0" dirty="0">
+                <a:ln>
+                  <a:noFill/>
+                </a:ln>
+                <a:solidFill>
+                  <a:schemeClr val="tx1"/>
+                </a:solidFill>
+                <a:effectLst/>
+                <a:latin typeface="Arial" panose="020B0604020202020204" pitchFamily="34" charset="0"/>
+              </a:endParaRPr>
+            </a:p>
+          </p:txBody>
+        </p:sp>
+        <p:sp>
+          <p:nvSpPr>
+            <p:cNvPr id="27" name="Rectangle 24">
+              <a:extLst>
+                <a:ext uri="{FF2B5EF4-FFF2-40B4-BE49-F238E27FC236}">
+                  <a16:creationId xmlns:a16="http://schemas.microsoft.com/office/drawing/2014/main" id="{F3D4FAD8-127F-C098-0682-AA4A93F4F78A}"/>
+                </a:ext>
+              </a:extLst>
+            </p:cNvPr>
+            <p:cNvSpPr>
+              <a:spLocks noChangeArrowheads="1"/>
+            </p:cNvSpPr>
+            <p:nvPr/>
+          </p:nvSpPr>
+          <p:spPr bwMode="auto">
+            <a:xfrm>
+              <a:off x="4162" y="2192"/>
+              <a:ext cx="558" cy="300"/>
+            </a:xfrm>
+            <a:prstGeom prst="rect">
+              <a:avLst/>
+            </a:prstGeom>
+            <a:noFill/>
+            <a:ln>
+              <a:noFill/>
+            </a:ln>
+            <a:extLst>
+              <a:ext uri="{909E8E84-426E-40DD-AFC4-6F175D3DCCD1}">
+                <a14:hiddenFill xmlns:a14="http://schemas.microsoft.com/office/drawing/2010/main">
+                  <a:solidFill>
+                    <a:srgbClr val="FFFFFF"/>
+                  </a:solidFill>
+                </a14:hiddenFill>
+              </a:ext>
+              <a:ext uri="{91240B29-F687-4F45-9708-019B960494DF}">
+                <a14:hiddenLine xmlns:a14="http://schemas.microsoft.com/office/drawing/2010/main" w="9525">
+                  <a:solidFill>
+                    <a:srgbClr val="000000"/>
+                  </a:solidFill>
+                  <a:miter lim="800000"/>
+                  <a:headEnd/>
+                  <a:tailEnd/>
+                </a14:hiddenLine>
+              </a:ext>
+            </a:extLst>
+          </p:spPr>
+          <p:txBody>
+            <a:bodyPr vert="horz" wrap="none" lIns="0" tIns="0" rIns="0" bIns="0" numCol="1" anchor="t" anchorCtr="0" compatLnSpc="1">
+              <a:prstTxWarp prst="textNoShape">
+                <a:avLst/>
+              </a:prstTxWarp>
+              <a:spAutoFit/>
+            </a:bodyPr>
+            <a:lstStyle>
+              <a:lvl1pPr eaLnBrk="0" fontAlgn="base" hangingPunct="0">
+                <a:spcBef>
+                  <a:spcPct val="0"/>
+                </a:spcBef>
+                <a:spcAft>
+                  <a:spcPct val="0"/>
+                </a:spcAft>
+                <a:defRPr>
+                  <a:solidFill>
+                    <a:schemeClr val="tx1"/>
+                  </a:solidFill>
+                  <a:latin typeface="Arial" panose="020B0604020202020204" pitchFamily="34" charset="0"/>
+                </a:defRPr>
+              </a:lvl1pPr>
+              <a:lvl2pPr eaLnBrk="0" fontAlgn="base" hangingPunct="0">
+                <a:spcBef>
+                  <a:spcPct val="0"/>
+                </a:spcBef>
+                <a:spcAft>
+                  <a:spcPct val="0"/>
+                </a:spcAft>
+                <a:defRPr>
+                  <a:solidFill>
+                    <a:schemeClr val="tx1"/>
+                  </a:solidFill>
+                  <a:latin typeface="Arial" panose="020B0604020202020204" pitchFamily="34" charset="0"/>
+                </a:defRPr>
+              </a:lvl2pPr>
+              <a:lvl3pPr eaLnBrk="0" fontAlgn="base" hangingPunct="0">
+                <a:spcBef>
+                  <a:spcPct val="0"/>
+                </a:spcBef>
+                <a:spcAft>
+                  <a:spcPct val="0"/>
+                </a:spcAft>
+                <a:defRPr>
+                  <a:solidFill>
+                    <a:schemeClr val="tx1"/>
+                  </a:solidFill>
+                  <a:latin typeface="Arial" panose="020B0604020202020204" pitchFamily="34" charset="0"/>
+                </a:defRPr>
+              </a:lvl3pPr>
+              <a:lvl4pPr eaLnBrk="0" fontAlgn="base" hangingPunct="0">
+                <a:spcBef>
+                  <a:spcPct val="0"/>
+                </a:spcBef>
+                <a:spcAft>
+                  <a:spcPct val="0"/>
+                </a:spcAft>
+                <a:defRPr>
+                  <a:solidFill>
+                    <a:schemeClr val="tx1"/>
+                  </a:solidFill>
+                  <a:latin typeface="Arial" panose="020B0604020202020204" pitchFamily="34" charset="0"/>
+                </a:defRPr>
+              </a:lvl4pPr>
+              <a:lvl5pPr eaLnBrk="0" fontAlgn="base" hangingPunct="0">
+                <a:spcBef>
+                  <a:spcPct val="0"/>
+                </a:spcBef>
+                <a:spcAft>
+                  <a:spcPct val="0"/>
+                </a:spcAft>
+                <a:defRPr>
+                  <a:solidFill>
+                    <a:schemeClr val="tx1"/>
+                  </a:solidFill>
+                  <a:latin typeface="Arial" panose="020B0604020202020204" pitchFamily="34" charset="0"/>
+                </a:defRPr>
+              </a:lvl5pPr>
+              <a:lvl6pPr eaLnBrk="0" fontAlgn="base" hangingPunct="0">
+                <a:spcBef>
+                  <a:spcPct val="0"/>
+                </a:spcBef>
+                <a:spcAft>
+                  <a:spcPct val="0"/>
+                </a:spcAft>
+                <a:defRPr>
+                  <a:solidFill>
+                    <a:schemeClr val="tx1"/>
+                  </a:solidFill>
+                  <a:latin typeface="Arial" panose="020B0604020202020204" pitchFamily="34" charset="0"/>
+                </a:defRPr>
+              </a:lvl6pPr>
+              <a:lvl7pPr eaLnBrk="0" fontAlgn="base" hangingPunct="0">
+                <a:spcBef>
+                  <a:spcPct val="0"/>
+                </a:spcBef>
+                <a:spcAft>
+                  <a:spcPct val="0"/>
+                </a:spcAft>
+                <a:defRPr>
+                  <a:solidFill>
+                    <a:schemeClr val="tx1"/>
+                  </a:solidFill>
+                  <a:latin typeface="Arial" panose="020B0604020202020204" pitchFamily="34" charset="0"/>
+                </a:defRPr>
+              </a:lvl7pPr>
+              <a:lvl8pPr eaLnBrk="0" fontAlgn="base" hangingPunct="0">
+                <a:spcBef>
+                  <a:spcPct val="0"/>
+                </a:spcBef>
+                <a:spcAft>
+                  <a:spcPct val="0"/>
+                </a:spcAft>
+                <a:defRPr>
+                  <a:solidFill>
+                    <a:schemeClr val="tx1"/>
+                  </a:solidFill>
+                  <a:latin typeface="Arial" panose="020B0604020202020204" pitchFamily="34" charset="0"/>
+                </a:defRPr>
+              </a:lvl8pPr>
+              <a:lvl9pPr eaLnBrk="0" fontAlgn="base" hangingPunct="0">
+                <a:spcBef>
+                  <a:spcPct val="0"/>
+                </a:spcBef>
+                <a:spcAft>
+                  <a:spcPct val="0"/>
+                </a:spcAft>
+                <a:defRPr>
+                  <a:solidFill>
+                    <a:schemeClr val="tx1"/>
+                  </a:solidFill>
+                  <a:latin typeface="Arial" panose="020B0604020202020204" pitchFamily="34" charset="0"/>
+                </a:defRPr>
+              </a:lvl9pPr>
+            </a:lstStyle>
+            <a:p>
+              <a:pPr marL="0" marR="0" lvl="0" indent="0" algn="l" defTabSz="914400" rtl="0" eaLnBrk="0" fontAlgn="base" latinLnBrk="0" hangingPunct="0">
+                <a:lnSpc>
+                  <a:spcPct val="100000"/>
+                </a:lnSpc>
+                <a:spcBef>
+                  <a:spcPct val="0"/>
+                </a:spcBef>
+                <a:spcAft>
+                  <a:spcPct val="0"/>
+                </a:spcAft>
+                <a:buClrTx/>
+                <a:buSzTx/>
+                <a:buFontTx/>
+                <a:buNone/>
+                <a:tabLst/>
+              </a:pPr>
+              <a:r>
+                <a:rPr kumimoji="0" lang="en-US" altLang="en-US" sz="2400" b="0" i="0" u="none" strike="noStrike" cap="none" normalizeH="0" baseline="0">
+                  <a:ln>
+                    <a:noFill/>
+                  </a:ln>
+                  <a:solidFill>
+                    <a:srgbClr val="000000"/>
+                  </a:solidFill>
+                  <a:effectLst/>
+                  <a:latin typeface="Calibri" panose="020F0502020204030204" pitchFamily="34" charset="0"/>
+                </a:rPr>
+                <a:t>0.475</a:t>
+              </a:r>
+              <a:endParaRPr kumimoji="0" lang="en-US" altLang="en-US" sz="1800" b="0" i="0" u="none" strike="noStrike" cap="none" normalizeH="0" baseline="0">
+                <a:ln>
+                  <a:noFill/>
+                </a:ln>
+                <a:solidFill>
+                  <a:schemeClr val="tx1"/>
+                </a:solidFill>
+                <a:effectLst/>
+                <a:latin typeface="Arial" panose="020B0604020202020204" pitchFamily="34" charset="0"/>
+              </a:endParaRPr>
+            </a:p>
+          </p:txBody>
+        </p:sp>
+        <p:sp>
+          <p:nvSpPr>
+            <p:cNvPr id="28" name="Rectangle 25">
+              <a:extLst>
+                <a:ext uri="{FF2B5EF4-FFF2-40B4-BE49-F238E27FC236}">
+                  <a16:creationId xmlns:a16="http://schemas.microsoft.com/office/drawing/2014/main" id="{0CF2D183-6F7B-4708-B03A-207482CF3C01}"/>
+                </a:ext>
+              </a:extLst>
+            </p:cNvPr>
+            <p:cNvSpPr>
+              <a:spLocks noChangeArrowheads="1"/>
+            </p:cNvSpPr>
+            <p:nvPr/>
+          </p:nvSpPr>
+          <p:spPr bwMode="auto">
+            <a:xfrm>
+              <a:off x="5066" y="2192"/>
+              <a:ext cx="558" cy="300"/>
+            </a:xfrm>
+            <a:prstGeom prst="rect">
+              <a:avLst/>
+            </a:prstGeom>
+            <a:noFill/>
+            <a:ln>
+              <a:noFill/>
+            </a:ln>
+            <a:extLst>
+              <a:ext uri="{909E8E84-426E-40DD-AFC4-6F175D3DCCD1}">
+                <a14:hiddenFill xmlns:a14="http://schemas.microsoft.com/office/drawing/2010/main">
+                  <a:solidFill>
+                    <a:srgbClr val="FFFFFF"/>
+                  </a:solidFill>
+                </a14:hiddenFill>
+              </a:ext>
+              <a:ext uri="{91240B29-F687-4F45-9708-019B960494DF}">
+                <a14:hiddenLine xmlns:a14="http://schemas.microsoft.com/office/drawing/2010/main" w="9525">
+                  <a:solidFill>
+                    <a:srgbClr val="000000"/>
+                  </a:solidFill>
+                  <a:miter lim="800000"/>
+                  <a:headEnd/>
+                  <a:tailEnd/>
+                </a14:hiddenLine>
+              </a:ext>
+            </a:extLst>
+          </p:spPr>
+          <p:txBody>
+            <a:bodyPr vert="horz" wrap="none" lIns="0" tIns="0" rIns="0" bIns="0" numCol="1" anchor="t" anchorCtr="0" compatLnSpc="1">
+              <a:prstTxWarp prst="textNoShape">
+                <a:avLst/>
+              </a:prstTxWarp>
+              <a:spAutoFit/>
+            </a:bodyPr>
+            <a:lstStyle>
+              <a:lvl1pPr eaLnBrk="0" fontAlgn="base" hangingPunct="0">
+                <a:spcBef>
+                  <a:spcPct val="0"/>
+                </a:spcBef>
+                <a:spcAft>
+                  <a:spcPct val="0"/>
+                </a:spcAft>
+                <a:defRPr>
+                  <a:solidFill>
+                    <a:schemeClr val="tx1"/>
+                  </a:solidFill>
+                  <a:latin typeface="Arial" panose="020B0604020202020204" pitchFamily="34" charset="0"/>
+                </a:defRPr>
+              </a:lvl1pPr>
+              <a:lvl2pPr eaLnBrk="0" fontAlgn="base" hangingPunct="0">
+                <a:spcBef>
+                  <a:spcPct val="0"/>
+                </a:spcBef>
+                <a:spcAft>
+                  <a:spcPct val="0"/>
+                </a:spcAft>
+                <a:defRPr>
+                  <a:solidFill>
+                    <a:schemeClr val="tx1"/>
+                  </a:solidFill>
+                  <a:latin typeface="Arial" panose="020B0604020202020204" pitchFamily="34" charset="0"/>
+                </a:defRPr>
+              </a:lvl2pPr>
+              <a:lvl3pPr eaLnBrk="0" fontAlgn="base" hangingPunct="0">
+                <a:spcBef>
+                  <a:spcPct val="0"/>
+                </a:spcBef>
+                <a:spcAft>
+                  <a:spcPct val="0"/>
+                </a:spcAft>
+                <a:defRPr>
+                  <a:solidFill>
+                    <a:schemeClr val="tx1"/>
+                  </a:solidFill>
+                  <a:latin typeface="Arial" panose="020B0604020202020204" pitchFamily="34" charset="0"/>
+                </a:defRPr>
+              </a:lvl3pPr>
+              <a:lvl4pPr eaLnBrk="0" fontAlgn="base" hangingPunct="0">
+                <a:spcBef>
+                  <a:spcPct val="0"/>
+                </a:spcBef>
+                <a:spcAft>
+                  <a:spcPct val="0"/>
+                </a:spcAft>
+                <a:defRPr>
+                  <a:solidFill>
+                    <a:schemeClr val="tx1"/>
+                  </a:solidFill>
+                  <a:latin typeface="Arial" panose="020B0604020202020204" pitchFamily="34" charset="0"/>
+                </a:defRPr>
+              </a:lvl4pPr>
+              <a:lvl5pPr eaLnBrk="0" fontAlgn="base" hangingPunct="0">
+                <a:spcBef>
+                  <a:spcPct val="0"/>
+                </a:spcBef>
+                <a:spcAft>
+                  <a:spcPct val="0"/>
+                </a:spcAft>
+                <a:defRPr>
+                  <a:solidFill>
+                    <a:schemeClr val="tx1"/>
+                  </a:solidFill>
+                  <a:latin typeface="Arial" panose="020B0604020202020204" pitchFamily="34" charset="0"/>
+                </a:defRPr>
+              </a:lvl5pPr>
+              <a:lvl6pPr eaLnBrk="0" fontAlgn="base" hangingPunct="0">
+                <a:spcBef>
+                  <a:spcPct val="0"/>
+                </a:spcBef>
+                <a:spcAft>
+                  <a:spcPct val="0"/>
+                </a:spcAft>
+                <a:defRPr>
+                  <a:solidFill>
+                    <a:schemeClr val="tx1"/>
+                  </a:solidFill>
+                  <a:latin typeface="Arial" panose="020B0604020202020204" pitchFamily="34" charset="0"/>
+                </a:defRPr>
+              </a:lvl6pPr>
+              <a:lvl7pPr eaLnBrk="0" fontAlgn="base" hangingPunct="0">
+                <a:spcBef>
+                  <a:spcPct val="0"/>
+                </a:spcBef>
+                <a:spcAft>
+                  <a:spcPct val="0"/>
+                </a:spcAft>
+                <a:defRPr>
+                  <a:solidFill>
+                    <a:schemeClr val="tx1"/>
+                  </a:solidFill>
+                  <a:latin typeface="Arial" panose="020B0604020202020204" pitchFamily="34" charset="0"/>
+                </a:defRPr>
+              </a:lvl7pPr>
+              <a:lvl8pPr eaLnBrk="0" fontAlgn="base" hangingPunct="0">
+                <a:spcBef>
+                  <a:spcPct val="0"/>
+                </a:spcBef>
+                <a:spcAft>
+                  <a:spcPct val="0"/>
+                </a:spcAft>
+                <a:defRPr>
+                  <a:solidFill>
+                    <a:schemeClr val="tx1"/>
+                  </a:solidFill>
+                  <a:latin typeface="Arial" panose="020B0604020202020204" pitchFamily="34" charset="0"/>
+                </a:defRPr>
+              </a:lvl8pPr>
+              <a:lvl9pPr eaLnBrk="0" fontAlgn="base" hangingPunct="0">
+                <a:spcBef>
+                  <a:spcPct val="0"/>
+                </a:spcBef>
+                <a:spcAft>
+                  <a:spcPct val="0"/>
+                </a:spcAft>
+                <a:defRPr>
+                  <a:solidFill>
+                    <a:schemeClr val="tx1"/>
+                  </a:solidFill>
+                  <a:latin typeface="Arial" panose="020B0604020202020204" pitchFamily="34" charset="0"/>
+                </a:defRPr>
+              </a:lvl9pPr>
+            </a:lstStyle>
+            <a:p>
+              <a:pPr marL="0" marR="0" lvl="0" indent="0" algn="l" defTabSz="914400" rtl="0" eaLnBrk="0" fontAlgn="base" latinLnBrk="0" hangingPunct="0">
+                <a:lnSpc>
+                  <a:spcPct val="100000"/>
+                </a:lnSpc>
+                <a:spcBef>
+                  <a:spcPct val="0"/>
+                </a:spcBef>
+                <a:spcAft>
+                  <a:spcPct val="0"/>
+                </a:spcAft>
+                <a:buClrTx/>
+                <a:buSzTx/>
+                <a:buFontTx/>
+                <a:buNone/>
+                <a:tabLst/>
+              </a:pPr>
+              <a:r>
+                <a:rPr kumimoji="0" lang="en-US" altLang="en-US" sz="2400" b="0" i="0" u="none" strike="noStrike" cap="none" normalizeH="0" baseline="0">
+                  <a:ln>
+                    <a:noFill/>
+                  </a:ln>
+                  <a:solidFill>
+                    <a:srgbClr val="000000"/>
+                  </a:solidFill>
+                  <a:effectLst/>
+                  <a:latin typeface="Calibri" panose="020F0502020204030204" pitchFamily="34" charset="0"/>
+                </a:rPr>
+                <a:t>0.503</a:t>
+              </a:r>
+              <a:endParaRPr kumimoji="0" lang="en-US" altLang="en-US" sz="1800" b="0" i="0" u="none" strike="noStrike" cap="none" normalizeH="0" baseline="0">
+                <a:ln>
+                  <a:noFill/>
+                </a:ln>
+                <a:solidFill>
+                  <a:schemeClr val="tx1"/>
+                </a:solidFill>
+                <a:effectLst/>
+                <a:latin typeface="Arial" panose="020B0604020202020204" pitchFamily="34" charset="0"/>
+              </a:endParaRPr>
+            </a:p>
+          </p:txBody>
+        </p:sp>
+        <p:sp>
+          <p:nvSpPr>
+            <p:cNvPr id="29" name="Rectangle 26">
+              <a:extLst>
+                <a:ext uri="{FF2B5EF4-FFF2-40B4-BE49-F238E27FC236}">
+                  <a16:creationId xmlns:a16="http://schemas.microsoft.com/office/drawing/2014/main" id="{DCF83449-A857-EE4C-7397-7F6D71AA08CD}"/>
+                </a:ext>
+              </a:extLst>
+            </p:cNvPr>
+            <p:cNvSpPr>
+              <a:spLocks noChangeArrowheads="1"/>
+            </p:cNvSpPr>
+            <p:nvPr/>
+          </p:nvSpPr>
+          <p:spPr bwMode="auto">
+            <a:xfrm>
+              <a:off x="5970" y="2192"/>
+              <a:ext cx="558" cy="300"/>
+            </a:xfrm>
+            <a:prstGeom prst="rect">
+              <a:avLst/>
+            </a:prstGeom>
+            <a:noFill/>
+            <a:ln>
+              <a:noFill/>
+            </a:ln>
+            <a:extLst>
+              <a:ext uri="{909E8E84-426E-40DD-AFC4-6F175D3DCCD1}">
+                <a14:hiddenFill xmlns:a14="http://schemas.microsoft.com/office/drawing/2010/main">
+                  <a:solidFill>
+                    <a:srgbClr val="FFFFFF"/>
+                  </a:solidFill>
+                </a14:hiddenFill>
+              </a:ext>
+              <a:ext uri="{91240B29-F687-4F45-9708-019B960494DF}">
+                <a14:hiddenLine xmlns:a14="http://schemas.microsoft.com/office/drawing/2010/main" w="9525">
+                  <a:solidFill>
+                    <a:srgbClr val="000000"/>
+                  </a:solidFill>
+                  <a:miter lim="800000"/>
+                  <a:headEnd/>
+                  <a:tailEnd/>
+                </a14:hiddenLine>
+              </a:ext>
+            </a:extLst>
+          </p:spPr>
+          <p:txBody>
+            <a:bodyPr vert="horz" wrap="none" lIns="0" tIns="0" rIns="0" bIns="0" numCol="1" anchor="t" anchorCtr="0" compatLnSpc="1">
+              <a:prstTxWarp prst="textNoShape">
+                <a:avLst/>
+              </a:prstTxWarp>
+              <a:spAutoFit/>
+            </a:bodyPr>
+            <a:lstStyle>
+              <a:lvl1pPr eaLnBrk="0" fontAlgn="base" hangingPunct="0">
+                <a:spcBef>
+                  <a:spcPct val="0"/>
+                </a:spcBef>
+                <a:spcAft>
+                  <a:spcPct val="0"/>
+                </a:spcAft>
+                <a:defRPr>
+                  <a:solidFill>
+                    <a:schemeClr val="tx1"/>
+                  </a:solidFill>
+                  <a:latin typeface="Arial" panose="020B0604020202020204" pitchFamily="34" charset="0"/>
+                </a:defRPr>
+              </a:lvl1pPr>
+              <a:lvl2pPr eaLnBrk="0" fontAlgn="base" hangingPunct="0">
+                <a:spcBef>
+                  <a:spcPct val="0"/>
+                </a:spcBef>
+                <a:spcAft>
+                  <a:spcPct val="0"/>
+                </a:spcAft>
+                <a:defRPr>
+                  <a:solidFill>
+                    <a:schemeClr val="tx1"/>
+                  </a:solidFill>
+                  <a:latin typeface="Arial" panose="020B0604020202020204" pitchFamily="34" charset="0"/>
+                </a:defRPr>
+              </a:lvl2pPr>
+              <a:lvl3pPr eaLnBrk="0" fontAlgn="base" hangingPunct="0">
+                <a:spcBef>
+                  <a:spcPct val="0"/>
+                </a:spcBef>
+                <a:spcAft>
+                  <a:spcPct val="0"/>
+                </a:spcAft>
+                <a:defRPr>
+                  <a:solidFill>
+                    <a:schemeClr val="tx1"/>
+                  </a:solidFill>
+                  <a:latin typeface="Arial" panose="020B0604020202020204" pitchFamily="34" charset="0"/>
+                </a:defRPr>
+              </a:lvl3pPr>
+              <a:lvl4pPr eaLnBrk="0" fontAlgn="base" hangingPunct="0">
+                <a:spcBef>
+                  <a:spcPct val="0"/>
+                </a:spcBef>
+                <a:spcAft>
+                  <a:spcPct val="0"/>
+                </a:spcAft>
+                <a:defRPr>
+                  <a:solidFill>
+                    <a:schemeClr val="tx1"/>
+                  </a:solidFill>
+                  <a:latin typeface="Arial" panose="020B0604020202020204" pitchFamily="34" charset="0"/>
+                </a:defRPr>
+              </a:lvl4pPr>
+              <a:lvl5pPr eaLnBrk="0" fontAlgn="base" hangingPunct="0">
+                <a:spcBef>
+                  <a:spcPct val="0"/>
+                </a:spcBef>
+                <a:spcAft>
+                  <a:spcPct val="0"/>
+                </a:spcAft>
+                <a:defRPr>
+                  <a:solidFill>
+                    <a:schemeClr val="tx1"/>
+                  </a:solidFill>
+                  <a:latin typeface="Arial" panose="020B0604020202020204" pitchFamily="34" charset="0"/>
+                </a:defRPr>
+              </a:lvl5pPr>
+              <a:lvl6pPr eaLnBrk="0" fontAlgn="base" hangingPunct="0">
+                <a:spcBef>
+                  <a:spcPct val="0"/>
+                </a:spcBef>
+                <a:spcAft>
+                  <a:spcPct val="0"/>
+                </a:spcAft>
+                <a:defRPr>
+                  <a:solidFill>
+                    <a:schemeClr val="tx1"/>
+                  </a:solidFill>
+                  <a:latin typeface="Arial" panose="020B0604020202020204" pitchFamily="34" charset="0"/>
+                </a:defRPr>
+              </a:lvl6pPr>
+              <a:lvl7pPr eaLnBrk="0" fontAlgn="base" hangingPunct="0">
+                <a:spcBef>
+                  <a:spcPct val="0"/>
+                </a:spcBef>
+                <a:spcAft>
+                  <a:spcPct val="0"/>
+                </a:spcAft>
+                <a:defRPr>
+                  <a:solidFill>
+                    <a:schemeClr val="tx1"/>
+                  </a:solidFill>
+                  <a:latin typeface="Arial" panose="020B0604020202020204" pitchFamily="34" charset="0"/>
+                </a:defRPr>
+              </a:lvl7pPr>
+              <a:lvl8pPr eaLnBrk="0" fontAlgn="base" hangingPunct="0">
+                <a:spcBef>
+                  <a:spcPct val="0"/>
+                </a:spcBef>
+                <a:spcAft>
+                  <a:spcPct val="0"/>
+                </a:spcAft>
+                <a:defRPr>
+                  <a:solidFill>
+                    <a:schemeClr val="tx1"/>
+                  </a:solidFill>
+                  <a:latin typeface="Arial" panose="020B0604020202020204" pitchFamily="34" charset="0"/>
+                </a:defRPr>
+              </a:lvl8pPr>
+              <a:lvl9pPr eaLnBrk="0" fontAlgn="base" hangingPunct="0">
+                <a:spcBef>
+                  <a:spcPct val="0"/>
+                </a:spcBef>
+                <a:spcAft>
+                  <a:spcPct val="0"/>
+                </a:spcAft>
+                <a:defRPr>
+                  <a:solidFill>
+                    <a:schemeClr val="tx1"/>
+                  </a:solidFill>
+                  <a:latin typeface="Arial" panose="020B0604020202020204" pitchFamily="34" charset="0"/>
+                </a:defRPr>
+              </a:lvl9pPr>
+            </a:lstStyle>
+            <a:p>
+              <a:pPr marL="0" marR="0" lvl="0" indent="0" algn="l" defTabSz="914400" rtl="0" eaLnBrk="0" fontAlgn="base" latinLnBrk="0" hangingPunct="0">
+                <a:lnSpc>
+                  <a:spcPct val="100000"/>
+                </a:lnSpc>
+                <a:spcBef>
+                  <a:spcPct val="0"/>
+                </a:spcBef>
+                <a:spcAft>
+                  <a:spcPct val="0"/>
+                </a:spcAft>
+                <a:buClrTx/>
+                <a:buSzTx/>
+                <a:buFontTx/>
+                <a:buNone/>
+                <a:tabLst/>
+              </a:pPr>
+              <a:r>
+                <a:rPr kumimoji="0" lang="en-US" altLang="en-US" sz="2400" b="0" i="0" u="none" strike="noStrike" cap="none" normalizeH="0" baseline="0">
+                  <a:ln>
+                    <a:noFill/>
+                  </a:ln>
+                  <a:solidFill>
+                    <a:srgbClr val="000000"/>
+                  </a:solidFill>
+                  <a:effectLst/>
+                  <a:latin typeface="Calibri" panose="020F0502020204030204" pitchFamily="34" charset="0"/>
+                </a:rPr>
+                <a:t>0.518</a:t>
+              </a:r>
+              <a:endParaRPr kumimoji="0" lang="en-US" altLang="en-US" sz="1800" b="0" i="0" u="none" strike="noStrike" cap="none" normalizeH="0" baseline="0">
+                <a:ln>
+                  <a:noFill/>
+                </a:ln>
+                <a:solidFill>
+                  <a:schemeClr val="tx1"/>
+                </a:solidFill>
+                <a:effectLst/>
+                <a:latin typeface="Arial" panose="020B0604020202020204" pitchFamily="34" charset="0"/>
+              </a:endParaRPr>
+            </a:p>
+          </p:txBody>
+        </p:sp>
+        <p:sp>
+          <p:nvSpPr>
+            <p:cNvPr id="30" name="Rectangle 27">
+              <a:extLst>
+                <a:ext uri="{FF2B5EF4-FFF2-40B4-BE49-F238E27FC236}">
+                  <a16:creationId xmlns:a16="http://schemas.microsoft.com/office/drawing/2014/main" id="{3F0649D5-AF3B-9A9B-D476-367DACAF64E5}"/>
+                </a:ext>
+              </a:extLst>
+            </p:cNvPr>
+            <p:cNvSpPr>
+              <a:spLocks noChangeArrowheads="1"/>
+            </p:cNvSpPr>
+            <p:nvPr/>
+          </p:nvSpPr>
+          <p:spPr bwMode="auto">
+            <a:xfrm>
+              <a:off x="6774" y="2192"/>
+              <a:ext cx="658" cy="300"/>
+            </a:xfrm>
+            <a:prstGeom prst="rect">
+              <a:avLst/>
+            </a:prstGeom>
+            <a:noFill/>
+            <a:ln>
+              <a:noFill/>
+            </a:ln>
+            <a:extLst>
+              <a:ext uri="{909E8E84-426E-40DD-AFC4-6F175D3DCCD1}">
+                <a14:hiddenFill xmlns:a14="http://schemas.microsoft.com/office/drawing/2010/main">
+                  <a:solidFill>
+                    <a:srgbClr val="FFFFFF"/>
+                  </a:solidFill>
+                </a14:hiddenFill>
+              </a:ext>
+              <a:ext uri="{91240B29-F687-4F45-9708-019B960494DF}">
+                <a14:hiddenLine xmlns:a14="http://schemas.microsoft.com/office/drawing/2010/main" w="9525">
+                  <a:solidFill>
+                    <a:srgbClr val="000000"/>
+                  </a:solidFill>
+                  <a:miter lim="800000"/>
+                  <a:headEnd/>
+                  <a:tailEnd/>
+                </a14:hiddenLine>
+              </a:ext>
+            </a:extLst>
+          </p:spPr>
+          <p:txBody>
+            <a:bodyPr vert="horz" wrap="none" lIns="0" tIns="0" rIns="0" bIns="0" numCol="1" anchor="t" anchorCtr="0" compatLnSpc="1">
+              <a:prstTxWarp prst="textNoShape">
+                <a:avLst/>
+              </a:prstTxWarp>
+              <a:spAutoFit/>
+            </a:bodyPr>
+            <a:lstStyle>
+              <a:lvl1pPr eaLnBrk="0" fontAlgn="base" hangingPunct="0">
+                <a:spcBef>
+                  <a:spcPct val="0"/>
+                </a:spcBef>
+                <a:spcAft>
+                  <a:spcPct val="0"/>
+                </a:spcAft>
+                <a:defRPr>
+                  <a:solidFill>
+                    <a:schemeClr val="tx1"/>
+                  </a:solidFill>
+                  <a:latin typeface="Arial" panose="020B0604020202020204" pitchFamily="34" charset="0"/>
+                </a:defRPr>
+              </a:lvl1pPr>
+              <a:lvl2pPr eaLnBrk="0" fontAlgn="base" hangingPunct="0">
+                <a:spcBef>
+                  <a:spcPct val="0"/>
+                </a:spcBef>
+                <a:spcAft>
+                  <a:spcPct val="0"/>
+                </a:spcAft>
+                <a:defRPr>
+                  <a:solidFill>
+                    <a:schemeClr val="tx1"/>
+                  </a:solidFill>
+                  <a:latin typeface="Arial" panose="020B0604020202020204" pitchFamily="34" charset="0"/>
+                </a:defRPr>
+              </a:lvl2pPr>
+              <a:lvl3pPr eaLnBrk="0" fontAlgn="base" hangingPunct="0">
+                <a:spcBef>
+                  <a:spcPct val="0"/>
+                </a:spcBef>
+                <a:spcAft>
+                  <a:spcPct val="0"/>
+                </a:spcAft>
+                <a:defRPr>
+                  <a:solidFill>
+                    <a:schemeClr val="tx1"/>
+                  </a:solidFill>
+                  <a:latin typeface="Arial" panose="020B0604020202020204" pitchFamily="34" charset="0"/>
+                </a:defRPr>
+              </a:lvl3pPr>
+              <a:lvl4pPr eaLnBrk="0" fontAlgn="base" hangingPunct="0">
+                <a:spcBef>
+                  <a:spcPct val="0"/>
+                </a:spcBef>
+                <a:spcAft>
+                  <a:spcPct val="0"/>
+                </a:spcAft>
+                <a:defRPr>
+                  <a:solidFill>
+                    <a:schemeClr val="tx1"/>
+                  </a:solidFill>
+                  <a:latin typeface="Arial" panose="020B0604020202020204" pitchFamily="34" charset="0"/>
+                </a:defRPr>
+              </a:lvl4pPr>
+              <a:lvl5pPr eaLnBrk="0" fontAlgn="base" hangingPunct="0">
+                <a:spcBef>
+                  <a:spcPct val="0"/>
+                </a:spcBef>
+                <a:spcAft>
+                  <a:spcPct val="0"/>
+                </a:spcAft>
+                <a:defRPr>
+                  <a:solidFill>
+                    <a:schemeClr val="tx1"/>
+                  </a:solidFill>
+                  <a:latin typeface="Arial" panose="020B0604020202020204" pitchFamily="34" charset="0"/>
+                </a:defRPr>
+              </a:lvl5pPr>
+              <a:lvl6pPr eaLnBrk="0" fontAlgn="base" hangingPunct="0">
+                <a:spcBef>
+                  <a:spcPct val="0"/>
+                </a:spcBef>
+                <a:spcAft>
+                  <a:spcPct val="0"/>
+                </a:spcAft>
+                <a:defRPr>
+                  <a:solidFill>
+                    <a:schemeClr val="tx1"/>
+                  </a:solidFill>
+                  <a:latin typeface="Arial" panose="020B0604020202020204" pitchFamily="34" charset="0"/>
+                </a:defRPr>
+              </a:lvl6pPr>
+              <a:lvl7pPr eaLnBrk="0" fontAlgn="base" hangingPunct="0">
+                <a:spcBef>
+                  <a:spcPct val="0"/>
+                </a:spcBef>
+                <a:spcAft>
+                  <a:spcPct val="0"/>
+                </a:spcAft>
+                <a:defRPr>
+                  <a:solidFill>
+                    <a:schemeClr val="tx1"/>
+                  </a:solidFill>
+                  <a:latin typeface="Arial" panose="020B0604020202020204" pitchFamily="34" charset="0"/>
+                </a:defRPr>
+              </a:lvl7pPr>
+              <a:lvl8pPr eaLnBrk="0" fontAlgn="base" hangingPunct="0">
+                <a:spcBef>
+                  <a:spcPct val="0"/>
+                </a:spcBef>
+                <a:spcAft>
+                  <a:spcPct val="0"/>
+                </a:spcAft>
+                <a:defRPr>
+                  <a:solidFill>
+                    <a:schemeClr val="tx1"/>
+                  </a:solidFill>
+                  <a:latin typeface="Arial" panose="020B0604020202020204" pitchFamily="34" charset="0"/>
+                </a:defRPr>
+              </a:lvl8pPr>
+              <a:lvl9pPr eaLnBrk="0" fontAlgn="base" hangingPunct="0">
+                <a:spcBef>
+                  <a:spcPct val="0"/>
+                </a:spcBef>
+                <a:spcAft>
+                  <a:spcPct val="0"/>
+                </a:spcAft>
+                <a:defRPr>
+                  <a:solidFill>
+                    <a:schemeClr val="tx1"/>
+                  </a:solidFill>
+                  <a:latin typeface="Arial" panose="020B0604020202020204" pitchFamily="34" charset="0"/>
+                </a:defRPr>
+              </a:lvl9pPr>
+            </a:lstStyle>
+            <a:p>
+              <a:pPr marL="0" marR="0" lvl="0" indent="0" algn="l" defTabSz="914400" rtl="0" eaLnBrk="0" fontAlgn="base" latinLnBrk="0" hangingPunct="0">
+                <a:lnSpc>
+                  <a:spcPct val="100000"/>
+                </a:lnSpc>
+                <a:spcBef>
+                  <a:spcPct val="0"/>
+                </a:spcBef>
+                <a:spcAft>
+                  <a:spcPct val="0"/>
+                </a:spcAft>
+                <a:buClrTx/>
+                <a:buSzTx/>
+                <a:buFontTx/>
+                <a:buNone/>
+                <a:tabLst/>
+              </a:pPr>
+              <a:r>
+                <a:rPr kumimoji="0" lang="en-US" altLang="en-US" sz="2400" b="0" i="0" u="none" strike="noStrike" cap="none" normalizeH="0" baseline="0">
+                  <a:ln>
+                    <a:noFill/>
+                  </a:ln>
+                  <a:solidFill>
+                    <a:srgbClr val="000000"/>
+                  </a:solidFill>
+                  <a:effectLst/>
+                  <a:latin typeface="Calibri" panose="020F0502020204030204" pitchFamily="34" charset="0"/>
+                </a:rPr>
+                <a:t>0.5578</a:t>
+              </a:r>
+              <a:endParaRPr kumimoji="0" lang="en-US" altLang="en-US" sz="1800" b="0" i="0" u="none" strike="noStrike" cap="none" normalizeH="0" baseline="0">
+                <a:ln>
+                  <a:noFill/>
+                </a:ln>
+                <a:solidFill>
+                  <a:schemeClr val="tx1"/>
+                </a:solidFill>
+                <a:effectLst/>
+                <a:latin typeface="Arial" panose="020B0604020202020204" pitchFamily="34" charset="0"/>
+              </a:endParaRPr>
+            </a:p>
+          </p:txBody>
+        </p:sp>
+        <p:sp>
+          <p:nvSpPr>
+            <p:cNvPr id="31" name="Rectangle 28">
+              <a:extLst>
+                <a:ext uri="{FF2B5EF4-FFF2-40B4-BE49-F238E27FC236}">
+                  <a16:creationId xmlns:a16="http://schemas.microsoft.com/office/drawing/2014/main" id="{301F052F-27E9-D003-46E5-7DC83C51EA5F}"/>
+                </a:ext>
+              </a:extLst>
+            </p:cNvPr>
+            <p:cNvSpPr>
+              <a:spLocks noChangeArrowheads="1"/>
+            </p:cNvSpPr>
+            <p:nvPr/>
+          </p:nvSpPr>
+          <p:spPr bwMode="auto">
+            <a:xfrm>
+              <a:off x="4076" y="1177"/>
+              <a:ext cx="1283" cy="300"/>
+            </a:xfrm>
+            <a:prstGeom prst="rect">
+              <a:avLst/>
+            </a:prstGeom>
+            <a:noFill/>
+            <a:ln>
+              <a:noFill/>
+            </a:ln>
+            <a:extLst>
+              <a:ext uri="{909E8E84-426E-40DD-AFC4-6F175D3DCCD1}">
+                <a14:hiddenFill xmlns:a14="http://schemas.microsoft.com/office/drawing/2010/main">
+                  <a:solidFill>
+                    <a:srgbClr val="FFFFFF"/>
+                  </a:solidFill>
+                </a14:hiddenFill>
+              </a:ext>
+              <a:ext uri="{91240B29-F687-4F45-9708-019B960494DF}">
+                <a14:hiddenLine xmlns:a14="http://schemas.microsoft.com/office/drawing/2010/main" w="9525">
+                  <a:solidFill>
+                    <a:srgbClr val="000000"/>
+                  </a:solidFill>
+                  <a:miter lim="800000"/>
+                  <a:headEnd/>
+                  <a:tailEnd/>
+                </a14:hiddenLine>
+              </a:ext>
+            </a:extLst>
+          </p:spPr>
+          <p:txBody>
+            <a:bodyPr vert="horz" wrap="none" lIns="0" tIns="0" rIns="0" bIns="0" numCol="1" anchor="t" anchorCtr="0" compatLnSpc="1">
+              <a:prstTxWarp prst="textNoShape">
+                <a:avLst/>
+              </a:prstTxWarp>
+              <a:spAutoFit/>
+            </a:bodyPr>
+            <a:lstStyle>
+              <a:lvl1pPr eaLnBrk="0" fontAlgn="base" hangingPunct="0">
+                <a:spcBef>
+                  <a:spcPct val="0"/>
+                </a:spcBef>
+                <a:spcAft>
+                  <a:spcPct val="0"/>
+                </a:spcAft>
+                <a:defRPr>
+                  <a:solidFill>
+                    <a:schemeClr val="tx1"/>
+                  </a:solidFill>
+                  <a:latin typeface="Arial" panose="020B0604020202020204" pitchFamily="34" charset="0"/>
+                </a:defRPr>
+              </a:lvl1pPr>
+              <a:lvl2pPr eaLnBrk="0" fontAlgn="base" hangingPunct="0">
+                <a:spcBef>
+                  <a:spcPct val="0"/>
+                </a:spcBef>
+                <a:spcAft>
+                  <a:spcPct val="0"/>
+                </a:spcAft>
+                <a:defRPr>
+                  <a:solidFill>
+                    <a:schemeClr val="tx1"/>
+                  </a:solidFill>
+                  <a:latin typeface="Arial" panose="020B0604020202020204" pitchFamily="34" charset="0"/>
+                </a:defRPr>
+              </a:lvl2pPr>
+              <a:lvl3pPr eaLnBrk="0" fontAlgn="base" hangingPunct="0">
+                <a:spcBef>
+                  <a:spcPct val="0"/>
+                </a:spcBef>
+                <a:spcAft>
+                  <a:spcPct val="0"/>
+                </a:spcAft>
+                <a:defRPr>
+                  <a:solidFill>
+                    <a:schemeClr val="tx1"/>
+                  </a:solidFill>
+                  <a:latin typeface="Arial" panose="020B0604020202020204" pitchFamily="34" charset="0"/>
+                </a:defRPr>
+              </a:lvl3pPr>
+              <a:lvl4pPr eaLnBrk="0" fontAlgn="base" hangingPunct="0">
+                <a:spcBef>
+                  <a:spcPct val="0"/>
+                </a:spcBef>
+                <a:spcAft>
+                  <a:spcPct val="0"/>
+                </a:spcAft>
+                <a:defRPr>
+                  <a:solidFill>
+                    <a:schemeClr val="tx1"/>
+                  </a:solidFill>
+                  <a:latin typeface="Arial" panose="020B0604020202020204" pitchFamily="34" charset="0"/>
+                </a:defRPr>
+              </a:lvl4pPr>
+              <a:lvl5pPr eaLnBrk="0" fontAlgn="base" hangingPunct="0">
+                <a:spcBef>
+                  <a:spcPct val="0"/>
+                </a:spcBef>
+                <a:spcAft>
+                  <a:spcPct val="0"/>
+                </a:spcAft>
+                <a:defRPr>
+                  <a:solidFill>
+                    <a:schemeClr val="tx1"/>
+                  </a:solidFill>
+                  <a:latin typeface="Arial" panose="020B0604020202020204" pitchFamily="34" charset="0"/>
+                </a:defRPr>
+              </a:lvl5pPr>
+              <a:lvl6pPr eaLnBrk="0" fontAlgn="base" hangingPunct="0">
+                <a:spcBef>
+                  <a:spcPct val="0"/>
+                </a:spcBef>
+                <a:spcAft>
+                  <a:spcPct val="0"/>
+                </a:spcAft>
+                <a:defRPr>
+                  <a:solidFill>
+                    <a:schemeClr val="tx1"/>
+                  </a:solidFill>
+                  <a:latin typeface="Arial" panose="020B0604020202020204" pitchFamily="34" charset="0"/>
+                </a:defRPr>
+              </a:lvl6pPr>
+              <a:lvl7pPr eaLnBrk="0" fontAlgn="base" hangingPunct="0">
+                <a:spcBef>
+                  <a:spcPct val="0"/>
+                </a:spcBef>
+                <a:spcAft>
+                  <a:spcPct val="0"/>
+                </a:spcAft>
+                <a:defRPr>
+                  <a:solidFill>
+                    <a:schemeClr val="tx1"/>
+                  </a:solidFill>
+                  <a:latin typeface="Arial" panose="020B0604020202020204" pitchFamily="34" charset="0"/>
+                </a:defRPr>
+              </a:lvl7pPr>
+              <a:lvl8pPr eaLnBrk="0" fontAlgn="base" hangingPunct="0">
+                <a:spcBef>
+                  <a:spcPct val="0"/>
+                </a:spcBef>
+                <a:spcAft>
+                  <a:spcPct val="0"/>
+                </a:spcAft>
+                <a:defRPr>
+                  <a:solidFill>
+                    <a:schemeClr val="tx1"/>
+                  </a:solidFill>
+                  <a:latin typeface="Arial" panose="020B0604020202020204" pitchFamily="34" charset="0"/>
+                </a:defRPr>
+              </a:lvl8pPr>
+              <a:lvl9pPr eaLnBrk="0" fontAlgn="base" hangingPunct="0">
+                <a:spcBef>
+                  <a:spcPct val="0"/>
+                </a:spcBef>
+                <a:spcAft>
+                  <a:spcPct val="0"/>
+                </a:spcAft>
+                <a:defRPr>
+                  <a:solidFill>
+                    <a:schemeClr val="tx1"/>
+                  </a:solidFill>
+                  <a:latin typeface="Arial" panose="020B0604020202020204" pitchFamily="34" charset="0"/>
+                </a:defRPr>
+              </a:lvl9pPr>
+            </a:lstStyle>
+            <a:p>
+              <a:pPr marL="0" marR="0" lvl="0" indent="0" algn="l" defTabSz="914400" rtl="0" eaLnBrk="0" fontAlgn="base" latinLnBrk="0" hangingPunct="0">
+                <a:lnSpc>
+                  <a:spcPct val="100000"/>
+                </a:lnSpc>
+                <a:spcBef>
+                  <a:spcPct val="0"/>
+                </a:spcBef>
+                <a:spcAft>
+                  <a:spcPct val="0"/>
+                </a:spcAft>
+                <a:buClrTx/>
+                <a:buSzTx/>
+                <a:buFontTx/>
+                <a:buNone/>
+                <a:tabLst/>
+              </a:pPr>
+              <a:r>
+                <a:rPr kumimoji="0" lang="en-US" altLang="en-US" sz="2400" b="0" i="0" u="none" strike="noStrike" cap="none" normalizeH="0" baseline="0">
+                  <a:ln>
+                    <a:noFill/>
+                  </a:ln>
+                  <a:solidFill>
+                    <a:srgbClr val="000000"/>
+                  </a:solidFill>
+                  <a:effectLst/>
+                  <a:latin typeface="Calibri" panose="020F0502020204030204" pitchFamily="34" charset="0"/>
+                </a:rPr>
+                <a:t>w/ Archetypes</a:t>
+              </a:r>
+              <a:endParaRPr kumimoji="0" lang="en-US" altLang="en-US" sz="1800" b="0" i="0" u="none" strike="noStrike" cap="none" normalizeH="0" baseline="0">
+                <a:ln>
+                  <a:noFill/>
+                </a:ln>
+                <a:solidFill>
+                  <a:schemeClr val="tx1"/>
+                </a:solidFill>
+                <a:effectLst/>
+                <a:latin typeface="Arial" panose="020B0604020202020204" pitchFamily="34" charset="0"/>
+              </a:endParaRPr>
+            </a:p>
+          </p:txBody>
+        </p:sp>
+        <p:sp>
+          <p:nvSpPr>
+            <p:cNvPr id="32" name="Rectangle 29">
+              <a:extLst>
+                <a:ext uri="{FF2B5EF4-FFF2-40B4-BE49-F238E27FC236}">
+                  <a16:creationId xmlns:a16="http://schemas.microsoft.com/office/drawing/2014/main" id="{9CD25830-F184-88AB-A6DA-AAE0B64D55B5}"/>
+                </a:ext>
+              </a:extLst>
+            </p:cNvPr>
+            <p:cNvSpPr>
+              <a:spLocks noChangeArrowheads="1"/>
+            </p:cNvSpPr>
+            <p:nvPr/>
+          </p:nvSpPr>
+          <p:spPr bwMode="auto">
+            <a:xfrm>
+              <a:off x="5751" y="1177"/>
+              <a:ext cx="1562" cy="300"/>
+            </a:xfrm>
+            <a:prstGeom prst="rect">
+              <a:avLst/>
+            </a:prstGeom>
+            <a:noFill/>
+            <a:ln>
+              <a:noFill/>
+            </a:ln>
+            <a:extLst>
+              <a:ext uri="{909E8E84-426E-40DD-AFC4-6F175D3DCCD1}">
+                <a14:hiddenFill xmlns:a14="http://schemas.microsoft.com/office/drawing/2010/main">
+                  <a:solidFill>
+                    <a:srgbClr val="FFFFFF"/>
+                  </a:solidFill>
+                </a14:hiddenFill>
+              </a:ext>
+              <a:ext uri="{91240B29-F687-4F45-9708-019B960494DF}">
+                <a14:hiddenLine xmlns:a14="http://schemas.microsoft.com/office/drawing/2010/main" w="9525">
+                  <a:solidFill>
+                    <a:srgbClr val="000000"/>
+                  </a:solidFill>
+                  <a:miter lim="800000"/>
+                  <a:headEnd/>
+                  <a:tailEnd/>
+                </a14:hiddenLine>
+              </a:ext>
+            </a:extLst>
+          </p:spPr>
+          <p:txBody>
+            <a:bodyPr vert="horz" wrap="none" lIns="0" tIns="0" rIns="0" bIns="0" numCol="1" anchor="t" anchorCtr="0" compatLnSpc="1">
+              <a:prstTxWarp prst="textNoShape">
+                <a:avLst/>
+              </a:prstTxWarp>
+              <a:spAutoFit/>
+            </a:bodyPr>
+            <a:lstStyle>
+              <a:lvl1pPr eaLnBrk="0" fontAlgn="base" hangingPunct="0">
+                <a:spcBef>
+                  <a:spcPct val="0"/>
+                </a:spcBef>
+                <a:spcAft>
+                  <a:spcPct val="0"/>
+                </a:spcAft>
+                <a:defRPr>
+                  <a:solidFill>
+                    <a:schemeClr val="tx1"/>
+                  </a:solidFill>
+                  <a:latin typeface="Arial" panose="020B0604020202020204" pitchFamily="34" charset="0"/>
+                </a:defRPr>
+              </a:lvl1pPr>
+              <a:lvl2pPr eaLnBrk="0" fontAlgn="base" hangingPunct="0">
+                <a:spcBef>
+                  <a:spcPct val="0"/>
+                </a:spcBef>
+                <a:spcAft>
+                  <a:spcPct val="0"/>
+                </a:spcAft>
+                <a:defRPr>
+                  <a:solidFill>
+                    <a:schemeClr val="tx1"/>
+                  </a:solidFill>
+                  <a:latin typeface="Arial" panose="020B0604020202020204" pitchFamily="34" charset="0"/>
+                </a:defRPr>
+              </a:lvl2pPr>
+              <a:lvl3pPr eaLnBrk="0" fontAlgn="base" hangingPunct="0">
+                <a:spcBef>
+                  <a:spcPct val="0"/>
+                </a:spcBef>
+                <a:spcAft>
+                  <a:spcPct val="0"/>
+                </a:spcAft>
+                <a:defRPr>
+                  <a:solidFill>
+                    <a:schemeClr val="tx1"/>
+                  </a:solidFill>
+                  <a:latin typeface="Arial" panose="020B0604020202020204" pitchFamily="34" charset="0"/>
+                </a:defRPr>
+              </a:lvl3pPr>
+              <a:lvl4pPr eaLnBrk="0" fontAlgn="base" hangingPunct="0">
+                <a:spcBef>
+                  <a:spcPct val="0"/>
+                </a:spcBef>
+                <a:spcAft>
+                  <a:spcPct val="0"/>
+                </a:spcAft>
+                <a:defRPr>
+                  <a:solidFill>
+                    <a:schemeClr val="tx1"/>
+                  </a:solidFill>
+                  <a:latin typeface="Arial" panose="020B0604020202020204" pitchFamily="34" charset="0"/>
+                </a:defRPr>
+              </a:lvl4pPr>
+              <a:lvl5pPr eaLnBrk="0" fontAlgn="base" hangingPunct="0">
+                <a:spcBef>
+                  <a:spcPct val="0"/>
+                </a:spcBef>
+                <a:spcAft>
+                  <a:spcPct val="0"/>
+                </a:spcAft>
+                <a:defRPr>
+                  <a:solidFill>
+                    <a:schemeClr val="tx1"/>
+                  </a:solidFill>
+                  <a:latin typeface="Arial" panose="020B0604020202020204" pitchFamily="34" charset="0"/>
+                </a:defRPr>
+              </a:lvl5pPr>
+              <a:lvl6pPr eaLnBrk="0" fontAlgn="base" hangingPunct="0">
+                <a:spcBef>
+                  <a:spcPct val="0"/>
+                </a:spcBef>
+                <a:spcAft>
+                  <a:spcPct val="0"/>
+                </a:spcAft>
+                <a:defRPr>
+                  <a:solidFill>
+                    <a:schemeClr val="tx1"/>
+                  </a:solidFill>
+                  <a:latin typeface="Arial" panose="020B0604020202020204" pitchFamily="34" charset="0"/>
+                </a:defRPr>
+              </a:lvl6pPr>
+              <a:lvl7pPr eaLnBrk="0" fontAlgn="base" hangingPunct="0">
+                <a:spcBef>
+                  <a:spcPct val="0"/>
+                </a:spcBef>
+                <a:spcAft>
+                  <a:spcPct val="0"/>
+                </a:spcAft>
+                <a:defRPr>
+                  <a:solidFill>
+                    <a:schemeClr val="tx1"/>
+                  </a:solidFill>
+                  <a:latin typeface="Arial" panose="020B0604020202020204" pitchFamily="34" charset="0"/>
+                </a:defRPr>
+              </a:lvl7pPr>
+              <a:lvl8pPr eaLnBrk="0" fontAlgn="base" hangingPunct="0">
+                <a:spcBef>
+                  <a:spcPct val="0"/>
+                </a:spcBef>
+                <a:spcAft>
+                  <a:spcPct val="0"/>
+                </a:spcAft>
+                <a:defRPr>
+                  <a:solidFill>
+                    <a:schemeClr val="tx1"/>
+                  </a:solidFill>
+                  <a:latin typeface="Arial" panose="020B0604020202020204" pitchFamily="34" charset="0"/>
+                </a:defRPr>
+              </a:lvl8pPr>
+              <a:lvl9pPr eaLnBrk="0" fontAlgn="base" hangingPunct="0">
+                <a:spcBef>
+                  <a:spcPct val="0"/>
+                </a:spcBef>
+                <a:spcAft>
+                  <a:spcPct val="0"/>
+                </a:spcAft>
+                <a:defRPr>
+                  <a:solidFill>
+                    <a:schemeClr val="tx1"/>
+                  </a:solidFill>
+                  <a:latin typeface="Arial" panose="020B0604020202020204" pitchFamily="34" charset="0"/>
+                </a:defRPr>
+              </a:lvl9pPr>
+            </a:lstStyle>
+            <a:p>
+              <a:pPr marL="0" marR="0" lvl="0" indent="0" algn="l" defTabSz="914400" rtl="0" eaLnBrk="0" fontAlgn="base" latinLnBrk="0" hangingPunct="0">
+                <a:lnSpc>
+                  <a:spcPct val="100000"/>
+                </a:lnSpc>
+                <a:spcBef>
+                  <a:spcPct val="0"/>
+                </a:spcBef>
+                <a:spcAft>
+                  <a:spcPct val="0"/>
+                </a:spcAft>
+                <a:buClrTx/>
+                <a:buSzTx/>
+                <a:buFontTx/>
+                <a:buNone/>
+                <a:tabLst/>
+              </a:pPr>
+              <a:r>
+                <a:rPr kumimoji="0" lang="en-US" altLang="en-US" sz="2400" b="0" i="0" u="none" strike="noStrike" cap="none" normalizeH="0" baseline="0">
+                  <a:ln>
+                    <a:noFill/>
+                  </a:ln>
+                  <a:solidFill>
+                    <a:srgbClr val="000000"/>
+                  </a:solidFill>
+                  <a:effectLst/>
+                  <a:latin typeface="Calibri" panose="020F0502020204030204" pitchFamily="34" charset="0"/>
+                </a:rPr>
+                <a:t>w/out Archetypes</a:t>
+              </a:r>
+              <a:endParaRPr kumimoji="0" lang="en-US" altLang="en-US" sz="1800" b="0" i="0" u="none" strike="noStrike" cap="none" normalizeH="0" baseline="0">
+                <a:ln>
+                  <a:noFill/>
+                </a:ln>
+                <a:solidFill>
+                  <a:schemeClr val="tx1"/>
+                </a:solidFill>
+                <a:effectLst/>
+                <a:latin typeface="Arial" panose="020B0604020202020204" pitchFamily="34" charset="0"/>
+              </a:endParaRPr>
+            </a:p>
+          </p:txBody>
+        </p:sp>
+        <p:sp>
+          <p:nvSpPr>
+            <p:cNvPr id="33" name="Rectangle 30">
+              <a:extLst>
+                <a:ext uri="{FF2B5EF4-FFF2-40B4-BE49-F238E27FC236}">
+                  <a16:creationId xmlns:a16="http://schemas.microsoft.com/office/drawing/2014/main" id="{06B81788-7065-0DFC-D918-6B98E20D80D3}"/>
+                </a:ext>
+              </a:extLst>
+            </p:cNvPr>
+            <p:cNvSpPr>
+              <a:spLocks noChangeArrowheads="1"/>
+            </p:cNvSpPr>
+            <p:nvPr/>
+          </p:nvSpPr>
+          <p:spPr bwMode="auto">
+            <a:xfrm>
+              <a:off x="327" y="1164"/>
+              <a:ext cx="7" cy="1"/>
+            </a:xfrm>
+            <a:prstGeom prst="rect">
+              <a:avLst/>
+            </a:prstGeom>
+            <a:solidFill>
+              <a:srgbClr val="D4D4D4"/>
+            </a:solidFill>
+            <a:ln>
+              <a:noFill/>
+            </a:ln>
+            <a:extLst>
+              <a:ext uri="{91240B29-F687-4F45-9708-019B960494DF}">
+                <a14:hiddenLine xmlns:a14="http://schemas.microsoft.com/office/drawing/2010/main" w="9525">
+                  <a:solidFill>
+                    <a:srgbClr val="000000"/>
+                  </a:solidFill>
+                  <a:miter lim="800000"/>
+                  <a:headEnd/>
+                  <a:tailEnd/>
+                </a14:hiddenLine>
+              </a:ext>
+            </a:extLst>
+          </p:spPr>
+          <p:txBody>
+            <a:bodyPr vert="horz" wrap="square" lIns="91440" tIns="45720" rIns="91440" bIns="45720" numCol="1" anchor="t" anchorCtr="0" compatLnSpc="1">
+              <a:prstTxWarp prst="textNoShape">
+                <a:avLst/>
+              </a:prstTxWarp>
+            </a:bodyPr>
+            <a:lstStyle/>
+            <a:p>
+              <a:endParaRPr lang="en-US"/>
+            </a:p>
+          </p:txBody>
+        </p:sp>
+        <p:sp>
+          <p:nvSpPr>
+            <p:cNvPr id="34" name="Rectangle 31">
+              <a:extLst>
+                <a:ext uri="{FF2B5EF4-FFF2-40B4-BE49-F238E27FC236}">
+                  <a16:creationId xmlns:a16="http://schemas.microsoft.com/office/drawing/2014/main" id="{2F409147-0325-1A46-EBD8-26566B867B2D}"/>
+                </a:ext>
+              </a:extLst>
+            </p:cNvPr>
+            <p:cNvSpPr>
+              <a:spLocks noChangeArrowheads="1"/>
+            </p:cNvSpPr>
+            <p:nvPr/>
+          </p:nvSpPr>
+          <p:spPr bwMode="auto">
+            <a:xfrm>
+              <a:off x="3730" y="1164"/>
+              <a:ext cx="7" cy="1"/>
+            </a:xfrm>
+            <a:prstGeom prst="rect">
+              <a:avLst/>
+            </a:prstGeom>
+            <a:solidFill>
+              <a:srgbClr val="D4D4D4"/>
+            </a:solidFill>
+            <a:ln>
+              <a:noFill/>
+            </a:ln>
+            <a:extLst>
+              <a:ext uri="{91240B29-F687-4F45-9708-019B960494DF}">
+                <a14:hiddenLine xmlns:a14="http://schemas.microsoft.com/office/drawing/2010/main" w="9525">
+                  <a:solidFill>
+                    <a:srgbClr val="000000"/>
+                  </a:solidFill>
+                  <a:miter lim="800000"/>
+                  <a:headEnd/>
+                  <a:tailEnd/>
+                </a14:hiddenLine>
+              </a:ext>
+            </a:extLst>
+          </p:spPr>
+          <p:txBody>
+            <a:bodyPr vert="horz" wrap="square" lIns="91440" tIns="45720" rIns="91440" bIns="45720" numCol="1" anchor="t" anchorCtr="0" compatLnSpc="1">
+              <a:prstTxWarp prst="textNoShape">
+                <a:avLst/>
+              </a:prstTxWarp>
+            </a:bodyPr>
+            <a:lstStyle/>
+            <a:p>
+              <a:endParaRPr lang="en-US"/>
+            </a:p>
+          </p:txBody>
+        </p:sp>
+        <p:sp>
+          <p:nvSpPr>
+            <p:cNvPr id="35" name="Rectangle 32">
+              <a:extLst>
+                <a:ext uri="{FF2B5EF4-FFF2-40B4-BE49-F238E27FC236}">
+                  <a16:creationId xmlns:a16="http://schemas.microsoft.com/office/drawing/2014/main" id="{E9208BF0-C974-6DE7-8037-A2AFC10C7F44}"/>
+                </a:ext>
+              </a:extLst>
+            </p:cNvPr>
+            <p:cNvSpPr>
+              <a:spLocks noChangeArrowheads="1"/>
+            </p:cNvSpPr>
+            <p:nvPr/>
+          </p:nvSpPr>
+          <p:spPr bwMode="auto">
+            <a:xfrm>
+              <a:off x="5538" y="1164"/>
+              <a:ext cx="7" cy="1"/>
+            </a:xfrm>
+            <a:prstGeom prst="rect">
+              <a:avLst/>
+            </a:prstGeom>
+            <a:solidFill>
+              <a:srgbClr val="D4D4D4"/>
+            </a:solidFill>
+            <a:ln>
+              <a:noFill/>
+            </a:ln>
+            <a:extLst>
+              <a:ext uri="{91240B29-F687-4F45-9708-019B960494DF}">
+                <a14:hiddenLine xmlns:a14="http://schemas.microsoft.com/office/drawing/2010/main" w="9525">
+                  <a:solidFill>
+                    <a:srgbClr val="000000"/>
+                  </a:solidFill>
+                  <a:miter lim="800000"/>
+                  <a:headEnd/>
+                  <a:tailEnd/>
+                </a14:hiddenLine>
+              </a:ext>
+            </a:extLst>
+          </p:spPr>
+          <p:txBody>
+            <a:bodyPr vert="horz" wrap="square" lIns="91440" tIns="45720" rIns="91440" bIns="45720" numCol="1" anchor="t" anchorCtr="0" compatLnSpc="1">
+              <a:prstTxWarp prst="textNoShape">
+                <a:avLst/>
+              </a:prstTxWarp>
+            </a:bodyPr>
+            <a:lstStyle/>
+            <a:p>
+              <a:endParaRPr lang="en-US"/>
+            </a:p>
+          </p:txBody>
+        </p:sp>
+        <p:sp>
+          <p:nvSpPr>
+            <p:cNvPr id="36" name="Line 33">
+              <a:extLst>
+                <a:ext uri="{FF2B5EF4-FFF2-40B4-BE49-F238E27FC236}">
+                  <a16:creationId xmlns:a16="http://schemas.microsoft.com/office/drawing/2014/main" id="{2C9613F7-E643-AAA8-A0FB-673B5CC5BAF1}"/>
+                </a:ext>
+              </a:extLst>
+            </p:cNvPr>
+            <p:cNvSpPr>
+              <a:spLocks noChangeShapeType="1"/>
+            </p:cNvSpPr>
+            <p:nvPr/>
+          </p:nvSpPr>
+          <p:spPr bwMode="auto">
+            <a:xfrm>
+              <a:off x="334" y="1164"/>
+              <a:ext cx="7019" cy="0"/>
+            </a:xfrm>
+            <a:prstGeom prst="line">
+              <a:avLst/>
+            </a:prstGeom>
+            <a:noFill/>
+            <a:ln w="0">
+              <a:solidFill>
+                <a:srgbClr val="000000"/>
+              </a:solidFill>
+              <a:prstDash val="solid"/>
+              <a:round/>
+              <a:headEnd/>
+              <a:tailEnd/>
+            </a:ln>
+            <a:extLst>
+              <a:ext uri="{909E8E84-426E-40DD-AFC4-6F175D3DCCD1}">
+                <a14:hiddenFill xmlns:a14="http://schemas.microsoft.com/office/drawing/2010/main">
+                  <a:noFill/>
+                </a14:hiddenFill>
+              </a:ext>
+            </a:extLst>
+          </p:spPr>
+          <p:txBody>
+            <a:bodyPr vert="horz" wrap="square" lIns="91440" tIns="45720" rIns="91440" bIns="45720" numCol="1" anchor="t" anchorCtr="0" compatLnSpc="1">
+              <a:prstTxWarp prst="textNoShape">
+                <a:avLst/>
+              </a:prstTxWarp>
+            </a:bodyPr>
+            <a:lstStyle/>
+            <a:p>
+              <a:endParaRPr lang="en-US"/>
+            </a:p>
+          </p:txBody>
+        </p:sp>
+        <p:sp>
+          <p:nvSpPr>
+            <p:cNvPr id="37" name="Rectangle 34">
+              <a:extLst>
+                <a:ext uri="{FF2B5EF4-FFF2-40B4-BE49-F238E27FC236}">
+                  <a16:creationId xmlns:a16="http://schemas.microsoft.com/office/drawing/2014/main" id="{8149C224-1ADE-A88B-8706-8C81A8F1171D}"/>
+                </a:ext>
+              </a:extLst>
+            </p:cNvPr>
+            <p:cNvSpPr>
+              <a:spLocks noChangeArrowheads="1"/>
+            </p:cNvSpPr>
+            <p:nvPr/>
+          </p:nvSpPr>
+          <p:spPr bwMode="auto">
+            <a:xfrm>
+              <a:off x="334" y="1164"/>
+              <a:ext cx="7019" cy="7"/>
+            </a:xfrm>
+            <a:prstGeom prst="rect">
+              <a:avLst/>
+            </a:prstGeom>
+            <a:solidFill>
+              <a:srgbClr val="000000"/>
+            </a:solidFill>
+            <a:ln>
+              <a:noFill/>
+            </a:ln>
+            <a:extLst>
+              <a:ext uri="{91240B29-F687-4F45-9708-019B960494DF}">
+                <a14:hiddenLine xmlns:a14="http://schemas.microsoft.com/office/drawing/2010/main" w="9525">
+                  <a:solidFill>
+                    <a:srgbClr val="000000"/>
+                  </a:solidFill>
+                  <a:miter lim="800000"/>
+                  <a:headEnd/>
+                  <a:tailEnd/>
+                </a14:hiddenLine>
+              </a:ext>
+            </a:extLst>
+          </p:spPr>
+          <p:txBody>
+            <a:bodyPr vert="horz" wrap="square" lIns="91440" tIns="45720" rIns="91440" bIns="45720" numCol="1" anchor="t" anchorCtr="0" compatLnSpc="1">
+              <a:prstTxWarp prst="textNoShape">
+                <a:avLst/>
+              </a:prstTxWarp>
+            </a:bodyPr>
+            <a:lstStyle/>
+            <a:p>
+              <a:endParaRPr lang="en-US"/>
+            </a:p>
+          </p:txBody>
+        </p:sp>
+        <p:sp>
+          <p:nvSpPr>
+            <p:cNvPr id="38" name="Rectangle 35">
+              <a:extLst>
+                <a:ext uri="{FF2B5EF4-FFF2-40B4-BE49-F238E27FC236}">
+                  <a16:creationId xmlns:a16="http://schemas.microsoft.com/office/drawing/2014/main" id="{00A1F850-0505-A874-575A-54F6BB8B8934}"/>
+                </a:ext>
+              </a:extLst>
+            </p:cNvPr>
+            <p:cNvSpPr>
+              <a:spLocks noChangeArrowheads="1"/>
+            </p:cNvSpPr>
+            <p:nvPr/>
+          </p:nvSpPr>
+          <p:spPr bwMode="auto">
+            <a:xfrm>
+              <a:off x="7346" y="1164"/>
+              <a:ext cx="7" cy="1"/>
+            </a:xfrm>
+            <a:prstGeom prst="rect">
+              <a:avLst/>
+            </a:prstGeom>
+            <a:solidFill>
+              <a:srgbClr val="D4D4D4"/>
+            </a:solidFill>
+            <a:ln>
+              <a:noFill/>
+            </a:ln>
+            <a:extLst>
+              <a:ext uri="{91240B29-F687-4F45-9708-019B960494DF}">
+                <a14:hiddenLine xmlns:a14="http://schemas.microsoft.com/office/drawing/2010/main" w="9525">
+                  <a:solidFill>
+                    <a:srgbClr val="000000"/>
+                  </a:solidFill>
+                  <a:miter lim="800000"/>
+                  <a:headEnd/>
+                  <a:tailEnd/>
+                </a14:hiddenLine>
+              </a:ext>
+            </a:extLst>
+          </p:spPr>
+          <p:txBody>
+            <a:bodyPr vert="horz" wrap="square" lIns="91440" tIns="45720" rIns="91440" bIns="45720" numCol="1" anchor="t" anchorCtr="0" compatLnSpc="1">
+              <a:prstTxWarp prst="textNoShape">
+                <a:avLst/>
+              </a:prstTxWarp>
+            </a:bodyPr>
+            <a:lstStyle/>
+            <a:p>
+              <a:endParaRPr lang="en-US"/>
+            </a:p>
+          </p:txBody>
+        </p:sp>
+        <p:sp>
+          <p:nvSpPr>
+            <p:cNvPr id="39" name="Line 36">
+              <a:extLst>
+                <a:ext uri="{FF2B5EF4-FFF2-40B4-BE49-F238E27FC236}">
+                  <a16:creationId xmlns:a16="http://schemas.microsoft.com/office/drawing/2014/main" id="{BDAE18AC-58E4-E1D7-45F0-5491A41EEEEE}"/>
+                </a:ext>
+              </a:extLst>
+            </p:cNvPr>
+            <p:cNvSpPr>
+              <a:spLocks noChangeShapeType="1"/>
+            </p:cNvSpPr>
+            <p:nvPr/>
+          </p:nvSpPr>
+          <p:spPr bwMode="auto">
+            <a:xfrm>
+              <a:off x="334" y="1418"/>
+              <a:ext cx="3396" cy="0"/>
+            </a:xfrm>
+            <a:prstGeom prst="line">
+              <a:avLst/>
+            </a:prstGeom>
+            <a:noFill/>
+            <a:ln w="0">
+              <a:solidFill>
+                <a:srgbClr val="D4D4D4"/>
+              </a:solidFill>
+              <a:prstDash val="solid"/>
+              <a:round/>
+              <a:headEnd/>
+              <a:tailEnd/>
+            </a:ln>
+            <a:extLst>
+              <a:ext uri="{909E8E84-426E-40DD-AFC4-6F175D3DCCD1}">
+                <a14:hiddenFill xmlns:a14="http://schemas.microsoft.com/office/drawing/2010/main">
+                  <a:noFill/>
+                </a14:hiddenFill>
+              </a:ext>
+            </a:extLst>
+          </p:spPr>
+          <p:txBody>
+            <a:bodyPr vert="horz" wrap="square" lIns="91440" tIns="45720" rIns="91440" bIns="45720" numCol="1" anchor="t" anchorCtr="0" compatLnSpc="1">
+              <a:prstTxWarp prst="textNoShape">
+                <a:avLst/>
+              </a:prstTxWarp>
+            </a:bodyPr>
+            <a:lstStyle/>
+            <a:p>
+              <a:endParaRPr lang="en-US"/>
+            </a:p>
+          </p:txBody>
+        </p:sp>
+        <p:sp>
+          <p:nvSpPr>
+            <p:cNvPr id="40" name="Rectangle 37">
+              <a:extLst>
+                <a:ext uri="{FF2B5EF4-FFF2-40B4-BE49-F238E27FC236}">
+                  <a16:creationId xmlns:a16="http://schemas.microsoft.com/office/drawing/2014/main" id="{0654CE29-A500-E131-B79D-0D686417064E}"/>
+                </a:ext>
+              </a:extLst>
+            </p:cNvPr>
+            <p:cNvSpPr>
+              <a:spLocks noChangeArrowheads="1"/>
+            </p:cNvSpPr>
+            <p:nvPr/>
+          </p:nvSpPr>
+          <p:spPr bwMode="auto">
+            <a:xfrm>
+              <a:off x="334" y="1418"/>
+              <a:ext cx="3396" cy="6"/>
+            </a:xfrm>
+            <a:prstGeom prst="rect">
+              <a:avLst/>
+            </a:prstGeom>
+            <a:solidFill>
+              <a:srgbClr val="D4D4D4"/>
+            </a:solidFill>
+            <a:ln>
+              <a:noFill/>
+            </a:ln>
+            <a:extLst>
+              <a:ext uri="{91240B29-F687-4F45-9708-019B960494DF}">
+                <a14:hiddenLine xmlns:a14="http://schemas.microsoft.com/office/drawing/2010/main" w="9525">
+                  <a:solidFill>
+                    <a:srgbClr val="000000"/>
+                  </a:solidFill>
+                  <a:miter lim="800000"/>
+                  <a:headEnd/>
+                  <a:tailEnd/>
+                </a14:hiddenLine>
+              </a:ext>
+            </a:extLst>
+          </p:spPr>
+          <p:txBody>
+            <a:bodyPr vert="horz" wrap="square" lIns="91440" tIns="45720" rIns="91440" bIns="45720" numCol="1" anchor="t" anchorCtr="0" compatLnSpc="1">
+              <a:prstTxWarp prst="textNoShape">
+                <a:avLst/>
+              </a:prstTxWarp>
+            </a:bodyPr>
+            <a:lstStyle/>
+            <a:p>
+              <a:endParaRPr lang="en-US"/>
+            </a:p>
+          </p:txBody>
+        </p:sp>
+        <p:sp>
+          <p:nvSpPr>
+            <p:cNvPr id="41" name="Rectangle 38">
+              <a:extLst>
+                <a:ext uri="{FF2B5EF4-FFF2-40B4-BE49-F238E27FC236}">
+                  <a16:creationId xmlns:a16="http://schemas.microsoft.com/office/drawing/2014/main" id="{7BF5E8DE-E490-31BF-EDE4-EF83D4DF9CCE}"/>
+                </a:ext>
+              </a:extLst>
+            </p:cNvPr>
+            <p:cNvSpPr>
+              <a:spLocks noChangeArrowheads="1"/>
+            </p:cNvSpPr>
+            <p:nvPr/>
+          </p:nvSpPr>
+          <p:spPr bwMode="auto">
+            <a:xfrm>
+              <a:off x="4634" y="1164"/>
+              <a:ext cx="7" cy="1"/>
+            </a:xfrm>
+            <a:prstGeom prst="rect">
+              <a:avLst/>
+            </a:prstGeom>
+            <a:solidFill>
+              <a:srgbClr val="D4D4D4"/>
+            </a:solidFill>
+            <a:ln>
+              <a:noFill/>
+            </a:ln>
+            <a:extLst>
+              <a:ext uri="{91240B29-F687-4F45-9708-019B960494DF}">
+                <a14:hiddenLine xmlns:a14="http://schemas.microsoft.com/office/drawing/2010/main" w="9525">
+                  <a:solidFill>
+                    <a:srgbClr val="000000"/>
+                  </a:solidFill>
+                  <a:miter lim="800000"/>
+                  <a:headEnd/>
+                  <a:tailEnd/>
+                </a14:hiddenLine>
+              </a:ext>
+            </a:extLst>
+          </p:spPr>
+          <p:txBody>
+            <a:bodyPr vert="horz" wrap="square" lIns="91440" tIns="45720" rIns="91440" bIns="45720" numCol="1" anchor="t" anchorCtr="0" compatLnSpc="1">
+              <a:prstTxWarp prst="textNoShape">
+                <a:avLst/>
+              </a:prstTxWarp>
+            </a:bodyPr>
+            <a:lstStyle/>
+            <a:p>
+              <a:endParaRPr lang="en-US"/>
+            </a:p>
+          </p:txBody>
+        </p:sp>
+        <p:sp>
+          <p:nvSpPr>
+            <p:cNvPr id="42" name="Rectangle 39">
+              <a:extLst>
+                <a:ext uri="{FF2B5EF4-FFF2-40B4-BE49-F238E27FC236}">
+                  <a16:creationId xmlns:a16="http://schemas.microsoft.com/office/drawing/2014/main" id="{CF205397-103F-A4B5-0AF0-F3D87CC049BC}"/>
+                </a:ext>
+              </a:extLst>
+            </p:cNvPr>
+            <p:cNvSpPr>
+              <a:spLocks noChangeArrowheads="1"/>
+            </p:cNvSpPr>
+            <p:nvPr/>
+          </p:nvSpPr>
+          <p:spPr bwMode="auto">
+            <a:xfrm>
+              <a:off x="6442" y="1164"/>
+              <a:ext cx="7" cy="1"/>
+            </a:xfrm>
+            <a:prstGeom prst="rect">
+              <a:avLst/>
+            </a:prstGeom>
+            <a:solidFill>
+              <a:srgbClr val="D4D4D4"/>
+            </a:solidFill>
+            <a:ln>
+              <a:noFill/>
+            </a:ln>
+            <a:extLst>
+              <a:ext uri="{91240B29-F687-4F45-9708-019B960494DF}">
+                <a14:hiddenLine xmlns:a14="http://schemas.microsoft.com/office/drawing/2010/main" w="9525">
+                  <a:solidFill>
+                    <a:srgbClr val="000000"/>
+                  </a:solidFill>
+                  <a:miter lim="800000"/>
+                  <a:headEnd/>
+                  <a:tailEnd/>
+                </a14:hiddenLine>
+              </a:ext>
+            </a:extLst>
+          </p:spPr>
+          <p:txBody>
+            <a:bodyPr vert="horz" wrap="square" lIns="91440" tIns="45720" rIns="91440" bIns="45720" numCol="1" anchor="t" anchorCtr="0" compatLnSpc="1">
+              <a:prstTxWarp prst="textNoShape">
+                <a:avLst/>
+              </a:prstTxWarp>
+            </a:bodyPr>
+            <a:lstStyle/>
+            <a:p>
+              <a:endParaRPr lang="en-US"/>
+            </a:p>
+          </p:txBody>
+        </p:sp>
+        <p:sp>
+          <p:nvSpPr>
+            <p:cNvPr id="43" name="Line 40">
+              <a:extLst>
+                <a:ext uri="{FF2B5EF4-FFF2-40B4-BE49-F238E27FC236}">
+                  <a16:creationId xmlns:a16="http://schemas.microsoft.com/office/drawing/2014/main" id="{108FCDF2-2C01-44F2-718A-F7DF841ABE19}"/>
+                </a:ext>
+              </a:extLst>
+            </p:cNvPr>
+            <p:cNvSpPr>
+              <a:spLocks noChangeShapeType="1"/>
+            </p:cNvSpPr>
+            <p:nvPr/>
+          </p:nvSpPr>
+          <p:spPr bwMode="auto">
+            <a:xfrm>
+              <a:off x="334" y="1671"/>
+              <a:ext cx="3396" cy="0"/>
+            </a:xfrm>
+            <a:prstGeom prst="line">
+              <a:avLst/>
+            </a:prstGeom>
+            <a:noFill/>
+            <a:ln w="0">
+              <a:solidFill>
+                <a:srgbClr val="D4D4D4"/>
+              </a:solidFill>
+              <a:prstDash val="solid"/>
+              <a:round/>
+              <a:headEnd/>
+              <a:tailEnd/>
+            </a:ln>
+            <a:extLst>
+              <a:ext uri="{909E8E84-426E-40DD-AFC4-6F175D3DCCD1}">
+                <a14:hiddenFill xmlns:a14="http://schemas.microsoft.com/office/drawing/2010/main">
+                  <a:noFill/>
+                </a14:hiddenFill>
+              </a:ext>
+            </a:extLst>
+          </p:spPr>
+          <p:txBody>
+            <a:bodyPr vert="horz" wrap="square" lIns="91440" tIns="45720" rIns="91440" bIns="45720" numCol="1" anchor="t" anchorCtr="0" compatLnSpc="1">
+              <a:prstTxWarp prst="textNoShape">
+                <a:avLst/>
+              </a:prstTxWarp>
+            </a:bodyPr>
+            <a:lstStyle/>
+            <a:p>
+              <a:endParaRPr lang="en-US"/>
+            </a:p>
+          </p:txBody>
+        </p:sp>
+        <p:sp>
+          <p:nvSpPr>
+            <p:cNvPr id="44" name="Rectangle 41">
+              <a:extLst>
+                <a:ext uri="{FF2B5EF4-FFF2-40B4-BE49-F238E27FC236}">
+                  <a16:creationId xmlns:a16="http://schemas.microsoft.com/office/drawing/2014/main" id="{0C34618B-1CDA-3794-303E-2A8B459483DE}"/>
+                </a:ext>
+              </a:extLst>
+            </p:cNvPr>
+            <p:cNvSpPr>
+              <a:spLocks noChangeArrowheads="1"/>
+            </p:cNvSpPr>
+            <p:nvPr/>
+          </p:nvSpPr>
+          <p:spPr bwMode="auto">
+            <a:xfrm>
+              <a:off x="334" y="1671"/>
+              <a:ext cx="3396" cy="7"/>
+            </a:xfrm>
+            <a:prstGeom prst="rect">
+              <a:avLst/>
+            </a:prstGeom>
+            <a:solidFill>
+              <a:srgbClr val="D4D4D4"/>
+            </a:solidFill>
+            <a:ln>
+              <a:noFill/>
+            </a:ln>
+            <a:extLst>
+              <a:ext uri="{91240B29-F687-4F45-9708-019B960494DF}">
+                <a14:hiddenLine xmlns:a14="http://schemas.microsoft.com/office/drawing/2010/main" w="9525">
+                  <a:solidFill>
+                    <a:srgbClr val="000000"/>
+                  </a:solidFill>
+                  <a:miter lim="800000"/>
+                  <a:headEnd/>
+                  <a:tailEnd/>
+                </a14:hiddenLine>
+              </a:ext>
+            </a:extLst>
+          </p:spPr>
+          <p:txBody>
+            <a:bodyPr vert="horz" wrap="square" lIns="91440" tIns="45720" rIns="91440" bIns="45720" numCol="1" anchor="t" anchorCtr="0" compatLnSpc="1">
+              <a:prstTxWarp prst="textNoShape">
+                <a:avLst/>
+              </a:prstTxWarp>
+            </a:bodyPr>
+            <a:lstStyle/>
+            <a:p>
+              <a:endParaRPr lang="en-US"/>
+            </a:p>
+          </p:txBody>
+        </p:sp>
+        <p:sp>
+          <p:nvSpPr>
+            <p:cNvPr id="45" name="Line 42">
+              <a:extLst>
+                <a:ext uri="{FF2B5EF4-FFF2-40B4-BE49-F238E27FC236}">
+                  <a16:creationId xmlns:a16="http://schemas.microsoft.com/office/drawing/2014/main" id="{8FA12D14-4693-AD06-E181-2EFC0E265056}"/>
+                </a:ext>
+              </a:extLst>
+            </p:cNvPr>
+            <p:cNvSpPr>
+              <a:spLocks noChangeShapeType="1"/>
+            </p:cNvSpPr>
+            <p:nvPr/>
+          </p:nvSpPr>
+          <p:spPr bwMode="auto">
+            <a:xfrm>
+              <a:off x="6442" y="1424"/>
+              <a:ext cx="0" cy="247"/>
+            </a:xfrm>
+            <a:prstGeom prst="line">
+              <a:avLst/>
+            </a:prstGeom>
+            <a:noFill/>
+            <a:ln w="0">
+              <a:solidFill>
+                <a:srgbClr val="D4D4D4"/>
+              </a:solidFill>
+              <a:prstDash val="solid"/>
+              <a:round/>
+              <a:headEnd/>
+              <a:tailEnd/>
+            </a:ln>
+            <a:extLst>
+              <a:ext uri="{909E8E84-426E-40DD-AFC4-6F175D3DCCD1}">
+                <a14:hiddenFill xmlns:a14="http://schemas.microsoft.com/office/drawing/2010/main">
+                  <a:noFill/>
+                </a14:hiddenFill>
+              </a:ext>
+            </a:extLst>
+          </p:spPr>
+          <p:txBody>
+            <a:bodyPr vert="horz" wrap="square" lIns="91440" tIns="45720" rIns="91440" bIns="45720" numCol="1" anchor="t" anchorCtr="0" compatLnSpc="1">
+              <a:prstTxWarp prst="textNoShape">
+                <a:avLst/>
+              </a:prstTxWarp>
+            </a:bodyPr>
+            <a:lstStyle/>
+            <a:p>
+              <a:endParaRPr lang="en-US"/>
+            </a:p>
+          </p:txBody>
+        </p:sp>
+        <p:sp>
+          <p:nvSpPr>
+            <p:cNvPr id="46" name="Rectangle 43">
+              <a:extLst>
+                <a:ext uri="{FF2B5EF4-FFF2-40B4-BE49-F238E27FC236}">
+                  <a16:creationId xmlns:a16="http://schemas.microsoft.com/office/drawing/2014/main" id="{F51CA70F-BB5F-77BE-96A1-04F1666A9BB1}"/>
+                </a:ext>
+              </a:extLst>
+            </p:cNvPr>
+            <p:cNvSpPr>
+              <a:spLocks noChangeArrowheads="1"/>
+            </p:cNvSpPr>
+            <p:nvPr/>
+          </p:nvSpPr>
+          <p:spPr bwMode="auto">
+            <a:xfrm>
+              <a:off x="6442" y="1424"/>
+              <a:ext cx="7" cy="247"/>
+            </a:xfrm>
+            <a:prstGeom prst="rect">
+              <a:avLst/>
+            </a:prstGeom>
+            <a:solidFill>
+              <a:srgbClr val="D4D4D4"/>
+            </a:solidFill>
+            <a:ln>
+              <a:noFill/>
+            </a:ln>
+            <a:extLst>
+              <a:ext uri="{91240B29-F687-4F45-9708-019B960494DF}">
+                <a14:hiddenLine xmlns:a14="http://schemas.microsoft.com/office/drawing/2010/main" w="9525">
+                  <a:solidFill>
+                    <a:srgbClr val="000000"/>
+                  </a:solidFill>
+                  <a:miter lim="800000"/>
+                  <a:headEnd/>
+                  <a:tailEnd/>
+                </a14:hiddenLine>
+              </a:ext>
+            </a:extLst>
+          </p:spPr>
+          <p:txBody>
+            <a:bodyPr vert="horz" wrap="square" lIns="91440" tIns="45720" rIns="91440" bIns="45720" numCol="1" anchor="t" anchorCtr="0" compatLnSpc="1">
+              <a:prstTxWarp prst="textNoShape">
+                <a:avLst/>
+              </a:prstTxWarp>
+            </a:bodyPr>
+            <a:lstStyle/>
+            <a:p>
+              <a:endParaRPr lang="en-US"/>
+            </a:p>
+          </p:txBody>
+        </p:sp>
+        <p:sp>
+          <p:nvSpPr>
+            <p:cNvPr id="47" name="Line 44">
+              <a:extLst>
+                <a:ext uri="{FF2B5EF4-FFF2-40B4-BE49-F238E27FC236}">
+                  <a16:creationId xmlns:a16="http://schemas.microsoft.com/office/drawing/2014/main" id="{12AF72E0-30DD-FF0B-E14E-819EC5F16538}"/>
+                </a:ext>
+              </a:extLst>
+            </p:cNvPr>
+            <p:cNvSpPr>
+              <a:spLocks noChangeShapeType="1"/>
+            </p:cNvSpPr>
+            <p:nvPr/>
+          </p:nvSpPr>
+          <p:spPr bwMode="auto">
+            <a:xfrm>
+              <a:off x="334" y="1925"/>
+              <a:ext cx="3396" cy="0"/>
+            </a:xfrm>
+            <a:prstGeom prst="line">
+              <a:avLst/>
+            </a:prstGeom>
+            <a:noFill/>
+            <a:ln w="0">
+              <a:solidFill>
+                <a:srgbClr val="D4D4D4"/>
+              </a:solidFill>
+              <a:prstDash val="solid"/>
+              <a:round/>
+              <a:headEnd/>
+              <a:tailEnd/>
+            </a:ln>
+            <a:extLst>
+              <a:ext uri="{909E8E84-426E-40DD-AFC4-6F175D3DCCD1}">
+                <a14:hiddenFill xmlns:a14="http://schemas.microsoft.com/office/drawing/2010/main">
+                  <a:noFill/>
+                </a14:hiddenFill>
+              </a:ext>
+            </a:extLst>
+          </p:spPr>
+          <p:txBody>
+            <a:bodyPr vert="horz" wrap="square" lIns="91440" tIns="45720" rIns="91440" bIns="45720" numCol="1" anchor="t" anchorCtr="0" compatLnSpc="1">
+              <a:prstTxWarp prst="textNoShape">
+                <a:avLst/>
+              </a:prstTxWarp>
+            </a:bodyPr>
+            <a:lstStyle/>
+            <a:p>
+              <a:endParaRPr lang="en-US"/>
+            </a:p>
+          </p:txBody>
+        </p:sp>
+        <p:sp>
+          <p:nvSpPr>
+            <p:cNvPr id="48" name="Rectangle 45">
+              <a:extLst>
+                <a:ext uri="{FF2B5EF4-FFF2-40B4-BE49-F238E27FC236}">
+                  <a16:creationId xmlns:a16="http://schemas.microsoft.com/office/drawing/2014/main" id="{740270D7-C497-D21B-0557-67805A7A6940}"/>
+                </a:ext>
+              </a:extLst>
+            </p:cNvPr>
+            <p:cNvSpPr>
+              <a:spLocks noChangeArrowheads="1"/>
+            </p:cNvSpPr>
+            <p:nvPr/>
+          </p:nvSpPr>
+          <p:spPr bwMode="auto">
+            <a:xfrm>
+              <a:off x="334" y="1925"/>
+              <a:ext cx="3396" cy="7"/>
+            </a:xfrm>
+            <a:prstGeom prst="rect">
+              <a:avLst/>
+            </a:prstGeom>
+            <a:solidFill>
+              <a:srgbClr val="D4D4D4"/>
+            </a:solidFill>
+            <a:ln>
+              <a:noFill/>
+            </a:ln>
+            <a:extLst>
+              <a:ext uri="{91240B29-F687-4F45-9708-019B960494DF}">
+                <a14:hiddenLine xmlns:a14="http://schemas.microsoft.com/office/drawing/2010/main" w="9525">
+                  <a:solidFill>
+                    <a:srgbClr val="000000"/>
+                  </a:solidFill>
+                  <a:miter lim="800000"/>
+                  <a:headEnd/>
+                  <a:tailEnd/>
+                </a14:hiddenLine>
+              </a:ext>
+            </a:extLst>
+          </p:spPr>
+          <p:txBody>
+            <a:bodyPr vert="horz" wrap="square" lIns="91440" tIns="45720" rIns="91440" bIns="45720" numCol="1" anchor="t" anchorCtr="0" compatLnSpc="1">
+              <a:prstTxWarp prst="textNoShape">
+                <a:avLst/>
+              </a:prstTxWarp>
+            </a:bodyPr>
+            <a:lstStyle/>
+            <a:p>
+              <a:endParaRPr lang="en-US"/>
+            </a:p>
+          </p:txBody>
+        </p:sp>
+        <p:sp>
+          <p:nvSpPr>
+            <p:cNvPr id="49" name="Line 46">
+              <a:extLst>
+                <a:ext uri="{FF2B5EF4-FFF2-40B4-BE49-F238E27FC236}">
+                  <a16:creationId xmlns:a16="http://schemas.microsoft.com/office/drawing/2014/main" id="{88ED9D0F-B178-2538-BB62-B1B37DF41C50}"/>
+                </a:ext>
+              </a:extLst>
+            </p:cNvPr>
+            <p:cNvSpPr>
+              <a:spLocks noChangeShapeType="1"/>
+            </p:cNvSpPr>
+            <p:nvPr/>
+          </p:nvSpPr>
+          <p:spPr bwMode="auto">
+            <a:xfrm>
+              <a:off x="334" y="2178"/>
+              <a:ext cx="3396" cy="0"/>
+            </a:xfrm>
+            <a:prstGeom prst="line">
+              <a:avLst/>
+            </a:prstGeom>
+            <a:noFill/>
+            <a:ln w="0">
+              <a:solidFill>
+                <a:srgbClr val="D4D4D4"/>
+              </a:solidFill>
+              <a:prstDash val="solid"/>
+              <a:round/>
+              <a:headEnd/>
+              <a:tailEnd/>
+            </a:ln>
+            <a:extLst>
+              <a:ext uri="{909E8E84-426E-40DD-AFC4-6F175D3DCCD1}">
+                <a14:hiddenFill xmlns:a14="http://schemas.microsoft.com/office/drawing/2010/main">
+                  <a:noFill/>
+                </a14:hiddenFill>
+              </a:ext>
+            </a:extLst>
+          </p:spPr>
+          <p:txBody>
+            <a:bodyPr vert="horz" wrap="square" lIns="91440" tIns="45720" rIns="91440" bIns="45720" numCol="1" anchor="t" anchorCtr="0" compatLnSpc="1">
+              <a:prstTxWarp prst="textNoShape">
+                <a:avLst/>
+              </a:prstTxWarp>
+            </a:bodyPr>
+            <a:lstStyle/>
+            <a:p>
+              <a:endParaRPr lang="en-US"/>
+            </a:p>
+          </p:txBody>
+        </p:sp>
+        <p:sp>
+          <p:nvSpPr>
+            <p:cNvPr id="50" name="Rectangle 47">
+              <a:extLst>
+                <a:ext uri="{FF2B5EF4-FFF2-40B4-BE49-F238E27FC236}">
+                  <a16:creationId xmlns:a16="http://schemas.microsoft.com/office/drawing/2014/main" id="{69344C23-61AB-E7E7-D543-A92CCF86D92B}"/>
+                </a:ext>
+              </a:extLst>
+            </p:cNvPr>
+            <p:cNvSpPr>
+              <a:spLocks noChangeArrowheads="1"/>
+            </p:cNvSpPr>
+            <p:nvPr/>
+          </p:nvSpPr>
+          <p:spPr bwMode="auto">
+            <a:xfrm>
+              <a:off x="334" y="2178"/>
+              <a:ext cx="3396" cy="7"/>
+            </a:xfrm>
+            <a:prstGeom prst="rect">
+              <a:avLst/>
+            </a:prstGeom>
+            <a:solidFill>
+              <a:srgbClr val="D4D4D4"/>
+            </a:solidFill>
+            <a:ln>
+              <a:noFill/>
+            </a:ln>
+            <a:extLst>
+              <a:ext uri="{91240B29-F687-4F45-9708-019B960494DF}">
+                <a14:hiddenLine xmlns:a14="http://schemas.microsoft.com/office/drawing/2010/main" w="9525">
+                  <a:solidFill>
+                    <a:srgbClr val="000000"/>
+                  </a:solidFill>
+                  <a:miter lim="800000"/>
+                  <a:headEnd/>
+                  <a:tailEnd/>
+                </a14:hiddenLine>
+              </a:ext>
+            </a:extLst>
+          </p:spPr>
+          <p:txBody>
+            <a:bodyPr vert="horz" wrap="square" lIns="91440" tIns="45720" rIns="91440" bIns="45720" numCol="1" anchor="t" anchorCtr="0" compatLnSpc="1">
+              <a:prstTxWarp prst="textNoShape">
+                <a:avLst/>
+              </a:prstTxWarp>
+            </a:bodyPr>
+            <a:lstStyle/>
+            <a:p>
+              <a:endParaRPr lang="en-US"/>
+            </a:p>
+          </p:txBody>
+        </p:sp>
+        <p:sp>
+          <p:nvSpPr>
+            <p:cNvPr id="51" name="Line 48">
+              <a:extLst>
+                <a:ext uri="{FF2B5EF4-FFF2-40B4-BE49-F238E27FC236}">
+                  <a16:creationId xmlns:a16="http://schemas.microsoft.com/office/drawing/2014/main" id="{A4406C9F-714A-2816-3385-D1CB7C896BF7}"/>
+                </a:ext>
+              </a:extLst>
+            </p:cNvPr>
+            <p:cNvSpPr>
+              <a:spLocks noChangeShapeType="1"/>
+            </p:cNvSpPr>
+            <p:nvPr/>
+          </p:nvSpPr>
+          <p:spPr bwMode="auto">
+            <a:xfrm>
+              <a:off x="327" y="1164"/>
+              <a:ext cx="0" cy="1275"/>
+            </a:xfrm>
+            <a:prstGeom prst="line">
+              <a:avLst/>
+            </a:prstGeom>
+            <a:noFill/>
+            <a:ln w="0">
+              <a:solidFill>
+                <a:srgbClr val="000000"/>
+              </a:solidFill>
+              <a:prstDash val="solid"/>
+              <a:round/>
+              <a:headEnd/>
+              <a:tailEnd/>
+            </a:ln>
+            <a:extLst>
+              <a:ext uri="{909E8E84-426E-40DD-AFC4-6F175D3DCCD1}">
+                <a14:hiddenFill xmlns:a14="http://schemas.microsoft.com/office/drawing/2010/main">
+                  <a:noFill/>
+                </a14:hiddenFill>
+              </a:ext>
+            </a:extLst>
+          </p:spPr>
+          <p:txBody>
+            <a:bodyPr vert="horz" wrap="square" lIns="91440" tIns="45720" rIns="91440" bIns="45720" numCol="1" anchor="t" anchorCtr="0" compatLnSpc="1">
+              <a:prstTxWarp prst="textNoShape">
+                <a:avLst/>
+              </a:prstTxWarp>
+            </a:bodyPr>
+            <a:lstStyle/>
+            <a:p>
+              <a:endParaRPr lang="en-US"/>
+            </a:p>
+          </p:txBody>
+        </p:sp>
+        <p:sp>
+          <p:nvSpPr>
+            <p:cNvPr id="52" name="Rectangle 49">
+              <a:extLst>
+                <a:ext uri="{FF2B5EF4-FFF2-40B4-BE49-F238E27FC236}">
+                  <a16:creationId xmlns:a16="http://schemas.microsoft.com/office/drawing/2014/main" id="{83B37561-B21A-37B3-07DE-224D621216F5}"/>
+                </a:ext>
+              </a:extLst>
+            </p:cNvPr>
+            <p:cNvSpPr>
+              <a:spLocks noChangeArrowheads="1"/>
+            </p:cNvSpPr>
+            <p:nvPr/>
+          </p:nvSpPr>
+          <p:spPr bwMode="auto">
+            <a:xfrm>
+              <a:off x="327" y="1164"/>
+              <a:ext cx="7" cy="1275"/>
+            </a:xfrm>
+            <a:prstGeom prst="rect">
+              <a:avLst/>
+            </a:prstGeom>
+            <a:solidFill>
+              <a:srgbClr val="000000"/>
+            </a:solidFill>
+            <a:ln>
+              <a:noFill/>
+            </a:ln>
+            <a:extLst>
+              <a:ext uri="{91240B29-F687-4F45-9708-019B960494DF}">
+                <a14:hiddenLine xmlns:a14="http://schemas.microsoft.com/office/drawing/2010/main" w="9525">
+                  <a:solidFill>
+                    <a:srgbClr val="000000"/>
+                  </a:solidFill>
+                  <a:miter lim="800000"/>
+                  <a:headEnd/>
+                  <a:tailEnd/>
+                </a14:hiddenLine>
+              </a:ext>
+            </a:extLst>
+          </p:spPr>
+          <p:txBody>
+            <a:bodyPr vert="horz" wrap="square" lIns="91440" tIns="45720" rIns="91440" bIns="45720" numCol="1" anchor="t" anchorCtr="0" compatLnSpc="1">
+              <a:prstTxWarp prst="textNoShape">
+                <a:avLst/>
+              </a:prstTxWarp>
+            </a:bodyPr>
+            <a:lstStyle/>
+            <a:p>
+              <a:endParaRPr lang="en-US"/>
+            </a:p>
+          </p:txBody>
+        </p:sp>
+        <p:sp>
+          <p:nvSpPr>
+            <p:cNvPr id="53" name="Line 50">
+              <a:extLst>
+                <a:ext uri="{FF2B5EF4-FFF2-40B4-BE49-F238E27FC236}">
+                  <a16:creationId xmlns:a16="http://schemas.microsoft.com/office/drawing/2014/main" id="{55B15AB0-2460-345A-B0A1-3CF548117F61}"/>
+                </a:ext>
+              </a:extLst>
+            </p:cNvPr>
+            <p:cNvSpPr>
+              <a:spLocks noChangeShapeType="1"/>
+            </p:cNvSpPr>
+            <p:nvPr/>
+          </p:nvSpPr>
+          <p:spPr bwMode="auto">
+            <a:xfrm>
+              <a:off x="3730" y="1418"/>
+              <a:ext cx="0" cy="1021"/>
+            </a:xfrm>
+            <a:prstGeom prst="line">
+              <a:avLst/>
+            </a:prstGeom>
+            <a:noFill/>
+            <a:ln w="0">
+              <a:solidFill>
+                <a:srgbClr val="000000"/>
+              </a:solidFill>
+              <a:prstDash val="solid"/>
+              <a:round/>
+              <a:headEnd/>
+              <a:tailEnd/>
+            </a:ln>
+            <a:extLst>
+              <a:ext uri="{909E8E84-426E-40DD-AFC4-6F175D3DCCD1}">
+                <a14:hiddenFill xmlns:a14="http://schemas.microsoft.com/office/drawing/2010/main">
+                  <a:noFill/>
+                </a14:hiddenFill>
+              </a:ext>
+            </a:extLst>
+          </p:spPr>
+          <p:txBody>
+            <a:bodyPr vert="horz" wrap="square" lIns="91440" tIns="45720" rIns="91440" bIns="45720" numCol="1" anchor="t" anchorCtr="0" compatLnSpc="1">
+              <a:prstTxWarp prst="textNoShape">
+                <a:avLst/>
+              </a:prstTxWarp>
+            </a:bodyPr>
+            <a:lstStyle/>
+            <a:p>
+              <a:endParaRPr lang="en-US"/>
+            </a:p>
+          </p:txBody>
+        </p:sp>
+        <p:sp>
+          <p:nvSpPr>
+            <p:cNvPr id="54" name="Rectangle 51">
+              <a:extLst>
+                <a:ext uri="{FF2B5EF4-FFF2-40B4-BE49-F238E27FC236}">
+                  <a16:creationId xmlns:a16="http://schemas.microsoft.com/office/drawing/2014/main" id="{54F15B8E-3963-5D2A-2B51-CD0CC2C9282A}"/>
+                </a:ext>
+              </a:extLst>
+            </p:cNvPr>
+            <p:cNvSpPr>
+              <a:spLocks noChangeArrowheads="1"/>
+            </p:cNvSpPr>
+            <p:nvPr/>
+          </p:nvSpPr>
+          <p:spPr bwMode="auto">
+            <a:xfrm>
+              <a:off x="3730" y="1418"/>
+              <a:ext cx="7" cy="1021"/>
+            </a:xfrm>
+            <a:prstGeom prst="rect">
+              <a:avLst/>
+            </a:prstGeom>
+            <a:solidFill>
+              <a:srgbClr val="000000"/>
+            </a:solidFill>
+            <a:ln>
+              <a:noFill/>
+            </a:ln>
+            <a:extLst>
+              <a:ext uri="{91240B29-F687-4F45-9708-019B960494DF}">
+                <a14:hiddenLine xmlns:a14="http://schemas.microsoft.com/office/drawing/2010/main" w="9525">
+                  <a:solidFill>
+                    <a:srgbClr val="000000"/>
+                  </a:solidFill>
+                  <a:miter lim="800000"/>
+                  <a:headEnd/>
+                  <a:tailEnd/>
+                </a14:hiddenLine>
+              </a:ext>
+            </a:extLst>
+          </p:spPr>
+          <p:txBody>
+            <a:bodyPr vert="horz" wrap="square" lIns="91440" tIns="45720" rIns="91440" bIns="45720" numCol="1" anchor="t" anchorCtr="0" compatLnSpc="1">
+              <a:prstTxWarp prst="textNoShape">
+                <a:avLst/>
+              </a:prstTxWarp>
+            </a:bodyPr>
+            <a:lstStyle/>
+            <a:p>
+              <a:endParaRPr lang="en-US"/>
+            </a:p>
+          </p:txBody>
+        </p:sp>
+        <p:sp>
+          <p:nvSpPr>
+            <p:cNvPr id="55" name="Line 52">
+              <a:extLst>
+                <a:ext uri="{FF2B5EF4-FFF2-40B4-BE49-F238E27FC236}">
+                  <a16:creationId xmlns:a16="http://schemas.microsoft.com/office/drawing/2014/main" id="{F34E073E-B917-2708-3F4E-E1EE3BED3A0D}"/>
+                </a:ext>
+              </a:extLst>
+            </p:cNvPr>
+            <p:cNvSpPr>
+              <a:spLocks noChangeShapeType="1"/>
+            </p:cNvSpPr>
+            <p:nvPr/>
+          </p:nvSpPr>
+          <p:spPr bwMode="auto">
+            <a:xfrm>
+              <a:off x="4634" y="1418"/>
+              <a:ext cx="0" cy="1021"/>
+            </a:xfrm>
+            <a:prstGeom prst="line">
+              <a:avLst/>
+            </a:prstGeom>
+            <a:noFill/>
+            <a:ln w="0">
+              <a:solidFill>
+                <a:srgbClr val="000000"/>
+              </a:solidFill>
+              <a:prstDash val="solid"/>
+              <a:round/>
+              <a:headEnd/>
+              <a:tailEnd/>
+            </a:ln>
+            <a:extLst>
+              <a:ext uri="{909E8E84-426E-40DD-AFC4-6F175D3DCCD1}">
+                <a14:hiddenFill xmlns:a14="http://schemas.microsoft.com/office/drawing/2010/main">
+                  <a:noFill/>
+                </a14:hiddenFill>
+              </a:ext>
+            </a:extLst>
+          </p:spPr>
+          <p:txBody>
+            <a:bodyPr vert="horz" wrap="square" lIns="91440" tIns="45720" rIns="91440" bIns="45720" numCol="1" anchor="t" anchorCtr="0" compatLnSpc="1">
+              <a:prstTxWarp prst="textNoShape">
+                <a:avLst/>
+              </a:prstTxWarp>
+            </a:bodyPr>
+            <a:lstStyle/>
+            <a:p>
+              <a:endParaRPr lang="en-US"/>
+            </a:p>
+          </p:txBody>
+        </p:sp>
+        <p:sp>
+          <p:nvSpPr>
+            <p:cNvPr id="56" name="Rectangle 53">
+              <a:extLst>
+                <a:ext uri="{FF2B5EF4-FFF2-40B4-BE49-F238E27FC236}">
+                  <a16:creationId xmlns:a16="http://schemas.microsoft.com/office/drawing/2014/main" id="{ECD70934-DE73-4CBE-0294-0DF86A52C280}"/>
+                </a:ext>
+              </a:extLst>
+            </p:cNvPr>
+            <p:cNvSpPr>
+              <a:spLocks noChangeArrowheads="1"/>
+            </p:cNvSpPr>
+            <p:nvPr/>
+          </p:nvSpPr>
+          <p:spPr bwMode="auto">
+            <a:xfrm>
+              <a:off x="4634" y="1418"/>
+              <a:ext cx="7" cy="1021"/>
+            </a:xfrm>
+            <a:prstGeom prst="rect">
+              <a:avLst/>
+            </a:prstGeom>
+            <a:solidFill>
+              <a:srgbClr val="000000"/>
+            </a:solidFill>
+            <a:ln>
+              <a:noFill/>
+            </a:ln>
+            <a:extLst>
+              <a:ext uri="{91240B29-F687-4F45-9708-019B960494DF}">
+                <a14:hiddenLine xmlns:a14="http://schemas.microsoft.com/office/drawing/2010/main" w="9525">
+                  <a:solidFill>
+                    <a:srgbClr val="000000"/>
+                  </a:solidFill>
+                  <a:miter lim="800000"/>
+                  <a:headEnd/>
+                  <a:tailEnd/>
+                </a14:hiddenLine>
+              </a:ext>
+            </a:extLst>
+          </p:spPr>
+          <p:txBody>
+            <a:bodyPr vert="horz" wrap="square" lIns="91440" tIns="45720" rIns="91440" bIns="45720" numCol="1" anchor="t" anchorCtr="0" compatLnSpc="1">
+              <a:prstTxWarp prst="textNoShape">
+                <a:avLst/>
+              </a:prstTxWarp>
+            </a:bodyPr>
+            <a:lstStyle/>
+            <a:p>
+              <a:endParaRPr lang="en-US"/>
+            </a:p>
+          </p:txBody>
+        </p:sp>
+        <p:sp>
+          <p:nvSpPr>
+            <p:cNvPr id="57" name="Line 54">
+              <a:extLst>
+                <a:ext uri="{FF2B5EF4-FFF2-40B4-BE49-F238E27FC236}">
+                  <a16:creationId xmlns:a16="http://schemas.microsoft.com/office/drawing/2014/main" id="{74C9A6A0-6657-CE56-CE5E-83F6D8B5DF0D}"/>
+                </a:ext>
+              </a:extLst>
+            </p:cNvPr>
+            <p:cNvSpPr>
+              <a:spLocks noChangeShapeType="1"/>
+            </p:cNvSpPr>
+            <p:nvPr/>
+          </p:nvSpPr>
+          <p:spPr bwMode="auto">
+            <a:xfrm>
+              <a:off x="5538" y="1418"/>
+              <a:ext cx="0" cy="1021"/>
+            </a:xfrm>
+            <a:prstGeom prst="line">
+              <a:avLst/>
+            </a:prstGeom>
+            <a:noFill/>
+            <a:ln w="0">
+              <a:solidFill>
+                <a:srgbClr val="000000"/>
+              </a:solidFill>
+              <a:prstDash val="solid"/>
+              <a:round/>
+              <a:headEnd/>
+              <a:tailEnd/>
+            </a:ln>
+            <a:extLst>
+              <a:ext uri="{909E8E84-426E-40DD-AFC4-6F175D3DCCD1}">
+                <a14:hiddenFill xmlns:a14="http://schemas.microsoft.com/office/drawing/2010/main">
+                  <a:noFill/>
+                </a14:hiddenFill>
+              </a:ext>
+            </a:extLst>
+          </p:spPr>
+          <p:txBody>
+            <a:bodyPr vert="horz" wrap="square" lIns="91440" tIns="45720" rIns="91440" bIns="45720" numCol="1" anchor="t" anchorCtr="0" compatLnSpc="1">
+              <a:prstTxWarp prst="textNoShape">
+                <a:avLst/>
+              </a:prstTxWarp>
+            </a:bodyPr>
+            <a:lstStyle/>
+            <a:p>
+              <a:endParaRPr lang="en-US"/>
+            </a:p>
+          </p:txBody>
+        </p:sp>
+        <p:sp>
+          <p:nvSpPr>
+            <p:cNvPr id="58" name="Rectangle 55">
+              <a:extLst>
+                <a:ext uri="{FF2B5EF4-FFF2-40B4-BE49-F238E27FC236}">
+                  <a16:creationId xmlns:a16="http://schemas.microsoft.com/office/drawing/2014/main" id="{9718E1C8-EB4A-EF4E-2E44-E0A7963A9FB5}"/>
+                </a:ext>
+              </a:extLst>
+            </p:cNvPr>
+            <p:cNvSpPr>
+              <a:spLocks noChangeArrowheads="1"/>
+            </p:cNvSpPr>
+            <p:nvPr/>
+          </p:nvSpPr>
+          <p:spPr bwMode="auto">
+            <a:xfrm>
+              <a:off x="5538" y="1418"/>
+              <a:ext cx="7" cy="1021"/>
+            </a:xfrm>
+            <a:prstGeom prst="rect">
+              <a:avLst/>
+            </a:prstGeom>
+            <a:solidFill>
+              <a:srgbClr val="000000"/>
+            </a:solidFill>
+            <a:ln>
+              <a:noFill/>
+            </a:ln>
+            <a:extLst>
+              <a:ext uri="{91240B29-F687-4F45-9708-019B960494DF}">
+                <a14:hiddenLine xmlns:a14="http://schemas.microsoft.com/office/drawing/2010/main" w="9525">
+                  <a:solidFill>
+                    <a:srgbClr val="000000"/>
+                  </a:solidFill>
+                  <a:miter lim="800000"/>
+                  <a:headEnd/>
+                  <a:tailEnd/>
+                </a14:hiddenLine>
+              </a:ext>
+            </a:extLst>
+          </p:spPr>
+          <p:txBody>
+            <a:bodyPr vert="horz" wrap="square" lIns="91440" tIns="45720" rIns="91440" bIns="45720" numCol="1" anchor="t" anchorCtr="0" compatLnSpc="1">
+              <a:prstTxWarp prst="textNoShape">
+                <a:avLst/>
+              </a:prstTxWarp>
+            </a:bodyPr>
+            <a:lstStyle/>
+            <a:p>
+              <a:endParaRPr lang="en-US"/>
+            </a:p>
+          </p:txBody>
+        </p:sp>
+        <p:sp>
+          <p:nvSpPr>
+            <p:cNvPr id="59" name="Line 56">
+              <a:extLst>
+                <a:ext uri="{FF2B5EF4-FFF2-40B4-BE49-F238E27FC236}">
+                  <a16:creationId xmlns:a16="http://schemas.microsoft.com/office/drawing/2014/main" id="{5799545C-B7DA-BC03-3A74-8EA69C4F3E87}"/>
+                </a:ext>
+              </a:extLst>
+            </p:cNvPr>
+            <p:cNvSpPr>
+              <a:spLocks noChangeShapeType="1"/>
+            </p:cNvSpPr>
+            <p:nvPr/>
+          </p:nvSpPr>
+          <p:spPr bwMode="auto">
+            <a:xfrm>
+              <a:off x="334" y="2432"/>
+              <a:ext cx="7019" cy="0"/>
+            </a:xfrm>
+            <a:prstGeom prst="line">
+              <a:avLst/>
+            </a:prstGeom>
+            <a:noFill/>
+            <a:ln w="0">
+              <a:solidFill>
+                <a:srgbClr val="000000"/>
+              </a:solidFill>
+              <a:prstDash val="solid"/>
+              <a:round/>
+              <a:headEnd/>
+              <a:tailEnd/>
+            </a:ln>
+            <a:extLst>
+              <a:ext uri="{909E8E84-426E-40DD-AFC4-6F175D3DCCD1}">
+                <a14:hiddenFill xmlns:a14="http://schemas.microsoft.com/office/drawing/2010/main">
+                  <a:noFill/>
+                </a14:hiddenFill>
+              </a:ext>
+            </a:extLst>
+          </p:spPr>
+          <p:txBody>
+            <a:bodyPr vert="horz" wrap="square" lIns="91440" tIns="45720" rIns="91440" bIns="45720" numCol="1" anchor="t" anchorCtr="0" compatLnSpc="1">
+              <a:prstTxWarp prst="textNoShape">
+                <a:avLst/>
+              </a:prstTxWarp>
+            </a:bodyPr>
+            <a:lstStyle/>
+            <a:p>
+              <a:endParaRPr lang="en-US"/>
+            </a:p>
+          </p:txBody>
+        </p:sp>
+        <p:sp>
+          <p:nvSpPr>
+            <p:cNvPr id="60" name="Rectangle 57">
+              <a:extLst>
+                <a:ext uri="{FF2B5EF4-FFF2-40B4-BE49-F238E27FC236}">
+                  <a16:creationId xmlns:a16="http://schemas.microsoft.com/office/drawing/2014/main" id="{A25B0EF2-9340-01A0-62CB-B8323A2395A9}"/>
+                </a:ext>
+              </a:extLst>
+            </p:cNvPr>
+            <p:cNvSpPr>
+              <a:spLocks noChangeArrowheads="1"/>
+            </p:cNvSpPr>
+            <p:nvPr/>
+          </p:nvSpPr>
+          <p:spPr bwMode="auto">
+            <a:xfrm>
+              <a:off x="334" y="2432"/>
+              <a:ext cx="7019" cy="7"/>
+            </a:xfrm>
+            <a:prstGeom prst="rect">
+              <a:avLst/>
+            </a:prstGeom>
+            <a:solidFill>
+              <a:srgbClr val="000000"/>
+            </a:solidFill>
+            <a:ln>
+              <a:noFill/>
+            </a:ln>
+            <a:extLst>
+              <a:ext uri="{91240B29-F687-4F45-9708-019B960494DF}">
+                <a14:hiddenLine xmlns:a14="http://schemas.microsoft.com/office/drawing/2010/main" w="9525">
+                  <a:solidFill>
+                    <a:srgbClr val="000000"/>
+                  </a:solidFill>
+                  <a:miter lim="800000"/>
+                  <a:headEnd/>
+                  <a:tailEnd/>
+                </a14:hiddenLine>
+              </a:ext>
+            </a:extLst>
+          </p:spPr>
+          <p:txBody>
+            <a:bodyPr vert="horz" wrap="square" lIns="91440" tIns="45720" rIns="91440" bIns="45720" numCol="1" anchor="t" anchorCtr="0" compatLnSpc="1">
+              <a:prstTxWarp prst="textNoShape">
+                <a:avLst/>
+              </a:prstTxWarp>
+            </a:bodyPr>
+            <a:lstStyle/>
+            <a:p>
+              <a:endParaRPr lang="en-US"/>
+            </a:p>
+          </p:txBody>
+        </p:sp>
+        <p:sp>
+          <p:nvSpPr>
+            <p:cNvPr id="61" name="Line 58">
+              <a:extLst>
+                <a:ext uri="{FF2B5EF4-FFF2-40B4-BE49-F238E27FC236}">
+                  <a16:creationId xmlns:a16="http://schemas.microsoft.com/office/drawing/2014/main" id="{068685A0-0399-8621-114B-29973A6ED7AA}"/>
+                </a:ext>
+              </a:extLst>
+            </p:cNvPr>
+            <p:cNvSpPr>
+              <a:spLocks noChangeShapeType="1"/>
+            </p:cNvSpPr>
+            <p:nvPr/>
+          </p:nvSpPr>
+          <p:spPr bwMode="auto">
+            <a:xfrm>
+              <a:off x="7346" y="1171"/>
+              <a:ext cx="0" cy="1268"/>
+            </a:xfrm>
+            <a:prstGeom prst="line">
+              <a:avLst/>
+            </a:prstGeom>
+            <a:noFill/>
+            <a:ln w="0">
+              <a:solidFill>
+                <a:srgbClr val="000000"/>
+              </a:solidFill>
+              <a:prstDash val="solid"/>
+              <a:round/>
+              <a:headEnd/>
+              <a:tailEnd/>
+            </a:ln>
+            <a:extLst>
+              <a:ext uri="{909E8E84-426E-40DD-AFC4-6F175D3DCCD1}">
+                <a14:hiddenFill xmlns:a14="http://schemas.microsoft.com/office/drawing/2010/main">
+                  <a:noFill/>
+                </a14:hiddenFill>
+              </a:ext>
+            </a:extLst>
+          </p:spPr>
+          <p:txBody>
+            <a:bodyPr vert="horz" wrap="square" lIns="91440" tIns="45720" rIns="91440" bIns="45720" numCol="1" anchor="t" anchorCtr="0" compatLnSpc="1">
+              <a:prstTxWarp prst="textNoShape">
+                <a:avLst/>
+              </a:prstTxWarp>
+            </a:bodyPr>
+            <a:lstStyle/>
+            <a:p>
+              <a:endParaRPr lang="en-US"/>
+            </a:p>
+          </p:txBody>
+        </p:sp>
+        <p:sp>
+          <p:nvSpPr>
+            <p:cNvPr id="62" name="Rectangle 59">
+              <a:extLst>
+                <a:ext uri="{FF2B5EF4-FFF2-40B4-BE49-F238E27FC236}">
+                  <a16:creationId xmlns:a16="http://schemas.microsoft.com/office/drawing/2014/main" id="{0B269FB0-7EC3-38EC-DA4F-FD58A57ED512}"/>
+                </a:ext>
+              </a:extLst>
+            </p:cNvPr>
+            <p:cNvSpPr>
+              <a:spLocks noChangeArrowheads="1"/>
+            </p:cNvSpPr>
+            <p:nvPr/>
+          </p:nvSpPr>
+          <p:spPr bwMode="auto">
+            <a:xfrm>
+              <a:off x="7346" y="1171"/>
+              <a:ext cx="7" cy="1268"/>
+            </a:xfrm>
+            <a:prstGeom prst="rect">
+              <a:avLst/>
+            </a:prstGeom>
+            <a:solidFill>
+              <a:srgbClr val="000000"/>
+            </a:solidFill>
+            <a:ln>
+              <a:noFill/>
+            </a:ln>
+            <a:extLst>
+              <a:ext uri="{91240B29-F687-4F45-9708-019B960494DF}">
+                <a14:hiddenLine xmlns:a14="http://schemas.microsoft.com/office/drawing/2010/main" w="9525">
+                  <a:solidFill>
+                    <a:srgbClr val="000000"/>
+                  </a:solidFill>
+                  <a:miter lim="800000"/>
+                  <a:headEnd/>
+                  <a:tailEnd/>
+                </a14:hiddenLine>
+              </a:ext>
+            </a:extLst>
+          </p:spPr>
+          <p:txBody>
+            <a:bodyPr vert="horz" wrap="square" lIns="91440" tIns="45720" rIns="91440" bIns="45720" numCol="1" anchor="t" anchorCtr="0" compatLnSpc="1">
+              <a:prstTxWarp prst="textNoShape">
+                <a:avLst/>
+              </a:prstTxWarp>
+            </a:bodyPr>
+            <a:lstStyle/>
+            <a:p>
+              <a:endParaRPr lang="en-US"/>
+            </a:p>
+          </p:txBody>
+        </p:sp>
+        <p:sp>
+          <p:nvSpPr>
+            <p:cNvPr id="63" name="Line 60">
+              <a:extLst>
+                <a:ext uri="{FF2B5EF4-FFF2-40B4-BE49-F238E27FC236}">
+                  <a16:creationId xmlns:a16="http://schemas.microsoft.com/office/drawing/2014/main" id="{70133292-DB12-41D1-3052-60FFD1472AD0}"/>
+                </a:ext>
+              </a:extLst>
+            </p:cNvPr>
+            <p:cNvSpPr>
+              <a:spLocks noChangeShapeType="1"/>
+            </p:cNvSpPr>
+            <p:nvPr/>
+          </p:nvSpPr>
+          <p:spPr bwMode="auto">
+            <a:xfrm>
+              <a:off x="327" y="2439"/>
+              <a:ext cx="1" cy="1"/>
+            </a:xfrm>
+            <a:prstGeom prst="line">
+              <a:avLst/>
+            </a:prstGeom>
+            <a:noFill/>
+            <a:ln w="0">
+              <a:solidFill>
+                <a:srgbClr val="D4D4D4"/>
+              </a:solidFill>
+              <a:prstDash val="solid"/>
+              <a:round/>
+              <a:headEnd/>
+              <a:tailEnd/>
+            </a:ln>
+            <a:extLst>
+              <a:ext uri="{909E8E84-426E-40DD-AFC4-6F175D3DCCD1}">
+                <a14:hiddenFill xmlns:a14="http://schemas.microsoft.com/office/drawing/2010/main">
+                  <a:noFill/>
+                </a14:hiddenFill>
+              </a:ext>
+            </a:extLst>
+          </p:spPr>
+          <p:txBody>
+            <a:bodyPr vert="horz" wrap="square" lIns="91440" tIns="45720" rIns="91440" bIns="45720" numCol="1" anchor="t" anchorCtr="0" compatLnSpc="1">
+              <a:prstTxWarp prst="textNoShape">
+                <a:avLst/>
+              </a:prstTxWarp>
+            </a:bodyPr>
+            <a:lstStyle/>
+            <a:p>
+              <a:endParaRPr lang="en-US"/>
+            </a:p>
+          </p:txBody>
+        </p:sp>
+        <p:sp>
+          <p:nvSpPr>
+            <p:cNvPr id="64" name="Rectangle 61">
+              <a:extLst>
+                <a:ext uri="{FF2B5EF4-FFF2-40B4-BE49-F238E27FC236}">
+                  <a16:creationId xmlns:a16="http://schemas.microsoft.com/office/drawing/2014/main" id="{1BC55BEF-79B8-6E3A-003A-D429923814D8}"/>
+                </a:ext>
+              </a:extLst>
+            </p:cNvPr>
+            <p:cNvSpPr>
+              <a:spLocks noChangeArrowheads="1"/>
+            </p:cNvSpPr>
+            <p:nvPr/>
+          </p:nvSpPr>
+          <p:spPr bwMode="auto">
+            <a:xfrm>
+              <a:off x="327" y="2439"/>
+              <a:ext cx="7" cy="6"/>
+            </a:xfrm>
+            <a:prstGeom prst="rect">
+              <a:avLst/>
+            </a:prstGeom>
+            <a:solidFill>
+              <a:srgbClr val="D4D4D4"/>
+            </a:solidFill>
+            <a:ln>
+              <a:noFill/>
+            </a:ln>
+            <a:extLst>
+              <a:ext uri="{91240B29-F687-4F45-9708-019B960494DF}">
+                <a14:hiddenLine xmlns:a14="http://schemas.microsoft.com/office/drawing/2010/main" w="9525">
+                  <a:solidFill>
+                    <a:srgbClr val="000000"/>
+                  </a:solidFill>
+                  <a:miter lim="800000"/>
+                  <a:headEnd/>
+                  <a:tailEnd/>
+                </a14:hiddenLine>
+              </a:ext>
+            </a:extLst>
+          </p:spPr>
+          <p:txBody>
+            <a:bodyPr vert="horz" wrap="square" lIns="91440" tIns="45720" rIns="91440" bIns="45720" numCol="1" anchor="t" anchorCtr="0" compatLnSpc="1">
+              <a:prstTxWarp prst="textNoShape">
+                <a:avLst/>
+              </a:prstTxWarp>
+            </a:bodyPr>
+            <a:lstStyle/>
+            <a:p>
+              <a:endParaRPr lang="en-US"/>
+            </a:p>
+          </p:txBody>
+        </p:sp>
+        <p:sp>
+          <p:nvSpPr>
+            <p:cNvPr id="65" name="Line 62">
+              <a:extLst>
+                <a:ext uri="{FF2B5EF4-FFF2-40B4-BE49-F238E27FC236}">
+                  <a16:creationId xmlns:a16="http://schemas.microsoft.com/office/drawing/2014/main" id="{A6FB9C9F-785F-8152-FDFE-0F0AB605389A}"/>
+                </a:ext>
+              </a:extLst>
+            </p:cNvPr>
+            <p:cNvSpPr>
+              <a:spLocks noChangeShapeType="1"/>
+            </p:cNvSpPr>
+            <p:nvPr/>
+          </p:nvSpPr>
+          <p:spPr bwMode="auto">
+            <a:xfrm>
+              <a:off x="3730" y="2439"/>
+              <a:ext cx="1" cy="1"/>
+            </a:xfrm>
+            <a:prstGeom prst="line">
+              <a:avLst/>
+            </a:prstGeom>
+            <a:noFill/>
+            <a:ln w="0">
+              <a:solidFill>
+                <a:srgbClr val="D4D4D4"/>
+              </a:solidFill>
+              <a:prstDash val="solid"/>
+              <a:round/>
+              <a:headEnd/>
+              <a:tailEnd/>
+            </a:ln>
+            <a:extLst>
+              <a:ext uri="{909E8E84-426E-40DD-AFC4-6F175D3DCCD1}">
+                <a14:hiddenFill xmlns:a14="http://schemas.microsoft.com/office/drawing/2010/main">
+                  <a:noFill/>
+                </a14:hiddenFill>
+              </a:ext>
+            </a:extLst>
+          </p:spPr>
+          <p:txBody>
+            <a:bodyPr vert="horz" wrap="square" lIns="91440" tIns="45720" rIns="91440" bIns="45720" numCol="1" anchor="t" anchorCtr="0" compatLnSpc="1">
+              <a:prstTxWarp prst="textNoShape">
+                <a:avLst/>
+              </a:prstTxWarp>
+            </a:bodyPr>
+            <a:lstStyle/>
+            <a:p>
+              <a:endParaRPr lang="en-US"/>
+            </a:p>
+          </p:txBody>
+        </p:sp>
+        <p:sp>
+          <p:nvSpPr>
+            <p:cNvPr id="66" name="Rectangle 63">
+              <a:extLst>
+                <a:ext uri="{FF2B5EF4-FFF2-40B4-BE49-F238E27FC236}">
+                  <a16:creationId xmlns:a16="http://schemas.microsoft.com/office/drawing/2014/main" id="{F02F0978-BB4D-DE2E-0B52-000AB430C791}"/>
+                </a:ext>
+              </a:extLst>
+            </p:cNvPr>
+            <p:cNvSpPr>
+              <a:spLocks noChangeArrowheads="1"/>
+            </p:cNvSpPr>
+            <p:nvPr/>
+          </p:nvSpPr>
+          <p:spPr bwMode="auto">
+            <a:xfrm>
+              <a:off x="3730" y="2439"/>
+              <a:ext cx="7" cy="6"/>
+            </a:xfrm>
+            <a:prstGeom prst="rect">
+              <a:avLst/>
+            </a:prstGeom>
+            <a:solidFill>
+              <a:srgbClr val="D4D4D4"/>
+            </a:solidFill>
+            <a:ln>
+              <a:noFill/>
+            </a:ln>
+            <a:extLst>
+              <a:ext uri="{91240B29-F687-4F45-9708-019B960494DF}">
+                <a14:hiddenLine xmlns:a14="http://schemas.microsoft.com/office/drawing/2010/main" w="9525">
+                  <a:solidFill>
+                    <a:srgbClr val="000000"/>
+                  </a:solidFill>
+                  <a:miter lim="800000"/>
+                  <a:headEnd/>
+                  <a:tailEnd/>
+                </a14:hiddenLine>
+              </a:ext>
+            </a:extLst>
+          </p:spPr>
+          <p:txBody>
+            <a:bodyPr vert="horz" wrap="square" lIns="91440" tIns="45720" rIns="91440" bIns="45720" numCol="1" anchor="t" anchorCtr="0" compatLnSpc="1">
+              <a:prstTxWarp prst="textNoShape">
+                <a:avLst/>
+              </a:prstTxWarp>
+            </a:bodyPr>
+            <a:lstStyle/>
+            <a:p>
+              <a:endParaRPr lang="en-US"/>
+            </a:p>
+          </p:txBody>
+        </p:sp>
+        <p:sp>
+          <p:nvSpPr>
+            <p:cNvPr id="67" name="Line 64">
+              <a:extLst>
+                <a:ext uri="{FF2B5EF4-FFF2-40B4-BE49-F238E27FC236}">
+                  <a16:creationId xmlns:a16="http://schemas.microsoft.com/office/drawing/2014/main" id="{20452B45-A6DE-1BB9-C1F7-2F95E86422C2}"/>
+                </a:ext>
+              </a:extLst>
+            </p:cNvPr>
+            <p:cNvSpPr>
+              <a:spLocks noChangeShapeType="1"/>
+            </p:cNvSpPr>
+            <p:nvPr/>
+          </p:nvSpPr>
+          <p:spPr bwMode="auto">
+            <a:xfrm>
+              <a:off x="4634" y="2439"/>
+              <a:ext cx="1" cy="1"/>
+            </a:xfrm>
+            <a:prstGeom prst="line">
+              <a:avLst/>
+            </a:prstGeom>
+            <a:noFill/>
+            <a:ln w="0">
+              <a:solidFill>
+                <a:srgbClr val="D4D4D4"/>
+              </a:solidFill>
+              <a:prstDash val="solid"/>
+              <a:round/>
+              <a:headEnd/>
+              <a:tailEnd/>
+            </a:ln>
+            <a:extLst>
+              <a:ext uri="{909E8E84-426E-40DD-AFC4-6F175D3DCCD1}">
+                <a14:hiddenFill xmlns:a14="http://schemas.microsoft.com/office/drawing/2010/main">
+                  <a:noFill/>
+                </a14:hiddenFill>
+              </a:ext>
+            </a:extLst>
+          </p:spPr>
+          <p:txBody>
+            <a:bodyPr vert="horz" wrap="square" lIns="91440" tIns="45720" rIns="91440" bIns="45720" numCol="1" anchor="t" anchorCtr="0" compatLnSpc="1">
+              <a:prstTxWarp prst="textNoShape">
+                <a:avLst/>
+              </a:prstTxWarp>
+            </a:bodyPr>
+            <a:lstStyle/>
+            <a:p>
+              <a:endParaRPr lang="en-US"/>
+            </a:p>
+          </p:txBody>
+        </p:sp>
+        <p:sp>
+          <p:nvSpPr>
+            <p:cNvPr id="68" name="Rectangle 65">
+              <a:extLst>
+                <a:ext uri="{FF2B5EF4-FFF2-40B4-BE49-F238E27FC236}">
+                  <a16:creationId xmlns:a16="http://schemas.microsoft.com/office/drawing/2014/main" id="{98166C15-BFDE-3C59-323C-8D664A28FECC}"/>
+                </a:ext>
+              </a:extLst>
+            </p:cNvPr>
+            <p:cNvSpPr>
+              <a:spLocks noChangeArrowheads="1"/>
+            </p:cNvSpPr>
+            <p:nvPr/>
+          </p:nvSpPr>
+          <p:spPr bwMode="auto">
+            <a:xfrm>
+              <a:off x="4634" y="2439"/>
+              <a:ext cx="7" cy="6"/>
+            </a:xfrm>
+            <a:prstGeom prst="rect">
+              <a:avLst/>
+            </a:prstGeom>
+            <a:solidFill>
+              <a:srgbClr val="D4D4D4"/>
+            </a:solidFill>
+            <a:ln>
+              <a:noFill/>
+            </a:ln>
+            <a:extLst>
+              <a:ext uri="{91240B29-F687-4F45-9708-019B960494DF}">
+                <a14:hiddenLine xmlns:a14="http://schemas.microsoft.com/office/drawing/2010/main" w="9525">
+                  <a:solidFill>
+                    <a:srgbClr val="000000"/>
+                  </a:solidFill>
+                  <a:miter lim="800000"/>
+                  <a:headEnd/>
+                  <a:tailEnd/>
+                </a14:hiddenLine>
+              </a:ext>
+            </a:extLst>
+          </p:spPr>
+          <p:txBody>
+            <a:bodyPr vert="horz" wrap="square" lIns="91440" tIns="45720" rIns="91440" bIns="45720" numCol="1" anchor="t" anchorCtr="0" compatLnSpc="1">
+              <a:prstTxWarp prst="textNoShape">
+                <a:avLst/>
+              </a:prstTxWarp>
+            </a:bodyPr>
+            <a:lstStyle/>
+            <a:p>
+              <a:endParaRPr lang="en-US"/>
+            </a:p>
+          </p:txBody>
+        </p:sp>
+        <p:sp>
+          <p:nvSpPr>
+            <p:cNvPr id="69" name="Line 66">
+              <a:extLst>
+                <a:ext uri="{FF2B5EF4-FFF2-40B4-BE49-F238E27FC236}">
+                  <a16:creationId xmlns:a16="http://schemas.microsoft.com/office/drawing/2014/main" id="{B1CAFED7-ABF6-864A-7EE4-2FE0A64421F3}"/>
+                </a:ext>
+              </a:extLst>
+            </p:cNvPr>
+            <p:cNvSpPr>
+              <a:spLocks noChangeShapeType="1"/>
+            </p:cNvSpPr>
+            <p:nvPr/>
+          </p:nvSpPr>
+          <p:spPr bwMode="auto">
+            <a:xfrm>
+              <a:off x="5538" y="2439"/>
+              <a:ext cx="1" cy="1"/>
+            </a:xfrm>
+            <a:prstGeom prst="line">
+              <a:avLst/>
+            </a:prstGeom>
+            <a:noFill/>
+            <a:ln w="0">
+              <a:solidFill>
+                <a:srgbClr val="D4D4D4"/>
+              </a:solidFill>
+              <a:prstDash val="solid"/>
+              <a:round/>
+              <a:headEnd/>
+              <a:tailEnd/>
+            </a:ln>
+            <a:extLst>
+              <a:ext uri="{909E8E84-426E-40DD-AFC4-6F175D3DCCD1}">
+                <a14:hiddenFill xmlns:a14="http://schemas.microsoft.com/office/drawing/2010/main">
+                  <a:noFill/>
+                </a14:hiddenFill>
+              </a:ext>
+            </a:extLst>
+          </p:spPr>
+          <p:txBody>
+            <a:bodyPr vert="horz" wrap="square" lIns="91440" tIns="45720" rIns="91440" bIns="45720" numCol="1" anchor="t" anchorCtr="0" compatLnSpc="1">
+              <a:prstTxWarp prst="textNoShape">
+                <a:avLst/>
+              </a:prstTxWarp>
+            </a:bodyPr>
+            <a:lstStyle/>
+            <a:p>
+              <a:endParaRPr lang="en-US"/>
+            </a:p>
+          </p:txBody>
+        </p:sp>
+        <p:sp>
+          <p:nvSpPr>
+            <p:cNvPr id="70" name="Rectangle 67">
+              <a:extLst>
+                <a:ext uri="{FF2B5EF4-FFF2-40B4-BE49-F238E27FC236}">
+                  <a16:creationId xmlns:a16="http://schemas.microsoft.com/office/drawing/2014/main" id="{02E313A9-8395-855D-D860-0AF9FFC4131F}"/>
+                </a:ext>
+              </a:extLst>
+            </p:cNvPr>
+            <p:cNvSpPr>
+              <a:spLocks noChangeArrowheads="1"/>
+            </p:cNvSpPr>
+            <p:nvPr/>
+          </p:nvSpPr>
+          <p:spPr bwMode="auto">
+            <a:xfrm>
+              <a:off x="5538" y="2439"/>
+              <a:ext cx="7" cy="6"/>
+            </a:xfrm>
+            <a:prstGeom prst="rect">
+              <a:avLst/>
+            </a:prstGeom>
+            <a:solidFill>
+              <a:srgbClr val="D4D4D4"/>
+            </a:solidFill>
+            <a:ln>
+              <a:noFill/>
+            </a:ln>
+            <a:extLst>
+              <a:ext uri="{91240B29-F687-4F45-9708-019B960494DF}">
+                <a14:hiddenLine xmlns:a14="http://schemas.microsoft.com/office/drawing/2010/main" w="9525">
+                  <a:solidFill>
+                    <a:srgbClr val="000000"/>
+                  </a:solidFill>
+                  <a:miter lim="800000"/>
+                  <a:headEnd/>
+                  <a:tailEnd/>
+                </a14:hiddenLine>
+              </a:ext>
+            </a:extLst>
+          </p:spPr>
+          <p:txBody>
+            <a:bodyPr vert="horz" wrap="square" lIns="91440" tIns="45720" rIns="91440" bIns="45720" numCol="1" anchor="t" anchorCtr="0" compatLnSpc="1">
+              <a:prstTxWarp prst="textNoShape">
+                <a:avLst/>
+              </a:prstTxWarp>
+            </a:bodyPr>
+            <a:lstStyle/>
+            <a:p>
+              <a:endParaRPr lang="en-US"/>
+            </a:p>
+          </p:txBody>
+        </p:sp>
+        <p:sp>
+          <p:nvSpPr>
+            <p:cNvPr id="71" name="Line 68">
+              <a:extLst>
+                <a:ext uri="{FF2B5EF4-FFF2-40B4-BE49-F238E27FC236}">
+                  <a16:creationId xmlns:a16="http://schemas.microsoft.com/office/drawing/2014/main" id="{697DCAA4-11A9-44B3-0C3C-1E327C0AABEB}"/>
+                </a:ext>
+              </a:extLst>
+            </p:cNvPr>
+            <p:cNvSpPr>
+              <a:spLocks noChangeShapeType="1"/>
+            </p:cNvSpPr>
+            <p:nvPr/>
+          </p:nvSpPr>
+          <p:spPr bwMode="auto">
+            <a:xfrm>
+              <a:off x="6442" y="2439"/>
+              <a:ext cx="1" cy="1"/>
+            </a:xfrm>
+            <a:prstGeom prst="line">
+              <a:avLst/>
+            </a:prstGeom>
+            <a:noFill/>
+            <a:ln w="0">
+              <a:solidFill>
+                <a:srgbClr val="D4D4D4"/>
+              </a:solidFill>
+              <a:prstDash val="solid"/>
+              <a:round/>
+              <a:headEnd/>
+              <a:tailEnd/>
+            </a:ln>
+            <a:extLst>
+              <a:ext uri="{909E8E84-426E-40DD-AFC4-6F175D3DCCD1}">
+                <a14:hiddenFill xmlns:a14="http://schemas.microsoft.com/office/drawing/2010/main">
+                  <a:noFill/>
+                </a14:hiddenFill>
+              </a:ext>
+            </a:extLst>
+          </p:spPr>
+          <p:txBody>
+            <a:bodyPr vert="horz" wrap="square" lIns="91440" tIns="45720" rIns="91440" bIns="45720" numCol="1" anchor="t" anchorCtr="0" compatLnSpc="1">
+              <a:prstTxWarp prst="textNoShape">
+                <a:avLst/>
+              </a:prstTxWarp>
+            </a:bodyPr>
+            <a:lstStyle/>
+            <a:p>
+              <a:endParaRPr lang="en-US"/>
+            </a:p>
+          </p:txBody>
+        </p:sp>
+        <p:sp>
+          <p:nvSpPr>
+            <p:cNvPr id="72" name="Rectangle 69">
+              <a:extLst>
+                <a:ext uri="{FF2B5EF4-FFF2-40B4-BE49-F238E27FC236}">
+                  <a16:creationId xmlns:a16="http://schemas.microsoft.com/office/drawing/2014/main" id="{404D7D64-E36B-8F54-48B5-22BCCCAB741E}"/>
+                </a:ext>
+              </a:extLst>
+            </p:cNvPr>
+            <p:cNvSpPr>
+              <a:spLocks noChangeArrowheads="1"/>
+            </p:cNvSpPr>
+            <p:nvPr/>
+          </p:nvSpPr>
+          <p:spPr bwMode="auto">
+            <a:xfrm>
+              <a:off x="6442" y="2439"/>
+              <a:ext cx="7" cy="6"/>
+            </a:xfrm>
+            <a:prstGeom prst="rect">
+              <a:avLst/>
+            </a:prstGeom>
+            <a:solidFill>
+              <a:srgbClr val="D4D4D4"/>
+            </a:solidFill>
+            <a:ln>
+              <a:noFill/>
+            </a:ln>
+            <a:extLst>
+              <a:ext uri="{91240B29-F687-4F45-9708-019B960494DF}">
+                <a14:hiddenLine xmlns:a14="http://schemas.microsoft.com/office/drawing/2010/main" w="9525">
+                  <a:solidFill>
+                    <a:srgbClr val="000000"/>
+                  </a:solidFill>
+                  <a:miter lim="800000"/>
+                  <a:headEnd/>
+                  <a:tailEnd/>
+                </a14:hiddenLine>
+              </a:ext>
+            </a:extLst>
+          </p:spPr>
+          <p:txBody>
+            <a:bodyPr vert="horz" wrap="square" lIns="91440" tIns="45720" rIns="91440" bIns="45720" numCol="1" anchor="t" anchorCtr="0" compatLnSpc="1">
+              <a:prstTxWarp prst="textNoShape">
+                <a:avLst/>
+              </a:prstTxWarp>
+            </a:bodyPr>
+            <a:lstStyle/>
+            <a:p>
+              <a:endParaRPr lang="en-US"/>
+            </a:p>
+          </p:txBody>
+        </p:sp>
+        <p:sp>
+          <p:nvSpPr>
+            <p:cNvPr id="73" name="Line 70">
+              <a:extLst>
+                <a:ext uri="{FF2B5EF4-FFF2-40B4-BE49-F238E27FC236}">
+                  <a16:creationId xmlns:a16="http://schemas.microsoft.com/office/drawing/2014/main" id="{CD26F7E9-BBE3-B91A-E2FD-785DF06D94FF}"/>
+                </a:ext>
+              </a:extLst>
+            </p:cNvPr>
+            <p:cNvSpPr>
+              <a:spLocks noChangeShapeType="1"/>
+            </p:cNvSpPr>
+            <p:nvPr/>
+          </p:nvSpPr>
+          <p:spPr bwMode="auto">
+            <a:xfrm>
+              <a:off x="7346" y="2439"/>
+              <a:ext cx="1" cy="1"/>
+            </a:xfrm>
+            <a:prstGeom prst="line">
+              <a:avLst/>
+            </a:prstGeom>
+            <a:noFill/>
+            <a:ln w="0">
+              <a:solidFill>
+                <a:srgbClr val="D4D4D4"/>
+              </a:solidFill>
+              <a:prstDash val="solid"/>
+              <a:round/>
+              <a:headEnd/>
+              <a:tailEnd/>
+            </a:ln>
+            <a:extLst>
+              <a:ext uri="{909E8E84-426E-40DD-AFC4-6F175D3DCCD1}">
+                <a14:hiddenFill xmlns:a14="http://schemas.microsoft.com/office/drawing/2010/main">
+                  <a:noFill/>
+                </a14:hiddenFill>
+              </a:ext>
+            </a:extLst>
+          </p:spPr>
+          <p:txBody>
+            <a:bodyPr vert="horz" wrap="square" lIns="91440" tIns="45720" rIns="91440" bIns="45720" numCol="1" anchor="t" anchorCtr="0" compatLnSpc="1">
+              <a:prstTxWarp prst="textNoShape">
+                <a:avLst/>
+              </a:prstTxWarp>
+            </a:bodyPr>
+            <a:lstStyle/>
+            <a:p>
+              <a:endParaRPr lang="en-US"/>
+            </a:p>
+          </p:txBody>
+        </p:sp>
+        <p:sp>
+          <p:nvSpPr>
+            <p:cNvPr id="74" name="Rectangle 71">
+              <a:extLst>
+                <a:ext uri="{FF2B5EF4-FFF2-40B4-BE49-F238E27FC236}">
+                  <a16:creationId xmlns:a16="http://schemas.microsoft.com/office/drawing/2014/main" id="{607A3535-C099-762E-DBA6-89565CAECCE1}"/>
+                </a:ext>
+              </a:extLst>
+            </p:cNvPr>
+            <p:cNvSpPr>
+              <a:spLocks noChangeArrowheads="1"/>
+            </p:cNvSpPr>
+            <p:nvPr/>
+          </p:nvSpPr>
+          <p:spPr bwMode="auto">
+            <a:xfrm>
+              <a:off x="7346" y="2439"/>
+              <a:ext cx="7" cy="6"/>
+            </a:xfrm>
+            <a:prstGeom prst="rect">
+              <a:avLst/>
+            </a:prstGeom>
+            <a:solidFill>
+              <a:srgbClr val="D4D4D4"/>
+            </a:solidFill>
+            <a:ln>
+              <a:noFill/>
+            </a:ln>
+            <a:extLst>
+              <a:ext uri="{91240B29-F687-4F45-9708-019B960494DF}">
+                <a14:hiddenLine xmlns:a14="http://schemas.microsoft.com/office/drawing/2010/main" w="9525">
+                  <a:solidFill>
+                    <a:srgbClr val="000000"/>
+                  </a:solidFill>
+                  <a:miter lim="800000"/>
+                  <a:headEnd/>
+                  <a:tailEnd/>
+                </a14:hiddenLine>
+              </a:ext>
+            </a:extLst>
+          </p:spPr>
+          <p:txBody>
+            <a:bodyPr vert="horz" wrap="square" lIns="91440" tIns="45720" rIns="91440" bIns="45720" numCol="1" anchor="t" anchorCtr="0" compatLnSpc="1">
+              <a:prstTxWarp prst="textNoShape">
+                <a:avLst/>
+              </a:prstTxWarp>
+            </a:bodyPr>
+            <a:lstStyle/>
+            <a:p>
+              <a:endParaRPr lang="en-US"/>
+            </a:p>
+          </p:txBody>
+        </p:sp>
+        <p:sp>
+          <p:nvSpPr>
+            <p:cNvPr id="75" name="Line 72">
+              <a:extLst>
+                <a:ext uri="{FF2B5EF4-FFF2-40B4-BE49-F238E27FC236}">
+                  <a16:creationId xmlns:a16="http://schemas.microsoft.com/office/drawing/2014/main" id="{4B029772-DAFF-A091-09A2-C9019302A0D0}"/>
+                </a:ext>
+              </a:extLst>
+            </p:cNvPr>
+            <p:cNvSpPr>
+              <a:spLocks noChangeShapeType="1"/>
+            </p:cNvSpPr>
+            <p:nvPr/>
+          </p:nvSpPr>
+          <p:spPr bwMode="auto">
+            <a:xfrm>
+              <a:off x="7353" y="1164"/>
+              <a:ext cx="1" cy="1"/>
+            </a:xfrm>
+            <a:prstGeom prst="line">
+              <a:avLst/>
+            </a:prstGeom>
+            <a:noFill/>
+            <a:ln w="0">
+              <a:solidFill>
+                <a:srgbClr val="D4D4D4"/>
+              </a:solidFill>
+              <a:prstDash val="solid"/>
+              <a:round/>
+              <a:headEnd/>
+              <a:tailEnd/>
+            </a:ln>
+            <a:extLst>
+              <a:ext uri="{909E8E84-426E-40DD-AFC4-6F175D3DCCD1}">
+                <a14:hiddenFill xmlns:a14="http://schemas.microsoft.com/office/drawing/2010/main">
+                  <a:noFill/>
+                </a14:hiddenFill>
+              </a:ext>
+            </a:extLst>
+          </p:spPr>
+          <p:txBody>
+            <a:bodyPr vert="horz" wrap="square" lIns="91440" tIns="45720" rIns="91440" bIns="45720" numCol="1" anchor="t" anchorCtr="0" compatLnSpc="1">
+              <a:prstTxWarp prst="textNoShape">
+                <a:avLst/>
+              </a:prstTxWarp>
+            </a:bodyPr>
+            <a:lstStyle/>
+            <a:p>
+              <a:endParaRPr lang="en-US"/>
+            </a:p>
+          </p:txBody>
+        </p:sp>
+        <p:sp>
+          <p:nvSpPr>
+            <p:cNvPr id="76" name="Rectangle 73">
+              <a:extLst>
+                <a:ext uri="{FF2B5EF4-FFF2-40B4-BE49-F238E27FC236}">
+                  <a16:creationId xmlns:a16="http://schemas.microsoft.com/office/drawing/2014/main" id="{DA40C1AE-F0E0-3E8F-F044-6CB72E68819C}"/>
+                </a:ext>
+              </a:extLst>
+            </p:cNvPr>
+            <p:cNvSpPr>
+              <a:spLocks noChangeArrowheads="1"/>
+            </p:cNvSpPr>
+            <p:nvPr/>
+          </p:nvSpPr>
+          <p:spPr bwMode="auto">
+            <a:xfrm>
+              <a:off x="7353" y="1164"/>
+              <a:ext cx="6" cy="7"/>
+            </a:xfrm>
+            <a:prstGeom prst="rect">
+              <a:avLst/>
+            </a:prstGeom>
+            <a:solidFill>
+              <a:srgbClr val="D4D4D4"/>
+            </a:solidFill>
+            <a:ln>
+              <a:noFill/>
+            </a:ln>
+            <a:extLst>
+              <a:ext uri="{91240B29-F687-4F45-9708-019B960494DF}">
+                <a14:hiddenLine xmlns:a14="http://schemas.microsoft.com/office/drawing/2010/main" w="9525">
+                  <a:solidFill>
+                    <a:srgbClr val="000000"/>
+                  </a:solidFill>
+                  <a:miter lim="800000"/>
+                  <a:headEnd/>
+                  <a:tailEnd/>
+                </a14:hiddenLine>
+              </a:ext>
+            </a:extLst>
+          </p:spPr>
+          <p:txBody>
+            <a:bodyPr vert="horz" wrap="square" lIns="91440" tIns="45720" rIns="91440" bIns="45720" numCol="1" anchor="t" anchorCtr="0" compatLnSpc="1">
+              <a:prstTxWarp prst="textNoShape">
+                <a:avLst/>
+              </a:prstTxWarp>
+            </a:bodyPr>
+            <a:lstStyle/>
+            <a:p>
+              <a:endParaRPr lang="en-US"/>
+            </a:p>
+          </p:txBody>
+        </p:sp>
+        <p:sp>
+          <p:nvSpPr>
+            <p:cNvPr id="77" name="Line 74">
+              <a:extLst>
+                <a:ext uri="{FF2B5EF4-FFF2-40B4-BE49-F238E27FC236}">
+                  <a16:creationId xmlns:a16="http://schemas.microsoft.com/office/drawing/2014/main" id="{4C7BBF1C-A6C7-D26A-2316-AAB5A276B567}"/>
+                </a:ext>
+              </a:extLst>
+            </p:cNvPr>
+            <p:cNvSpPr>
+              <a:spLocks noChangeShapeType="1"/>
+            </p:cNvSpPr>
+            <p:nvPr/>
+          </p:nvSpPr>
+          <p:spPr bwMode="auto">
+            <a:xfrm>
+              <a:off x="7353" y="1418"/>
+              <a:ext cx="1" cy="1"/>
+            </a:xfrm>
+            <a:prstGeom prst="line">
+              <a:avLst/>
+            </a:prstGeom>
+            <a:noFill/>
+            <a:ln w="0">
+              <a:solidFill>
+                <a:srgbClr val="D4D4D4"/>
+              </a:solidFill>
+              <a:prstDash val="solid"/>
+              <a:round/>
+              <a:headEnd/>
+              <a:tailEnd/>
+            </a:ln>
+            <a:extLst>
+              <a:ext uri="{909E8E84-426E-40DD-AFC4-6F175D3DCCD1}">
+                <a14:hiddenFill xmlns:a14="http://schemas.microsoft.com/office/drawing/2010/main">
+                  <a:noFill/>
+                </a14:hiddenFill>
+              </a:ext>
+            </a:extLst>
+          </p:spPr>
+          <p:txBody>
+            <a:bodyPr vert="horz" wrap="square" lIns="91440" tIns="45720" rIns="91440" bIns="45720" numCol="1" anchor="t" anchorCtr="0" compatLnSpc="1">
+              <a:prstTxWarp prst="textNoShape">
+                <a:avLst/>
+              </a:prstTxWarp>
+            </a:bodyPr>
+            <a:lstStyle/>
+            <a:p>
+              <a:endParaRPr lang="en-US"/>
+            </a:p>
+          </p:txBody>
+        </p:sp>
+        <p:sp>
+          <p:nvSpPr>
+            <p:cNvPr id="78" name="Rectangle 75">
+              <a:extLst>
+                <a:ext uri="{FF2B5EF4-FFF2-40B4-BE49-F238E27FC236}">
+                  <a16:creationId xmlns:a16="http://schemas.microsoft.com/office/drawing/2014/main" id="{C6961EE4-16B2-FB3F-744D-0B164635FDE4}"/>
+                </a:ext>
+              </a:extLst>
+            </p:cNvPr>
+            <p:cNvSpPr>
+              <a:spLocks noChangeArrowheads="1"/>
+            </p:cNvSpPr>
+            <p:nvPr/>
+          </p:nvSpPr>
+          <p:spPr bwMode="auto">
+            <a:xfrm>
+              <a:off x="7353" y="1418"/>
+              <a:ext cx="6" cy="6"/>
+            </a:xfrm>
+            <a:prstGeom prst="rect">
+              <a:avLst/>
+            </a:prstGeom>
+            <a:solidFill>
+              <a:srgbClr val="D4D4D4"/>
+            </a:solidFill>
+            <a:ln>
+              <a:noFill/>
+            </a:ln>
+            <a:extLst>
+              <a:ext uri="{91240B29-F687-4F45-9708-019B960494DF}">
+                <a14:hiddenLine xmlns:a14="http://schemas.microsoft.com/office/drawing/2010/main" w="9525">
+                  <a:solidFill>
+                    <a:srgbClr val="000000"/>
+                  </a:solidFill>
+                  <a:miter lim="800000"/>
+                  <a:headEnd/>
+                  <a:tailEnd/>
+                </a14:hiddenLine>
+              </a:ext>
+            </a:extLst>
+          </p:spPr>
+          <p:txBody>
+            <a:bodyPr vert="horz" wrap="square" lIns="91440" tIns="45720" rIns="91440" bIns="45720" numCol="1" anchor="t" anchorCtr="0" compatLnSpc="1">
+              <a:prstTxWarp prst="textNoShape">
+                <a:avLst/>
+              </a:prstTxWarp>
+            </a:bodyPr>
+            <a:lstStyle/>
+            <a:p>
+              <a:endParaRPr lang="en-US"/>
+            </a:p>
+          </p:txBody>
+        </p:sp>
+        <p:sp>
+          <p:nvSpPr>
+            <p:cNvPr id="79" name="Line 76">
+              <a:extLst>
+                <a:ext uri="{FF2B5EF4-FFF2-40B4-BE49-F238E27FC236}">
+                  <a16:creationId xmlns:a16="http://schemas.microsoft.com/office/drawing/2014/main" id="{CCFB71DC-4009-8FF4-B8C9-8CCA37761839}"/>
+                </a:ext>
+              </a:extLst>
+            </p:cNvPr>
+            <p:cNvSpPr>
+              <a:spLocks noChangeShapeType="1"/>
+            </p:cNvSpPr>
+            <p:nvPr/>
+          </p:nvSpPr>
+          <p:spPr bwMode="auto">
+            <a:xfrm>
+              <a:off x="7353" y="1671"/>
+              <a:ext cx="1" cy="1"/>
+            </a:xfrm>
+            <a:prstGeom prst="line">
+              <a:avLst/>
+            </a:prstGeom>
+            <a:noFill/>
+            <a:ln w="0">
+              <a:solidFill>
+                <a:srgbClr val="D4D4D4"/>
+              </a:solidFill>
+              <a:prstDash val="solid"/>
+              <a:round/>
+              <a:headEnd/>
+              <a:tailEnd/>
+            </a:ln>
+            <a:extLst>
+              <a:ext uri="{909E8E84-426E-40DD-AFC4-6F175D3DCCD1}">
+                <a14:hiddenFill xmlns:a14="http://schemas.microsoft.com/office/drawing/2010/main">
+                  <a:noFill/>
+                </a14:hiddenFill>
+              </a:ext>
+            </a:extLst>
+          </p:spPr>
+          <p:txBody>
+            <a:bodyPr vert="horz" wrap="square" lIns="91440" tIns="45720" rIns="91440" bIns="45720" numCol="1" anchor="t" anchorCtr="0" compatLnSpc="1">
+              <a:prstTxWarp prst="textNoShape">
+                <a:avLst/>
+              </a:prstTxWarp>
+            </a:bodyPr>
+            <a:lstStyle/>
+            <a:p>
+              <a:endParaRPr lang="en-US"/>
+            </a:p>
+          </p:txBody>
+        </p:sp>
+        <p:sp>
+          <p:nvSpPr>
+            <p:cNvPr id="80" name="Rectangle 77">
+              <a:extLst>
+                <a:ext uri="{FF2B5EF4-FFF2-40B4-BE49-F238E27FC236}">
+                  <a16:creationId xmlns:a16="http://schemas.microsoft.com/office/drawing/2014/main" id="{574B1413-20CD-67C4-4D25-942E4B7E00CB}"/>
+                </a:ext>
+              </a:extLst>
+            </p:cNvPr>
+            <p:cNvSpPr>
+              <a:spLocks noChangeArrowheads="1"/>
+            </p:cNvSpPr>
+            <p:nvPr/>
+          </p:nvSpPr>
+          <p:spPr bwMode="auto">
+            <a:xfrm>
+              <a:off x="7353" y="1671"/>
+              <a:ext cx="6" cy="7"/>
+            </a:xfrm>
+            <a:prstGeom prst="rect">
+              <a:avLst/>
+            </a:prstGeom>
+            <a:solidFill>
+              <a:srgbClr val="D4D4D4"/>
+            </a:solidFill>
+            <a:ln>
+              <a:noFill/>
+            </a:ln>
+            <a:extLst>
+              <a:ext uri="{91240B29-F687-4F45-9708-019B960494DF}">
+                <a14:hiddenLine xmlns:a14="http://schemas.microsoft.com/office/drawing/2010/main" w="9525">
+                  <a:solidFill>
+                    <a:srgbClr val="000000"/>
+                  </a:solidFill>
+                  <a:miter lim="800000"/>
+                  <a:headEnd/>
+                  <a:tailEnd/>
+                </a14:hiddenLine>
+              </a:ext>
+            </a:extLst>
+          </p:spPr>
+          <p:txBody>
+            <a:bodyPr vert="horz" wrap="square" lIns="91440" tIns="45720" rIns="91440" bIns="45720" numCol="1" anchor="t" anchorCtr="0" compatLnSpc="1">
+              <a:prstTxWarp prst="textNoShape">
+                <a:avLst/>
+              </a:prstTxWarp>
+            </a:bodyPr>
+            <a:lstStyle/>
+            <a:p>
+              <a:endParaRPr lang="en-US"/>
+            </a:p>
+          </p:txBody>
+        </p:sp>
+        <p:sp>
+          <p:nvSpPr>
+            <p:cNvPr id="81" name="Line 78">
+              <a:extLst>
+                <a:ext uri="{FF2B5EF4-FFF2-40B4-BE49-F238E27FC236}">
+                  <a16:creationId xmlns:a16="http://schemas.microsoft.com/office/drawing/2014/main" id="{0C694C93-158F-253D-FF7A-F6EA77CFE1FC}"/>
+                </a:ext>
+              </a:extLst>
+            </p:cNvPr>
+            <p:cNvSpPr>
+              <a:spLocks noChangeShapeType="1"/>
+            </p:cNvSpPr>
+            <p:nvPr/>
+          </p:nvSpPr>
+          <p:spPr bwMode="auto">
+            <a:xfrm>
+              <a:off x="7353" y="1925"/>
+              <a:ext cx="1" cy="1"/>
+            </a:xfrm>
+            <a:prstGeom prst="line">
+              <a:avLst/>
+            </a:prstGeom>
+            <a:noFill/>
+            <a:ln w="0">
+              <a:solidFill>
+                <a:srgbClr val="D4D4D4"/>
+              </a:solidFill>
+              <a:prstDash val="solid"/>
+              <a:round/>
+              <a:headEnd/>
+              <a:tailEnd/>
+            </a:ln>
+            <a:extLst>
+              <a:ext uri="{909E8E84-426E-40DD-AFC4-6F175D3DCCD1}">
+                <a14:hiddenFill xmlns:a14="http://schemas.microsoft.com/office/drawing/2010/main">
+                  <a:noFill/>
+                </a14:hiddenFill>
+              </a:ext>
+            </a:extLst>
+          </p:spPr>
+          <p:txBody>
+            <a:bodyPr vert="horz" wrap="square" lIns="91440" tIns="45720" rIns="91440" bIns="45720" numCol="1" anchor="t" anchorCtr="0" compatLnSpc="1">
+              <a:prstTxWarp prst="textNoShape">
+                <a:avLst/>
+              </a:prstTxWarp>
+            </a:bodyPr>
+            <a:lstStyle/>
+            <a:p>
+              <a:endParaRPr lang="en-US"/>
+            </a:p>
+          </p:txBody>
+        </p:sp>
+        <p:sp>
+          <p:nvSpPr>
+            <p:cNvPr id="82" name="Rectangle 79">
+              <a:extLst>
+                <a:ext uri="{FF2B5EF4-FFF2-40B4-BE49-F238E27FC236}">
+                  <a16:creationId xmlns:a16="http://schemas.microsoft.com/office/drawing/2014/main" id="{936A1CC0-BEE8-8FFB-B4D7-707615B8F1FB}"/>
+                </a:ext>
+              </a:extLst>
+            </p:cNvPr>
+            <p:cNvSpPr>
+              <a:spLocks noChangeArrowheads="1"/>
+            </p:cNvSpPr>
+            <p:nvPr/>
+          </p:nvSpPr>
+          <p:spPr bwMode="auto">
+            <a:xfrm>
+              <a:off x="7353" y="1925"/>
+              <a:ext cx="6" cy="7"/>
+            </a:xfrm>
+            <a:prstGeom prst="rect">
+              <a:avLst/>
+            </a:prstGeom>
+            <a:solidFill>
+              <a:srgbClr val="D4D4D4"/>
+            </a:solidFill>
+            <a:ln>
+              <a:noFill/>
+            </a:ln>
+            <a:extLst>
+              <a:ext uri="{91240B29-F687-4F45-9708-019B960494DF}">
+                <a14:hiddenLine xmlns:a14="http://schemas.microsoft.com/office/drawing/2010/main" w="9525">
+                  <a:solidFill>
+                    <a:srgbClr val="000000"/>
+                  </a:solidFill>
+                  <a:miter lim="800000"/>
+                  <a:headEnd/>
+                  <a:tailEnd/>
+                </a14:hiddenLine>
+              </a:ext>
+            </a:extLst>
+          </p:spPr>
+          <p:txBody>
+            <a:bodyPr vert="horz" wrap="square" lIns="91440" tIns="45720" rIns="91440" bIns="45720" numCol="1" anchor="t" anchorCtr="0" compatLnSpc="1">
+              <a:prstTxWarp prst="textNoShape">
+                <a:avLst/>
+              </a:prstTxWarp>
+            </a:bodyPr>
+            <a:lstStyle/>
+            <a:p>
+              <a:endParaRPr lang="en-US"/>
+            </a:p>
+          </p:txBody>
+        </p:sp>
+        <p:sp>
+          <p:nvSpPr>
+            <p:cNvPr id="83" name="Line 80">
+              <a:extLst>
+                <a:ext uri="{FF2B5EF4-FFF2-40B4-BE49-F238E27FC236}">
+                  <a16:creationId xmlns:a16="http://schemas.microsoft.com/office/drawing/2014/main" id="{FA0183AA-AFAB-C5C3-2F99-5476525139BA}"/>
+                </a:ext>
+              </a:extLst>
+            </p:cNvPr>
+            <p:cNvSpPr>
+              <a:spLocks noChangeShapeType="1"/>
+            </p:cNvSpPr>
+            <p:nvPr/>
+          </p:nvSpPr>
+          <p:spPr bwMode="auto">
+            <a:xfrm>
+              <a:off x="7353" y="2178"/>
+              <a:ext cx="1" cy="1"/>
+            </a:xfrm>
+            <a:prstGeom prst="line">
+              <a:avLst/>
+            </a:prstGeom>
+            <a:noFill/>
+            <a:ln w="0">
+              <a:solidFill>
+                <a:srgbClr val="D4D4D4"/>
+              </a:solidFill>
+              <a:prstDash val="solid"/>
+              <a:round/>
+              <a:headEnd/>
+              <a:tailEnd/>
+            </a:ln>
+            <a:extLst>
+              <a:ext uri="{909E8E84-426E-40DD-AFC4-6F175D3DCCD1}">
+                <a14:hiddenFill xmlns:a14="http://schemas.microsoft.com/office/drawing/2010/main">
+                  <a:noFill/>
+                </a14:hiddenFill>
+              </a:ext>
+            </a:extLst>
+          </p:spPr>
+          <p:txBody>
+            <a:bodyPr vert="horz" wrap="square" lIns="91440" tIns="45720" rIns="91440" bIns="45720" numCol="1" anchor="t" anchorCtr="0" compatLnSpc="1">
+              <a:prstTxWarp prst="textNoShape">
+                <a:avLst/>
+              </a:prstTxWarp>
+            </a:bodyPr>
+            <a:lstStyle/>
+            <a:p>
+              <a:endParaRPr lang="en-US"/>
+            </a:p>
+          </p:txBody>
+        </p:sp>
+        <p:sp>
+          <p:nvSpPr>
+            <p:cNvPr id="84" name="Rectangle 81">
+              <a:extLst>
+                <a:ext uri="{FF2B5EF4-FFF2-40B4-BE49-F238E27FC236}">
+                  <a16:creationId xmlns:a16="http://schemas.microsoft.com/office/drawing/2014/main" id="{A14130A1-332A-C6D0-EBCE-1A0D4BAE8D66}"/>
+                </a:ext>
+              </a:extLst>
+            </p:cNvPr>
+            <p:cNvSpPr>
+              <a:spLocks noChangeArrowheads="1"/>
+            </p:cNvSpPr>
+            <p:nvPr/>
+          </p:nvSpPr>
+          <p:spPr bwMode="auto">
+            <a:xfrm>
+              <a:off x="7353" y="2178"/>
+              <a:ext cx="6" cy="7"/>
+            </a:xfrm>
+            <a:prstGeom prst="rect">
+              <a:avLst/>
+            </a:prstGeom>
+            <a:solidFill>
+              <a:srgbClr val="D4D4D4"/>
+            </a:solidFill>
+            <a:ln>
+              <a:noFill/>
+            </a:ln>
+            <a:extLst>
+              <a:ext uri="{91240B29-F687-4F45-9708-019B960494DF}">
+                <a14:hiddenLine xmlns:a14="http://schemas.microsoft.com/office/drawing/2010/main" w="9525">
+                  <a:solidFill>
+                    <a:srgbClr val="000000"/>
+                  </a:solidFill>
+                  <a:miter lim="800000"/>
+                  <a:headEnd/>
+                  <a:tailEnd/>
+                </a14:hiddenLine>
+              </a:ext>
+            </a:extLst>
+          </p:spPr>
+          <p:txBody>
+            <a:bodyPr vert="horz" wrap="square" lIns="91440" tIns="45720" rIns="91440" bIns="45720" numCol="1" anchor="t" anchorCtr="0" compatLnSpc="1">
+              <a:prstTxWarp prst="textNoShape">
+                <a:avLst/>
+              </a:prstTxWarp>
+            </a:bodyPr>
+            <a:lstStyle/>
+            <a:p>
+              <a:endParaRPr lang="en-US"/>
+            </a:p>
+          </p:txBody>
+        </p:sp>
+        <p:sp>
+          <p:nvSpPr>
+            <p:cNvPr id="85" name="Line 82">
+              <a:extLst>
+                <a:ext uri="{FF2B5EF4-FFF2-40B4-BE49-F238E27FC236}">
+                  <a16:creationId xmlns:a16="http://schemas.microsoft.com/office/drawing/2014/main" id="{8AA46CB9-82A9-89D4-667E-BB2590095E35}"/>
+                </a:ext>
+              </a:extLst>
+            </p:cNvPr>
+            <p:cNvSpPr>
+              <a:spLocks noChangeShapeType="1"/>
+            </p:cNvSpPr>
+            <p:nvPr/>
+          </p:nvSpPr>
+          <p:spPr bwMode="auto">
+            <a:xfrm>
+              <a:off x="7353" y="2432"/>
+              <a:ext cx="1" cy="1"/>
+            </a:xfrm>
+            <a:prstGeom prst="line">
+              <a:avLst/>
+            </a:prstGeom>
+            <a:noFill/>
+            <a:ln w="0">
+              <a:solidFill>
+                <a:srgbClr val="D4D4D4"/>
+              </a:solidFill>
+              <a:prstDash val="solid"/>
+              <a:round/>
+              <a:headEnd/>
+              <a:tailEnd/>
+            </a:ln>
+            <a:extLst>
+              <a:ext uri="{909E8E84-426E-40DD-AFC4-6F175D3DCCD1}">
+                <a14:hiddenFill xmlns:a14="http://schemas.microsoft.com/office/drawing/2010/main">
+                  <a:noFill/>
+                </a14:hiddenFill>
+              </a:ext>
+            </a:extLst>
+          </p:spPr>
+          <p:txBody>
+            <a:bodyPr vert="horz" wrap="square" lIns="91440" tIns="45720" rIns="91440" bIns="45720" numCol="1" anchor="t" anchorCtr="0" compatLnSpc="1">
+              <a:prstTxWarp prst="textNoShape">
+                <a:avLst/>
+              </a:prstTxWarp>
+            </a:bodyPr>
+            <a:lstStyle/>
+            <a:p>
+              <a:endParaRPr lang="en-US"/>
+            </a:p>
+          </p:txBody>
+        </p:sp>
+        <p:sp>
+          <p:nvSpPr>
+            <p:cNvPr id="86" name="Rectangle 83">
+              <a:extLst>
+                <a:ext uri="{FF2B5EF4-FFF2-40B4-BE49-F238E27FC236}">
+                  <a16:creationId xmlns:a16="http://schemas.microsoft.com/office/drawing/2014/main" id="{2211A595-3F20-C6CE-6820-1A1E1FBCE8CE}"/>
+                </a:ext>
+              </a:extLst>
+            </p:cNvPr>
+            <p:cNvSpPr>
+              <a:spLocks noChangeArrowheads="1"/>
+            </p:cNvSpPr>
+            <p:nvPr/>
+          </p:nvSpPr>
+          <p:spPr bwMode="auto">
+            <a:xfrm>
+              <a:off x="7353" y="2432"/>
+              <a:ext cx="6" cy="7"/>
+            </a:xfrm>
+            <a:prstGeom prst="rect">
+              <a:avLst/>
+            </a:prstGeom>
+            <a:solidFill>
+              <a:srgbClr val="D4D4D4"/>
+            </a:solidFill>
+            <a:ln>
+              <a:noFill/>
+            </a:ln>
+            <a:extLst>
+              <a:ext uri="{91240B29-F687-4F45-9708-019B960494DF}">
+                <a14:hiddenLine xmlns:a14="http://schemas.microsoft.com/office/drawing/2010/main" w="9525">
+                  <a:solidFill>
+                    <a:srgbClr val="000000"/>
+                  </a:solidFill>
+                  <a:miter lim="800000"/>
+                  <a:headEnd/>
+                  <a:tailEnd/>
+                </a14:hiddenLine>
+              </a:ext>
+            </a:extLst>
+          </p:spPr>
+          <p:txBody>
+            <a:bodyPr vert="horz" wrap="square" lIns="91440" tIns="45720" rIns="91440" bIns="45720" numCol="1" anchor="t" anchorCtr="0" compatLnSpc="1">
+              <a:prstTxWarp prst="textNoShape">
+                <a:avLst/>
+              </a:prstTxWarp>
+            </a:bodyPr>
+            <a:lstStyle/>
+            <a:p>
+              <a:endParaRPr lang="en-US"/>
+            </a:p>
+          </p:txBody>
+        </p:sp>
+      </p:grpSp>
+      <p:sp>
+        <p:nvSpPr>
+          <p:cNvPr id="88" name="TextBox 87">
+            <a:extLst>
+              <a:ext uri="{FF2B5EF4-FFF2-40B4-BE49-F238E27FC236}">
+                <a16:creationId xmlns:a16="http://schemas.microsoft.com/office/drawing/2014/main" id="{CE3949EF-9D66-FC78-C11C-299E12F932E3}"/>
+              </a:ext>
+            </a:extLst>
+          </p:cNvPr>
+          <p:cNvSpPr txBox="1"/>
+          <p:nvPr/>
+        </p:nvSpPr>
+        <p:spPr>
+          <a:xfrm>
+            <a:off x="519113" y="4274680"/>
+            <a:ext cx="11152187" cy="1200329"/>
+          </a:xfrm>
+          <a:prstGeom prst="rect">
+            <a:avLst/>
+          </a:prstGeom>
+          <a:noFill/>
+        </p:spPr>
+        <p:txBody>
+          <a:bodyPr wrap="square" rtlCol="0">
+            <a:spAutoFit/>
+          </a:bodyPr>
+          <a:lstStyle/>
+          <a:p>
+            <a:pPr marL="285750" indent="-285750">
+              <a:buFont typeface="Arial" panose="020B0604020202020204" pitchFamily="34" charset="0"/>
+              <a:buChar char="•"/>
+            </a:pPr>
+            <a:r>
+              <a:rPr lang="en-US" dirty="0"/>
+              <a:t>Without archetypes, all the values go up---the amount of minutes watched, # of videos watched, and average extremeness of all the videos watched.</a:t>
+            </a:r>
+          </a:p>
+          <a:p>
+            <a:pPr marL="285750" indent="-285750">
+              <a:buFont typeface="Arial" panose="020B0604020202020204" pitchFamily="34" charset="0"/>
+              <a:buChar char="•"/>
+            </a:pPr>
+            <a:r>
+              <a:rPr lang="en-US" dirty="0"/>
+              <a:t>Without archetypes, the average extremeness goes up slightly, the number of videos watched nearly doubles, and the number of minutes watched goes down. The same pattern happens with archetypes.</a:t>
+            </a:r>
+          </a:p>
+        </p:txBody>
+      </p:sp>
+    </p:spTree>
+    <p:extLst>
+      <p:ext uri="{BB962C8B-B14F-4D97-AF65-F5344CB8AC3E}">
+        <p14:creationId xmlns:p14="http://schemas.microsoft.com/office/powerpoint/2010/main" val="3328772880"/>
+      </p:ext>
+    </p:extLst>
+  </p:cSld>
+  <p:clrMapOvr>
+    <a:masterClrMapping/>
+  </p:clrMapOvr>
+</p:sld>
+</file>
+
 <file path=ppt/slides/slide3.xml><?xml version="1.0" encoding="utf-8"?>
 <p:sld xmlns:a="http://schemas.openxmlformats.org/drawingml/2006/main" xmlns:r="http://schemas.openxmlformats.org/officeDocument/2006/relationships" xmlns:p="http://schemas.openxmlformats.org/presentationml/2006/main">
   <p:cSld>

--- a/youtube simulation/Current Status of YouTube Simulation - 1-9-24.pptx
+++ b/youtube simulation/Current Status of YouTube Simulation - 1-9-24.pptx
@@ -340,7 +340,7 @@
           <a:p>
             <a:fld id="{C62310E3-9A57-4749-BE71-4D6AEC267A5D}" type="datetimeFigureOut">
               <a:rPr lang="en-US" smtClean="0"/>
-              <a:t>1/23/2024</a:t>
+              <a:t>1/28/2024</a:t>
             </a:fld>
             <a:endParaRPr lang="en-US"/>
           </a:p>
@@ -530,7 +530,7 @@
           <a:p>
             <a:fld id="{C62310E3-9A57-4749-BE71-4D6AEC267A5D}" type="datetimeFigureOut">
               <a:rPr lang="en-US" smtClean="0"/>
-              <a:t>1/23/2024</a:t>
+              <a:t>1/28/2024</a:t>
             </a:fld>
             <a:endParaRPr lang="en-US"/>
           </a:p>
@@ -710,7 +710,7 @@
           <a:p>
             <a:fld id="{C62310E3-9A57-4749-BE71-4D6AEC267A5D}" type="datetimeFigureOut">
               <a:rPr lang="en-US" smtClean="0"/>
-              <a:t>1/23/2024</a:t>
+              <a:t>1/28/2024</a:t>
             </a:fld>
             <a:endParaRPr lang="en-US"/>
           </a:p>
@@ -879,7 +879,7 @@
           <a:p>
             <a:fld id="{C62310E3-9A57-4749-BE71-4D6AEC267A5D}" type="datetimeFigureOut">
               <a:rPr lang="en-US" smtClean="0"/>
-              <a:t>1/23/2024</a:t>
+              <a:t>1/28/2024</a:t>
             </a:fld>
             <a:endParaRPr lang="en-US"/>
           </a:p>
@@ -1135,7 +1135,7 @@
           <a:p>
             <a:fld id="{C62310E3-9A57-4749-BE71-4D6AEC267A5D}" type="datetimeFigureOut">
               <a:rPr lang="en-US" smtClean="0"/>
-              <a:t>1/23/2024</a:t>
+              <a:t>1/28/2024</a:t>
             </a:fld>
             <a:endParaRPr lang="en-US"/>
           </a:p>
@@ -1423,7 +1423,7 @@
           <a:p>
             <a:fld id="{C62310E3-9A57-4749-BE71-4D6AEC267A5D}" type="datetimeFigureOut">
               <a:rPr lang="en-US" smtClean="0"/>
-              <a:t>1/23/2024</a:t>
+              <a:t>1/28/2024</a:t>
             </a:fld>
             <a:endParaRPr lang="en-US"/>
           </a:p>
@@ -1861,7 +1861,7 @@
           <a:p>
             <a:fld id="{C62310E3-9A57-4749-BE71-4D6AEC267A5D}" type="datetimeFigureOut">
               <a:rPr lang="en-US" smtClean="0"/>
-              <a:t>1/23/2024</a:t>
+              <a:t>1/28/2024</a:t>
             </a:fld>
             <a:endParaRPr lang="en-US"/>
           </a:p>
@@ -1979,7 +1979,7 @@
           <a:p>
             <a:fld id="{C62310E3-9A57-4749-BE71-4D6AEC267A5D}" type="datetimeFigureOut">
               <a:rPr lang="en-US" smtClean="0"/>
-              <a:t>1/23/2024</a:t>
+              <a:t>1/28/2024</a:t>
             </a:fld>
             <a:endParaRPr lang="en-US"/>
           </a:p>
@@ -2074,7 +2074,7 @@
           <a:p>
             <a:fld id="{C62310E3-9A57-4749-BE71-4D6AEC267A5D}" type="datetimeFigureOut">
               <a:rPr lang="en-US" smtClean="0"/>
-              <a:t>1/23/2024</a:t>
+              <a:t>1/28/2024</a:t>
             </a:fld>
             <a:endParaRPr lang="en-US"/>
           </a:p>
@@ -2430,7 +2430,7 @@
           <a:p>
             <a:fld id="{C62310E3-9A57-4749-BE71-4D6AEC267A5D}" type="datetimeFigureOut">
               <a:rPr lang="en-US" smtClean="0"/>
-              <a:t>1/23/2024</a:t>
+              <a:t>1/28/2024</a:t>
             </a:fld>
             <a:endParaRPr lang="en-US"/>
           </a:p>
@@ -2746,7 +2746,7 @@
           <a:p>
             <a:fld id="{C62310E3-9A57-4749-BE71-4D6AEC267A5D}" type="datetimeFigureOut">
               <a:rPr lang="en-US" smtClean="0"/>
-              <a:t>1/23/2024</a:t>
+              <a:t>1/28/2024</a:t>
             </a:fld>
             <a:endParaRPr lang="en-US"/>
           </a:p>
@@ -2979,7 +2979,7 @@
           <a:p>
             <a:fld id="{C62310E3-9A57-4749-BE71-4D6AEC267A5D}" type="datetimeFigureOut">
               <a:rPr lang="en-US" smtClean="0"/>
-              <a:t>1/23/2024</a:t>
+              <a:t>1/28/2024</a:t>
             </a:fld>
             <a:endParaRPr lang="en-US"/>
           </a:p>
@@ -6495,6 +6495,417 @@
           </a:p>
         </p:txBody>
       </p:sp>
+      <p:sp>
+        <p:nvSpPr>
+          <p:cNvPr id="2" name="TextBox 1">
+            <a:extLst>
+              <a:ext uri="{FF2B5EF4-FFF2-40B4-BE49-F238E27FC236}">
+                <a16:creationId xmlns:a16="http://schemas.microsoft.com/office/drawing/2014/main" id="{5DD5F7B6-54D5-5131-9F50-622E2C981AEC}"/>
+              </a:ext>
+            </a:extLst>
+          </p:cNvPr>
+          <p:cNvSpPr txBox="1"/>
+          <p:nvPr/>
+        </p:nvSpPr>
+        <p:spPr>
+          <a:xfrm>
+            <a:off x="5370021" y="119786"/>
+            <a:ext cx="6350923" cy="1754326"/>
+          </a:xfrm>
+          <a:prstGeom prst="rect">
+            <a:avLst/>
+          </a:prstGeom>
+          <a:noFill/>
+        </p:spPr>
+        <p:txBody>
+          <a:bodyPr wrap="square" rtlCol="0">
+            <a:spAutoFit/>
+          </a:bodyPr>
+          <a:lstStyle/>
+          <a:p>
+            <a:r>
+              <a:rPr lang="en-US" b="1" i="1" dirty="0"/>
+              <a:t>Why the horizontal lines? Why no trend on the left?</a:t>
+            </a:r>
+          </a:p>
+          <a:p>
+            <a:r>
+              <a:rPr lang="en-US" dirty="0"/>
+              <a:t>I think it’s because in the scoring, the first large amount of videos all have the same extremeness, and video extremeness-es are NOT random floats. Rather, they’re all picked from </a:t>
+            </a:r>
+            <a:r>
+              <a:rPr lang="en-US" b="0" dirty="0">
+                <a:solidFill>
+                  <a:srgbClr val="ADB8B8"/>
+                </a:solidFill>
+                <a:effectLst/>
+                <a:latin typeface="Consolas" panose="020B0609020204030204" pitchFamily="49" charset="0"/>
+              </a:rPr>
+              <a:t>[</a:t>
+            </a:r>
+            <a:r>
+              <a:rPr lang="en-US" b="0" dirty="0">
+                <a:solidFill>
+                  <a:srgbClr val="C9D479"/>
+                </a:solidFill>
+                <a:effectLst/>
+                <a:latin typeface="Consolas" panose="020B0609020204030204" pitchFamily="49" charset="0"/>
+              </a:rPr>
+              <a:t>0.0</a:t>
+            </a:r>
+            <a:r>
+              <a:rPr lang="en-US" b="0" dirty="0">
+                <a:solidFill>
+                  <a:srgbClr val="ADB8B8"/>
+                </a:solidFill>
+                <a:effectLst/>
+                <a:latin typeface="Consolas" panose="020B0609020204030204" pitchFamily="49" charset="0"/>
+              </a:rPr>
+              <a:t>,</a:t>
+            </a:r>
+            <a:r>
+              <a:rPr lang="en-US" b="0" dirty="0">
+                <a:solidFill>
+                  <a:srgbClr val="DDDCD3"/>
+                </a:solidFill>
+                <a:effectLst/>
+                <a:latin typeface="Consolas" panose="020B0609020204030204" pitchFamily="49" charset="0"/>
+              </a:rPr>
+              <a:t> </a:t>
+            </a:r>
+            <a:r>
+              <a:rPr lang="en-US" b="0" dirty="0">
+                <a:solidFill>
+                  <a:srgbClr val="C9D479"/>
+                </a:solidFill>
+                <a:effectLst/>
+                <a:latin typeface="Consolas" panose="020B0609020204030204" pitchFamily="49" charset="0"/>
+              </a:rPr>
+              <a:t>0.1</a:t>
+            </a:r>
+            <a:r>
+              <a:rPr lang="en-US" b="0" dirty="0">
+                <a:solidFill>
+                  <a:srgbClr val="ADB8B8"/>
+                </a:solidFill>
+                <a:effectLst/>
+                <a:latin typeface="Consolas" panose="020B0609020204030204" pitchFamily="49" charset="0"/>
+              </a:rPr>
+              <a:t>,</a:t>
+            </a:r>
+            <a:r>
+              <a:rPr lang="en-US" b="0" dirty="0">
+                <a:solidFill>
+                  <a:srgbClr val="DDDCD3"/>
+                </a:solidFill>
+                <a:effectLst/>
+                <a:latin typeface="Consolas" panose="020B0609020204030204" pitchFamily="49" charset="0"/>
+              </a:rPr>
+              <a:t> </a:t>
+            </a:r>
+            <a:r>
+              <a:rPr lang="en-US" b="0" dirty="0">
+                <a:solidFill>
+                  <a:srgbClr val="C9D479"/>
+                </a:solidFill>
+                <a:effectLst/>
+                <a:latin typeface="Consolas" panose="020B0609020204030204" pitchFamily="49" charset="0"/>
+              </a:rPr>
+              <a:t>0.2</a:t>
+            </a:r>
+            <a:r>
+              <a:rPr lang="en-US" b="0" dirty="0">
+                <a:solidFill>
+                  <a:srgbClr val="ADB8B8"/>
+                </a:solidFill>
+                <a:effectLst/>
+                <a:latin typeface="Consolas" panose="020B0609020204030204" pitchFamily="49" charset="0"/>
+              </a:rPr>
+              <a:t>,</a:t>
+            </a:r>
+            <a:r>
+              <a:rPr lang="en-US" b="0" dirty="0">
+                <a:solidFill>
+                  <a:srgbClr val="DDDCD3"/>
+                </a:solidFill>
+                <a:effectLst/>
+                <a:latin typeface="Consolas" panose="020B0609020204030204" pitchFamily="49" charset="0"/>
+              </a:rPr>
+              <a:t> </a:t>
+            </a:r>
+            <a:r>
+              <a:rPr lang="en-US" b="0" dirty="0">
+                <a:solidFill>
+                  <a:srgbClr val="C9D479"/>
+                </a:solidFill>
+                <a:effectLst/>
+                <a:latin typeface="Consolas" panose="020B0609020204030204" pitchFamily="49" charset="0"/>
+              </a:rPr>
+              <a:t>0.3</a:t>
+            </a:r>
+            <a:r>
+              <a:rPr lang="en-US" b="0" dirty="0">
+                <a:solidFill>
+                  <a:srgbClr val="ADB8B8"/>
+                </a:solidFill>
+                <a:effectLst/>
+                <a:latin typeface="Consolas" panose="020B0609020204030204" pitchFamily="49" charset="0"/>
+              </a:rPr>
+              <a:t>,</a:t>
+            </a:r>
+            <a:r>
+              <a:rPr lang="en-US" b="0" dirty="0">
+                <a:solidFill>
+                  <a:srgbClr val="DDDCD3"/>
+                </a:solidFill>
+                <a:effectLst/>
+                <a:latin typeface="Consolas" panose="020B0609020204030204" pitchFamily="49" charset="0"/>
+              </a:rPr>
+              <a:t> </a:t>
+            </a:r>
+            <a:r>
+              <a:rPr lang="en-US" b="0" dirty="0">
+                <a:solidFill>
+                  <a:srgbClr val="C9D479"/>
+                </a:solidFill>
+                <a:effectLst/>
+                <a:latin typeface="Consolas" panose="020B0609020204030204" pitchFamily="49" charset="0"/>
+              </a:rPr>
+              <a:t>0.4</a:t>
+            </a:r>
+            <a:r>
+              <a:rPr lang="en-US" b="0" dirty="0">
+                <a:solidFill>
+                  <a:srgbClr val="ADB8B8"/>
+                </a:solidFill>
+                <a:effectLst/>
+                <a:latin typeface="Consolas" panose="020B0609020204030204" pitchFamily="49" charset="0"/>
+              </a:rPr>
+              <a:t>,</a:t>
+            </a:r>
+            <a:r>
+              <a:rPr lang="en-US" b="0" dirty="0">
+                <a:solidFill>
+                  <a:srgbClr val="DDDCD3"/>
+                </a:solidFill>
+                <a:effectLst/>
+                <a:latin typeface="Consolas" panose="020B0609020204030204" pitchFamily="49" charset="0"/>
+              </a:rPr>
+              <a:t> </a:t>
+            </a:r>
+            <a:r>
+              <a:rPr lang="en-US" b="0" dirty="0">
+                <a:solidFill>
+                  <a:srgbClr val="C9D479"/>
+                </a:solidFill>
+                <a:effectLst/>
+                <a:latin typeface="Consolas" panose="020B0609020204030204" pitchFamily="49" charset="0"/>
+              </a:rPr>
+              <a:t>0.5</a:t>
+            </a:r>
+            <a:r>
+              <a:rPr lang="en-US" b="0" dirty="0">
+                <a:solidFill>
+                  <a:srgbClr val="ADB8B8"/>
+                </a:solidFill>
+                <a:effectLst/>
+                <a:latin typeface="Consolas" panose="020B0609020204030204" pitchFamily="49" charset="0"/>
+              </a:rPr>
+              <a:t>,</a:t>
+            </a:r>
+            <a:r>
+              <a:rPr lang="en-US" b="0" dirty="0">
+                <a:solidFill>
+                  <a:srgbClr val="DDDCD3"/>
+                </a:solidFill>
+                <a:effectLst/>
+                <a:latin typeface="Consolas" panose="020B0609020204030204" pitchFamily="49" charset="0"/>
+              </a:rPr>
+              <a:t> </a:t>
+            </a:r>
+            <a:r>
+              <a:rPr lang="en-US" b="0" dirty="0">
+                <a:solidFill>
+                  <a:srgbClr val="C9D479"/>
+                </a:solidFill>
+                <a:effectLst/>
+                <a:latin typeface="Consolas" panose="020B0609020204030204" pitchFamily="49" charset="0"/>
+              </a:rPr>
+              <a:t>0.6</a:t>
+            </a:r>
+            <a:r>
+              <a:rPr lang="en-US" b="0" dirty="0">
+                <a:solidFill>
+                  <a:srgbClr val="ADB8B8"/>
+                </a:solidFill>
+                <a:effectLst/>
+                <a:latin typeface="Consolas" panose="020B0609020204030204" pitchFamily="49" charset="0"/>
+              </a:rPr>
+              <a:t>,</a:t>
+            </a:r>
+            <a:r>
+              <a:rPr lang="en-US" b="0" dirty="0">
+                <a:solidFill>
+                  <a:srgbClr val="DDDCD3"/>
+                </a:solidFill>
+                <a:effectLst/>
+                <a:latin typeface="Consolas" panose="020B0609020204030204" pitchFamily="49" charset="0"/>
+              </a:rPr>
+              <a:t> </a:t>
+            </a:r>
+            <a:r>
+              <a:rPr lang="en-US" b="0" dirty="0">
+                <a:solidFill>
+                  <a:srgbClr val="C9D479"/>
+                </a:solidFill>
+                <a:effectLst/>
+                <a:latin typeface="Consolas" panose="020B0609020204030204" pitchFamily="49" charset="0"/>
+              </a:rPr>
+              <a:t>0.7</a:t>
+            </a:r>
+            <a:r>
+              <a:rPr lang="en-US" b="0" dirty="0">
+                <a:solidFill>
+                  <a:srgbClr val="ADB8B8"/>
+                </a:solidFill>
+                <a:effectLst/>
+                <a:latin typeface="Consolas" panose="020B0609020204030204" pitchFamily="49" charset="0"/>
+              </a:rPr>
+              <a:t>,</a:t>
+            </a:r>
+            <a:r>
+              <a:rPr lang="en-US" b="0" dirty="0">
+                <a:solidFill>
+                  <a:srgbClr val="DDDCD3"/>
+                </a:solidFill>
+                <a:effectLst/>
+                <a:latin typeface="Consolas" panose="020B0609020204030204" pitchFamily="49" charset="0"/>
+              </a:rPr>
+              <a:t> </a:t>
+            </a:r>
+            <a:r>
+              <a:rPr lang="en-US" b="0" dirty="0">
+                <a:solidFill>
+                  <a:srgbClr val="C9D479"/>
+                </a:solidFill>
+                <a:effectLst/>
+                <a:latin typeface="Consolas" panose="020B0609020204030204" pitchFamily="49" charset="0"/>
+              </a:rPr>
+              <a:t>0.8</a:t>
+            </a:r>
+            <a:r>
+              <a:rPr lang="en-US" b="0" dirty="0">
+                <a:solidFill>
+                  <a:srgbClr val="ADB8B8"/>
+                </a:solidFill>
+                <a:effectLst/>
+                <a:latin typeface="Consolas" panose="020B0609020204030204" pitchFamily="49" charset="0"/>
+              </a:rPr>
+              <a:t>,</a:t>
+            </a:r>
+            <a:r>
+              <a:rPr lang="en-US" b="0" dirty="0">
+                <a:solidFill>
+                  <a:srgbClr val="DDDCD3"/>
+                </a:solidFill>
+                <a:effectLst/>
+                <a:latin typeface="Consolas" panose="020B0609020204030204" pitchFamily="49" charset="0"/>
+              </a:rPr>
+              <a:t> </a:t>
+            </a:r>
+            <a:r>
+              <a:rPr lang="en-US" b="0" dirty="0">
+                <a:solidFill>
+                  <a:srgbClr val="C9D479"/>
+                </a:solidFill>
+                <a:effectLst/>
+                <a:latin typeface="Consolas" panose="020B0609020204030204" pitchFamily="49" charset="0"/>
+              </a:rPr>
+              <a:t>0.9</a:t>
+            </a:r>
+            <a:r>
+              <a:rPr lang="en-US" b="0" dirty="0">
+                <a:solidFill>
+                  <a:srgbClr val="ADB8B8"/>
+                </a:solidFill>
+                <a:effectLst/>
+                <a:latin typeface="Consolas" panose="020B0609020204030204" pitchFamily="49" charset="0"/>
+              </a:rPr>
+              <a:t>,</a:t>
+            </a:r>
+            <a:r>
+              <a:rPr lang="en-US" b="0" dirty="0">
+                <a:solidFill>
+                  <a:srgbClr val="DDDCD3"/>
+                </a:solidFill>
+                <a:effectLst/>
+                <a:latin typeface="Consolas" panose="020B0609020204030204" pitchFamily="49" charset="0"/>
+              </a:rPr>
+              <a:t> </a:t>
+            </a:r>
+            <a:r>
+              <a:rPr lang="en-US" b="0" dirty="0">
+                <a:solidFill>
+                  <a:srgbClr val="C9D479"/>
+                </a:solidFill>
+                <a:effectLst/>
+                <a:latin typeface="Consolas" panose="020B0609020204030204" pitchFamily="49" charset="0"/>
+              </a:rPr>
+              <a:t>1.0</a:t>
+            </a:r>
+            <a:r>
+              <a:rPr lang="en-US" b="0" dirty="0">
+                <a:solidFill>
+                  <a:srgbClr val="ADB8B8"/>
+                </a:solidFill>
+                <a:effectLst/>
+                <a:latin typeface="Consolas" panose="020B0609020204030204" pitchFamily="49" charset="0"/>
+              </a:rPr>
+              <a:t>]</a:t>
+            </a:r>
+            <a:endParaRPr lang="en-US" b="0" dirty="0">
+              <a:solidFill>
+                <a:srgbClr val="F8F8F2"/>
+              </a:solidFill>
+              <a:effectLst/>
+              <a:latin typeface="Consolas" panose="020B0609020204030204" pitchFamily="49" charset="0"/>
+            </a:endParaRPr>
+          </a:p>
+          <a:p>
+            <a:endParaRPr lang="en-US" dirty="0"/>
+          </a:p>
+        </p:txBody>
+      </p:sp>
+      <p:pic>
+        <p:nvPicPr>
+          <p:cNvPr id="5" name="Picture 4">
+            <a:extLst>
+              <a:ext uri="{FF2B5EF4-FFF2-40B4-BE49-F238E27FC236}">
+                <a16:creationId xmlns:a16="http://schemas.microsoft.com/office/drawing/2014/main" id="{995F32ED-6750-B8CD-13C1-2EB3F3CA1100}"/>
+              </a:ext>
+            </a:extLst>
+          </p:cNvPr>
+          <p:cNvPicPr>
+            <a:picLocks noChangeAspect="1"/>
+          </p:cNvPicPr>
+          <p:nvPr/>
+        </p:nvPicPr>
+        <p:blipFill>
+          <a:blip r:embed="rId4"/>
+          <a:stretch>
+            <a:fillRect/>
+          </a:stretch>
+        </p:blipFill>
+        <p:spPr>
+          <a:xfrm>
+            <a:off x="829455" y="227215"/>
+            <a:ext cx="4179758" cy="2360381"/>
+          </a:xfrm>
+          <a:prstGeom prst="rect">
+            <a:avLst/>
+          </a:prstGeom>
+        </p:spPr>
+      </p:pic>
     </p:spTree>
     <p:extLst>
       <p:ext uri="{BB962C8B-B14F-4D97-AF65-F5344CB8AC3E}">
@@ -6646,6 +7057,45 @@
             <a:r>
               <a:rPr lang="en-US" dirty="0"/>
               <a:t>By Extremeness</a:t>
+            </a:r>
+          </a:p>
+        </p:txBody>
+      </p:sp>
+      <p:sp>
+        <p:nvSpPr>
+          <p:cNvPr id="2" name="TextBox 1">
+            <a:extLst>
+              <a:ext uri="{FF2B5EF4-FFF2-40B4-BE49-F238E27FC236}">
+                <a16:creationId xmlns:a16="http://schemas.microsoft.com/office/drawing/2014/main" id="{FD930C6E-2ECB-8DC3-47E3-B0FA8E1DA991}"/>
+              </a:ext>
+            </a:extLst>
+          </p:cNvPr>
+          <p:cNvSpPr txBox="1"/>
+          <p:nvPr/>
+        </p:nvSpPr>
+        <p:spPr>
+          <a:xfrm>
+            <a:off x="7126779" y="199505"/>
+            <a:ext cx="4909985" cy="2308324"/>
+          </a:xfrm>
+          <a:prstGeom prst="rect">
+            <a:avLst/>
+          </a:prstGeom>
+          <a:noFill/>
+        </p:spPr>
+        <p:txBody>
+          <a:bodyPr wrap="square" rtlCol="0">
+            <a:spAutoFit/>
+          </a:bodyPr>
+          <a:lstStyle/>
+          <a:p>
+            <a:r>
+              <a:rPr lang="en-US" dirty="0"/>
+              <a:t>Why does the average go down? Why is there no stratification on the extremes? i.e. shouldn’t the people on the extremes be watching longer videos, as is their preference? </a:t>
+            </a:r>
+            <a:r>
+              <a:rPr lang="en-US" b="1" i="1" dirty="0"/>
+              <a:t>Or does this preference no longer exist, since it was tied to archetypes (where more extreme watching archetype == longer videos will be watched)? The stratification shows up I believe in the graphs w/ archetypes.</a:t>
             </a:r>
           </a:p>
         </p:txBody>
@@ -15002,7 +15452,7 @@
         <p:spPr>
           <a:xfrm>
             <a:off x="519113" y="4274680"/>
-            <a:ext cx="11152187" cy="1200329"/>
+            <a:ext cx="11152187" cy="3139321"/>
           </a:xfrm>
           <a:prstGeom prst="rect">
             <a:avLst/>
@@ -15032,6 +15482,44 @@
             <a:r>
               <a:rPr lang="en-US" dirty="0"/>
               <a:t>Without archetypes, the average extremeness goes up slightly, the number of videos watched nearly doubles, and the number of minutes watched goes down. The same pattern happens with archetypes.</a:t>
+            </a:r>
+          </a:p>
+          <a:p>
+            <a:pPr marL="285750" indent="-285750">
+              <a:buFont typeface="Arial" panose="020B0604020202020204" pitchFamily="34" charset="0"/>
+              <a:buChar char="•"/>
+            </a:pPr>
+            <a:r>
+              <a:rPr lang="en-US" b="1" dirty="0"/>
+              <a:t>TODO: which is happening---is the simulation perfectly modeling </a:t>
+            </a:r>
+            <a:r>
+              <a:rPr lang="en-US" b="1" dirty="0" err="1"/>
+              <a:t>irl</a:t>
+            </a:r>
+            <a:r>
+              <a:rPr lang="en-US" b="1" dirty="0"/>
+              <a:t>, especially with the decrease in minutes watched? Or are there exclusions and assumptions being made that are leading to this? Figure it out.</a:t>
+            </a:r>
+          </a:p>
+          <a:p>
+            <a:pPr marL="742950" lvl="1" indent="-285750">
+              <a:buFont typeface="Arial" panose="020B0604020202020204" pitchFamily="34" charset="0"/>
+              <a:buChar char="•"/>
+            </a:pPr>
+            <a:r>
+              <a:rPr lang="en-US" b="1" dirty="0"/>
+              <a:t>The model said xyz---should I believe it? Is that part of the model I should change? Or am I learning something new?</a:t>
+            </a:r>
+          </a:p>
+          <a:p>
+            <a:pPr marL="742950" lvl="1" indent="-285750">
+              <a:buFont typeface="Arial" panose="020B0604020202020204" pitchFamily="34" charset="0"/>
+              <a:buChar char="•"/>
+            </a:pPr>
+            <a:r>
+              <a:rPr lang="en-US" i="1" dirty="0"/>
+              <a:t>I tried looking around a bit for the decrease in minutes watched, and maybe it’s modeling something like YouTube Shorts? Where they’re watching more of them, but they’re shorter videos (therefore it’s possible to watch more of them in a smaller amount of time)? Am I reinventing the YouTube Shorts wheel here?</a:t>
             </a:r>
           </a:p>
         </p:txBody>

--- a/youtube simulation/Current Status of YouTube Simulation - 1-9-24.pptx
+++ b/youtube simulation/Current Status of YouTube Simulation - 1-9-24.pptx
@@ -34,6 +34,17 @@
     <p:sldId id="282" r:id="rId28"/>
     <p:sldId id="283" r:id="rId29"/>
     <p:sldId id="284" r:id="rId30"/>
+    <p:sldId id="285" r:id="rId31"/>
+    <p:sldId id="286" r:id="rId32"/>
+    <p:sldId id="287" r:id="rId33"/>
+    <p:sldId id="288" r:id="rId34"/>
+    <p:sldId id="289" r:id="rId35"/>
+    <p:sldId id="290" r:id="rId36"/>
+    <p:sldId id="291" r:id="rId37"/>
+    <p:sldId id="292" r:id="rId38"/>
+    <p:sldId id="293" r:id="rId39"/>
+    <p:sldId id="294" r:id="rId40"/>
+    <p:sldId id="295" r:id="rId41"/>
   </p:sldIdLst>
   <p:sldSz cx="12192000" cy="6858000"/>
   <p:notesSz cx="6858000" cy="9144000"/>
@@ -340,7 +351,7 @@
           <a:p>
             <a:fld id="{C62310E3-9A57-4749-BE71-4D6AEC267A5D}" type="datetimeFigureOut">
               <a:rPr lang="en-US" smtClean="0"/>
-              <a:t>1/28/2024</a:t>
+              <a:t>2/12/2024</a:t>
             </a:fld>
             <a:endParaRPr lang="en-US"/>
           </a:p>
@@ -530,7 +541,7 @@
           <a:p>
             <a:fld id="{C62310E3-9A57-4749-BE71-4D6AEC267A5D}" type="datetimeFigureOut">
               <a:rPr lang="en-US" smtClean="0"/>
-              <a:t>1/28/2024</a:t>
+              <a:t>2/12/2024</a:t>
             </a:fld>
             <a:endParaRPr lang="en-US"/>
           </a:p>
@@ -710,7 +721,7 @@
           <a:p>
             <a:fld id="{C62310E3-9A57-4749-BE71-4D6AEC267A5D}" type="datetimeFigureOut">
               <a:rPr lang="en-US" smtClean="0"/>
-              <a:t>1/28/2024</a:t>
+              <a:t>2/12/2024</a:t>
             </a:fld>
             <a:endParaRPr lang="en-US"/>
           </a:p>
@@ -879,7 +890,7 @@
           <a:p>
             <a:fld id="{C62310E3-9A57-4749-BE71-4D6AEC267A5D}" type="datetimeFigureOut">
               <a:rPr lang="en-US" smtClean="0"/>
-              <a:t>1/28/2024</a:t>
+              <a:t>2/12/2024</a:t>
             </a:fld>
             <a:endParaRPr lang="en-US"/>
           </a:p>
@@ -1135,7 +1146,7 @@
           <a:p>
             <a:fld id="{C62310E3-9A57-4749-BE71-4D6AEC267A5D}" type="datetimeFigureOut">
               <a:rPr lang="en-US" smtClean="0"/>
-              <a:t>1/28/2024</a:t>
+              <a:t>2/12/2024</a:t>
             </a:fld>
             <a:endParaRPr lang="en-US"/>
           </a:p>
@@ -1423,7 +1434,7 @@
           <a:p>
             <a:fld id="{C62310E3-9A57-4749-BE71-4D6AEC267A5D}" type="datetimeFigureOut">
               <a:rPr lang="en-US" smtClean="0"/>
-              <a:t>1/28/2024</a:t>
+              <a:t>2/12/2024</a:t>
             </a:fld>
             <a:endParaRPr lang="en-US"/>
           </a:p>
@@ -1861,7 +1872,7 @@
           <a:p>
             <a:fld id="{C62310E3-9A57-4749-BE71-4D6AEC267A5D}" type="datetimeFigureOut">
               <a:rPr lang="en-US" smtClean="0"/>
-              <a:t>1/28/2024</a:t>
+              <a:t>2/12/2024</a:t>
             </a:fld>
             <a:endParaRPr lang="en-US"/>
           </a:p>
@@ -1979,7 +1990,7 @@
           <a:p>
             <a:fld id="{C62310E3-9A57-4749-BE71-4D6AEC267A5D}" type="datetimeFigureOut">
               <a:rPr lang="en-US" smtClean="0"/>
-              <a:t>1/28/2024</a:t>
+              <a:t>2/12/2024</a:t>
             </a:fld>
             <a:endParaRPr lang="en-US"/>
           </a:p>
@@ -2074,7 +2085,7 @@
           <a:p>
             <a:fld id="{C62310E3-9A57-4749-BE71-4D6AEC267A5D}" type="datetimeFigureOut">
               <a:rPr lang="en-US" smtClean="0"/>
-              <a:t>1/28/2024</a:t>
+              <a:t>2/12/2024</a:t>
             </a:fld>
             <a:endParaRPr lang="en-US"/>
           </a:p>
@@ -2430,7 +2441,7 @@
           <a:p>
             <a:fld id="{C62310E3-9A57-4749-BE71-4D6AEC267A5D}" type="datetimeFigureOut">
               <a:rPr lang="en-US" smtClean="0"/>
-              <a:t>1/28/2024</a:t>
+              <a:t>2/12/2024</a:t>
             </a:fld>
             <a:endParaRPr lang="en-US"/>
           </a:p>
@@ -2746,7 +2757,7 @@
           <a:p>
             <a:fld id="{C62310E3-9A57-4749-BE71-4D6AEC267A5D}" type="datetimeFigureOut">
               <a:rPr lang="en-US" smtClean="0"/>
-              <a:t>1/28/2024</a:t>
+              <a:t>2/12/2024</a:t>
             </a:fld>
             <a:endParaRPr lang="en-US"/>
           </a:p>
@@ -2979,7 +2990,7 @@
           <a:p>
             <a:fld id="{C62310E3-9A57-4749-BE71-4D6AEC267A5D}" type="datetimeFigureOut">
               <a:rPr lang="en-US" smtClean="0"/>
-              <a:t>1/28/2024</a:t>
+              <a:t>2/12/2024</a:t>
             </a:fld>
             <a:endParaRPr lang="en-US"/>
           </a:p>
@@ -6510,7 +6521,7 @@
         <p:spPr>
           <a:xfrm>
             <a:off x="5370021" y="119786"/>
-            <a:ext cx="6350923" cy="1754326"/>
+            <a:ext cx="6350923" cy="7294305"/>
           </a:xfrm>
           <a:prstGeom prst="rect">
             <a:avLst/>
@@ -6862,6 +6873,200 @@
                 <a:latin typeface="Consolas" panose="020B0609020204030204" pitchFamily="49" charset="0"/>
               </a:rPr>
               <a:t>]</a:t>
+            </a:r>
+          </a:p>
+          <a:p>
+            <a:endParaRPr lang="en-US" dirty="0">
+              <a:solidFill>
+                <a:srgbClr val="ADB8B8"/>
+              </a:solidFill>
+              <a:latin typeface="Consolas" panose="020B0609020204030204" pitchFamily="49" charset="0"/>
+            </a:endParaRPr>
+          </a:p>
+          <a:p>
+            <a:endParaRPr lang="en-US" b="0" dirty="0">
+              <a:solidFill>
+                <a:srgbClr val="ADB8B8"/>
+              </a:solidFill>
+              <a:effectLst/>
+              <a:latin typeface="Consolas" panose="020B0609020204030204" pitchFamily="49" charset="0"/>
+            </a:endParaRPr>
+          </a:p>
+          <a:p>
+            <a:endParaRPr lang="en-US" dirty="0">
+              <a:solidFill>
+                <a:srgbClr val="ADB8B8"/>
+              </a:solidFill>
+              <a:latin typeface="Consolas" panose="020B0609020204030204" pitchFamily="49" charset="0"/>
+            </a:endParaRPr>
+          </a:p>
+          <a:p>
+            <a:endParaRPr lang="en-US" b="0" dirty="0">
+              <a:solidFill>
+                <a:srgbClr val="ADB8B8"/>
+              </a:solidFill>
+              <a:effectLst/>
+              <a:latin typeface="Consolas" panose="020B0609020204030204" pitchFamily="49" charset="0"/>
+            </a:endParaRPr>
+          </a:p>
+          <a:p>
+            <a:endParaRPr lang="en-US" dirty="0">
+              <a:solidFill>
+                <a:srgbClr val="ADB8B8"/>
+              </a:solidFill>
+              <a:latin typeface="Consolas" panose="020B0609020204030204" pitchFamily="49" charset="0"/>
+            </a:endParaRPr>
+          </a:p>
+          <a:p>
+            <a:endParaRPr lang="en-US" b="0" dirty="0">
+              <a:solidFill>
+                <a:srgbClr val="ADB8B8"/>
+              </a:solidFill>
+              <a:effectLst/>
+              <a:latin typeface="Consolas" panose="020B0609020204030204" pitchFamily="49" charset="0"/>
+            </a:endParaRPr>
+          </a:p>
+          <a:p>
+            <a:endParaRPr lang="en-US" dirty="0">
+              <a:solidFill>
+                <a:srgbClr val="ADB8B8"/>
+              </a:solidFill>
+              <a:latin typeface="Consolas" panose="020B0609020204030204" pitchFamily="49" charset="0"/>
+            </a:endParaRPr>
+          </a:p>
+          <a:p>
+            <a:endParaRPr lang="en-US" b="0" dirty="0">
+              <a:solidFill>
+                <a:srgbClr val="ADB8B8"/>
+              </a:solidFill>
+              <a:effectLst/>
+              <a:latin typeface="Consolas" panose="020B0609020204030204" pitchFamily="49" charset="0"/>
+            </a:endParaRPr>
+          </a:p>
+          <a:p>
+            <a:endParaRPr lang="en-US" dirty="0">
+              <a:solidFill>
+                <a:srgbClr val="ADB8B8"/>
+              </a:solidFill>
+              <a:latin typeface="Consolas" panose="020B0609020204030204" pitchFamily="49" charset="0"/>
+            </a:endParaRPr>
+          </a:p>
+          <a:p>
+            <a:endParaRPr lang="en-US" b="0" dirty="0">
+              <a:solidFill>
+                <a:srgbClr val="ADB8B8"/>
+              </a:solidFill>
+              <a:effectLst/>
+              <a:latin typeface="Consolas" panose="020B0609020204030204" pitchFamily="49" charset="0"/>
+            </a:endParaRPr>
+          </a:p>
+          <a:p>
+            <a:endParaRPr lang="en-US" dirty="0">
+              <a:solidFill>
+                <a:srgbClr val="ADB8B8"/>
+              </a:solidFill>
+              <a:latin typeface="Consolas" panose="020B0609020204030204" pitchFamily="49" charset="0"/>
+            </a:endParaRPr>
+          </a:p>
+          <a:p>
+            <a:endParaRPr lang="en-US" b="0" dirty="0">
+              <a:solidFill>
+                <a:srgbClr val="ADB8B8"/>
+              </a:solidFill>
+              <a:effectLst/>
+              <a:latin typeface="Consolas" panose="020B0609020204030204" pitchFamily="49" charset="0"/>
+            </a:endParaRPr>
+          </a:p>
+          <a:p>
+            <a:endParaRPr lang="en-US" dirty="0">
+              <a:solidFill>
+                <a:srgbClr val="ADB8B8"/>
+              </a:solidFill>
+              <a:latin typeface="Consolas" panose="020B0609020204030204" pitchFamily="49" charset="0"/>
+            </a:endParaRPr>
+          </a:p>
+          <a:p>
+            <a:endParaRPr lang="en-US" b="0" dirty="0">
+              <a:solidFill>
+                <a:srgbClr val="ADB8B8"/>
+              </a:solidFill>
+              <a:effectLst/>
+              <a:latin typeface="Consolas" panose="020B0609020204030204" pitchFamily="49" charset="0"/>
+            </a:endParaRPr>
+          </a:p>
+          <a:p>
+            <a:endParaRPr lang="en-US" dirty="0">
+              <a:solidFill>
+                <a:srgbClr val="ADB8B8"/>
+              </a:solidFill>
+              <a:latin typeface="Consolas" panose="020B0609020204030204" pitchFamily="49" charset="0"/>
+            </a:endParaRPr>
+          </a:p>
+          <a:p>
+            <a:endParaRPr lang="en-US" b="0" dirty="0">
+              <a:solidFill>
+                <a:srgbClr val="ADB8B8"/>
+              </a:solidFill>
+              <a:effectLst/>
+              <a:latin typeface="Consolas" panose="020B0609020204030204" pitchFamily="49" charset="0"/>
+            </a:endParaRPr>
+          </a:p>
+          <a:p>
+            <a:endParaRPr lang="en-US" dirty="0">
+              <a:solidFill>
+                <a:srgbClr val="ADB8B8"/>
+              </a:solidFill>
+              <a:latin typeface="Consolas" panose="020B0609020204030204" pitchFamily="49" charset="0"/>
+            </a:endParaRPr>
+          </a:p>
+          <a:p>
+            <a:r>
+              <a:rPr lang="en-US" b="0" dirty="0">
+                <a:solidFill>
+                  <a:srgbClr val="ADB8B8"/>
+                </a:solidFill>
+                <a:effectLst/>
+                <a:latin typeface="Consolas" panose="020B0609020204030204" pitchFamily="49" charset="0"/>
+              </a:rPr>
+              <a:t>Maybe relax the strength of extremeness </a:t>
+            </a:r>
+            <a:r>
+              <a:rPr lang="en-US" b="0" dirty="0" err="1">
+                <a:solidFill>
+                  <a:srgbClr val="ADB8B8"/>
+                </a:solidFill>
+                <a:effectLst/>
+                <a:latin typeface="Consolas" panose="020B0609020204030204" pitchFamily="49" charset="0"/>
+              </a:rPr>
+              <a:t>perefence</a:t>
+            </a:r>
+            <a:r>
+              <a:rPr lang="en-US" b="0" dirty="0">
+                <a:solidFill>
+                  <a:srgbClr val="ADB8B8"/>
+                </a:solidFill>
+                <a:effectLst/>
+                <a:latin typeface="Consolas" panose="020B0609020204030204" pitchFamily="49" charset="0"/>
+              </a:rPr>
+              <a:t> in the scoring syste</a:t>
+            </a:r>
+            <a:r>
+              <a:rPr lang="en-US" dirty="0">
+                <a:solidFill>
+                  <a:srgbClr val="ADB8B8"/>
+                </a:solidFill>
+                <a:latin typeface="Consolas" panose="020B0609020204030204" pitchFamily="49" charset="0"/>
+              </a:rPr>
+              <a:t>m so people watch a greater variety of </a:t>
+            </a:r>
+            <a:r>
+              <a:rPr lang="en-US" dirty="0" err="1">
+                <a:solidFill>
+                  <a:srgbClr val="ADB8B8"/>
+                </a:solidFill>
+                <a:latin typeface="Consolas" panose="020B0609020204030204" pitchFamily="49" charset="0"/>
+              </a:rPr>
+              <a:t>extremenesses</a:t>
             </a:r>
             <a:endParaRPr lang="en-US" b="0" dirty="0">
               <a:solidFill>
@@ -15452,7 +15657,7 @@
         <p:spPr>
           <a:xfrm>
             <a:off x="519113" y="4274680"/>
-            <a:ext cx="11152187" cy="3139321"/>
+            <a:ext cx="11152187" cy="4801314"/>
           </a:xfrm>
           <a:prstGeom prst="rect">
             <a:avLst/>
@@ -15520,6 +15725,56 @@
             <a:r>
               <a:rPr lang="en-US" i="1" dirty="0"/>
               <a:t>I tried looking around a bit for the decrease in minutes watched, and maybe it’s modeling something like YouTube Shorts? Where they’re watching more of them, but they’re shorter videos (therefore it’s possible to watch more of them in a smaller amount of time)? Am I reinventing the YouTube Shorts wheel here?</a:t>
+            </a:r>
+          </a:p>
+          <a:p>
+            <a:pPr marL="1200150" lvl="2" indent="-285750">
+              <a:buFont typeface="Arial" panose="020B0604020202020204" pitchFamily="34" charset="0"/>
+              <a:buChar char="•"/>
+            </a:pPr>
+            <a:r>
+              <a:rPr lang="en-US" i="1" dirty="0"/>
+              <a:t>Is there something in the scoring formula that makes people want shorter videos?</a:t>
+            </a:r>
+          </a:p>
+          <a:p>
+            <a:pPr marL="1200150" lvl="2" indent="-285750">
+              <a:buFont typeface="Arial" panose="020B0604020202020204" pitchFamily="34" charset="0"/>
+              <a:buChar char="•"/>
+            </a:pPr>
+            <a:endParaRPr lang="en-US" i="1" dirty="0"/>
+          </a:p>
+          <a:p>
+            <a:pPr marL="1200150" lvl="2" indent="-285750">
+              <a:buFont typeface="Arial" panose="020B0604020202020204" pitchFamily="34" charset="0"/>
+              <a:buChar char="•"/>
+            </a:pPr>
+            <a:endParaRPr lang="en-US" i="1" dirty="0"/>
+          </a:p>
+          <a:p>
+            <a:pPr marL="285750" indent="-285750">
+              <a:buFont typeface="Arial" panose="020B0604020202020204" pitchFamily="34" charset="0"/>
+              <a:buChar char="•"/>
+            </a:pPr>
+            <a:r>
+              <a:rPr lang="en-US" dirty="0"/>
+              <a:t>Be more precise---try to explain what the algorithm does in more precise terms. This outcome happens because the </a:t>
+            </a:r>
+            <a:r>
+              <a:rPr lang="en-US" dirty="0" err="1"/>
+              <a:t>alogirthm</a:t>
+            </a:r>
+            <a:r>
+              <a:rPr lang="en-US" dirty="0"/>
+              <a:t> does xyz mathematical thing that leads to </a:t>
+            </a:r>
+            <a:r>
+              <a:rPr lang="en-US" dirty="0" err="1"/>
+              <a:t>abc</a:t>
+            </a:r>
+            <a:r>
+              <a:rPr lang="en-US" dirty="0"/>
+              <a:t>. As opposed to arguments like “people like to watch shorter videos,” which may be true, but has to be represented in the code if you’re saying that.</a:t>
             </a:r>
           </a:p>
         </p:txBody>
@@ -15633,6 +15888,3276 @@
 </p:sld>
 </file>
 
+<file path=ppt/slides/slide30.xml><?xml version="1.0" encoding="utf-8"?>
+<p:sld xmlns:a="http://schemas.openxmlformats.org/drawingml/2006/main" xmlns:r="http://schemas.openxmlformats.org/officeDocument/2006/relationships" xmlns:p="http://schemas.openxmlformats.org/presentationml/2006/main">
+  <p:cSld>
+    <p:spTree>
+      <p:nvGrpSpPr>
+        <p:cNvPr id="1" name=""/>
+        <p:cNvGrpSpPr/>
+        <p:nvPr/>
+      </p:nvGrpSpPr>
+      <p:grpSpPr>
+        <a:xfrm>
+          <a:off x="0" y="0"/>
+          <a:ext cx="0" cy="0"/>
+          <a:chOff x="0" y="0"/>
+          <a:chExt cx="0" cy="0"/>
+        </a:xfrm>
+      </p:grpSpPr>
+      <p:sp>
+        <p:nvSpPr>
+          <p:cNvPr id="2" name="Title 1">
+            <a:extLst>
+              <a:ext uri="{FF2B5EF4-FFF2-40B4-BE49-F238E27FC236}">
+                <a16:creationId xmlns:a16="http://schemas.microsoft.com/office/drawing/2014/main" id="{6BF0510B-BD3C-2568-07D7-0147D2CA5353}"/>
+              </a:ext>
+            </a:extLst>
+          </p:cNvPr>
+          <p:cNvSpPr>
+            <a:spLocks noGrp="1"/>
+          </p:cNvSpPr>
+          <p:nvPr>
+            <p:ph type="ctrTitle"/>
+          </p:nvPr>
+        </p:nvSpPr>
+        <p:spPr>
+          <a:xfrm>
+            <a:off x="437803" y="2433013"/>
+            <a:ext cx="10782300" cy="3352800"/>
+          </a:xfrm>
+        </p:spPr>
+        <p:txBody>
+          <a:bodyPr/>
+          <a:lstStyle/>
+          <a:p>
+            <a:r>
+              <a:rPr lang="en-US" dirty="0"/>
+              <a:t>Meeting 2/5/24</a:t>
+            </a:r>
+          </a:p>
+        </p:txBody>
+      </p:sp>
+      <p:pic>
+        <p:nvPicPr>
+          <p:cNvPr id="4" name="Picture 3">
+            <a:extLst>
+              <a:ext uri="{FF2B5EF4-FFF2-40B4-BE49-F238E27FC236}">
+                <a16:creationId xmlns:a16="http://schemas.microsoft.com/office/drawing/2014/main" id="{305340EB-3C4F-31DE-4D94-A872FF497C6A}"/>
+              </a:ext>
+            </a:extLst>
+          </p:cNvPr>
+          <p:cNvPicPr>
+            <a:picLocks noChangeAspect="1"/>
+          </p:cNvPicPr>
+          <p:nvPr/>
+        </p:nvPicPr>
+        <p:blipFill>
+          <a:blip r:embed="rId2"/>
+          <a:stretch>
+            <a:fillRect/>
+          </a:stretch>
+        </p:blipFill>
+        <p:spPr>
+          <a:xfrm>
+            <a:off x="4330840" y="496572"/>
+            <a:ext cx="7057597" cy="3381315"/>
+          </a:xfrm>
+          <a:prstGeom prst="rect">
+            <a:avLst/>
+          </a:prstGeom>
+        </p:spPr>
+      </p:pic>
+    </p:spTree>
+    <p:extLst>
+      <p:ext uri="{BB962C8B-B14F-4D97-AF65-F5344CB8AC3E}">
+        <p14:creationId xmlns:p14="http://schemas.microsoft.com/office/powerpoint/2010/main" val="2169339395"/>
+      </p:ext>
+    </p:extLst>
+  </p:cSld>
+  <p:clrMapOvr>
+    <a:masterClrMapping/>
+  </p:clrMapOvr>
+</p:sld>
+</file>
+
+<file path=ppt/slides/slide31.xml><?xml version="1.0" encoding="utf-8"?>
+<p:sld xmlns:a="http://schemas.openxmlformats.org/drawingml/2006/main" xmlns:r="http://schemas.openxmlformats.org/officeDocument/2006/relationships" xmlns:p="http://schemas.openxmlformats.org/presentationml/2006/main">
+  <p:cSld>
+    <p:spTree>
+      <p:nvGrpSpPr>
+        <p:cNvPr id="1" name=""/>
+        <p:cNvGrpSpPr/>
+        <p:nvPr/>
+      </p:nvGrpSpPr>
+      <p:grpSpPr>
+        <a:xfrm>
+          <a:off x="0" y="0"/>
+          <a:ext cx="0" cy="0"/>
+          <a:chOff x="0" y="0"/>
+          <a:chExt cx="0" cy="0"/>
+        </a:xfrm>
+      </p:grpSpPr>
+      <p:sp>
+        <p:nvSpPr>
+          <p:cNvPr id="2" name="Title 1">
+            <a:extLst>
+              <a:ext uri="{FF2B5EF4-FFF2-40B4-BE49-F238E27FC236}">
+                <a16:creationId xmlns:a16="http://schemas.microsoft.com/office/drawing/2014/main" id="{B36FE966-E591-37C5-96CE-F95CDF77A32E}"/>
+              </a:ext>
+            </a:extLst>
+          </p:cNvPr>
+          <p:cNvSpPr>
+            <a:spLocks noGrp="1"/>
+          </p:cNvSpPr>
+          <p:nvPr>
+            <p:ph type="title"/>
+          </p:nvPr>
+        </p:nvSpPr>
+        <p:spPr>
+          <a:xfrm>
+            <a:off x="590723" y="-66503"/>
+            <a:ext cx="10772775" cy="1658198"/>
+          </a:xfrm>
+        </p:spPr>
+        <p:txBody>
+          <a:bodyPr/>
+          <a:lstStyle/>
+          <a:p>
+            <a:r>
+              <a:rPr lang="en-US" dirty="0"/>
+              <a:t>Messing Around w/ the Scoring Function</a:t>
+            </a:r>
+            <a:br>
+              <a:rPr lang="en-US" dirty="0"/>
+            </a:br>
+            <a:r>
+              <a:rPr lang="en-US" sz="2000" i="1" dirty="0"/>
+              <a:t>(goal: try and loosen the restrictions to avoid the step-function-looking result.)</a:t>
+            </a:r>
+            <a:endParaRPr lang="en-US" dirty="0"/>
+          </a:p>
+        </p:txBody>
+      </p:sp>
+      <p:pic>
+        <p:nvPicPr>
+          <p:cNvPr id="4" name="Picture 3">
+            <a:extLst>
+              <a:ext uri="{FF2B5EF4-FFF2-40B4-BE49-F238E27FC236}">
+                <a16:creationId xmlns:a16="http://schemas.microsoft.com/office/drawing/2014/main" id="{928B296C-F39B-CF4A-AC1D-A993ACAD6E25}"/>
+              </a:ext>
+            </a:extLst>
+          </p:cNvPr>
+          <p:cNvPicPr>
+            <a:picLocks noChangeAspect="1"/>
+          </p:cNvPicPr>
+          <p:nvPr/>
+        </p:nvPicPr>
+        <p:blipFill>
+          <a:blip r:embed="rId2"/>
+          <a:stretch>
+            <a:fillRect/>
+          </a:stretch>
+        </p:blipFill>
+        <p:spPr>
+          <a:xfrm>
+            <a:off x="2621019" y="1658198"/>
+            <a:ext cx="9344025" cy="4476750"/>
+          </a:xfrm>
+          <a:prstGeom prst="rect">
+            <a:avLst/>
+          </a:prstGeom>
+        </p:spPr>
+      </p:pic>
+      <p:sp>
+        <p:nvSpPr>
+          <p:cNvPr id="6" name="TextBox 5">
+            <a:extLst>
+              <a:ext uri="{FF2B5EF4-FFF2-40B4-BE49-F238E27FC236}">
+                <a16:creationId xmlns:a16="http://schemas.microsoft.com/office/drawing/2014/main" id="{E34CFD9C-83F1-E802-39C5-636C37BF376C}"/>
+              </a:ext>
+            </a:extLst>
+          </p:cNvPr>
+          <p:cNvSpPr txBox="1"/>
+          <p:nvPr/>
+        </p:nvSpPr>
+        <p:spPr>
+          <a:xfrm>
+            <a:off x="226956" y="4886467"/>
+            <a:ext cx="3995909" cy="1477328"/>
+          </a:xfrm>
+          <a:prstGeom prst="rect">
+            <a:avLst/>
+          </a:prstGeom>
+          <a:noFill/>
+        </p:spPr>
+        <p:txBody>
+          <a:bodyPr wrap="square">
+            <a:spAutoFit/>
+          </a:bodyPr>
+          <a:lstStyle/>
+          <a:p>
+            <a:r>
+              <a:rPr lang="en-US" b="0" dirty="0">
+                <a:solidFill>
+                  <a:schemeClr val="accent1">
+                    <a:lumMod val="50000"/>
+                  </a:schemeClr>
+                </a:solidFill>
+                <a:effectLst/>
+                <a:latin typeface="Consolas" panose="020B0609020204030204" pitchFamily="49" charset="0"/>
+              </a:rPr>
+              <a:t>Here</a:t>
+            </a:r>
+          </a:p>
+          <a:p>
+            <a:r>
+              <a:rPr lang="en-US" b="0" dirty="0">
+                <a:solidFill>
+                  <a:schemeClr val="accent1"/>
+                </a:solidFill>
+                <a:effectLst/>
+                <a:latin typeface="Consolas" panose="020B0609020204030204" pitchFamily="49" charset="0"/>
+              </a:rPr>
+              <a:t>alpha = 0.3 </a:t>
+            </a:r>
+            <a:r>
+              <a:rPr lang="en-US" b="0" dirty="0">
+                <a:solidFill>
+                  <a:schemeClr val="bg1">
+                    <a:lumMod val="65000"/>
+                  </a:schemeClr>
+                </a:solidFill>
+                <a:effectLst/>
+                <a:latin typeface="Consolas" panose="020B0609020204030204" pitchFamily="49" charset="0"/>
+              </a:rPr>
+              <a:t>video length</a:t>
+            </a:r>
+          </a:p>
+          <a:p>
+            <a:r>
+              <a:rPr lang="en-US" b="0" dirty="0">
+                <a:solidFill>
+                  <a:schemeClr val="accent1"/>
+                </a:solidFill>
+                <a:effectLst/>
+                <a:latin typeface="Consolas" panose="020B0609020204030204" pitchFamily="49" charset="0"/>
+              </a:rPr>
+              <a:t>beta = 0.3  </a:t>
+            </a:r>
+            <a:r>
+              <a:rPr lang="en-US" b="0" dirty="0">
+                <a:solidFill>
+                  <a:schemeClr val="bg1">
+                    <a:lumMod val="65000"/>
+                  </a:schemeClr>
+                </a:solidFill>
+                <a:effectLst/>
+                <a:latin typeface="Consolas" panose="020B0609020204030204" pitchFamily="49" charset="0"/>
+              </a:rPr>
+              <a:t>video popularity</a:t>
+            </a:r>
+          </a:p>
+          <a:p>
+            <a:r>
+              <a:rPr lang="en-US" b="0" dirty="0">
+                <a:solidFill>
+                  <a:schemeClr val="accent1"/>
+                </a:solidFill>
+                <a:effectLst/>
+                <a:latin typeface="Consolas" panose="020B0609020204030204" pitchFamily="49" charset="0"/>
+              </a:rPr>
+              <a:t>gamma = 0.1 </a:t>
+            </a:r>
+            <a:r>
+              <a:rPr lang="en-US" b="0" dirty="0">
+                <a:solidFill>
+                  <a:schemeClr val="bg1">
+                    <a:lumMod val="65000"/>
+                  </a:schemeClr>
+                </a:solidFill>
+                <a:effectLst/>
+                <a:latin typeface="Consolas" panose="020B0609020204030204" pitchFamily="49" charset="0"/>
+              </a:rPr>
+              <a:t>video alignment </a:t>
+            </a:r>
+            <a:r>
+              <a:rPr lang="en-US" b="0" dirty="0">
+                <a:solidFill>
+                  <a:schemeClr val="accent1"/>
+                </a:solidFill>
+                <a:effectLst/>
+                <a:latin typeface="Consolas" panose="020B0609020204030204" pitchFamily="49" charset="0"/>
+              </a:rPr>
+              <a:t>delta = 0.3 </a:t>
+            </a:r>
+            <a:r>
+              <a:rPr lang="en-US" b="0" dirty="0">
+                <a:solidFill>
+                  <a:schemeClr val="bg1">
+                    <a:lumMod val="65000"/>
+                  </a:schemeClr>
+                </a:solidFill>
+                <a:effectLst/>
+                <a:latin typeface="Consolas" panose="020B0609020204030204" pitchFamily="49" charset="0"/>
+              </a:rPr>
+              <a:t>video extremeness</a:t>
+            </a:r>
+          </a:p>
+        </p:txBody>
+      </p:sp>
+      <p:sp>
+        <p:nvSpPr>
+          <p:cNvPr id="8" name="TextBox 7">
+            <a:extLst>
+              <a:ext uri="{FF2B5EF4-FFF2-40B4-BE49-F238E27FC236}">
+                <a16:creationId xmlns:a16="http://schemas.microsoft.com/office/drawing/2014/main" id="{E441CD13-98A5-C7AF-E40A-5EDB6530AA29}"/>
+              </a:ext>
+            </a:extLst>
+          </p:cNvPr>
+          <p:cNvSpPr txBox="1"/>
+          <p:nvPr/>
+        </p:nvSpPr>
+        <p:spPr>
+          <a:xfrm>
+            <a:off x="226956" y="2874556"/>
+            <a:ext cx="3857364" cy="1754326"/>
+          </a:xfrm>
+          <a:prstGeom prst="rect">
+            <a:avLst/>
+          </a:prstGeom>
+          <a:noFill/>
+        </p:spPr>
+        <p:txBody>
+          <a:bodyPr wrap="square">
+            <a:spAutoFit/>
+          </a:bodyPr>
+          <a:lstStyle/>
+          <a:p>
+            <a:r>
+              <a:rPr lang="en-US" b="0" dirty="0">
+                <a:solidFill>
+                  <a:schemeClr val="accent1">
+                    <a:lumMod val="50000"/>
+                  </a:schemeClr>
+                </a:solidFill>
+                <a:effectLst/>
+                <a:latin typeface="Consolas" panose="020B0609020204030204" pitchFamily="49" charset="0"/>
+              </a:rPr>
+              <a:t>Original</a:t>
+            </a:r>
+          </a:p>
+          <a:p>
+            <a:r>
+              <a:rPr lang="en-US" b="0" dirty="0">
+                <a:solidFill>
+                  <a:schemeClr val="accent1"/>
+                </a:solidFill>
+                <a:effectLst/>
+                <a:latin typeface="Consolas" panose="020B0609020204030204" pitchFamily="49" charset="0"/>
+              </a:rPr>
+              <a:t>alpha = 0.2 </a:t>
+            </a:r>
+            <a:r>
+              <a:rPr lang="en-US" b="0" dirty="0">
+                <a:solidFill>
+                  <a:schemeClr val="bg1">
+                    <a:lumMod val="65000"/>
+                  </a:schemeClr>
+                </a:solidFill>
+                <a:effectLst/>
+                <a:latin typeface="Consolas" panose="020B0609020204030204" pitchFamily="49" charset="0"/>
+              </a:rPr>
+              <a:t>video length</a:t>
+            </a:r>
+          </a:p>
+          <a:p>
+            <a:r>
+              <a:rPr lang="en-US" b="0" dirty="0">
+                <a:solidFill>
+                  <a:schemeClr val="accent1"/>
+                </a:solidFill>
+                <a:effectLst/>
+                <a:latin typeface="Consolas" panose="020B0609020204030204" pitchFamily="49" charset="0"/>
+              </a:rPr>
+              <a:t>beta = 0.15  </a:t>
+            </a:r>
+            <a:r>
+              <a:rPr lang="en-US" b="0" dirty="0">
+                <a:solidFill>
+                  <a:schemeClr val="bg1">
+                    <a:lumMod val="65000"/>
+                  </a:schemeClr>
+                </a:solidFill>
+                <a:effectLst/>
+                <a:latin typeface="Consolas" panose="020B0609020204030204" pitchFamily="49" charset="0"/>
+              </a:rPr>
+              <a:t>video popularity</a:t>
+            </a:r>
+          </a:p>
+          <a:p>
+            <a:r>
+              <a:rPr lang="en-US" b="0" dirty="0">
+                <a:solidFill>
+                  <a:schemeClr val="accent1"/>
+                </a:solidFill>
+                <a:effectLst/>
+                <a:latin typeface="Consolas" panose="020B0609020204030204" pitchFamily="49" charset="0"/>
+              </a:rPr>
+              <a:t>gamma = 0.5 </a:t>
+            </a:r>
+            <a:r>
+              <a:rPr lang="en-US" b="0" dirty="0">
+                <a:solidFill>
+                  <a:schemeClr val="bg1">
+                    <a:lumMod val="65000"/>
+                  </a:schemeClr>
+                </a:solidFill>
+                <a:effectLst/>
+                <a:latin typeface="Consolas" panose="020B0609020204030204" pitchFamily="49" charset="0"/>
+              </a:rPr>
+              <a:t>video alignment </a:t>
+            </a:r>
+            <a:r>
+              <a:rPr lang="en-US" b="0" dirty="0">
+                <a:solidFill>
+                  <a:schemeClr val="accent1"/>
+                </a:solidFill>
+                <a:effectLst/>
+                <a:latin typeface="Consolas" panose="020B0609020204030204" pitchFamily="49" charset="0"/>
+              </a:rPr>
+              <a:t>delta = 0.15 </a:t>
+            </a:r>
+            <a:r>
+              <a:rPr lang="en-US" b="0" dirty="0">
+                <a:solidFill>
+                  <a:schemeClr val="bg1">
+                    <a:lumMod val="65000"/>
+                  </a:schemeClr>
+                </a:solidFill>
+                <a:effectLst/>
+                <a:latin typeface="Consolas" panose="020B0609020204030204" pitchFamily="49" charset="0"/>
+              </a:rPr>
+              <a:t>video extremeness</a:t>
+            </a:r>
+          </a:p>
+        </p:txBody>
+      </p:sp>
+    </p:spTree>
+    <p:extLst>
+      <p:ext uri="{BB962C8B-B14F-4D97-AF65-F5344CB8AC3E}">
+        <p14:creationId xmlns:p14="http://schemas.microsoft.com/office/powerpoint/2010/main" val="1376720515"/>
+      </p:ext>
+    </p:extLst>
+  </p:cSld>
+  <p:clrMapOvr>
+    <a:masterClrMapping/>
+  </p:clrMapOvr>
+</p:sld>
+</file>
+
+<file path=ppt/slides/slide32.xml><?xml version="1.0" encoding="utf-8"?>
+<p:sld xmlns:a="http://schemas.openxmlformats.org/drawingml/2006/main" xmlns:r="http://schemas.openxmlformats.org/officeDocument/2006/relationships" xmlns:p="http://schemas.openxmlformats.org/presentationml/2006/main">
+  <p:cSld>
+    <p:spTree>
+      <p:nvGrpSpPr>
+        <p:cNvPr id="1" name="">
+          <a:extLst>
+            <a:ext uri="{FF2B5EF4-FFF2-40B4-BE49-F238E27FC236}">
+              <a16:creationId xmlns:a16="http://schemas.microsoft.com/office/drawing/2014/main" id="{9F30FD84-30D3-74A8-31E8-7E7BEFAD8D83}"/>
+            </a:ext>
+          </a:extLst>
+        </p:cNvPr>
+        <p:cNvGrpSpPr/>
+        <p:nvPr/>
+      </p:nvGrpSpPr>
+      <p:grpSpPr>
+        <a:xfrm>
+          <a:off x="0" y="0"/>
+          <a:ext cx="0" cy="0"/>
+          <a:chOff x="0" y="0"/>
+          <a:chExt cx="0" cy="0"/>
+        </a:xfrm>
+      </p:grpSpPr>
+      <p:pic>
+        <p:nvPicPr>
+          <p:cNvPr id="5" name="Picture 4">
+            <a:extLst>
+              <a:ext uri="{FF2B5EF4-FFF2-40B4-BE49-F238E27FC236}">
+                <a16:creationId xmlns:a16="http://schemas.microsoft.com/office/drawing/2014/main" id="{585112E8-CC6D-F7AC-6A4C-4EEC136940E7}"/>
+              </a:ext>
+            </a:extLst>
+          </p:cNvPr>
+          <p:cNvPicPr>
+            <a:picLocks noChangeAspect="1"/>
+          </p:cNvPicPr>
+          <p:nvPr/>
+        </p:nvPicPr>
+        <p:blipFill>
+          <a:blip r:embed="rId2"/>
+          <a:stretch>
+            <a:fillRect/>
+          </a:stretch>
+        </p:blipFill>
+        <p:spPr>
+          <a:xfrm>
+            <a:off x="2847975" y="1911061"/>
+            <a:ext cx="9344025" cy="4476750"/>
+          </a:xfrm>
+          <a:prstGeom prst="rect">
+            <a:avLst/>
+          </a:prstGeom>
+        </p:spPr>
+      </p:pic>
+      <p:sp>
+        <p:nvSpPr>
+          <p:cNvPr id="2" name="Title 1">
+            <a:extLst>
+              <a:ext uri="{FF2B5EF4-FFF2-40B4-BE49-F238E27FC236}">
+                <a16:creationId xmlns:a16="http://schemas.microsoft.com/office/drawing/2014/main" id="{08590059-60B9-0210-9E49-72312B6341B5}"/>
+              </a:ext>
+            </a:extLst>
+          </p:cNvPr>
+          <p:cNvSpPr>
+            <a:spLocks noGrp="1"/>
+          </p:cNvSpPr>
+          <p:nvPr>
+            <p:ph type="title"/>
+          </p:nvPr>
+        </p:nvSpPr>
+        <p:spPr>
+          <a:xfrm>
+            <a:off x="590723" y="-66503"/>
+            <a:ext cx="10772775" cy="1658198"/>
+          </a:xfrm>
+        </p:spPr>
+        <p:txBody>
+          <a:bodyPr/>
+          <a:lstStyle/>
+          <a:p>
+            <a:r>
+              <a:rPr lang="en-US" dirty="0"/>
+              <a:t>Messing Around w/ the Scoring Function</a:t>
+            </a:r>
+            <a:br>
+              <a:rPr lang="en-US" dirty="0"/>
+            </a:br>
+            <a:r>
+              <a:rPr lang="en-US" sz="2000" i="1" dirty="0"/>
+              <a:t>(goal: try and loosen the restrictions to avoid the step-function-looking result.)</a:t>
+            </a:r>
+            <a:endParaRPr lang="en-US" dirty="0"/>
+          </a:p>
+        </p:txBody>
+      </p:sp>
+      <p:sp>
+        <p:nvSpPr>
+          <p:cNvPr id="6" name="TextBox 5">
+            <a:extLst>
+              <a:ext uri="{FF2B5EF4-FFF2-40B4-BE49-F238E27FC236}">
+                <a16:creationId xmlns:a16="http://schemas.microsoft.com/office/drawing/2014/main" id="{F0A4D993-729C-2B2F-94B0-D91D21C32BEB}"/>
+              </a:ext>
+            </a:extLst>
+          </p:cNvPr>
+          <p:cNvSpPr txBox="1"/>
+          <p:nvPr/>
+        </p:nvSpPr>
+        <p:spPr>
+          <a:xfrm>
+            <a:off x="226956" y="4886467"/>
+            <a:ext cx="3995909" cy="1477328"/>
+          </a:xfrm>
+          <a:prstGeom prst="rect">
+            <a:avLst/>
+          </a:prstGeom>
+          <a:noFill/>
+        </p:spPr>
+        <p:txBody>
+          <a:bodyPr wrap="square">
+            <a:spAutoFit/>
+          </a:bodyPr>
+          <a:lstStyle/>
+          <a:p>
+            <a:r>
+              <a:rPr lang="en-US" b="0" dirty="0">
+                <a:solidFill>
+                  <a:schemeClr val="accent1">
+                    <a:lumMod val="50000"/>
+                  </a:schemeClr>
+                </a:solidFill>
+                <a:effectLst/>
+                <a:latin typeface="Consolas" panose="020B0609020204030204" pitchFamily="49" charset="0"/>
+              </a:rPr>
+              <a:t>Here</a:t>
+            </a:r>
+          </a:p>
+          <a:p>
+            <a:r>
+              <a:rPr lang="en-US" b="0" dirty="0">
+                <a:solidFill>
+                  <a:schemeClr val="accent1"/>
+                </a:solidFill>
+                <a:effectLst/>
+                <a:latin typeface="Consolas" panose="020B0609020204030204" pitchFamily="49" charset="0"/>
+              </a:rPr>
+              <a:t>alpha = 0.2 </a:t>
+            </a:r>
+            <a:r>
+              <a:rPr lang="en-US" b="0" dirty="0">
+                <a:solidFill>
+                  <a:schemeClr val="bg1">
+                    <a:lumMod val="65000"/>
+                  </a:schemeClr>
+                </a:solidFill>
+                <a:effectLst/>
+                <a:latin typeface="Consolas" panose="020B0609020204030204" pitchFamily="49" charset="0"/>
+              </a:rPr>
+              <a:t>video length</a:t>
+            </a:r>
+          </a:p>
+          <a:p>
+            <a:r>
+              <a:rPr lang="en-US" b="0" dirty="0">
+                <a:solidFill>
+                  <a:schemeClr val="accent1"/>
+                </a:solidFill>
+                <a:effectLst/>
+                <a:latin typeface="Consolas" panose="020B0609020204030204" pitchFamily="49" charset="0"/>
+              </a:rPr>
+              <a:t>beta = 0.3  </a:t>
+            </a:r>
+            <a:r>
+              <a:rPr lang="en-US" b="0" dirty="0">
+                <a:solidFill>
+                  <a:schemeClr val="bg1">
+                    <a:lumMod val="65000"/>
+                  </a:schemeClr>
+                </a:solidFill>
+                <a:effectLst/>
+                <a:latin typeface="Consolas" panose="020B0609020204030204" pitchFamily="49" charset="0"/>
+              </a:rPr>
+              <a:t>video popularity</a:t>
+            </a:r>
+          </a:p>
+          <a:p>
+            <a:r>
+              <a:rPr lang="en-US" b="0" dirty="0">
+                <a:solidFill>
+                  <a:schemeClr val="accent1"/>
+                </a:solidFill>
+                <a:effectLst/>
+                <a:latin typeface="Consolas" panose="020B0609020204030204" pitchFamily="49" charset="0"/>
+              </a:rPr>
+              <a:t>gamma = 0.2 </a:t>
+            </a:r>
+            <a:r>
+              <a:rPr lang="en-US" b="0" dirty="0">
+                <a:solidFill>
+                  <a:schemeClr val="bg1">
+                    <a:lumMod val="65000"/>
+                  </a:schemeClr>
+                </a:solidFill>
+                <a:effectLst/>
+                <a:latin typeface="Consolas" panose="020B0609020204030204" pitchFamily="49" charset="0"/>
+              </a:rPr>
+              <a:t>video alignment </a:t>
+            </a:r>
+            <a:r>
+              <a:rPr lang="en-US" b="0" dirty="0">
+                <a:solidFill>
+                  <a:schemeClr val="accent1"/>
+                </a:solidFill>
+                <a:effectLst/>
+                <a:latin typeface="Consolas" panose="020B0609020204030204" pitchFamily="49" charset="0"/>
+              </a:rPr>
+              <a:t>delta = 0.2 </a:t>
+            </a:r>
+            <a:r>
+              <a:rPr lang="en-US" b="0" dirty="0">
+                <a:solidFill>
+                  <a:schemeClr val="bg1">
+                    <a:lumMod val="65000"/>
+                  </a:schemeClr>
+                </a:solidFill>
+                <a:effectLst/>
+                <a:latin typeface="Consolas" panose="020B0609020204030204" pitchFamily="49" charset="0"/>
+              </a:rPr>
+              <a:t>video extremeness</a:t>
+            </a:r>
+          </a:p>
+        </p:txBody>
+      </p:sp>
+      <p:sp>
+        <p:nvSpPr>
+          <p:cNvPr id="8" name="TextBox 7">
+            <a:extLst>
+              <a:ext uri="{FF2B5EF4-FFF2-40B4-BE49-F238E27FC236}">
+                <a16:creationId xmlns:a16="http://schemas.microsoft.com/office/drawing/2014/main" id="{E1F5F23E-EB4B-B65B-9EE9-F9FD404DC0F8}"/>
+              </a:ext>
+            </a:extLst>
+          </p:cNvPr>
+          <p:cNvSpPr txBox="1"/>
+          <p:nvPr/>
+        </p:nvSpPr>
+        <p:spPr>
+          <a:xfrm>
+            <a:off x="226956" y="2874556"/>
+            <a:ext cx="3857364" cy="1754326"/>
+          </a:xfrm>
+          <a:prstGeom prst="rect">
+            <a:avLst/>
+          </a:prstGeom>
+          <a:noFill/>
+        </p:spPr>
+        <p:txBody>
+          <a:bodyPr wrap="square">
+            <a:spAutoFit/>
+          </a:bodyPr>
+          <a:lstStyle/>
+          <a:p>
+            <a:r>
+              <a:rPr lang="en-US" b="0" dirty="0">
+                <a:solidFill>
+                  <a:schemeClr val="accent1">
+                    <a:lumMod val="50000"/>
+                  </a:schemeClr>
+                </a:solidFill>
+                <a:effectLst/>
+                <a:latin typeface="Consolas" panose="020B0609020204030204" pitchFamily="49" charset="0"/>
+              </a:rPr>
+              <a:t>Original</a:t>
+            </a:r>
+          </a:p>
+          <a:p>
+            <a:r>
+              <a:rPr lang="en-US" b="0" dirty="0">
+                <a:solidFill>
+                  <a:schemeClr val="accent1"/>
+                </a:solidFill>
+                <a:effectLst/>
+                <a:latin typeface="Consolas" panose="020B0609020204030204" pitchFamily="49" charset="0"/>
+              </a:rPr>
+              <a:t>alpha = 0.2 </a:t>
+            </a:r>
+            <a:r>
+              <a:rPr lang="en-US" b="0" dirty="0">
+                <a:solidFill>
+                  <a:schemeClr val="bg1">
+                    <a:lumMod val="65000"/>
+                  </a:schemeClr>
+                </a:solidFill>
+                <a:effectLst/>
+                <a:latin typeface="Consolas" panose="020B0609020204030204" pitchFamily="49" charset="0"/>
+              </a:rPr>
+              <a:t>video length</a:t>
+            </a:r>
+          </a:p>
+          <a:p>
+            <a:r>
+              <a:rPr lang="en-US" b="0" dirty="0">
+                <a:solidFill>
+                  <a:schemeClr val="accent1"/>
+                </a:solidFill>
+                <a:effectLst/>
+                <a:latin typeface="Consolas" panose="020B0609020204030204" pitchFamily="49" charset="0"/>
+              </a:rPr>
+              <a:t>beta = 0.15  </a:t>
+            </a:r>
+            <a:r>
+              <a:rPr lang="en-US" b="0" dirty="0">
+                <a:solidFill>
+                  <a:schemeClr val="bg1">
+                    <a:lumMod val="65000"/>
+                  </a:schemeClr>
+                </a:solidFill>
+                <a:effectLst/>
+                <a:latin typeface="Consolas" panose="020B0609020204030204" pitchFamily="49" charset="0"/>
+              </a:rPr>
+              <a:t>video popularity</a:t>
+            </a:r>
+          </a:p>
+          <a:p>
+            <a:r>
+              <a:rPr lang="en-US" b="0" dirty="0">
+                <a:solidFill>
+                  <a:schemeClr val="accent1"/>
+                </a:solidFill>
+                <a:effectLst/>
+                <a:latin typeface="Consolas" panose="020B0609020204030204" pitchFamily="49" charset="0"/>
+              </a:rPr>
+              <a:t>gamma = 0.5 </a:t>
+            </a:r>
+            <a:r>
+              <a:rPr lang="en-US" b="0" dirty="0">
+                <a:solidFill>
+                  <a:schemeClr val="bg1">
+                    <a:lumMod val="65000"/>
+                  </a:schemeClr>
+                </a:solidFill>
+                <a:effectLst/>
+                <a:latin typeface="Consolas" panose="020B0609020204030204" pitchFamily="49" charset="0"/>
+              </a:rPr>
+              <a:t>video alignment </a:t>
+            </a:r>
+            <a:r>
+              <a:rPr lang="en-US" b="0" dirty="0">
+                <a:solidFill>
+                  <a:schemeClr val="accent1"/>
+                </a:solidFill>
+                <a:effectLst/>
+                <a:latin typeface="Consolas" panose="020B0609020204030204" pitchFamily="49" charset="0"/>
+              </a:rPr>
+              <a:t>delta = 0.15 </a:t>
+            </a:r>
+            <a:r>
+              <a:rPr lang="en-US" b="0" dirty="0">
+                <a:solidFill>
+                  <a:schemeClr val="bg1">
+                    <a:lumMod val="65000"/>
+                  </a:schemeClr>
+                </a:solidFill>
+                <a:effectLst/>
+                <a:latin typeface="Consolas" panose="020B0609020204030204" pitchFamily="49" charset="0"/>
+              </a:rPr>
+              <a:t>video extremeness</a:t>
+            </a:r>
+          </a:p>
+        </p:txBody>
+      </p:sp>
+    </p:spTree>
+    <p:extLst>
+      <p:ext uri="{BB962C8B-B14F-4D97-AF65-F5344CB8AC3E}">
+        <p14:creationId xmlns:p14="http://schemas.microsoft.com/office/powerpoint/2010/main" val="3509288458"/>
+      </p:ext>
+    </p:extLst>
+  </p:cSld>
+  <p:clrMapOvr>
+    <a:masterClrMapping/>
+  </p:clrMapOvr>
+</p:sld>
+</file>
+
+<file path=ppt/slides/slide33.xml><?xml version="1.0" encoding="utf-8"?>
+<p:sld xmlns:a="http://schemas.openxmlformats.org/drawingml/2006/main" xmlns:r="http://schemas.openxmlformats.org/officeDocument/2006/relationships" xmlns:p="http://schemas.openxmlformats.org/presentationml/2006/main">
+  <p:cSld>
+    <p:spTree>
+      <p:nvGrpSpPr>
+        <p:cNvPr id="1" name="">
+          <a:extLst>
+            <a:ext uri="{FF2B5EF4-FFF2-40B4-BE49-F238E27FC236}">
+              <a16:creationId xmlns:a16="http://schemas.microsoft.com/office/drawing/2014/main" id="{BD52A00A-4678-A094-5188-CAA60C137BA4}"/>
+            </a:ext>
+          </a:extLst>
+        </p:cNvPr>
+        <p:cNvGrpSpPr/>
+        <p:nvPr/>
+      </p:nvGrpSpPr>
+      <p:grpSpPr>
+        <a:xfrm>
+          <a:off x="0" y="0"/>
+          <a:ext cx="0" cy="0"/>
+          <a:chOff x="0" y="0"/>
+          <a:chExt cx="0" cy="0"/>
+        </a:xfrm>
+      </p:grpSpPr>
+      <p:pic>
+        <p:nvPicPr>
+          <p:cNvPr id="4" name="Picture 3">
+            <a:extLst>
+              <a:ext uri="{FF2B5EF4-FFF2-40B4-BE49-F238E27FC236}">
+                <a16:creationId xmlns:a16="http://schemas.microsoft.com/office/drawing/2014/main" id="{1EFF9400-26E9-E4E6-64D4-5FD25E29EFCB}"/>
+              </a:ext>
+            </a:extLst>
+          </p:cNvPr>
+          <p:cNvPicPr>
+            <a:picLocks noChangeAspect="1"/>
+          </p:cNvPicPr>
+          <p:nvPr/>
+        </p:nvPicPr>
+        <p:blipFill>
+          <a:blip r:embed="rId2"/>
+          <a:stretch>
+            <a:fillRect/>
+          </a:stretch>
+        </p:blipFill>
+        <p:spPr>
+          <a:xfrm>
+            <a:off x="2781732" y="1887045"/>
+            <a:ext cx="9344025" cy="4476750"/>
+          </a:xfrm>
+          <a:prstGeom prst="rect">
+            <a:avLst/>
+          </a:prstGeom>
+        </p:spPr>
+      </p:pic>
+      <p:sp>
+        <p:nvSpPr>
+          <p:cNvPr id="2" name="Title 1">
+            <a:extLst>
+              <a:ext uri="{FF2B5EF4-FFF2-40B4-BE49-F238E27FC236}">
+                <a16:creationId xmlns:a16="http://schemas.microsoft.com/office/drawing/2014/main" id="{C368FB52-5055-1DBA-605A-A366E5CB4FB5}"/>
+              </a:ext>
+            </a:extLst>
+          </p:cNvPr>
+          <p:cNvSpPr>
+            <a:spLocks noGrp="1"/>
+          </p:cNvSpPr>
+          <p:nvPr>
+            <p:ph type="title"/>
+          </p:nvPr>
+        </p:nvSpPr>
+        <p:spPr>
+          <a:xfrm>
+            <a:off x="590723" y="-66503"/>
+            <a:ext cx="10772775" cy="1658198"/>
+          </a:xfrm>
+        </p:spPr>
+        <p:txBody>
+          <a:bodyPr/>
+          <a:lstStyle/>
+          <a:p>
+            <a:r>
+              <a:rPr lang="en-US" dirty="0"/>
+              <a:t>Messing Around w/ the Scoring Function</a:t>
+            </a:r>
+            <a:br>
+              <a:rPr lang="en-US" dirty="0"/>
+            </a:br>
+            <a:r>
+              <a:rPr lang="en-US" sz="2000" i="1" dirty="0"/>
+              <a:t>(goal: try and loosen the restrictions to avoid the step-function-looking result.)</a:t>
+            </a:r>
+            <a:endParaRPr lang="en-US" dirty="0"/>
+          </a:p>
+        </p:txBody>
+      </p:sp>
+      <p:sp>
+        <p:nvSpPr>
+          <p:cNvPr id="6" name="TextBox 5">
+            <a:extLst>
+              <a:ext uri="{FF2B5EF4-FFF2-40B4-BE49-F238E27FC236}">
+                <a16:creationId xmlns:a16="http://schemas.microsoft.com/office/drawing/2014/main" id="{E681C7A5-BCB9-F688-307F-7914E99FBD15}"/>
+              </a:ext>
+            </a:extLst>
+          </p:cNvPr>
+          <p:cNvSpPr txBox="1"/>
+          <p:nvPr/>
+        </p:nvSpPr>
+        <p:spPr>
+          <a:xfrm>
+            <a:off x="226956" y="4886467"/>
+            <a:ext cx="3995909" cy="2308324"/>
+          </a:xfrm>
+          <a:prstGeom prst="rect">
+            <a:avLst/>
+          </a:prstGeom>
+          <a:noFill/>
+        </p:spPr>
+        <p:txBody>
+          <a:bodyPr wrap="square">
+            <a:spAutoFit/>
+          </a:bodyPr>
+          <a:lstStyle/>
+          <a:p>
+            <a:r>
+              <a:rPr lang="en-US" b="0" dirty="0">
+                <a:solidFill>
+                  <a:schemeClr val="accent1">
+                    <a:lumMod val="50000"/>
+                  </a:schemeClr>
+                </a:solidFill>
+                <a:effectLst/>
+                <a:latin typeface="Consolas" panose="020B0609020204030204" pitchFamily="49" charset="0"/>
+              </a:rPr>
+              <a:t>Here</a:t>
+            </a:r>
+          </a:p>
+          <a:p>
+            <a:r>
+              <a:rPr lang="en-US" b="0" dirty="0">
+                <a:solidFill>
+                  <a:schemeClr val="accent1"/>
+                </a:solidFill>
+                <a:effectLst/>
+                <a:latin typeface="Consolas" panose="020B0609020204030204" pitchFamily="49" charset="0"/>
+              </a:rPr>
+              <a:t>alpha = 0.4 </a:t>
+            </a:r>
+            <a:r>
+              <a:rPr lang="en-US" b="0" dirty="0">
+                <a:solidFill>
+                  <a:schemeClr val="bg1">
+                    <a:lumMod val="65000"/>
+                  </a:schemeClr>
+                </a:solidFill>
+                <a:effectLst/>
+                <a:latin typeface="Consolas" panose="020B0609020204030204" pitchFamily="49" charset="0"/>
+              </a:rPr>
+              <a:t>video length</a:t>
+            </a:r>
+          </a:p>
+          <a:p>
+            <a:r>
+              <a:rPr lang="en-US" b="0" dirty="0">
+                <a:solidFill>
+                  <a:schemeClr val="accent1"/>
+                </a:solidFill>
+                <a:effectLst/>
+                <a:latin typeface="Consolas" panose="020B0609020204030204" pitchFamily="49" charset="0"/>
+              </a:rPr>
+              <a:t>beta = 0.4  </a:t>
+            </a:r>
+            <a:r>
+              <a:rPr lang="en-US" b="0" dirty="0">
+                <a:solidFill>
+                  <a:schemeClr val="bg1">
+                    <a:lumMod val="65000"/>
+                  </a:schemeClr>
+                </a:solidFill>
+                <a:effectLst/>
+                <a:latin typeface="Consolas" panose="020B0609020204030204" pitchFamily="49" charset="0"/>
+              </a:rPr>
+              <a:t>video popularity</a:t>
+            </a:r>
+          </a:p>
+          <a:p>
+            <a:r>
+              <a:rPr lang="en-US" b="0" dirty="0">
+                <a:solidFill>
+                  <a:schemeClr val="accent1"/>
+                </a:solidFill>
+                <a:effectLst/>
+                <a:latin typeface="Consolas" panose="020B0609020204030204" pitchFamily="49" charset="0"/>
+              </a:rPr>
+              <a:t>gamma = 0.</a:t>
+            </a:r>
+            <a:r>
+              <a:rPr lang="en-US" dirty="0">
+                <a:solidFill>
+                  <a:schemeClr val="accent1"/>
+                </a:solidFill>
+                <a:latin typeface="Consolas" panose="020B0609020204030204" pitchFamily="49" charset="0"/>
+              </a:rPr>
+              <a:t>1</a:t>
+            </a:r>
+            <a:r>
+              <a:rPr lang="en-US" b="0" dirty="0">
+                <a:solidFill>
+                  <a:schemeClr val="accent1"/>
+                </a:solidFill>
+                <a:effectLst/>
+                <a:latin typeface="Consolas" panose="020B0609020204030204" pitchFamily="49" charset="0"/>
+              </a:rPr>
+              <a:t> </a:t>
+            </a:r>
+            <a:r>
+              <a:rPr lang="en-US" b="0" dirty="0">
+                <a:solidFill>
+                  <a:schemeClr val="bg1">
+                    <a:lumMod val="65000"/>
+                  </a:schemeClr>
+                </a:solidFill>
+                <a:effectLst/>
+                <a:latin typeface="Consolas" panose="020B0609020204030204" pitchFamily="49" charset="0"/>
+              </a:rPr>
+              <a:t>video alignment </a:t>
+            </a:r>
+            <a:r>
+              <a:rPr lang="en-US" b="0" dirty="0">
+                <a:solidFill>
+                  <a:schemeClr val="accent1"/>
+                </a:solidFill>
+                <a:effectLst/>
+                <a:latin typeface="Consolas" panose="020B0609020204030204" pitchFamily="49" charset="0"/>
+              </a:rPr>
+              <a:t>delta = 0.1 </a:t>
+            </a:r>
+            <a:r>
+              <a:rPr lang="en-US" b="0" dirty="0">
+                <a:solidFill>
+                  <a:schemeClr val="bg1">
+                    <a:lumMod val="65000"/>
+                  </a:schemeClr>
+                </a:solidFill>
+                <a:effectLst/>
+                <a:latin typeface="Consolas" panose="020B0609020204030204" pitchFamily="49" charset="0"/>
+              </a:rPr>
+              <a:t>video extremeness</a:t>
+            </a:r>
+          </a:p>
+          <a:p>
+            <a:r>
+              <a:rPr lang="en-US" b="1" dirty="0">
+                <a:solidFill>
+                  <a:schemeClr val="bg1">
+                    <a:lumMod val="65000"/>
+                  </a:schemeClr>
+                </a:solidFill>
+                <a:effectLst/>
+                <a:latin typeface="Consolas" panose="020B0609020204030204" pitchFamily="49" charset="0"/>
+              </a:rPr>
+              <a:t>Todo: Make sure delta rewards being at the extremes, not close to 1</a:t>
+            </a:r>
+          </a:p>
+        </p:txBody>
+      </p:sp>
+      <p:sp>
+        <p:nvSpPr>
+          <p:cNvPr id="8" name="TextBox 7">
+            <a:extLst>
+              <a:ext uri="{FF2B5EF4-FFF2-40B4-BE49-F238E27FC236}">
+                <a16:creationId xmlns:a16="http://schemas.microsoft.com/office/drawing/2014/main" id="{6295DB3C-5F35-A2A6-A887-F2EAF0833DD0}"/>
+              </a:ext>
+            </a:extLst>
+          </p:cNvPr>
+          <p:cNvSpPr txBox="1"/>
+          <p:nvPr/>
+        </p:nvSpPr>
+        <p:spPr>
+          <a:xfrm>
+            <a:off x="226956" y="2874556"/>
+            <a:ext cx="3857364" cy="1754326"/>
+          </a:xfrm>
+          <a:prstGeom prst="rect">
+            <a:avLst/>
+          </a:prstGeom>
+          <a:noFill/>
+        </p:spPr>
+        <p:txBody>
+          <a:bodyPr wrap="square">
+            <a:spAutoFit/>
+          </a:bodyPr>
+          <a:lstStyle/>
+          <a:p>
+            <a:r>
+              <a:rPr lang="en-US" b="0" dirty="0">
+                <a:solidFill>
+                  <a:schemeClr val="accent1">
+                    <a:lumMod val="50000"/>
+                  </a:schemeClr>
+                </a:solidFill>
+                <a:effectLst/>
+                <a:latin typeface="Consolas" panose="020B0609020204030204" pitchFamily="49" charset="0"/>
+              </a:rPr>
+              <a:t>Original</a:t>
+            </a:r>
+          </a:p>
+          <a:p>
+            <a:r>
+              <a:rPr lang="en-US" b="0" dirty="0">
+                <a:solidFill>
+                  <a:schemeClr val="accent1"/>
+                </a:solidFill>
+                <a:effectLst/>
+                <a:latin typeface="Consolas" panose="020B0609020204030204" pitchFamily="49" charset="0"/>
+              </a:rPr>
+              <a:t>alpha = 0.2 </a:t>
+            </a:r>
+            <a:r>
+              <a:rPr lang="en-US" b="0" dirty="0">
+                <a:solidFill>
+                  <a:schemeClr val="bg1">
+                    <a:lumMod val="65000"/>
+                  </a:schemeClr>
+                </a:solidFill>
+                <a:effectLst/>
+                <a:latin typeface="Consolas" panose="020B0609020204030204" pitchFamily="49" charset="0"/>
+              </a:rPr>
+              <a:t>video length</a:t>
+            </a:r>
+          </a:p>
+          <a:p>
+            <a:r>
+              <a:rPr lang="en-US" b="0" dirty="0">
+                <a:solidFill>
+                  <a:schemeClr val="accent1"/>
+                </a:solidFill>
+                <a:effectLst/>
+                <a:latin typeface="Consolas" panose="020B0609020204030204" pitchFamily="49" charset="0"/>
+              </a:rPr>
+              <a:t>beta = 0.15  </a:t>
+            </a:r>
+            <a:r>
+              <a:rPr lang="en-US" b="0" dirty="0">
+                <a:solidFill>
+                  <a:schemeClr val="bg1">
+                    <a:lumMod val="65000"/>
+                  </a:schemeClr>
+                </a:solidFill>
+                <a:effectLst/>
+                <a:latin typeface="Consolas" panose="020B0609020204030204" pitchFamily="49" charset="0"/>
+              </a:rPr>
+              <a:t>video popularity</a:t>
+            </a:r>
+          </a:p>
+          <a:p>
+            <a:r>
+              <a:rPr lang="en-US" b="0" dirty="0">
+                <a:solidFill>
+                  <a:schemeClr val="accent1"/>
+                </a:solidFill>
+                <a:effectLst/>
+                <a:latin typeface="Consolas" panose="020B0609020204030204" pitchFamily="49" charset="0"/>
+              </a:rPr>
+              <a:t>gamma = 0.5 </a:t>
+            </a:r>
+            <a:r>
+              <a:rPr lang="en-US" b="0" dirty="0">
+                <a:solidFill>
+                  <a:schemeClr val="bg1">
+                    <a:lumMod val="65000"/>
+                  </a:schemeClr>
+                </a:solidFill>
+                <a:effectLst/>
+                <a:latin typeface="Consolas" panose="020B0609020204030204" pitchFamily="49" charset="0"/>
+              </a:rPr>
+              <a:t>video alignment </a:t>
+            </a:r>
+            <a:r>
+              <a:rPr lang="en-US" b="0" dirty="0">
+                <a:solidFill>
+                  <a:schemeClr val="accent1"/>
+                </a:solidFill>
+                <a:effectLst/>
+                <a:latin typeface="Consolas" panose="020B0609020204030204" pitchFamily="49" charset="0"/>
+              </a:rPr>
+              <a:t>delta = 0.15 </a:t>
+            </a:r>
+            <a:r>
+              <a:rPr lang="en-US" b="0" dirty="0">
+                <a:solidFill>
+                  <a:schemeClr val="bg1">
+                    <a:lumMod val="65000"/>
+                  </a:schemeClr>
+                </a:solidFill>
+                <a:effectLst/>
+                <a:latin typeface="Consolas" panose="020B0609020204030204" pitchFamily="49" charset="0"/>
+              </a:rPr>
+              <a:t>video extremeness</a:t>
+            </a:r>
+          </a:p>
+        </p:txBody>
+      </p:sp>
+    </p:spTree>
+    <p:extLst>
+      <p:ext uri="{BB962C8B-B14F-4D97-AF65-F5344CB8AC3E}">
+        <p14:creationId xmlns:p14="http://schemas.microsoft.com/office/powerpoint/2010/main" val="3690379471"/>
+      </p:ext>
+    </p:extLst>
+  </p:cSld>
+  <p:clrMapOvr>
+    <a:masterClrMapping/>
+  </p:clrMapOvr>
+</p:sld>
+</file>
+
+<file path=ppt/slides/slide34.xml><?xml version="1.0" encoding="utf-8"?>
+<p:sld xmlns:a="http://schemas.openxmlformats.org/drawingml/2006/main" xmlns:r="http://schemas.openxmlformats.org/officeDocument/2006/relationships" xmlns:p="http://schemas.openxmlformats.org/presentationml/2006/main">
+  <p:cSld>
+    <p:spTree>
+      <p:nvGrpSpPr>
+        <p:cNvPr id="1" name="">
+          <a:extLst>
+            <a:ext uri="{FF2B5EF4-FFF2-40B4-BE49-F238E27FC236}">
+              <a16:creationId xmlns:a16="http://schemas.microsoft.com/office/drawing/2014/main" id="{F05642A5-7133-B2A3-08E7-6B61AC35935A}"/>
+            </a:ext>
+          </a:extLst>
+        </p:cNvPr>
+        <p:cNvGrpSpPr/>
+        <p:nvPr/>
+      </p:nvGrpSpPr>
+      <p:grpSpPr>
+        <a:xfrm>
+          <a:off x="0" y="0"/>
+          <a:ext cx="0" cy="0"/>
+          <a:chOff x="0" y="0"/>
+          <a:chExt cx="0" cy="0"/>
+        </a:xfrm>
+      </p:grpSpPr>
+      <p:sp>
+        <p:nvSpPr>
+          <p:cNvPr id="2" name="Title 1">
+            <a:extLst>
+              <a:ext uri="{FF2B5EF4-FFF2-40B4-BE49-F238E27FC236}">
+                <a16:creationId xmlns:a16="http://schemas.microsoft.com/office/drawing/2014/main" id="{E5C18FC5-6C37-3319-ABEB-B82193ECA69F}"/>
+              </a:ext>
+            </a:extLst>
+          </p:cNvPr>
+          <p:cNvSpPr>
+            <a:spLocks noGrp="1"/>
+          </p:cNvSpPr>
+          <p:nvPr>
+            <p:ph type="title"/>
+          </p:nvPr>
+        </p:nvSpPr>
+        <p:spPr>
+          <a:xfrm>
+            <a:off x="590723" y="-66503"/>
+            <a:ext cx="10772775" cy="1658198"/>
+          </a:xfrm>
+        </p:spPr>
+        <p:txBody>
+          <a:bodyPr/>
+          <a:lstStyle/>
+          <a:p>
+            <a:r>
+              <a:rPr lang="en-US" dirty="0"/>
+              <a:t>Continuing on This Particular Scenario</a:t>
+            </a:r>
+            <a:br>
+              <a:rPr lang="en-US" dirty="0"/>
+            </a:br>
+            <a:r>
+              <a:rPr lang="en-US" sz="2000" i="1" dirty="0"/>
+              <a:t>(goal: try and loosen the restrictions to avoid the step-function-looking result.)</a:t>
+            </a:r>
+            <a:endParaRPr lang="en-US" dirty="0"/>
+          </a:p>
+        </p:txBody>
+      </p:sp>
+      <p:sp>
+        <p:nvSpPr>
+          <p:cNvPr id="6" name="TextBox 5">
+            <a:extLst>
+              <a:ext uri="{FF2B5EF4-FFF2-40B4-BE49-F238E27FC236}">
+                <a16:creationId xmlns:a16="http://schemas.microsoft.com/office/drawing/2014/main" id="{D771FF45-385C-1CCE-DD18-1772992E8AE3}"/>
+              </a:ext>
+            </a:extLst>
+          </p:cNvPr>
+          <p:cNvSpPr txBox="1"/>
+          <p:nvPr/>
+        </p:nvSpPr>
+        <p:spPr>
+          <a:xfrm>
+            <a:off x="226956" y="4886467"/>
+            <a:ext cx="3995909" cy="1477328"/>
+          </a:xfrm>
+          <a:prstGeom prst="rect">
+            <a:avLst/>
+          </a:prstGeom>
+          <a:noFill/>
+        </p:spPr>
+        <p:txBody>
+          <a:bodyPr wrap="square">
+            <a:spAutoFit/>
+          </a:bodyPr>
+          <a:lstStyle/>
+          <a:p>
+            <a:r>
+              <a:rPr lang="en-US" b="0" dirty="0">
+                <a:solidFill>
+                  <a:schemeClr val="accent1">
+                    <a:lumMod val="50000"/>
+                  </a:schemeClr>
+                </a:solidFill>
+                <a:effectLst/>
+                <a:latin typeface="Consolas" panose="020B0609020204030204" pitchFamily="49" charset="0"/>
+              </a:rPr>
+              <a:t>Here</a:t>
+            </a:r>
+          </a:p>
+          <a:p>
+            <a:r>
+              <a:rPr lang="en-US" b="0" dirty="0">
+                <a:solidFill>
+                  <a:schemeClr val="accent1"/>
+                </a:solidFill>
+                <a:effectLst/>
+                <a:latin typeface="Consolas" panose="020B0609020204030204" pitchFamily="49" charset="0"/>
+              </a:rPr>
+              <a:t>alpha = 0.4 </a:t>
+            </a:r>
+            <a:r>
+              <a:rPr lang="en-US" b="0" dirty="0">
+                <a:solidFill>
+                  <a:schemeClr val="bg1">
+                    <a:lumMod val="65000"/>
+                  </a:schemeClr>
+                </a:solidFill>
+                <a:effectLst/>
+                <a:latin typeface="Consolas" panose="020B0609020204030204" pitchFamily="49" charset="0"/>
+              </a:rPr>
+              <a:t>video length</a:t>
+            </a:r>
+          </a:p>
+          <a:p>
+            <a:r>
+              <a:rPr lang="en-US" b="0" dirty="0">
+                <a:solidFill>
+                  <a:schemeClr val="accent1"/>
+                </a:solidFill>
+                <a:effectLst/>
+                <a:latin typeface="Consolas" panose="020B0609020204030204" pitchFamily="49" charset="0"/>
+              </a:rPr>
+              <a:t>beta = 0.4  </a:t>
+            </a:r>
+            <a:r>
+              <a:rPr lang="en-US" b="0" dirty="0">
+                <a:solidFill>
+                  <a:schemeClr val="bg1">
+                    <a:lumMod val="65000"/>
+                  </a:schemeClr>
+                </a:solidFill>
+                <a:effectLst/>
+                <a:latin typeface="Consolas" panose="020B0609020204030204" pitchFamily="49" charset="0"/>
+              </a:rPr>
+              <a:t>video popularity</a:t>
+            </a:r>
+          </a:p>
+          <a:p>
+            <a:r>
+              <a:rPr lang="en-US" b="0" dirty="0">
+                <a:solidFill>
+                  <a:schemeClr val="accent1"/>
+                </a:solidFill>
+                <a:effectLst/>
+                <a:latin typeface="Consolas" panose="020B0609020204030204" pitchFamily="49" charset="0"/>
+              </a:rPr>
+              <a:t>gamma = 0.</a:t>
+            </a:r>
+            <a:r>
+              <a:rPr lang="en-US" dirty="0">
+                <a:solidFill>
+                  <a:schemeClr val="accent1"/>
+                </a:solidFill>
+                <a:latin typeface="Consolas" panose="020B0609020204030204" pitchFamily="49" charset="0"/>
+              </a:rPr>
+              <a:t>1</a:t>
+            </a:r>
+            <a:r>
+              <a:rPr lang="en-US" b="0" dirty="0">
+                <a:solidFill>
+                  <a:schemeClr val="accent1"/>
+                </a:solidFill>
+                <a:effectLst/>
+                <a:latin typeface="Consolas" panose="020B0609020204030204" pitchFamily="49" charset="0"/>
+              </a:rPr>
+              <a:t> </a:t>
+            </a:r>
+            <a:r>
+              <a:rPr lang="en-US" b="0" dirty="0">
+                <a:solidFill>
+                  <a:schemeClr val="bg1">
+                    <a:lumMod val="65000"/>
+                  </a:schemeClr>
+                </a:solidFill>
+                <a:effectLst/>
+                <a:latin typeface="Consolas" panose="020B0609020204030204" pitchFamily="49" charset="0"/>
+              </a:rPr>
+              <a:t>video alignment </a:t>
+            </a:r>
+            <a:r>
+              <a:rPr lang="en-US" b="0" dirty="0">
+                <a:solidFill>
+                  <a:schemeClr val="accent1"/>
+                </a:solidFill>
+                <a:effectLst/>
+                <a:latin typeface="Consolas" panose="020B0609020204030204" pitchFamily="49" charset="0"/>
+              </a:rPr>
+              <a:t>delta = 0.1 </a:t>
+            </a:r>
+            <a:r>
+              <a:rPr lang="en-US" b="0" dirty="0">
+                <a:solidFill>
+                  <a:schemeClr val="bg1">
+                    <a:lumMod val="65000"/>
+                  </a:schemeClr>
+                </a:solidFill>
+                <a:effectLst/>
+                <a:latin typeface="Consolas" panose="020B0609020204030204" pitchFamily="49" charset="0"/>
+              </a:rPr>
+              <a:t>video extremeness</a:t>
+            </a:r>
+          </a:p>
+        </p:txBody>
+      </p:sp>
+      <p:sp>
+        <p:nvSpPr>
+          <p:cNvPr id="8" name="TextBox 7">
+            <a:extLst>
+              <a:ext uri="{FF2B5EF4-FFF2-40B4-BE49-F238E27FC236}">
+                <a16:creationId xmlns:a16="http://schemas.microsoft.com/office/drawing/2014/main" id="{C7EDF48C-5947-92F6-B214-A834E2DDB05E}"/>
+              </a:ext>
+            </a:extLst>
+          </p:cNvPr>
+          <p:cNvSpPr txBox="1"/>
+          <p:nvPr/>
+        </p:nvSpPr>
+        <p:spPr>
+          <a:xfrm>
+            <a:off x="2842694" y="1470147"/>
+            <a:ext cx="3857364" cy="3416320"/>
+          </a:xfrm>
+          <a:prstGeom prst="rect">
+            <a:avLst/>
+          </a:prstGeom>
+          <a:noFill/>
+        </p:spPr>
+        <p:txBody>
+          <a:bodyPr wrap="square">
+            <a:spAutoFit/>
+          </a:bodyPr>
+          <a:lstStyle/>
+          <a:p>
+            <a:r>
+              <a:rPr lang="en-US" b="0" dirty="0">
+                <a:solidFill>
+                  <a:schemeClr val="accent1">
+                    <a:lumMod val="50000"/>
+                  </a:schemeClr>
+                </a:solidFill>
+                <a:effectLst/>
+                <a:latin typeface="Consolas" panose="020B0609020204030204" pitchFamily="49" charset="0"/>
+              </a:rPr>
+              <a:t>The same pattern of watching </a:t>
+            </a:r>
+            <a:r>
+              <a:rPr lang="en-US" b="0" u="sng" dirty="0">
+                <a:solidFill>
+                  <a:schemeClr val="accent1">
+                    <a:lumMod val="50000"/>
+                  </a:schemeClr>
+                </a:solidFill>
+                <a:effectLst/>
+                <a:latin typeface="Consolas" panose="020B0609020204030204" pitchFamily="49" charset="0"/>
+              </a:rPr>
+              <a:t>less minutes</a:t>
+            </a:r>
+            <a:r>
+              <a:rPr lang="en-US" b="0" dirty="0">
+                <a:solidFill>
+                  <a:schemeClr val="accent1">
+                    <a:lumMod val="50000"/>
+                  </a:schemeClr>
+                </a:solidFill>
+                <a:effectLst/>
+                <a:latin typeface="Consolas" panose="020B0609020204030204" pitchFamily="49" charset="0"/>
+              </a:rPr>
+              <a:t>, but a </a:t>
+            </a:r>
+            <a:r>
+              <a:rPr lang="en-US" b="0" u="sng" dirty="0">
+                <a:solidFill>
+                  <a:schemeClr val="accent1">
+                    <a:lumMod val="50000"/>
+                  </a:schemeClr>
+                </a:solidFill>
+                <a:effectLst/>
+                <a:latin typeface="Consolas" panose="020B0609020204030204" pitchFamily="49" charset="0"/>
+              </a:rPr>
+              <a:t>higher number of videos</a:t>
+            </a:r>
+            <a:r>
+              <a:rPr lang="en-US" b="0" dirty="0">
+                <a:solidFill>
+                  <a:schemeClr val="accent1">
+                    <a:lumMod val="50000"/>
+                  </a:schemeClr>
+                </a:solidFill>
+                <a:effectLst/>
+                <a:latin typeface="Consolas" panose="020B0609020204030204" pitchFamily="49" charset="0"/>
+              </a:rPr>
+              <a:t>, continues here, even with a much larger emphasis on video length (and popularity).</a:t>
+            </a:r>
+          </a:p>
+          <a:p>
+            <a:r>
+              <a:rPr lang="en-US" dirty="0">
+                <a:solidFill>
+                  <a:schemeClr val="accent1">
+                    <a:lumMod val="50000"/>
+                  </a:schemeClr>
+                </a:solidFill>
+                <a:latin typeface="Consolas" panose="020B0609020204030204" pitchFamily="49" charset="0"/>
+              </a:rPr>
+              <a:t>Todo: in the top graph, the light blue line should theoretically be about the same because users are watching until their time limit is exhausted</a:t>
+            </a:r>
+            <a:endParaRPr lang="en-US" b="0" dirty="0">
+              <a:solidFill>
+                <a:schemeClr val="bg1">
+                  <a:lumMod val="65000"/>
+                </a:schemeClr>
+              </a:solidFill>
+              <a:effectLst/>
+              <a:latin typeface="Consolas" panose="020B0609020204030204" pitchFamily="49" charset="0"/>
+            </a:endParaRPr>
+          </a:p>
+        </p:txBody>
+      </p:sp>
+      <p:pic>
+        <p:nvPicPr>
+          <p:cNvPr id="11" name="Picture 10">
+            <a:extLst>
+              <a:ext uri="{FF2B5EF4-FFF2-40B4-BE49-F238E27FC236}">
+                <a16:creationId xmlns:a16="http://schemas.microsoft.com/office/drawing/2014/main" id="{8F3B296D-588B-4812-8D5F-2F2FAE9998C2}"/>
+              </a:ext>
+            </a:extLst>
+          </p:cNvPr>
+          <p:cNvPicPr>
+            <a:picLocks noChangeAspect="1"/>
+          </p:cNvPicPr>
+          <p:nvPr/>
+        </p:nvPicPr>
+        <p:blipFill>
+          <a:blip r:embed="rId2"/>
+          <a:stretch>
+            <a:fillRect/>
+          </a:stretch>
+        </p:blipFill>
+        <p:spPr>
+          <a:xfrm>
+            <a:off x="8322779" y="1006101"/>
+            <a:ext cx="3468139" cy="2744570"/>
+          </a:xfrm>
+          <a:prstGeom prst="rect">
+            <a:avLst/>
+          </a:prstGeom>
+        </p:spPr>
+      </p:pic>
+      <p:pic>
+        <p:nvPicPr>
+          <p:cNvPr id="13" name="Picture 12">
+            <a:extLst>
+              <a:ext uri="{FF2B5EF4-FFF2-40B4-BE49-F238E27FC236}">
+                <a16:creationId xmlns:a16="http://schemas.microsoft.com/office/drawing/2014/main" id="{D634BE9D-1D1A-08F6-6A82-8D03C231DB18}"/>
+              </a:ext>
+            </a:extLst>
+          </p:cNvPr>
+          <p:cNvPicPr>
+            <a:picLocks noChangeAspect="1"/>
+          </p:cNvPicPr>
+          <p:nvPr/>
+        </p:nvPicPr>
+        <p:blipFill>
+          <a:blip r:embed="rId3"/>
+          <a:stretch>
+            <a:fillRect/>
+          </a:stretch>
+        </p:blipFill>
+        <p:spPr>
+          <a:xfrm>
+            <a:off x="8314465" y="3823855"/>
+            <a:ext cx="3577244" cy="2830913"/>
+          </a:xfrm>
+          <a:prstGeom prst="rect">
+            <a:avLst/>
+          </a:prstGeom>
+        </p:spPr>
+      </p:pic>
+    </p:spTree>
+    <p:extLst>
+      <p:ext uri="{BB962C8B-B14F-4D97-AF65-F5344CB8AC3E}">
+        <p14:creationId xmlns:p14="http://schemas.microsoft.com/office/powerpoint/2010/main" val="834804995"/>
+      </p:ext>
+    </p:extLst>
+  </p:cSld>
+  <p:clrMapOvr>
+    <a:masterClrMapping/>
+  </p:clrMapOvr>
+</p:sld>
+</file>
+
+<file path=ppt/slides/slide35.xml><?xml version="1.0" encoding="utf-8"?>
+<p:sld xmlns:a="http://schemas.openxmlformats.org/drawingml/2006/main" xmlns:r="http://schemas.openxmlformats.org/officeDocument/2006/relationships" xmlns:p="http://schemas.openxmlformats.org/presentationml/2006/main">
+  <p:cSld>
+    <p:spTree>
+      <p:nvGrpSpPr>
+        <p:cNvPr id="1" name="">
+          <a:extLst>
+            <a:ext uri="{FF2B5EF4-FFF2-40B4-BE49-F238E27FC236}">
+              <a16:creationId xmlns:a16="http://schemas.microsoft.com/office/drawing/2014/main" id="{CC129946-ADEB-06E5-5BBC-1C76C53EBC64}"/>
+            </a:ext>
+          </a:extLst>
+        </p:cNvPr>
+        <p:cNvGrpSpPr/>
+        <p:nvPr/>
+      </p:nvGrpSpPr>
+      <p:grpSpPr>
+        <a:xfrm>
+          <a:off x="0" y="0"/>
+          <a:ext cx="0" cy="0"/>
+          <a:chOff x="0" y="0"/>
+          <a:chExt cx="0" cy="0"/>
+        </a:xfrm>
+      </p:grpSpPr>
+      <p:pic>
+        <p:nvPicPr>
+          <p:cNvPr id="5" name="Picture 4">
+            <a:extLst>
+              <a:ext uri="{FF2B5EF4-FFF2-40B4-BE49-F238E27FC236}">
+                <a16:creationId xmlns:a16="http://schemas.microsoft.com/office/drawing/2014/main" id="{D793A24A-3896-E96F-58AD-9E71D70DB25D}"/>
+              </a:ext>
+            </a:extLst>
+          </p:cNvPr>
+          <p:cNvPicPr>
+            <a:picLocks noChangeAspect="1"/>
+          </p:cNvPicPr>
+          <p:nvPr/>
+        </p:nvPicPr>
+        <p:blipFill>
+          <a:blip r:embed="rId2"/>
+          <a:stretch>
+            <a:fillRect/>
+          </a:stretch>
+        </p:blipFill>
+        <p:spPr>
+          <a:xfrm>
+            <a:off x="3642889" y="1731137"/>
+            <a:ext cx="8405284" cy="4026997"/>
+          </a:xfrm>
+          <a:prstGeom prst="rect">
+            <a:avLst/>
+          </a:prstGeom>
+        </p:spPr>
+      </p:pic>
+      <p:sp>
+        <p:nvSpPr>
+          <p:cNvPr id="2" name="Title 1">
+            <a:extLst>
+              <a:ext uri="{FF2B5EF4-FFF2-40B4-BE49-F238E27FC236}">
+                <a16:creationId xmlns:a16="http://schemas.microsoft.com/office/drawing/2014/main" id="{D8E21522-23C2-2CC2-B394-8536C409CDA7}"/>
+              </a:ext>
+            </a:extLst>
+          </p:cNvPr>
+          <p:cNvSpPr>
+            <a:spLocks noGrp="1"/>
+          </p:cNvSpPr>
+          <p:nvPr>
+            <p:ph type="title"/>
+          </p:nvPr>
+        </p:nvSpPr>
+        <p:spPr>
+          <a:xfrm>
+            <a:off x="590723" y="-66503"/>
+            <a:ext cx="10772775" cy="1658198"/>
+          </a:xfrm>
+        </p:spPr>
+        <p:txBody>
+          <a:bodyPr/>
+          <a:lstStyle/>
+          <a:p>
+            <a:r>
+              <a:rPr lang="en-US" dirty="0"/>
+              <a:t>Expanding on the Last Slide</a:t>
+            </a:r>
+            <a:br>
+              <a:rPr lang="en-US" dirty="0"/>
+            </a:br>
+            <a:r>
+              <a:rPr lang="en-US" sz="2000" i="1" dirty="0"/>
+              <a:t>What if we really bump the influence of video length?</a:t>
+            </a:r>
+            <a:endParaRPr lang="en-US" dirty="0"/>
+          </a:p>
+        </p:txBody>
+      </p:sp>
+      <p:sp>
+        <p:nvSpPr>
+          <p:cNvPr id="6" name="TextBox 5">
+            <a:extLst>
+              <a:ext uri="{FF2B5EF4-FFF2-40B4-BE49-F238E27FC236}">
+                <a16:creationId xmlns:a16="http://schemas.microsoft.com/office/drawing/2014/main" id="{5339067F-D64A-1FA2-CA73-648CE42E21B4}"/>
+              </a:ext>
+            </a:extLst>
+          </p:cNvPr>
+          <p:cNvSpPr txBox="1"/>
+          <p:nvPr/>
+        </p:nvSpPr>
+        <p:spPr>
+          <a:xfrm>
+            <a:off x="226956" y="4886467"/>
+            <a:ext cx="3995909" cy="1477328"/>
+          </a:xfrm>
+          <a:prstGeom prst="rect">
+            <a:avLst/>
+          </a:prstGeom>
+          <a:noFill/>
+        </p:spPr>
+        <p:txBody>
+          <a:bodyPr wrap="square">
+            <a:spAutoFit/>
+          </a:bodyPr>
+          <a:lstStyle/>
+          <a:p>
+            <a:r>
+              <a:rPr lang="en-US" b="0" dirty="0">
+                <a:solidFill>
+                  <a:schemeClr val="accent1">
+                    <a:lumMod val="50000"/>
+                  </a:schemeClr>
+                </a:solidFill>
+                <a:effectLst/>
+                <a:latin typeface="Consolas" panose="020B0609020204030204" pitchFamily="49" charset="0"/>
+              </a:rPr>
+              <a:t>Here</a:t>
+            </a:r>
+          </a:p>
+          <a:p>
+            <a:r>
+              <a:rPr lang="en-US" b="1" dirty="0">
+                <a:solidFill>
+                  <a:schemeClr val="accent1"/>
+                </a:solidFill>
+                <a:effectLst/>
+                <a:latin typeface="Consolas" panose="020B0609020204030204" pitchFamily="49" charset="0"/>
+              </a:rPr>
+              <a:t>alpha = 0.7 </a:t>
+            </a:r>
+            <a:r>
+              <a:rPr lang="en-US" b="0" dirty="0">
+                <a:solidFill>
+                  <a:schemeClr val="bg1">
+                    <a:lumMod val="65000"/>
+                  </a:schemeClr>
+                </a:solidFill>
+                <a:effectLst/>
+                <a:latin typeface="Consolas" panose="020B0609020204030204" pitchFamily="49" charset="0"/>
+              </a:rPr>
+              <a:t>video length</a:t>
+            </a:r>
+          </a:p>
+          <a:p>
+            <a:r>
+              <a:rPr lang="en-US" b="0" dirty="0">
+                <a:solidFill>
+                  <a:schemeClr val="accent1"/>
+                </a:solidFill>
+                <a:effectLst/>
+                <a:latin typeface="Consolas" panose="020B0609020204030204" pitchFamily="49" charset="0"/>
+              </a:rPr>
+              <a:t>beta = 0.1  </a:t>
+            </a:r>
+            <a:r>
+              <a:rPr lang="en-US" b="0" dirty="0">
+                <a:solidFill>
+                  <a:schemeClr val="bg1">
+                    <a:lumMod val="65000"/>
+                  </a:schemeClr>
+                </a:solidFill>
+                <a:effectLst/>
+                <a:latin typeface="Consolas" panose="020B0609020204030204" pitchFamily="49" charset="0"/>
+              </a:rPr>
+              <a:t>video popularity</a:t>
+            </a:r>
+          </a:p>
+          <a:p>
+            <a:r>
+              <a:rPr lang="en-US" b="0" dirty="0">
+                <a:solidFill>
+                  <a:schemeClr val="accent1"/>
+                </a:solidFill>
+                <a:effectLst/>
+                <a:latin typeface="Consolas" panose="020B0609020204030204" pitchFamily="49" charset="0"/>
+              </a:rPr>
+              <a:t>gamma = 0.</a:t>
+            </a:r>
+            <a:r>
+              <a:rPr lang="en-US" dirty="0">
+                <a:solidFill>
+                  <a:schemeClr val="accent1"/>
+                </a:solidFill>
+                <a:latin typeface="Consolas" panose="020B0609020204030204" pitchFamily="49" charset="0"/>
+              </a:rPr>
+              <a:t>1</a:t>
+            </a:r>
+            <a:r>
+              <a:rPr lang="en-US" b="0" dirty="0">
+                <a:solidFill>
+                  <a:schemeClr val="accent1"/>
+                </a:solidFill>
+                <a:effectLst/>
+                <a:latin typeface="Consolas" panose="020B0609020204030204" pitchFamily="49" charset="0"/>
+              </a:rPr>
+              <a:t> </a:t>
+            </a:r>
+            <a:r>
+              <a:rPr lang="en-US" b="0" dirty="0">
+                <a:solidFill>
+                  <a:schemeClr val="bg1">
+                    <a:lumMod val="65000"/>
+                  </a:schemeClr>
+                </a:solidFill>
+                <a:effectLst/>
+                <a:latin typeface="Consolas" panose="020B0609020204030204" pitchFamily="49" charset="0"/>
+              </a:rPr>
+              <a:t>video alignment </a:t>
+            </a:r>
+            <a:r>
+              <a:rPr lang="en-US" b="0" dirty="0">
+                <a:solidFill>
+                  <a:schemeClr val="accent1"/>
+                </a:solidFill>
+                <a:effectLst/>
+                <a:latin typeface="Consolas" panose="020B0609020204030204" pitchFamily="49" charset="0"/>
+              </a:rPr>
+              <a:t>delta = 0.1 </a:t>
+            </a:r>
+            <a:r>
+              <a:rPr lang="en-US" b="0" dirty="0">
+                <a:solidFill>
+                  <a:schemeClr val="bg1">
+                    <a:lumMod val="65000"/>
+                  </a:schemeClr>
+                </a:solidFill>
+                <a:effectLst/>
+                <a:latin typeface="Consolas" panose="020B0609020204030204" pitchFamily="49" charset="0"/>
+              </a:rPr>
+              <a:t>video extremeness</a:t>
+            </a:r>
+          </a:p>
+        </p:txBody>
+      </p:sp>
+      <p:sp>
+        <p:nvSpPr>
+          <p:cNvPr id="8" name="TextBox 7">
+            <a:extLst>
+              <a:ext uri="{FF2B5EF4-FFF2-40B4-BE49-F238E27FC236}">
+                <a16:creationId xmlns:a16="http://schemas.microsoft.com/office/drawing/2014/main" id="{EDFA7B2E-6302-347F-38ED-A0CC73ED9237}"/>
+              </a:ext>
+            </a:extLst>
+          </p:cNvPr>
+          <p:cNvSpPr txBox="1"/>
+          <p:nvPr/>
+        </p:nvSpPr>
+        <p:spPr>
+          <a:xfrm>
+            <a:off x="226956" y="2874556"/>
+            <a:ext cx="3857364" cy="1477328"/>
+          </a:xfrm>
+          <a:prstGeom prst="rect">
+            <a:avLst/>
+          </a:prstGeom>
+          <a:noFill/>
+        </p:spPr>
+        <p:txBody>
+          <a:bodyPr wrap="square">
+            <a:spAutoFit/>
+          </a:bodyPr>
+          <a:lstStyle/>
+          <a:p>
+            <a:r>
+              <a:rPr lang="en-US" b="0" dirty="0">
+                <a:solidFill>
+                  <a:schemeClr val="accent1">
+                    <a:lumMod val="50000"/>
+                  </a:schemeClr>
+                </a:solidFill>
+                <a:effectLst/>
+                <a:latin typeface="Consolas" panose="020B0609020204030204" pitchFamily="49" charset="0"/>
+              </a:rPr>
+              <a:t>The baseline extremeness shifts---in this scenario, it means the average video watched is more right-wing.</a:t>
+            </a:r>
+          </a:p>
+          <a:p>
+            <a:r>
+              <a:rPr lang="en-US" i="1" dirty="0">
+                <a:solidFill>
+                  <a:schemeClr val="accent1">
+                    <a:lumMod val="50000"/>
+                  </a:schemeClr>
+                </a:solidFill>
+                <a:latin typeface="Consolas" panose="020B0609020204030204" pitchFamily="49" charset="0"/>
+              </a:rPr>
+              <a:t>Why?</a:t>
+            </a:r>
+            <a:r>
+              <a:rPr lang="en-US" dirty="0">
+                <a:solidFill>
+                  <a:schemeClr val="accent1">
+                    <a:lumMod val="50000"/>
+                  </a:schemeClr>
+                </a:solidFill>
+                <a:latin typeface="Consolas" panose="020B0609020204030204" pitchFamily="49" charset="0"/>
+              </a:rPr>
+              <a:t> I’m unsure.</a:t>
+            </a:r>
+            <a:endParaRPr lang="en-US" b="0" i="1" dirty="0">
+              <a:solidFill>
+                <a:schemeClr val="bg1">
+                  <a:lumMod val="65000"/>
+                </a:schemeClr>
+              </a:solidFill>
+              <a:effectLst/>
+              <a:latin typeface="Consolas" panose="020B0609020204030204" pitchFamily="49" charset="0"/>
+            </a:endParaRPr>
+          </a:p>
+        </p:txBody>
+      </p:sp>
+    </p:spTree>
+    <p:extLst>
+      <p:ext uri="{BB962C8B-B14F-4D97-AF65-F5344CB8AC3E}">
+        <p14:creationId xmlns:p14="http://schemas.microsoft.com/office/powerpoint/2010/main" val="735389630"/>
+      </p:ext>
+    </p:extLst>
+  </p:cSld>
+  <p:clrMapOvr>
+    <a:masterClrMapping/>
+  </p:clrMapOvr>
+</p:sld>
+</file>
+
+<file path=ppt/slides/slide36.xml><?xml version="1.0" encoding="utf-8"?>
+<p:sld xmlns:a="http://schemas.openxmlformats.org/drawingml/2006/main" xmlns:r="http://schemas.openxmlformats.org/officeDocument/2006/relationships" xmlns:p="http://schemas.openxmlformats.org/presentationml/2006/main">
+  <p:cSld>
+    <p:spTree>
+      <p:nvGrpSpPr>
+        <p:cNvPr id="1" name="">
+          <a:extLst>
+            <a:ext uri="{FF2B5EF4-FFF2-40B4-BE49-F238E27FC236}">
+              <a16:creationId xmlns:a16="http://schemas.microsoft.com/office/drawing/2014/main" id="{BA2FBD62-F269-C7E5-50E8-6443B71B86F4}"/>
+            </a:ext>
+          </a:extLst>
+        </p:cNvPr>
+        <p:cNvGrpSpPr/>
+        <p:nvPr/>
+      </p:nvGrpSpPr>
+      <p:grpSpPr>
+        <a:xfrm>
+          <a:off x="0" y="0"/>
+          <a:ext cx="0" cy="0"/>
+          <a:chOff x="0" y="0"/>
+          <a:chExt cx="0" cy="0"/>
+        </a:xfrm>
+      </p:grpSpPr>
+      <p:sp>
+        <p:nvSpPr>
+          <p:cNvPr id="2" name="Title 1">
+            <a:extLst>
+              <a:ext uri="{FF2B5EF4-FFF2-40B4-BE49-F238E27FC236}">
+                <a16:creationId xmlns:a16="http://schemas.microsoft.com/office/drawing/2014/main" id="{E2EA5A5B-2FF8-B66E-400C-1525DCDA84BF}"/>
+              </a:ext>
+            </a:extLst>
+          </p:cNvPr>
+          <p:cNvSpPr>
+            <a:spLocks noGrp="1"/>
+          </p:cNvSpPr>
+          <p:nvPr>
+            <p:ph type="title"/>
+          </p:nvPr>
+        </p:nvSpPr>
+        <p:spPr>
+          <a:xfrm>
+            <a:off x="590723" y="-66503"/>
+            <a:ext cx="10772775" cy="1658198"/>
+          </a:xfrm>
+        </p:spPr>
+        <p:txBody>
+          <a:bodyPr/>
+          <a:lstStyle/>
+          <a:p>
+            <a:r>
+              <a:rPr lang="en-US" dirty="0"/>
+              <a:t>Expanding on the Last Slide</a:t>
+            </a:r>
+            <a:br>
+              <a:rPr lang="en-US" dirty="0"/>
+            </a:br>
+            <a:r>
+              <a:rPr lang="en-US" sz="2000" i="1" dirty="0"/>
+              <a:t>What if we really bump the influence of video length?</a:t>
+            </a:r>
+            <a:endParaRPr lang="en-US" dirty="0"/>
+          </a:p>
+        </p:txBody>
+      </p:sp>
+      <p:sp>
+        <p:nvSpPr>
+          <p:cNvPr id="6" name="TextBox 5">
+            <a:extLst>
+              <a:ext uri="{FF2B5EF4-FFF2-40B4-BE49-F238E27FC236}">
+                <a16:creationId xmlns:a16="http://schemas.microsoft.com/office/drawing/2014/main" id="{FF0FABDA-4623-91BE-F502-AA79DF1532B7}"/>
+              </a:ext>
+            </a:extLst>
+          </p:cNvPr>
+          <p:cNvSpPr txBox="1"/>
+          <p:nvPr/>
+        </p:nvSpPr>
+        <p:spPr>
+          <a:xfrm>
+            <a:off x="226956" y="4886467"/>
+            <a:ext cx="3995909" cy="1477328"/>
+          </a:xfrm>
+          <a:prstGeom prst="rect">
+            <a:avLst/>
+          </a:prstGeom>
+          <a:noFill/>
+        </p:spPr>
+        <p:txBody>
+          <a:bodyPr wrap="square">
+            <a:spAutoFit/>
+          </a:bodyPr>
+          <a:lstStyle/>
+          <a:p>
+            <a:r>
+              <a:rPr lang="en-US" b="0" dirty="0">
+                <a:solidFill>
+                  <a:schemeClr val="accent1">
+                    <a:lumMod val="50000"/>
+                  </a:schemeClr>
+                </a:solidFill>
+                <a:effectLst/>
+                <a:latin typeface="Consolas" panose="020B0609020204030204" pitchFamily="49" charset="0"/>
+              </a:rPr>
+              <a:t>Here</a:t>
+            </a:r>
+          </a:p>
+          <a:p>
+            <a:r>
+              <a:rPr lang="en-US" b="0" dirty="0">
+                <a:solidFill>
+                  <a:schemeClr val="accent1"/>
+                </a:solidFill>
+                <a:effectLst/>
+                <a:latin typeface="Consolas" panose="020B0609020204030204" pitchFamily="49" charset="0"/>
+              </a:rPr>
+              <a:t>alpha = 0.7 </a:t>
+            </a:r>
+            <a:r>
+              <a:rPr lang="en-US" b="0" dirty="0">
+                <a:solidFill>
+                  <a:schemeClr val="bg1">
+                    <a:lumMod val="65000"/>
+                  </a:schemeClr>
+                </a:solidFill>
+                <a:effectLst/>
+                <a:latin typeface="Consolas" panose="020B0609020204030204" pitchFamily="49" charset="0"/>
+              </a:rPr>
+              <a:t>video length</a:t>
+            </a:r>
+          </a:p>
+          <a:p>
+            <a:r>
+              <a:rPr lang="en-US" b="0" dirty="0">
+                <a:solidFill>
+                  <a:schemeClr val="accent1"/>
+                </a:solidFill>
+                <a:effectLst/>
+                <a:latin typeface="Consolas" panose="020B0609020204030204" pitchFamily="49" charset="0"/>
+              </a:rPr>
+              <a:t>beta = 0.1  </a:t>
+            </a:r>
+            <a:r>
+              <a:rPr lang="en-US" b="0" dirty="0">
+                <a:solidFill>
+                  <a:schemeClr val="bg1">
+                    <a:lumMod val="65000"/>
+                  </a:schemeClr>
+                </a:solidFill>
+                <a:effectLst/>
+                <a:latin typeface="Consolas" panose="020B0609020204030204" pitchFamily="49" charset="0"/>
+              </a:rPr>
+              <a:t>video popularity</a:t>
+            </a:r>
+          </a:p>
+          <a:p>
+            <a:r>
+              <a:rPr lang="en-US" b="0" dirty="0">
+                <a:solidFill>
+                  <a:schemeClr val="accent1"/>
+                </a:solidFill>
+                <a:effectLst/>
+                <a:latin typeface="Consolas" panose="020B0609020204030204" pitchFamily="49" charset="0"/>
+              </a:rPr>
+              <a:t>gamma = 0.</a:t>
+            </a:r>
+            <a:r>
+              <a:rPr lang="en-US" dirty="0">
+                <a:solidFill>
+                  <a:schemeClr val="accent1"/>
+                </a:solidFill>
+                <a:latin typeface="Consolas" panose="020B0609020204030204" pitchFamily="49" charset="0"/>
+              </a:rPr>
+              <a:t>1</a:t>
+            </a:r>
+            <a:r>
+              <a:rPr lang="en-US" b="0" dirty="0">
+                <a:solidFill>
+                  <a:schemeClr val="accent1"/>
+                </a:solidFill>
+                <a:effectLst/>
+                <a:latin typeface="Consolas" panose="020B0609020204030204" pitchFamily="49" charset="0"/>
+              </a:rPr>
+              <a:t> </a:t>
+            </a:r>
+            <a:r>
+              <a:rPr lang="en-US" b="0" dirty="0">
+                <a:solidFill>
+                  <a:schemeClr val="bg1">
+                    <a:lumMod val="65000"/>
+                  </a:schemeClr>
+                </a:solidFill>
+                <a:effectLst/>
+                <a:latin typeface="Consolas" panose="020B0609020204030204" pitchFamily="49" charset="0"/>
+              </a:rPr>
+              <a:t>video alignment </a:t>
+            </a:r>
+            <a:r>
+              <a:rPr lang="en-US" b="0" dirty="0">
+                <a:solidFill>
+                  <a:schemeClr val="accent1"/>
+                </a:solidFill>
+                <a:effectLst/>
+                <a:latin typeface="Consolas" panose="020B0609020204030204" pitchFamily="49" charset="0"/>
+              </a:rPr>
+              <a:t>delta = 0.1 </a:t>
+            </a:r>
+            <a:r>
+              <a:rPr lang="en-US" b="0" dirty="0">
+                <a:solidFill>
+                  <a:schemeClr val="bg1">
+                    <a:lumMod val="65000"/>
+                  </a:schemeClr>
+                </a:solidFill>
+                <a:effectLst/>
+                <a:latin typeface="Consolas" panose="020B0609020204030204" pitchFamily="49" charset="0"/>
+              </a:rPr>
+              <a:t>video extremeness</a:t>
+            </a:r>
+          </a:p>
+        </p:txBody>
+      </p:sp>
+      <p:sp>
+        <p:nvSpPr>
+          <p:cNvPr id="8" name="TextBox 7">
+            <a:extLst>
+              <a:ext uri="{FF2B5EF4-FFF2-40B4-BE49-F238E27FC236}">
+                <a16:creationId xmlns:a16="http://schemas.microsoft.com/office/drawing/2014/main" id="{218101C3-8FED-AB0C-AF2F-895F1344421A}"/>
+              </a:ext>
+            </a:extLst>
+          </p:cNvPr>
+          <p:cNvSpPr txBox="1"/>
+          <p:nvPr/>
+        </p:nvSpPr>
+        <p:spPr>
+          <a:xfrm>
+            <a:off x="692469" y="2638916"/>
+            <a:ext cx="3857364" cy="1200329"/>
+          </a:xfrm>
+          <a:prstGeom prst="rect">
+            <a:avLst/>
+          </a:prstGeom>
+          <a:noFill/>
+        </p:spPr>
+        <p:txBody>
+          <a:bodyPr wrap="square">
+            <a:spAutoFit/>
+          </a:bodyPr>
+          <a:lstStyle/>
+          <a:p>
+            <a:r>
+              <a:rPr lang="en-US" b="0" dirty="0">
+                <a:solidFill>
+                  <a:schemeClr val="accent1">
+                    <a:lumMod val="50000"/>
+                  </a:schemeClr>
+                </a:solidFill>
+                <a:effectLst/>
+                <a:latin typeface="Consolas" panose="020B0609020204030204" pitchFamily="49" charset="0"/>
+              </a:rPr>
+              <a:t>However, the amount of minutes watched gets closer (no scoring = avg of 108.98, scoring = avg of 103.12).</a:t>
+            </a:r>
+            <a:endParaRPr lang="en-US" b="0" dirty="0">
+              <a:solidFill>
+                <a:schemeClr val="bg1">
+                  <a:lumMod val="65000"/>
+                </a:schemeClr>
+              </a:solidFill>
+              <a:effectLst/>
+              <a:latin typeface="Consolas" panose="020B0609020204030204" pitchFamily="49" charset="0"/>
+            </a:endParaRPr>
+          </a:p>
+        </p:txBody>
+      </p:sp>
+      <p:pic>
+        <p:nvPicPr>
+          <p:cNvPr id="4" name="Picture 3">
+            <a:extLst>
+              <a:ext uri="{FF2B5EF4-FFF2-40B4-BE49-F238E27FC236}">
+                <a16:creationId xmlns:a16="http://schemas.microsoft.com/office/drawing/2014/main" id="{F1A4AD11-7B1D-A1C6-A760-9B4A3AD7C3E3}"/>
+              </a:ext>
+            </a:extLst>
+          </p:cNvPr>
+          <p:cNvPicPr>
+            <a:picLocks noChangeAspect="1"/>
+          </p:cNvPicPr>
+          <p:nvPr/>
+        </p:nvPicPr>
+        <p:blipFill>
+          <a:blip r:embed="rId2"/>
+          <a:stretch>
+            <a:fillRect/>
+          </a:stretch>
+        </p:blipFill>
+        <p:spPr>
+          <a:xfrm>
+            <a:off x="5843328" y="1591695"/>
+            <a:ext cx="5581650" cy="4191000"/>
+          </a:xfrm>
+          <a:prstGeom prst="rect">
+            <a:avLst/>
+          </a:prstGeom>
+        </p:spPr>
+      </p:pic>
+    </p:spTree>
+    <p:extLst>
+      <p:ext uri="{BB962C8B-B14F-4D97-AF65-F5344CB8AC3E}">
+        <p14:creationId xmlns:p14="http://schemas.microsoft.com/office/powerpoint/2010/main" val="2890997479"/>
+      </p:ext>
+    </p:extLst>
+  </p:cSld>
+  <p:clrMapOvr>
+    <a:masterClrMapping/>
+  </p:clrMapOvr>
+</p:sld>
+</file>
+
+<file path=ppt/slides/slide37.xml><?xml version="1.0" encoding="utf-8"?>
+<p:sld xmlns:a="http://schemas.openxmlformats.org/drawingml/2006/main" xmlns:r="http://schemas.openxmlformats.org/officeDocument/2006/relationships" xmlns:p="http://schemas.openxmlformats.org/presentationml/2006/main">
+  <p:cSld>
+    <p:spTree>
+      <p:nvGrpSpPr>
+        <p:cNvPr id="1" name="">
+          <a:extLst>
+            <a:ext uri="{FF2B5EF4-FFF2-40B4-BE49-F238E27FC236}">
+              <a16:creationId xmlns:a16="http://schemas.microsoft.com/office/drawing/2014/main" id="{932A4BD1-B412-E0B8-C869-D0F68BC576D6}"/>
+            </a:ext>
+          </a:extLst>
+        </p:cNvPr>
+        <p:cNvGrpSpPr/>
+        <p:nvPr/>
+      </p:nvGrpSpPr>
+      <p:grpSpPr>
+        <a:xfrm>
+          <a:off x="0" y="0"/>
+          <a:ext cx="0" cy="0"/>
+          <a:chOff x="0" y="0"/>
+          <a:chExt cx="0" cy="0"/>
+        </a:xfrm>
+      </p:grpSpPr>
+      <p:sp>
+        <p:nvSpPr>
+          <p:cNvPr id="2" name="Title 1">
+            <a:extLst>
+              <a:ext uri="{FF2B5EF4-FFF2-40B4-BE49-F238E27FC236}">
+                <a16:creationId xmlns:a16="http://schemas.microsoft.com/office/drawing/2014/main" id="{D0F05779-0D46-AFE7-F55C-6642F42223C3}"/>
+              </a:ext>
+            </a:extLst>
+          </p:cNvPr>
+          <p:cNvSpPr>
+            <a:spLocks noGrp="1"/>
+          </p:cNvSpPr>
+          <p:nvPr>
+            <p:ph type="title"/>
+          </p:nvPr>
+        </p:nvSpPr>
+        <p:spPr>
+          <a:xfrm>
+            <a:off x="590723" y="-66503"/>
+            <a:ext cx="10772775" cy="1658198"/>
+          </a:xfrm>
+        </p:spPr>
+        <p:txBody>
+          <a:bodyPr/>
+          <a:lstStyle/>
+          <a:p>
+            <a:r>
+              <a:rPr lang="en-US" dirty="0"/>
+              <a:t>Expanding on the Last Slide</a:t>
+            </a:r>
+            <a:br>
+              <a:rPr lang="en-US" dirty="0"/>
+            </a:br>
+            <a:r>
+              <a:rPr lang="en-US" sz="2000" i="1" dirty="0"/>
+              <a:t>What if we really bump the influence of video length?</a:t>
+            </a:r>
+            <a:endParaRPr lang="en-US" dirty="0"/>
+          </a:p>
+        </p:txBody>
+      </p:sp>
+      <p:sp>
+        <p:nvSpPr>
+          <p:cNvPr id="6" name="TextBox 5">
+            <a:extLst>
+              <a:ext uri="{FF2B5EF4-FFF2-40B4-BE49-F238E27FC236}">
+                <a16:creationId xmlns:a16="http://schemas.microsoft.com/office/drawing/2014/main" id="{FDA6D166-5FC1-1C0B-F2B2-90FF79984772}"/>
+              </a:ext>
+            </a:extLst>
+          </p:cNvPr>
+          <p:cNvSpPr txBox="1"/>
+          <p:nvPr/>
+        </p:nvSpPr>
+        <p:spPr>
+          <a:xfrm>
+            <a:off x="226956" y="4886467"/>
+            <a:ext cx="3995909" cy="1477328"/>
+          </a:xfrm>
+          <a:prstGeom prst="rect">
+            <a:avLst/>
+          </a:prstGeom>
+          <a:noFill/>
+        </p:spPr>
+        <p:txBody>
+          <a:bodyPr wrap="square">
+            <a:spAutoFit/>
+          </a:bodyPr>
+          <a:lstStyle/>
+          <a:p>
+            <a:r>
+              <a:rPr lang="en-US" b="0" dirty="0">
+                <a:solidFill>
+                  <a:schemeClr val="accent1">
+                    <a:lumMod val="50000"/>
+                  </a:schemeClr>
+                </a:solidFill>
+                <a:effectLst/>
+                <a:latin typeface="Consolas" panose="020B0609020204030204" pitchFamily="49" charset="0"/>
+              </a:rPr>
+              <a:t>Here</a:t>
+            </a:r>
+          </a:p>
+          <a:p>
+            <a:r>
+              <a:rPr lang="en-US" b="0" dirty="0">
+                <a:solidFill>
+                  <a:schemeClr val="accent1"/>
+                </a:solidFill>
+                <a:effectLst/>
+                <a:latin typeface="Consolas" panose="020B0609020204030204" pitchFamily="49" charset="0"/>
+              </a:rPr>
+              <a:t>alpha = 0.7 </a:t>
+            </a:r>
+            <a:r>
+              <a:rPr lang="en-US" b="0" dirty="0">
+                <a:solidFill>
+                  <a:schemeClr val="bg1">
+                    <a:lumMod val="65000"/>
+                  </a:schemeClr>
+                </a:solidFill>
+                <a:effectLst/>
+                <a:latin typeface="Consolas" panose="020B0609020204030204" pitchFamily="49" charset="0"/>
+              </a:rPr>
+              <a:t>video length</a:t>
+            </a:r>
+          </a:p>
+          <a:p>
+            <a:r>
+              <a:rPr lang="en-US" b="0" dirty="0">
+                <a:solidFill>
+                  <a:schemeClr val="accent1"/>
+                </a:solidFill>
+                <a:effectLst/>
+                <a:latin typeface="Consolas" panose="020B0609020204030204" pitchFamily="49" charset="0"/>
+              </a:rPr>
+              <a:t>beta = 0.1  </a:t>
+            </a:r>
+            <a:r>
+              <a:rPr lang="en-US" b="0" dirty="0">
+                <a:solidFill>
+                  <a:schemeClr val="bg1">
+                    <a:lumMod val="65000"/>
+                  </a:schemeClr>
+                </a:solidFill>
+                <a:effectLst/>
+                <a:latin typeface="Consolas" panose="020B0609020204030204" pitchFamily="49" charset="0"/>
+              </a:rPr>
+              <a:t>video popularity</a:t>
+            </a:r>
+          </a:p>
+          <a:p>
+            <a:r>
+              <a:rPr lang="en-US" b="0" dirty="0">
+                <a:solidFill>
+                  <a:schemeClr val="accent1"/>
+                </a:solidFill>
+                <a:effectLst/>
+                <a:latin typeface="Consolas" panose="020B0609020204030204" pitchFamily="49" charset="0"/>
+              </a:rPr>
+              <a:t>gamma = 0.</a:t>
+            </a:r>
+            <a:r>
+              <a:rPr lang="en-US" dirty="0">
+                <a:solidFill>
+                  <a:schemeClr val="accent1"/>
+                </a:solidFill>
+                <a:latin typeface="Consolas" panose="020B0609020204030204" pitchFamily="49" charset="0"/>
+              </a:rPr>
+              <a:t>1</a:t>
+            </a:r>
+            <a:r>
+              <a:rPr lang="en-US" b="0" dirty="0">
+                <a:solidFill>
+                  <a:schemeClr val="accent1"/>
+                </a:solidFill>
+                <a:effectLst/>
+                <a:latin typeface="Consolas" panose="020B0609020204030204" pitchFamily="49" charset="0"/>
+              </a:rPr>
+              <a:t> </a:t>
+            </a:r>
+            <a:r>
+              <a:rPr lang="en-US" b="0" dirty="0">
+                <a:solidFill>
+                  <a:schemeClr val="bg1">
+                    <a:lumMod val="65000"/>
+                  </a:schemeClr>
+                </a:solidFill>
+                <a:effectLst/>
+                <a:latin typeface="Consolas" panose="020B0609020204030204" pitchFamily="49" charset="0"/>
+              </a:rPr>
+              <a:t>video alignment </a:t>
+            </a:r>
+            <a:r>
+              <a:rPr lang="en-US" b="0" dirty="0">
+                <a:solidFill>
+                  <a:schemeClr val="accent1"/>
+                </a:solidFill>
+                <a:effectLst/>
+                <a:latin typeface="Consolas" panose="020B0609020204030204" pitchFamily="49" charset="0"/>
+              </a:rPr>
+              <a:t>delta = 0.1 </a:t>
+            </a:r>
+            <a:r>
+              <a:rPr lang="en-US" b="0" dirty="0">
+                <a:solidFill>
+                  <a:schemeClr val="bg1">
+                    <a:lumMod val="65000"/>
+                  </a:schemeClr>
+                </a:solidFill>
+                <a:effectLst/>
+                <a:latin typeface="Consolas" panose="020B0609020204030204" pitchFamily="49" charset="0"/>
+              </a:rPr>
+              <a:t>video extremeness</a:t>
+            </a:r>
+          </a:p>
+        </p:txBody>
+      </p:sp>
+      <p:sp>
+        <p:nvSpPr>
+          <p:cNvPr id="8" name="TextBox 7">
+            <a:extLst>
+              <a:ext uri="{FF2B5EF4-FFF2-40B4-BE49-F238E27FC236}">
+                <a16:creationId xmlns:a16="http://schemas.microsoft.com/office/drawing/2014/main" id="{D22CDBB7-515B-A0BB-2087-3395625FC138}"/>
+              </a:ext>
+            </a:extLst>
+          </p:cNvPr>
+          <p:cNvSpPr txBox="1"/>
+          <p:nvPr/>
+        </p:nvSpPr>
+        <p:spPr>
+          <a:xfrm>
+            <a:off x="692469" y="2638916"/>
+            <a:ext cx="3857364" cy="1477328"/>
+          </a:xfrm>
+          <a:prstGeom prst="rect">
+            <a:avLst/>
+          </a:prstGeom>
+          <a:noFill/>
+        </p:spPr>
+        <p:txBody>
+          <a:bodyPr wrap="square">
+            <a:spAutoFit/>
+          </a:bodyPr>
+          <a:lstStyle/>
+          <a:p>
+            <a:r>
+              <a:rPr lang="en-US" b="0" dirty="0">
+                <a:solidFill>
+                  <a:schemeClr val="accent1">
+                    <a:lumMod val="50000"/>
+                  </a:schemeClr>
+                </a:solidFill>
+                <a:effectLst/>
+                <a:latin typeface="Consolas" panose="020B0609020204030204" pitchFamily="49" charset="0"/>
+              </a:rPr>
+              <a:t>The # of videos watched still stays nearly the same, but get a LITTLE closer (4.23 videos watched with scoring vs. 2.8 watched without).</a:t>
+            </a:r>
+            <a:endParaRPr lang="en-US" b="0" dirty="0">
+              <a:solidFill>
+                <a:schemeClr val="bg1">
+                  <a:lumMod val="65000"/>
+                </a:schemeClr>
+              </a:solidFill>
+              <a:effectLst/>
+              <a:latin typeface="Consolas" panose="020B0609020204030204" pitchFamily="49" charset="0"/>
+            </a:endParaRPr>
+          </a:p>
+        </p:txBody>
+      </p:sp>
+      <p:pic>
+        <p:nvPicPr>
+          <p:cNvPr id="9" name="Picture 8">
+            <a:extLst>
+              <a:ext uri="{FF2B5EF4-FFF2-40B4-BE49-F238E27FC236}">
+                <a16:creationId xmlns:a16="http://schemas.microsoft.com/office/drawing/2014/main" id="{36F19200-EDD4-3048-A14B-A3F8FEC72924}"/>
+              </a:ext>
+            </a:extLst>
+          </p:cNvPr>
+          <p:cNvPicPr>
+            <a:picLocks noChangeAspect="1"/>
+          </p:cNvPicPr>
+          <p:nvPr/>
+        </p:nvPicPr>
+        <p:blipFill>
+          <a:blip r:embed="rId2"/>
+          <a:stretch>
+            <a:fillRect/>
+          </a:stretch>
+        </p:blipFill>
+        <p:spPr>
+          <a:xfrm>
+            <a:off x="6203631" y="1333500"/>
+            <a:ext cx="5295900" cy="4191000"/>
+          </a:xfrm>
+          <a:prstGeom prst="rect">
+            <a:avLst/>
+          </a:prstGeom>
+        </p:spPr>
+      </p:pic>
+    </p:spTree>
+    <p:extLst>
+      <p:ext uri="{BB962C8B-B14F-4D97-AF65-F5344CB8AC3E}">
+        <p14:creationId xmlns:p14="http://schemas.microsoft.com/office/powerpoint/2010/main" val="329414049"/>
+      </p:ext>
+    </p:extLst>
+  </p:cSld>
+  <p:clrMapOvr>
+    <a:masterClrMapping/>
+  </p:clrMapOvr>
+</p:sld>
+</file>
+
+<file path=ppt/slides/slide38.xml><?xml version="1.0" encoding="utf-8"?>
+<p:sld xmlns:a="http://schemas.openxmlformats.org/drawingml/2006/main" xmlns:r="http://schemas.openxmlformats.org/officeDocument/2006/relationships" xmlns:p="http://schemas.openxmlformats.org/presentationml/2006/main">
+  <p:cSld>
+    <p:spTree>
+      <p:nvGrpSpPr>
+        <p:cNvPr id="1" name=""/>
+        <p:cNvGrpSpPr/>
+        <p:nvPr/>
+      </p:nvGrpSpPr>
+      <p:grpSpPr>
+        <a:xfrm>
+          <a:off x="0" y="0"/>
+          <a:ext cx="0" cy="0"/>
+          <a:chOff x="0" y="0"/>
+          <a:chExt cx="0" cy="0"/>
+        </a:xfrm>
+      </p:grpSpPr>
+      <p:pic>
+        <p:nvPicPr>
+          <p:cNvPr id="6" name="Picture 5">
+            <a:extLst>
+              <a:ext uri="{FF2B5EF4-FFF2-40B4-BE49-F238E27FC236}">
+                <a16:creationId xmlns:a16="http://schemas.microsoft.com/office/drawing/2014/main" id="{6B6FD004-4960-0C22-BDB8-3A5C848AEA51}"/>
+              </a:ext>
+            </a:extLst>
+          </p:cNvPr>
+          <p:cNvPicPr>
+            <a:picLocks noChangeAspect="1"/>
+          </p:cNvPicPr>
+          <p:nvPr/>
+        </p:nvPicPr>
+        <p:blipFill>
+          <a:blip r:embed="rId2"/>
+          <a:stretch>
+            <a:fillRect/>
+          </a:stretch>
+        </p:blipFill>
+        <p:spPr>
+          <a:xfrm>
+            <a:off x="4976553" y="1364868"/>
+            <a:ext cx="7215447" cy="4450472"/>
+          </a:xfrm>
+          <a:prstGeom prst="rect">
+            <a:avLst/>
+          </a:prstGeom>
+        </p:spPr>
+      </p:pic>
+      <p:sp>
+        <p:nvSpPr>
+          <p:cNvPr id="2" name="Title 1">
+            <a:extLst>
+              <a:ext uri="{FF2B5EF4-FFF2-40B4-BE49-F238E27FC236}">
+                <a16:creationId xmlns:a16="http://schemas.microsoft.com/office/drawing/2014/main" id="{DB0B7A56-6109-E9E1-3FFB-B75ACE8E6BDF}"/>
+              </a:ext>
+            </a:extLst>
+          </p:cNvPr>
+          <p:cNvSpPr>
+            <a:spLocks noGrp="1"/>
+          </p:cNvSpPr>
+          <p:nvPr>
+            <p:ph type="title"/>
+          </p:nvPr>
+        </p:nvSpPr>
+        <p:spPr/>
+        <p:txBody>
+          <a:bodyPr/>
+          <a:lstStyle/>
+          <a:p>
+            <a:r>
+              <a:rPr lang="en-US" dirty="0"/>
+              <a:t>Oh, Dear</a:t>
+            </a:r>
+          </a:p>
+        </p:txBody>
+      </p:sp>
+      <p:sp>
+        <p:nvSpPr>
+          <p:cNvPr id="3" name="Content Placeholder 2">
+            <a:extLst>
+              <a:ext uri="{FF2B5EF4-FFF2-40B4-BE49-F238E27FC236}">
+                <a16:creationId xmlns:a16="http://schemas.microsoft.com/office/drawing/2014/main" id="{6338FDD5-8CC7-9BF7-A655-FC0DF0AF4A8D}"/>
+              </a:ext>
+            </a:extLst>
+          </p:cNvPr>
+          <p:cNvSpPr>
+            <a:spLocks noGrp="1"/>
+          </p:cNvSpPr>
+          <p:nvPr>
+            <p:ph sz="half" idx="1"/>
+          </p:nvPr>
+        </p:nvSpPr>
+        <p:spPr>
+          <a:xfrm>
+            <a:off x="122475" y="1970425"/>
+            <a:ext cx="5136710" cy="3767328"/>
+          </a:xfrm>
+        </p:spPr>
+        <p:txBody>
+          <a:bodyPr>
+            <a:normAutofit fontScale="77500" lnSpcReduction="20000"/>
+          </a:bodyPr>
+          <a:lstStyle/>
+          <a:p>
+            <a:pPr>
+              <a:buFont typeface="Arial" panose="020B0604020202020204" pitchFamily="34" charset="0"/>
+              <a:buChar char="•"/>
+            </a:pPr>
+            <a:r>
+              <a:rPr lang="en-US" b="1" dirty="0">
+                <a:solidFill>
+                  <a:schemeClr val="bg1">
+                    <a:lumMod val="65000"/>
+                  </a:schemeClr>
+                </a:solidFill>
+                <a:effectLst/>
+                <a:latin typeface="Consolas" panose="020B0609020204030204" pitchFamily="49" charset="0"/>
+              </a:rPr>
+              <a:t>Todo: Make sure delta rewards being at the extremes, not close to 1</a:t>
+            </a:r>
+          </a:p>
+          <a:p>
+            <a:pPr marL="0" indent="0">
+              <a:buNone/>
+            </a:pPr>
+            <a:endParaRPr lang="en-US" dirty="0"/>
+          </a:p>
+          <a:p>
+            <a:r>
+              <a:rPr lang="en-US" b="0" dirty="0">
+                <a:solidFill>
+                  <a:schemeClr val="tx1"/>
+                </a:solidFill>
+                <a:effectLst/>
+                <a:latin typeface="Consolas" panose="020B0609020204030204" pitchFamily="49" charset="0"/>
+              </a:rPr>
+              <a:t>if((</a:t>
+            </a:r>
+            <a:r>
+              <a:rPr lang="en-US" b="0" dirty="0" err="1">
+                <a:solidFill>
+                  <a:schemeClr val="tx1"/>
+                </a:solidFill>
+                <a:effectLst/>
+                <a:latin typeface="Consolas" panose="020B0609020204030204" pitchFamily="49" charset="0"/>
+              </a:rPr>
+              <a:t>ev</a:t>
+            </a:r>
+            <a:r>
+              <a:rPr lang="en-US" b="0" dirty="0">
+                <a:solidFill>
+                  <a:schemeClr val="tx1"/>
+                </a:solidFill>
+                <a:effectLst/>
+                <a:latin typeface="Consolas" panose="020B0609020204030204" pitchFamily="49" charset="0"/>
+              </a:rPr>
+              <a:t> &lt;= 0.2) or (</a:t>
+            </a:r>
+            <a:r>
+              <a:rPr lang="en-US" b="0" dirty="0" err="1">
+                <a:solidFill>
+                  <a:schemeClr val="tx1"/>
+                </a:solidFill>
+                <a:effectLst/>
+                <a:latin typeface="Consolas" panose="020B0609020204030204" pitchFamily="49" charset="0"/>
+              </a:rPr>
+              <a:t>ev</a:t>
+            </a:r>
+            <a:r>
+              <a:rPr lang="en-US" b="0" dirty="0">
+                <a:solidFill>
+                  <a:schemeClr val="tx1"/>
+                </a:solidFill>
+                <a:effectLst/>
+                <a:latin typeface="Consolas" panose="020B0609020204030204" pitchFamily="49" charset="0"/>
+              </a:rPr>
+              <a:t> &gt;= 0.8)):</a:t>
+            </a:r>
+          </a:p>
+          <a:p>
+            <a:r>
+              <a:rPr lang="en-US" b="0" dirty="0">
+                <a:solidFill>
+                  <a:schemeClr val="tx1"/>
+                </a:solidFill>
+                <a:effectLst/>
+                <a:latin typeface="Consolas" panose="020B0609020204030204" pitchFamily="49" charset="0"/>
+              </a:rPr>
+              <a:t>   </a:t>
+            </a:r>
+            <a:r>
+              <a:rPr lang="en-US" b="0" dirty="0" err="1">
+                <a:solidFill>
+                  <a:schemeClr val="tx1"/>
+                </a:solidFill>
+                <a:effectLst/>
+                <a:latin typeface="Consolas" panose="020B0609020204030204" pitchFamily="49" charset="0"/>
+              </a:rPr>
+              <a:t>e_return</a:t>
+            </a:r>
+            <a:r>
+              <a:rPr lang="en-US" b="0" dirty="0">
+                <a:solidFill>
+                  <a:schemeClr val="tx1"/>
+                </a:solidFill>
+                <a:effectLst/>
+                <a:latin typeface="Consolas" panose="020B0609020204030204" pitchFamily="49" charset="0"/>
+              </a:rPr>
+              <a:t> = </a:t>
+            </a:r>
+            <a:r>
+              <a:rPr lang="en-US" b="1" dirty="0">
+                <a:solidFill>
+                  <a:schemeClr val="tx1"/>
+                </a:solidFill>
+                <a:effectLst/>
+                <a:latin typeface="Consolas" panose="020B0609020204030204" pitchFamily="49" charset="0"/>
+              </a:rPr>
+              <a:t>1</a:t>
+            </a:r>
+          </a:p>
+          <a:p>
+            <a:r>
+              <a:rPr lang="en-US" b="0" dirty="0">
+                <a:solidFill>
+                  <a:schemeClr val="tx1"/>
+                </a:solidFill>
+                <a:effectLst/>
+                <a:latin typeface="Consolas" panose="020B0609020204030204" pitchFamily="49" charset="0"/>
+              </a:rPr>
+              <a:t>else:</a:t>
+            </a:r>
+          </a:p>
+          <a:p>
+            <a:r>
+              <a:rPr lang="en-US" b="0" dirty="0">
+                <a:solidFill>
+                  <a:schemeClr val="tx1"/>
+                </a:solidFill>
+                <a:effectLst/>
+                <a:latin typeface="Consolas" panose="020B0609020204030204" pitchFamily="49" charset="0"/>
+              </a:rPr>
+              <a:t>   </a:t>
+            </a:r>
+            <a:r>
+              <a:rPr lang="en-US" b="0" dirty="0" err="1">
+                <a:solidFill>
+                  <a:schemeClr val="tx1"/>
+                </a:solidFill>
+                <a:effectLst/>
+                <a:latin typeface="Consolas" panose="020B0609020204030204" pitchFamily="49" charset="0"/>
+              </a:rPr>
+              <a:t>e_return</a:t>
+            </a:r>
+            <a:r>
+              <a:rPr lang="en-US" b="0" dirty="0">
+                <a:solidFill>
+                  <a:schemeClr val="tx1"/>
+                </a:solidFill>
+                <a:effectLst/>
+                <a:latin typeface="Consolas" panose="020B0609020204030204" pitchFamily="49" charset="0"/>
+              </a:rPr>
+              <a:t> = 0</a:t>
+            </a:r>
+          </a:p>
+          <a:p>
+            <a:endParaRPr lang="en-US" b="0" dirty="0">
+              <a:solidFill>
+                <a:schemeClr val="tx1"/>
+              </a:solidFill>
+              <a:effectLst/>
+              <a:latin typeface="Consolas" panose="020B0609020204030204" pitchFamily="49" charset="0"/>
+            </a:endParaRPr>
+          </a:p>
+          <a:p>
+            <a:r>
+              <a:rPr lang="en-US" b="0" dirty="0">
+                <a:solidFill>
+                  <a:schemeClr val="tx1"/>
+                </a:solidFill>
+                <a:effectLst/>
+                <a:latin typeface="Consolas" panose="020B0609020204030204" pitchFamily="49" charset="0"/>
+              </a:rPr>
+              <a:t>Make delta the value that’s getting manipulated, not </a:t>
+            </a:r>
+            <a:r>
+              <a:rPr lang="en-US" b="0" dirty="0" err="1">
+                <a:solidFill>
+                  <a:schemeClr val="tx1"/>
+                </a:solidFill>
+                <a:effectLst/>
+                <a:latin typeface="Consolas" panose="020B0609020204030204" pitchFamily="49" charset="0"/>
+              </a:rPr>
+              <a:t>e_return</a:t>
+            </a:r>
+            <a:endParaRPr lang="en-US" b="0" dirty="0">
+              <a:solidFill>
+                <a:schemeClr val="tx1"/>
+              </a:solidFill>
+              <a:effectLst/>
+              <a:latin typeface="Consolas" panose="020B0609020204030204" pitchFamily="49" charset="0"/>
+            </a:endParaRPr>
+          </a:p>
+          <a:p>
+            <a:r>
+              <a:rPr lang="en-US" dirty="0"/>
+              <a:t>Make 0.2 and 0.8 parameters/vars that you can change, not hardcoded</a:t>
+            </a:r>
+          </a:p>
+        </p:txBody>
+      </p:sp>
+    </p:spTree>
+    <p:extLst>
+      <p:ext uri="{BB962C8B-B14F-4D97-AF65-F5344CB8AC3E}">
+        <p14:creationId xmlns:p14="http://schemas.microsoft.com/office/powerpoint/2010/main" val="2201002433"/>
+      </p:ext>
+    </p:extLst>
+  </p:cSld>
+  <p:clrMapOvr>
+    <a:masterClrMapping/>
+  </p:clrMapOvr>
+</p:sld>
+</file>
+
+<file path=ppt/slides/slide39.xml><?xml version="1.0" encoding="utf-8"?>
+<p:sld xmlns:a="http://schemas.openxmlformats.org/drawingml/2006/main" xmlns:r="http://schemas.openxmlformats.org/officeDocument/2006/relationships" xmlns:p="http://schemas.openxmlformats.org/presentationml/2006/main">
+  <p:cSld>
+    <p:spTree>
+      <p:nvGrpSpPr>
+        <p:cNvPr id="1" name="">
+          <a:extLst>
+            <a:ext uri="{FF2B5EF4-FFF2-40B4-BE49-F238E27FC236}">
+              <a16:creationId xmlns:a16="http://schemas.microsoft.com/office/drawing/2014/main" id="{561F0419-713F-0B58-0F28-97398A171497}"/>
+            </a:ext>
+          </a:extLst>
+        </p:cNvPr>
+        <p:cNvGrpSpPr/>
+        <p:nvPr/>
+      </p:nvGrpSpPr>
+      <p:grpSpPr>
+        <a:xfrm>
+          <a:off x="0" y="0"/>
+          <a:ext cx="0" cy="0"/>
+          <a:chOff x="0" y="0"/>
+          <a:chExt cx="0" cy="0"/>
+        </a:xfrm>
+      </p:grpSpPr>
+      <p:sp>
+        <p:nvSpPr>
+          <p:cNvPr id="2" name="Title 1">
+            <a:extLst>
+              <a:ext uri="{FF2B5EF4-FFF2-40B4-BE49-F238E27FC236}">
+                <a16:creationId xmlns:a16="http://schemas.microsoft.com/office/drawing/2014/main" id="{E13F3430-62BC-8EC0-4714-992FAF2817E6}"/>
+              </a:ext>
+            </a:extLst>
+          </p:cNvPr>
+          <p:cNvSpPr>
+            <a:spLocks noGrp="1"/>
+          </p:cNvSpPr>
+          <p:nvPr>
+            <p:ph type="title"/>
+          </p:nvPr>
+        </p:nvSpPr>
+        <p:spPr/>
+        <p:txBody>
+          <a:bodyPr/>
+          <a:lstStyle/>
+          <a:p>
+            <a:r>
+              <a:rPr lang="en-US" dirty="0"/>
+              <a:t>Oh, Dear</a:t>
+            </a:r>
+          </a:p>
+        </p:txBody>
+      </p:sp>
+      <p:sp>
+        <p:nvSpPr>
+          <p:cNvPr id="3" name="Content Placeholder 2">
+            <a:extLst>
+              <a:ext uri="{FF2B5EF4-FFF2-40B4-BE49-F238E27FC236}">
+                <a16:creationId xmlns:a16="http://schemas.microsoft.com/office/drawing/2014/main" id="{B1D9AC0A-B31A-1B61-136A-526A347D6EEB}"/>
+              </a:ext>
+            </a:extLst>
+          </p:cNvPr>
+          <p:cNvSpPr>
+            <a:spLocks noGrp="1"/>
+          </p:cNvSpPr>
+          <p:nvPr>
+            <p:ph sz="half" idx="1"/>
+          </p:nvPr>
+        </p:nvSpPr>
+        <p:spPr>
+          <a:xfrm>
+            <a:off x="122475" y="1970425"/>
+            <a:ext cx="5136710" cy="3067088"/>
+          </a:xfrm>
+        </p:spPr>
+        <p:txBody>
+          <a:bodyPr>
+            <a:normAutofit fontScale="85000" lnSpcReduction="20000"/>
+          </a:bodyPr>
+          <a:lstStyle/>
+          <a:p>
+            <a:pPr>
+              <a:buFont typeface="Arial" panose="020B0604020202020204" pitchFamily="34" charset="0"/>
+              <a:buChar char="•"/>
+            </a:pPr>
+            <a:r>
+              <a:rPr lang="en-US" b="1" dirty="0">
+                <a:solidFill>
+                  <a:schemeClr val="bg1">
+                    <a:lumMod val="65000"/>
+                  </a:schemeClr>
+                </a:solidFill>
+                <a:effectLst/>
+                <a:latin typeface="Consolas" panose="020B0609020204030204" pitchFamily="49" charset="0"/>
+              </a:rPr>
+              <a:t>Todo: Make sure delta rewards being at the extremes, not close to 1</a:t>
+            </a:r>
+          </a:p>
+          <a:p>
+            <a:pPr marL="0" indent="0">
+              <a:buNone/>
+            </a:pPr>
+            <a:endParaRPr lang="en-US" dirty="0"/>
+          </a:p>
+          <a:p>
+            <a:r>
+              <a:rPr lang="en-US" b="0" dirty="0">
+                <a:solidFill>
+                  <a:schemeClr val="tx1"/>
+                </a:solidFill>
+                <a:effectLst/>
+                <a:latin typeface="Consolas" panose="020B0609020204030204" pitchFamily="49" charset="0"/>
+              </a:rPr>
+              <a:t>if((</a:t>
+            </a:r>
+            <a:r>
+              <a:rPr lang="en-US" b="0" dirty="0" err="1">
+                <a:solidFill>
+                  <a:schemeClr val="tx1"/>
+                </a:solidFill>
+                <a:effectLst/>
+                <a:latin typeface="Consolas" panose="020B0609020204030204" pitchFamily="49" charset="0"/>
+              </a:rPr>
+              <a:t>ev</a:t>
+            </a:r>
+            <a:r>
+              <a:rPr lang="en-US" b="0" dirty="0">
+                <a:solidFill>
+                  <a:schemeClr val="tx1"/>
+                </a:solidFill>
+                <a:effectLst/>
+                <a:latin typeface="Consolas" panose="020B0609020204030204" pitchFamily="49" charset="0"/>
+              </a:rPr>
+              <a:t> &lt;= 0.2) or (</a:t>
+            </a:r>
+            <a:r>
+              <a:rPr lang="en-US" b="0" dirty="0" err="1">
+                <a:solidFill>
+                  <a:schemeClr val="tx1"/>
+                </a:solidFill>
+                <a:effectLst/>
+                <a:latin typeface="Consolas" panose="020B0609020204030204" pitchFamily="49" charset="0"/>
+              </a:rPr>
+              <a:t>ev</a:t>
+            </a:r>
+            <a:r>
+              <a:rPr lang="en-US" b="0" dirty="0">
+                <a:solidFill>
+                  <a:schemeClr val="tx1"/>
+                </a:solidFill>
+                <a:effectLst/>
+                <a:latin typeface="Consolas" panose="020B0609020204030204" pitchFamily="49" charset="0"/>
+              </a:rPr>
+              <a:t> &gt;= 0.8)):</a:t>
+            </a:r>
+          </a:p>
+          <a:p>
+            <a:r>
+              <a:rPr lang="en-US" b="0" dirty="0">
+                <a:solidFill>
+                  <a:schemeClr val="tx1"/>
+                </a:solidFill>
+                <a:effectLst/>
+                <a:latin typeface="Consolas" panose="020B0609020204030204" pitchFamily="49" charset="0"/>
+              </a:rPr>
+              <a:t>   </a:t>
+            </a:r>
+            <a:r>
+              <a:rPr lang="en-US" b="0" dirty="0" err="1">
+                <a:solidFill>
+                  <a:schemeClr val="tx1"/>
+                </a:solidFill>
+                <a:effectLst/>
+                <a:latin typeface="Consolas" panose="020B0609020204030204" pitchFamily="49" charset="0"/>
+              </a:rPr>
+              <a:t>e_return</a:t>
+            </a:r>
+            <a:r>
+              <a:rPr lang="en-US" b="0" dirty="0">
+                <a:solidFill>
+                  <a:schemeClr val="tx1"/>
+                </a:solidFill>
+                <a:effectLst/>
+                <a:latin typeface="Consolas" panose="020B0609020204030204" pitchFamily="49" charset="0"/>
+              </a:rPr>
+              <a:t> = </a:t>
+            </a:r>
+            <a:r>
+              <a:rPr lang="en-US" b="1" dirty="0">
+                <a:solidFill>
+                  <a:schemeClr val="tx1"/>
+                </a:solidFill>
+                <a:effectLst/>
+                <a:latin typeface="Consolas" panose="020B0609020204030204" pitchFamily="49" charset="0"/>
+              </a:rPr>
+              <a:t>0.5</a:t>
+            </a:r>
+          </a:p>
+          <a:p>
+            <a:r>
+              <a:rPr lang="en-US" b="0" dirty="0">
+                <a:solidFill>
+                  <a:schemeClr val="tx1"/>
+                </a:solidFill>
+                <a:effectLst/>
+                <a:latin typeface="Consolas" panose="020B0609020204030204" pitchFamily="49" charset="0"/>
+              </a:rPr>
+              <a:t>else:</a:t>
+            </a:r>
+          </a:p>
+          <a:p>
+            <a:r>
+              <a:rPr lang="en-US" b="0" dirty="0">
+                <a:solidFill>
+                  <a:schemeClr val="tx1"/>
+                </a:solidFill>
+                <a:effectLst/>
+                <a:latin typeface="Consolas" panose="020B0609020204030204" pitchFamily="49" charset="0"/>
+              </a:rPr>
+              <a:t>   </a:t>
+            </a:r>
+            <a:r>
+              <a:rPr lang="en-US" b="0" dirty="0" err="1">
+                <a:solidFill>
+                  <a:schemeClr val="tx1"/>
+                </a:solidFill>
+                <a:effectLst/>
+                <a:latin typeface="Consolas" panose="020B0609020204030204" pitchFamily="49" charset="0"/>
+              </a:rPr>
+              <a:t>e_return</a:t>
+            </a:r>
+            <a:r>
+              <a:rPr lang="en-US" b="0" dirty="0">
+                <a:solidFill>
+                  <a:schemeClr val="tx1"/>
+                </a:solidFill>
+                <a:effectLst/>
+                <a:latin typeface="Consolas" panose="020B0609020204030204" pitchFamily="49" charset="0"/>
+              </a:rPr>
+              <a:t> = 0</a:t>
+            </a:r>
+          </a:p>
+          <a:p>
+            <a:br>
+              <a:rPr lang="en-US" b="0" dirty="0">
+                <a:solidFill>
+                  <a:srgbClr val="F8F8F2"/>
+                </a:solidFill>
+                <a:effectLst/>
+                <a:latin typeface="Consolas" panose="020B0609020204030204" pitchFamily="49" charset="0"/>
+              </a:rPr>
+            </a:br>
+            <a:endParaRPr lang="en-US" b="0" dirty="0">
+              <a:solidFill>
+                <a:srgbClr val="F8F8F2"/>
+              </a:solidFill>
+              <a:effectLst/>
+              <a:latin typeface="Consolas" panose="020B0609020204030204" pitchFamily="49" charset="0"/>
+            </a:endParaRPr>
+          </a:p>
+          <a:p>
+            <a:pPr marL="0" indent="0">
+              <a:buNone/>
+            </a:pPr>
+            <a:endParaRPr lang="en-US" dirty="0"/>
+          </a:p>
+        </p:txBody>
+      </p:sp>
+      <p:pic>
+        <p:nvPicPr>
+          <p:cNvPr id="5" name="Picture 4">
+            <a:extLst>
+              <a:ext uri="{FF2B5EF4-FFF2-40B4-BE49-F238E27FC236}">
+                <a16:creationId xmlns:a16="http://schemas.microsoft.com/office/drawing/2014/main" id="{FE7E8831-5030-D96A-5251-7F86A425C652}"/>
+              </a:ext>
+            </a:extLst>
+          </p:cNvPr>
+          <p:cNvPicPr>
+            <a:picLocks noChangeAspect="1"/>
+          </p:cNvPicPr>
+          <p:nvPr/>
+        </p:nvPicPr>
+        <p:blipFill>
+          <a:blip r:embed="rId2"/>
+          <a:stretch>
+            <a:fillRect/>
+          </a:stretch>
+        </p:blipFill>
+        <p:spPr>
+          <a:xfrm>
+            <a:off x="4883207" y="1328632"/>
+            <a:ext cx="7258050" cy="4476750"/>
+          </a:xfrm>
+          <a:prstGeom prst="rect">
+            <a:avLst/>
+          </a:prstGeom>
+        </p:spPr>
+      </p:pic>
+    </p:spTree>
+    <p:extLst>
+      <p:ext uri="{BB962C8B-B14F-4D97-AF65-F5344CB8AC3E}">
+        <p14:creationId xmlns:p14="http://schemas.microsoft.com/office/powerpoint/2010/main" val="4128699030"/>
+      </p:ext>
+    </p:extLst>
+  </p:cSld>
+  <p:clrMapOvr>
+    <a:masterClrMapping/>
+  </p:clrMapOvr>
+</p:sld>
+</file>
+
 <file path=ppt/slides/slide4.xml><?xml version="1.0" encoding="utf-8"?>
 <p:sld xmlns:a="http://schemas.openxmlformats.org/drawingml/2006/main" xmlns:r="http://schemas.openxmlformats.org/officeDocument/2006/relationships" xmlns:p="http://schemas.openxmlformats.org/presentationml/2006/main">
   <p:cSld>
@@ -15780,6 +19305,417 @@
     <p:extLst>
       <p:ext uri="{BB962C8B-B14F-4D97-AF65-F5344CB8AC3E}">
         <p14:creationId xmlns:p14="http://schemas.microsoft.com/office/powerpoint/2010/main" val="791931765"/>
+      </p:ext>
+    </p:extLst>
+  </p:cSld>
+  <p:clrMapOvr>
+    <a:masterClrMapping/>
+  </p:clrMapOvr>
+</p:sld>
+</file>
+
+<file path=ppt/slides/slide40.xml><?xml version="1.0" encoding="utf-8"?>
+<p:sld xmlns:a="http://schemas.openxmlformats.org/drawingml/2006/main" xmlns:r="http://schemas.openxmlformats.org/officeDocument/2006/relationships" xmlns:p="http://schemas.openxmlformats.org/presentationml/2006/main">
+  <p:cSld>
+    <p:spTree>
+      <p:nvGrpSpPr>
+        <p:cNvPr id="1" name=""/>
+        <p:cNvGrpSpPr/>
+        <p:nvPr/>
+      </p:nvGrpSpPr>
+      <p:grpSpPr>
+        <a:xfrm>
+          <a:off x="0" y="0"/>
+          <a:ext cx="0" cy="0"/>
+          <a:chOff x="0" y="0"/>
+          <a:chExt cx="0" cy="0"/>
+        </a:xfrm>
+      </p:grpSpPr>
+      <p:sp>
+        <p:nvSpPr>
+          <p:cNvPr id="2" name="Title 1">
+            <a:extLst>
+              <a:ext uri="{FF2B5EF4-FFF2-40B4-BE49-F238E27FC236}">
+                <a16:creationId xmlns:a16="http://schemas.microsoft.com/office/drawing/2014/main" id="{4DD3A894-302A-9F84-8E94-B781E88177E1}"/>
+              </a:ext>
+            </a:extLst>
+          </p:cNvPr>
+          <p:cNvSpPr>
+            <a:spLocks noGrp="1"/>
+          </p:cNvSpPr>
+          <p:nvPr>
+            <p:ph type="title"/>
+          </p:nvPr>
+        </p:nvSpPr>
+        <p:spPr/>
+        <p:txBody>
+          <a:bodyPr>
+            <a:normAutofit fontScale="90000"/>
+          </a:bodyPr>
+          <a:lstStyle/>
+          <a:p>
+            <a:r>
+              <a:rPr lang="en-US" sz="2400" dirty="0"/>
+              <a:t>Left = no change, Right = rewarding extremes</a:t>
+            </a:r>
+            <a:br>
+              <a:rPr lang="en-US" sz="2400" dirty="0"/>
+            </a:br>
+            <a:r>
+              <a:rPr lang="en-US" sz="2400" dirty="0" err="1"/>
+              <a:t>todo</a:t>
+            </a:r>
+            <a:r>
+              <a:rPr lang="en-US" sz="2400" dirty="0"/>
+              <a:t>:</a:t>
+            </a:r>
+            <a:br>
+              <a:rPr lang="en-US" sz="2400" dirty="0"/>
+            </a:br>
+            <a:r>
+              <a:rPr lang="en-US" sz="2400" dirty="0"/>
+              <a:t>in the </a:t>
+            </a:r>
+            <a:r>
+              <a:rPr lang="en-US" sz="2400" dirty="0" err="1"/>
+              <a:t>rightgraph</a:t>
+            </a:r>
+            <a:r>
+              <a:rPr lang="en-US" sz="2400" dirty="0"/>
+              <a:t>, dark </a:t>
+            </a:r>
+            <a:r>
+              <a:rPr lang="en-US" sz="2400" dirty="0" err="1"/>
+              <a:t>bulue</a:t>
+            </a:r>
+            <a:r>
+              <a:rPr lang="en-US" sz="2400" dirty="0"/>
+              <a:t> line, delta = 0. see what happens when you change delta. Do the same for all parameters</a:t>
+            </a:r>
+            <a:br>
+              <a:rPr lang="en-US" sz="2400" dirty="0"/>
+            </a:br>
+            <a:r>
+              <a:rPr lang="en-US" sz="2400" dirty="0"/>
+              <a:t>send by Friday a list </a:t>
+            </a:r>
+            <a:r>
+              <a:rPr lang="en-US" sz="2400" dirty="0" err="1"/>
+              <a:t>fo</a:t>
+            </a:r>
+            <a:r>
+              <a:rPr lang="en-US" sz="2400" dirty="0"/>
+              <a:t> three more questions you can answer with a numerical experiment</a:t>
+            </a:r>
+            <a:br>
+              <a:rPr lang="en-US" sz="2400" dirty="0"/>
+            </a:br>
+            <a:r>
+              <a:rPr lang="en-US" sz="2400" dirty="0"/>
+              <a:t>1. Is it possible to reduce the emphasis on extremeness but keep total minutes watched approximately the same?</a:t>
+            </a:r>
+            <a:br>
+              <a:rPr lang="en-US" sz="2400" dirty="0"/>
+            </a:br>
+            <a:r>
+              <a:rPr lang="en-US" sz="2400" dirty="0"/>
+              <a:t>	Reduce emphasis on extremeness = change delta. Can these other weights be changed in order to reduce delta, </a:t>
+            </a:r>
+            <a:r>
+              <a:rPr lang="en-US" sz="2400" dirty="0" err="1"/>
+              <a:t>ut</a:t>
+            </a:r>
+            <a:r>
+              <a:rPr lang="en-US" sz="2400" dirty="0"/>
+              <a:t> keep people watching lots of videos?</a:t>
+            </a:r>
+            <a:br>
+              <a:rPr lang="en-US" sz="2400" dirty="0"/>
+            </a:br>
+            <a:endParaRPr lang="en-US" sz="2400" dirty="0"/>
+          </a:p>
+        </p:txBody>
+      </p:sp>
+      <p:pic>
+        <p:nvPicPr>
+          <p:cNvPr id="4" name="Picture 3">
+            <a:extLst>
+              <a:ext uri="{FF2B5EF4-FFF2-40B4-BE49-F238E27FC236}">
+                <a16:creationId xmlns:a16="http://schemas.microsoft.com/office/drawing/2014/main" id="{8F88D23E-5682-E6F1-EEB2-920B56A72CDC}"/>
+              </a:ext>
+            </a:extLst>
+          </p:cNvPr>
+          <p:cNvPicPr>
+            <a:picLocks noChangeAspect="1"/>
+          </p:cNvPicPr>
+          <p:nvPr/>
+        </p:nvPicPr>
+        <p:blipFill>
+          <a:blip r:embed="rId2"/>
+          <a:stretch>
+            <a:fillRect/>
+          </a:stretch>
+        </p:blipFill>
+        <p:spPr>
+          <a:xfrm>
+            <a:off x="335193" y="2436321"/>
+            <a:ext cx="5857875" cy="4191000"/>
+          </a:xfrm>
+          <a:prstGeom prst="rect">
+            <a:avLst/>
+          </a:prstGeom>
+        </p:spPr>
+      </p:pic>
+      <p:pic>
+        <p:nvPicPr>
+          <p:cNvPr id="8" name="Picture 7">
+            <a:extLst>
+              <a:ext uri="{FF2B5EF4-FFF2-40B4-BE49-F238E27FC236}">
+                <a16:creationId xmlns:a16="http://schemas.microsoft.com/office/drawing/2014/main" id="{AC818C9E-D4FA-93E3-63A9-FDA04962EC94}"/>
+              </a:ext>
+            </a:extLst>
+          </p:cNvPr>
+          <p:cNvPicPr>
+            <a:picLocks noChangeAspect="1"/>
+          </p:cNvPicPr>
+          <p:nvPr/>
+        </p:nvPicPr>
+        <p:blipFill>
+          <a:blip r:embed="rId3"/>
+          <a:stretch>
+            <a:fillRect/>
+          </a:stretch>
+        </p:blipFill>
+        <p:spPr>
+          <a:xfrm>
+            <a:off x="6279939" y="2436321"/>
+            <a:ext cx="5857875" cy="4191000"/>
+          </a:xfrm>
+          <a:prstGeom prst="rect">
+            <a:avLst/>
+          </a:prstGeom>
+        </p:spPr>
+      </p:pic>
+      <p:sp>
+        <p:nvSpPr>
+          <p:cNvPr id="7" name="Rectangle 6">
+            <a:extLst>
+              <a:ext uri="{FF2B5EF4-FFF2-40B4-BE49-F238E27FC236}">
+                <a16:creationId xmlns:a16="http://schemas.microsoft.com/office/drawing/2014/main" id="{E1C7F090-9999-2DD1-F1C1-8DF47E7640FA}"/>
+              </a:ext>
+            </a:extLst>
+          </p:cNvPr>
+          <p:cNvSpPr/>
+          <p:nvPr/>
+        </p:nvSpPr>
+        <p:spPr>
+          <a:xfrm>
+            <a:off x="6403385" y="2804159"/>
+            <a:ext cx="443532" cy="393468"/>
+          </a:xfrm>
+          <a:prstGeom prst="rect">
+            <a:avLst/>
+          </a:prstGeom>
+          <a:solidFill>
+            <a:schemeClr val="accent1">
+              <a:alpha val="34000"/>
+            </a:schemeClr>
+          </a:solidFill>
+          <a:ln>
+            <a:noFill/>
+          </a:ln>
+        </p:spPr>
+        <p:style>
+          <a:lnRef idx="2">
+            <a:schemeClr val="accent1">
+              <a:shade val="15000"/>
+            </a:schemeClr>
+          </a:lnRef>
+          <a:fillRef idx="1">
+            <a:schemeClr val="accent1"/>
+          </a:fillRef>
+          <a:effectRef idx="0">
+            <a:schemeClr val="accent1"/>
+          </a:effectRef>
+          <a:fontRef idx="minor">
+            <a:schemeClr val="lt1"/>
+          </a:fontRef>
+        </p:style>
+        <p:txBody>
+          <a:bodyPr rtlCol="0" anchor="ctr"/>
+          <a:lstStyle/>
+          <a:p>
+            <a:pPr algn="ctr"/>
+            <a:endParaRPr lang="en-US"/>
+          </a:p>
+        </p:txBody>
+      </p:sp>
+      <p:sp>
+        <p:nvSpPr>
+          <p:cNvPr id="9" name="Rectangle 8">
+            <a:extLst>
+              <a:ext uri="{FF2B5EF4-FFF2-40B4-BE49-F238E27FC236}">
+                <a16:creationId xmlns:a16="http://schemas.microsoft.com/office/drawing/2014/main" id="{8D38A9BE-0E97-1C9C-4786-57024FC88227}"/>
+              </a:ext>
+            </a:extLst>
+          </p:cNvPr>
+          <p:cNvSpPr/>
+          <p:nvPr/>
+        </p:nvSpPr>
+        <p:spPr>
+          <a:xfrm>
+            <a:off x="481952" y="2895599"/>
+            <a:ext cx="443532" cy="393468"/>
+          </a:xfrm>
+          <a:prstGeom prst="rect">
+            <a:avLst/>
+          </a:prstGeom>
+          <a:solidFill>
+            <a:schemeClr val="accent1">
+              <a:alpha val="34000"/>
+            </a:schemeClr>
+          </a:solidFill>
+          <a:ln>
+            <a:noFill/>
+          </a:ln>
+        </p:spPr>
+        <p:style>
+          <a:lnRef idx="2">
+            <a:schemeClr val="accent1">
+              <a:shade val="15000"/>
+            </a:schemeClr>
+          </a:lnRef>
+          <a:fillRef idx="1">
+            <a:schemeClr val="accent1"/>
+          </a:fillRef>
+          <a:effectRef idx="0">
+            <a:schemeClr val="accent1"/>
+          </a:effectRef>
+          <a:fontRef idx="minor">
+            <a:schemeClr val="lt1"/>
+          </a:fontRef>
+        </p:style>
+        <p:txBody>
+          <a:bodyPr rtlCol="0" anchor="ctr"/>
+          <a:lstStyle/>
+          <a:p>
+            <a:pPr algn="ctr"/>
+            <a:endParaRPr lang="en-US"/>
+          </a:p>
+        </p:txBody>
+      </p:sp>
+      <p:sp>
+        <p:nvSpPr>
+          <p:cNvPr id="10" name="Rectangle 9">
+            <a:extLst>
+              <a:ext uri="{FF2B5EF4-FFF2-40B4-BE49-F238E27FC236}">
+                <a16:creationId xmlns:a16="http://schemas.microsoft.com/office/drawing/2014/main" id="{395FCF47-8291-6254-3B38-53094EF7E041}"/>
+              </a:ext>
+            </a:extLst>
+          </p:cNvPr>
+          <p:cNvSpPr/>
+          <p:nvPr/>
+        </p:nvSpPr>
+        <p:spPr>
+          <a:xfrm>
+            <a:off x="6403385" y="5964999"/>
+            <a:ext cx="443532" cy="393468"/>
+          </a:xfrm>
+          <a:prstGeom prst="rect">
+            <a:avLst/>
+          </a:prstGeom>
+          <a:solidFill>
+            <a:schemeClr val="accent1">
+              <a:alpha val="34000"/>
+            </a:schemeClr>
+          </a:solidFill>
+          <a:ln>
+            <a:noFill/>
+          </a:ln>
+        </p:spPr>
+        <p:style>
+          <a:lnRef idx="2">
+            <a:schemeClr val="accent1">
+              <a:shade val="15000"/>
+            </a:schemeClr>
+          </a:lnRef>
+          <a:fillRef idx="1">
+            <a:schemeClr val="accent1"/>
+          </a:fillRef>
+          <a:effectRef idx="0">
+            <a:schemeClr val="accent1"/>
+          </a:effectRef>
+          <a:fontRef idx="minor">
+            <a:schemeClr val="lt1"/>
+          </a:fontRef>
+        </p:style>
+        <p:txBody>
+          <a:bodyPr rtlCol="0" anchor="ctr"/>
+          <a:lstStyle/>
+          <a:p>
+            <a:pPr algn="ctr"/>
+            <a:endParaRPr lang="en-US"/>
+          </a:p>
+        </p:txBody>
+      </p:sp>
+      <p:sp>
+        <p:nvSpPr>
+          <p:cNvPr id="11" name="Rectangle 10">
+            <a:extLst>
+              <a:ext uri="{FF2B5EF4-FFF2-40B4-BE49-F238E27FC236}">
+                <a16:creationId xmlns:a16="http://schemas.microsoft.com/office/drawing/2014/main" id="{7B1C2E3B-B183-E305-D49C-CEDE50C2C9A3}"/>
+              </a:ext>
+            </a:extLst>
+          </p:cNvPr>
+          <p:cNvSpPr/>
+          <p:nvPr/>
+        </p:nvSpPr>
+        <p:spPr>
+          <a:xfrm>
+            <a:off x="481952" y="5904807"/>
+            <a:ext cx="443532" cy="393468"/>
+          </a:xfrm>
+          <a:prstGeom prst="rect">
+            <a:avLst/>
+          </a:prstGeom>
+          <a:solidFill>
+            <a:schemeClr val="accent1">
+              <a:alpha val="34000"/>
+            </a:schemeClr>
+          </a:solidFill>
+          <a:ln>
+            <a:noFill/>
+          </a:ln>
+        </p:spPr>
+        <p:style>
+          <a:lnRef idx="2">
+            <a:schemeClr val="accent1">
+              <a:shade val="15000"/>
+            </a:schemeClr>
+          </a:lnRef>
+          <a:fillRef idx="1">
+            <a:schemeClr val="accent1"/>
+          </a:fillRef>
+          <a:effectRef idx="0">
+            <a:schemeClr val="accent1"/>
+          </a:effectRef>
+          <a:fontRef idx="minor">
+            <a:schemeClr val="lt1"/>
+          </a:fontRef>
+        </p:style>
+        <p:txBody>
+          <a:bodyPr rtlCol="0" anchor="ctr"/>
+          <a:lstStyle/>
+          <a:p>
+            <a:pPr algn="ctr"/>
+            <a:endParaRPr lang="en-US"/>
+          </a:p>
+        </p:txBody>
+      </p:sp>
+    </p:spTree>
+    <p:extLst>
+      <p:ext uri="{BB962C8B-B14F-4D97-AF65-F5344CB8AC3E}">
+        <p14:creationId xmlns:p14="http://schemas.microsoft.com/office/powerpoint/2010/main" val="3765844276"/>
       </p:ext>
     </p:extLst>
   </p:cSld>
